--- a/Teste - Selenium e Mocha.pptx
+++ b/Teste - Selenium e Mocha.pptx
@@ -5,7 +5,7 @@
     <p:sldMasterId id="2147483708" r:id="rId1"/>
   </p:sldMasterIdLst>
   <p:notesMasterIdLst>
-    <p:notesMasterId r:id="rId30"/>
+    <p:notesMasterId r:id="rId35"/>
   </p:notesMasterIdLst>
   <p:sldIdLst>
     <p:sldId id="256" r:id="rId2"/>
@@ -33,9 +33,14 @@
     <p:sldId id="355" r:id="rId24"/>
     <p:sldId id="356" r:id="rId25"/>
     <p:sldId id="357" r:id="rId26"/>
-    <p:sldId id="358" r:id="rId27"/>
-    <p:sldId id="359" r:id="rId28"/>
-    <p:sldId id="360" r:id="rId29"/>
+    <p:sldId id="359" r:id="rId27"/>
+    <p:sldId id="360" r:id="rId28"/>
+    <p:sldId id="361" r:id="rId29"/>
+    <p:sldId id="362" r:id="rId30"/>
+    <p:sldId id="364" r:id="rId31"/>
+    <p:sldId id="363" r:id="rId32"/>
+    <p:sldId id="365" r:id="rId33"/>
+    <p:sldId id="366" r:id="rId34"/>
   </p:sldIdLst>
   <p:sldSz cx="12192000" cy="6858000"/>
   <p:notesSz cx="6858000" cy="9144000"/>
@@ -235,7 +240,7 @@
           <a:p>
             <a:fld id="{226D3656-EA78-4A3D-A35D-27369261C465}" type="datetimeFigureOut">
               <a:rPr lang="pt-BR" smtClean="0"/>
-              <a:t>22/10/2021</a:t>
+              <a:t>25/10/2021</a:t>
             </a:fld>
             <a:endParaRPr lang="pt-BR"/>
           </a:p>
@@ -502,6 +507,90 @@
 </p:notesMaster>
 </file>
 
+<file path=ppt/notesSlides/notesSlide1.xml><?xml version="1.0" encoding="utf-8"?>
+<p:notes xmlns:a="http://schemas.openxmlformats.org/drawingml/2006/main" xmlns:r="http://schemas.openxmlformats.org/officeDocument/2006/relationships" xmlns:p="http://schemas.openxmlformats.org/presentationml/2006/main">
+  <p:cSld>
+    <p:spTree>
+      <p:nvGrpSpPr>
+        <p:cNvPr id="1" name=""/>
+        <p:cNvGrpSpPr/>
+        <p:nvPr/>
+      </p:nvGrpSpPr>
+      <p:grpSpPr>
+        <a:xfrm>
+          <a:off x="0" y="0"/>
+          <a:ext cx="0" cy="0"/>
+          <a:chOff x="0" y="0"/>
+          <a:chExt cx="0" cy="0"/>
+        </a:xfrm>
+      </p:grpSpPr>
+      <p:sp>
+        <p:nvSpPr>
+          <p:cNvPr id="2" name="Espaço Reservado para Imagem de Slide 1"/>
+          <p:cNvSpPr>
+            <a:spLocks noGrp="1" noRot="1" noChangeAspect="1"/>
+          </p:cNvSpPr>
+          <p:nvPr>
+            <p:ph type="sldImg"/>
+          </p:nvPr>
+        </p:nvSpPr>
+        <p:spPr/>
+      </p:sp>
+      <p:sp>
+        <p:nvSpPr>
+          <p:cNvPr id="3" name="Espaço Reservado para Anotações 2"/>
+          <p:cNvSpPr>
+            <a:spLocks noGrp="1"/>
+          </p:cNvSpPr>
+          <p:nvPr>
+            <p:ph type="body" idx="1"/>
+          </p:nvPr>
+        </p:nvSpPr>
+        <p:spPr/>
+        <p:txBody>
+          <a:bodyPr/>
+          <a:lstStyle/>
+          <a:p>
+            <a:endParaRPr lang="pt-BR" dirty="0"/>
+          </a:p>
+        </p:txBody>
+      </p:sp>
+      <p:sp>
+        <p:nvSpPr>
+          <p:cNvPr id="4" name="Espaço Reservado para Número de Slide 3"/>
+          <p:cNvSpPr>
+            <a:spLocks noGrp="1"/>
+          </p:cNvSpPr>
+          <p:nvPr>
+            <p:ph type="sldNum" sz="quarter" idx="5"/>
+          </p:nvPr>
+        </p:nvSpPr>
+        <p:spPr/>
+        <p:txBody>
+          <a:bodyPr/>
+          <a:lstStyle/>
+          <a:p>
+            <a:fld id="{A1BD2DF0-261E-4212-A461-A34F87BB6EC3}" type="slidenum">
+              <a:rPr lang="pt-BR" smtClean="0"/>
+              <a:t>25</a:t>
+            </a:fld>
+            <a:endParaRPr lang="pt-BR"/>
+          </a:p>
+        </p:txBody>
+      </p:sp>
+    </p:spTree>
+    <p:extLst>
+      <p:ext uri="{BB962C8B-B14F-4D97-AF65-F5344CB8AC3E}">
+        <p14:creationId xmlns:p14="http://schemas.microsoft.com/office/powerpoint/2010/main" val="4104590389"/>
+      </p:ext>
+    </p:extLst>
+  </p:cSld>
+  <p:clrMapOvr>
+    <a:masterClrMapping/>
+  </p:clrMapOvr>
+</p:notes>
+</file>
+
 <file path=ppt/slideLayouts/slideLayout1.xml><?xml version="1.0" encoding="utf-8"?>
 <p:sldLayout xmlns:a="http://schemas.openxmlformats.org/drawingml/2006/main" xmlns:r="http://schemas.openxmlformats.org/officeDocument/2006/relationships" xmlns:p="http://schemas.openxmlformats.org/presentationml/2006/main" showMasterSp="0" type="title" preserve="1">
   <p:cSld name="Slide de título">
@@ -1160,7 +1249,7 @@
           <a:p>
             <a:fld id="{2E700DB3-DBF0-4086-B675-117E7A9610B8}" type="datetimeFigureOut">
               <a:rPr lang="pt-BR" smtClean="0"/>
-              <a:t>22/10/2021</a:t>
+              <a:t>25/10/2021</a:t>
             </a:fld>
             <a:endParaRPr lang="pt-BR"/>
           </a:p>
@@ -1343,7 +1432,7 @@
           <a:p>
             <a:fld id="{2E700DB3-DBF0-4086-B675-117E7A9610B8}" type="datetimeFigureOut">
               <a:rPr lang="pt-BR" smtClean="0"/>
-              <a:t>22/10/2021</a:t>
+              <a:t>25/10/2021</a:t>
             </a:fld>
             <a:endParaRPr lang="pt-BR"/>
           </a:p>
@@ -1518,7 +1607,7 @@
           <a:p>
             <a:fld id="{2E700DB3-DBF0-4086-B675-117E7A9610B8}" type="datetimeFigureOut">
               <a:rPr lang="pt-BR" smtClean="0"/>
-              <a:t>22/10/2021</a:t>
+              <a:t>25/10/2021</a:t>
             </a:fld>
             <a:endParaRPr lang="pt-BR"/>
           </a:p>
@@ -1683,7 +1772,7 @@
           <a:p>
             <a:fld id="{2E700DB3-DBF0-4086-B675-117E7A9610B8}" type="datetimeFigureOut">
               <a:rPr lang="pt-BR" smtClean="0"/>
-              <a:t>22/10/2021</a:t>
+              <a:t>25/10/2021</a:t>
             </a:fld>
             <a:endParaRPr lang="pt-BR"/>
           </a:p>
@@ -1904,7 +1993,7 @@
           <a:p>
             <a:fld id="{2E700DB3-DBF0-4086-B675-117E7A9610B8}" type="datetimeFigureOut">
               <a:rPr lang="pt-BR" smtClean="0"/>
-              <a:t>22/10/2021</a:t>
+              <a:t>25/10/2021</a:t>
             </a:fld>
             <a:endParaRPr lang="pt-BR"/>
           </a:p>
@@ -2163,7 +2252,7 @@
           <a:p>
             <a:fld id="{2E700DB3-DBF0-4086-B675-117E7A9610B8}" type="datetimeFigureOut">
               <a:rPr lang="pt-BR" smtClean="0"/>
-              <a:t>22/10/2021</a:t>
+              <a:t>25/10/2021</a:t>
             </a:fld>
             <a:endParaRPr lang="pt-BR"/>
           </a:p>
@@ -2567,7 +2656,7 @@
           <a:p>
             <a:fld id="{2E700DB3-DBF0-4086-B675-117E7A9610B8}" type="datetimeFigureOut">
               <a:rPr lang="pt-BR" smtClean="0"/>
-              <a:t>22/10/2021</a:t>
+              <a:t>25/10/2021</a:t>
             </a:fld>
             <a:endParaRPr lang="pt-BR"/>
           </a:p>
@@ -2698,7 +2787,7 @@
           <a:p>
             <a:fld id="{2E700DB3-DBF0-4086-B675-117E7A9610B8}" type="datetimeFigureOut">
               <a:rPr lang="pt-BR" smtClean="0"/>
-              <a:t>22/10/2021</a:t>
+              <a:t>25/10/2021</a:t>
             </a:fld>
             <a:endParaRPr lang="pt-BR"/>
           </a:p>
@@ -2798,7 +2887,7 @@
           <a:p>
             <a:fld id="{2E700DB3-DBF0-4086-B675-117E7A9610B8}" type="datetimeFigureOut">
               <a:rPr lang="pt-BR" smtClean="0"/>
-              <a:t>22/10/2021</a:t>
+              <a:t>25/10/2021</a:t>
             </a:fld>
             <a:endParaRPr lang="pt-BR"/>
           </a:p>
@@ -3043,7 +3132,7 @@
           <a:p>
             <a:fld id="{2E700DB3-DBF0-4086-B675-117E7A9610B8}" type="datetimeFigureOut">
               <a:rPr lang="pt-BR" smtClean="0"/>
-              <a:t>22/10/2021</a:t>
+              <a:t>25/10/2021</a:t>
             </a:fld>
             <a:endParaRPr lang="pt-BR"/>
           </a:p>
@@ -3287,7 +3376,7 @@
           <a:p>
             <a:fld id="{2E700DB3-DBF0-4086-B675-117E7A9610B8}" type="datetimeFigureOut">
               <a:rPr lang="pt-BR" smtClean="0"/>
-              <a:t>22/10/2021</a:t>
+              <a:t>25/10/2021</a:t>
             </a:fld>
             <a:endParaRPr lang="pt-BR"/>
           </a:p>
@@ -4111,7 +4200,7 @@
           <a:p>
             <a:fld id="{2E700DB3-DBF0-4086-B675-117E7A9610B8}" type="datetimeFigureOut">
               <a:rPr lang="pt-BR" smtClean="0"/>
-              <a:t>22/10/2021</a:t>
+              <a:t>25/10/2021</a:t>
             </a:fld>
             <a:endParaRPr lang="pt-BR"/>
           </a:p>
@@ -16448,6 +16537,665 @@
           </a:p>
         </p:txBody>
       </p:sp>
+      <p:sp>
+        <p:nvSpPr>
+          <p:cNvPr id="5" name="CaixaDeTexto 4">
+            <a:extLst>
+              <a:ext uri="{FF2B5EF4-FFF2-40B4-BE49-F238E27FC236}">
+                <a16:creationId xmlns:a16="http://schemas.microsoft.com/office/drawing/2014/main" id="{481EAF7A-8D97-49C8-A58D-4865AA38CB51}"/>
+              </a:ext>
+            </a:extLst>
+          </p:cNvPr>
+          <p:cNvSpPr txBox="1"/>
+          <p:nvPr/>
+        </p:nvSpPr>
+        <p:spPr>
+          <a:xfrm>
+            <a:off x="839416" y="3048049"/>
+            <a:ext cx="10369152" cy="3693319"/>
+          </a:xfrm>
+          <a:prstGeom prst="rect">
+            <a:avLst/>
+          </a:prstGeom>
+        </p:spPr>
+        <p:style>
+          <a:lnRef idx="2">
+            <a:schemeClr val="dk1"/>
+          </a:lnRef>
+          <a:fillRef idx="1">
+            <a:schemeClr val="lt1"/>
+          </a:fillRef>
+          <a:effectRef idx="0">
+            <a:schemeClr val="dk1"/>
+          </a:effectRef>
+          <a:fontRef idx="minor">
+            <a:schemeClr val="dk1"/>
+          </a:fontRef>
+        </p:style>
+        <p:txBody>
+          <a:bodyPr wrap="square">
+            <a:spAutoFit/>
+          </a:bodyPr>
+          <a:lstStyle/>
+          <a:p>
+            <a:r>
+              <a:rPr lang="pt-BR" dirty="0" err="1">
+                <a:solidFill>
+                  <a:srgbClr val="0033CC"/>
+                </a:solidFill>
+                <a:latin typeface="Consolas" panose="020B0609020204030204" pitchFamily="49" charset="0"/>
+              </a:rPr>
+              <a:t>async</a:t>
+            </a:r>
+            <a:r>
+              <a:rPr lang="pt-BR" dirty="0">
+                <a:solidFill>
+                  <a:srgbClr val="0033CC"/>
+                </a:solidFill>
+                <a:latin typeface="Consolas" panose="020B0609020204030204" pitchFamily="49" charset="0"/>
+              </a:rPr>
+              <a:t> </a:t>
+            </a:r>
+            <a:r>
+              <a:rPr lang="pt-BR" dirty="0" err="1">
+                <a:solidFill>
+                  <a:srgbClr val="0033CC"/>
+                </a:solidFill>
+                <a:latin typeface="Consolas" panose="020B0609020204030204" pitchFamily="49" charset="0"/>
+              </a:rPr>
+              <a:t>function</a:t>
+            </a:r>
+            <a:r>
+              <a:rPr lang="pt-BR" dirty="0">
+                <a:solidFill>
+                  <a:srgbClr val="0033CC"/>
+                </a:solidFill>
+                <a:latin typeface="Consolas" panose="020B0609020204030204" pitchFamily="49" charset="0"/>
+              </a:rPr>
+              <a:t> </a:t>
+            </a:r>
+            <a:r>
+              <a:rPr lang="pt-BR" dirty="0">
+                <a:latin typeface="Consolas" panose="020B0609020204030204" pitchFamily="49" charset="0"/>
+              </a:rPr>
+              <a:t>teste() {</a:t>
+            </a:r>
+          </a:p>
+          <a:p>
+            <a:r>
+              <a:rPr lang="pt-BR" dirty="0">
+                <a:solidFill>
+                  <a:srgbClr val="00B050"/>
+                </a:solidFill>
+                <a:latin typeface="Consolas" panose="020B0609020204030204" pitchFamily="49" charset="0"/>
+              </a:rPr>
+              <a:t>    //new </a:t>
+            </a:r>
+            <a:r>
+              <a:rPr lang="pt-BR" dirty="0" err="1">
+                <a:solidFill>
+                  <a:srgbClr val="00B050"/>
+                </a:solidFill>
+                <a:latin typeface="Consolas" panose="020B0609020204030204" pitchFamily="49" charset="0"/>
+              </a:rPr>
+              <a:t>Builder</a:t>
+            </a:r>
+            <a:r>
+              <a:rPr lang="pt-BR" dirty="0">
+                <a:solidFill>
+                  <a:srgbClr val="00B050"/>
+                </a:solidFill>
+                <a:latin typeface="Consolas" panose="020B0609020204030204" pitchFamily="49" charset="0"/>
+              </a:rPr>
+              <a:t>().</a:t>
+            </a:r>
+            <a:r>
+              <a:rPr lang="pt-BR" dirty="0" err="1">
+                <a:solidFill>
+                  <a:srgbClr val="00B050"/>
+                </a:solidFill>
+                <a:latin typeface="Consolas" panose="020B0609020204030204" pitchFamily="49" charset="0"/>
+              </a:rPr>
+              <a:t>forBrowser</a:t>
+            </a:r>
+            <a:r>
+              <a:rPr lang="pt-BR" dirty="0">
+                <a:solidFill>
+                  <a:srgbClr val="00B050"/>
+                </a:solidFill>
+                <a:latin typeface="Consolas" panose="020B0609020204030204" pitchFamily="49" charset="0"/>
+              </a:rPr>
+              <a:t>().build() = Cria uma conexão com o navegador</a:t>
+            </a:r>
+          </a:p>
+          <a:p>
+            <a:r>
+              <a:rPr lang="pt-BR" dirty="0">
+                <a:latin typeface="Consolas" panose="020B0609020204030204" pitchFamily="49" charset="0"/>
+              </a:rPr>
+              <a:t>    </a:t>
+            </a:r>
+            <a:r>
+              <a:rPr lang="pt-BR" dirty="0" err="1">
+                <a:solidFill>
+                  <a:srgbClr val="0033CC"/>
+                </a:solidFill>
+                <a:latin typeface="Consolas" panose="020B0609020204030204" pitchFamily="49" charset="0"/>
+              </a:rPr>
+              <a:t>const</a:t>
+            </a:r>
+            <a:r>
+              <a:rPr lang="pt-BR" dirty="0">
+                <a:latin typeface="Consolas" panose="020B0609020204030204" pitchFamily="49" charset="0"/>
+              </a:rPr>
+              <a:t> driver = </a:t>
+            </a:r>
+            <a:r>
+              <a:rPr lang="pt-BR" dirty="0" err="1">
+                <a:solidFill>
+                  <a:srgbClr val="0033CC"/>
+                </a:solidFill>
+                <a:latin typeface="Consolas" panose="020B0609020204030204" pitchFamily="49" charset="0"/>
+              </a:rPr>
+              <a:t>await</a:t>
+            </a:r>
+            <a:r>
+              <a:rPr lang="pt-BR" dirty="0">
+                <a:latin typeface="Consolas" panose="020B0609020204030204" pitchFamily="49" charset="0"/>
+              </a:rPr>
+              <a:t> </a:t>
+            </a:r>
+            <a:r>
+              <a:rPr lang="pt-BR" dirty="0">
+                <a:solidFill>
+                  <a:srgbClr val="0033CC"/>
+                </a:solidFill>
+                <a:latin typeface="Consolas" panose="020B0609020204030204" pitchFamily="49" charset="0"/>
+              </a:rPr>
+              <a:t>new</a:t>
+            </a:r>
+            <a:r>
+              <a:rPr lang="pt-BR" dirty="0">
+                <a:latin typeface="Consolas" panose="020B0609020204030204" pitchFamily="49" charset="0"/>
+              </a:rPr>
+              <a:t> </a:t>
+            </a:r>
+            <a:r>
+              <a:rPr lang="pt-BR" dirty="0" err="1">
+                <a:latin typeface="Consolas" panose="020B0609020204030204" pitchFamily="49" charset="0"/>
+              </a:rPr>
+              <a:t>Builder</a:t>
+            </a:r>
+            <a:r>
+              <a:rPr lang="pt-BR" dirty="0">
+                <a:latin typeface="Consolas" panose="020B0609020204030204" pitchFamily="49" charset="0"/>
+              </a:rPr>
+              <a:t>().</a:t>
+            </a:r>
+            <a:r>
+              <a:rPr lang="pt-BR" dirty="0" err="1">
+                <a:latin typeface="Consolas" panose="020B0609020204030204" pitchFamily="49" charset="0"/>
+              </a:rPr>
+              <a:t>forBrowser</a:t>
+            </a:r>
+            <a:r>
+              <a:rPr lang="pt-BR" dirty="0">
+                <a:latin typeface="Consolas" panose="020B0609020204030204" pitchFamily="49" charset="0"/>
+              </a:rPr>
+              <a:t>(</a:t>
+            </a:r>
+            <a:r>
+              <a:rPr lang="pt-BR" dirty="0">
+                <a:solidFill>
+                  <a:srgbClr val="FF0000"/>
+                </a:solidFill>
+                <a:latin typeface="Consolas" panose="020B0609020204030204" pitchFamily="49" charset="0"/>
+              </a:rPr>
+              <a:t>'</a:t>
+            </a:r>
+            <a:r>
+              <a:rPr lang="pt-BR" dirty="0" err="1">
+                <a:solidFill>
+                  <a:srgbClr val="FF0000"/>
+                </a:solidFill>
+                <a:latin typeface="Consolas" panose="020B0609020204030204" pitchFamily="49" charset="0"/>
+              </a:rPr>
+              <a:t>MicrosoftEdge</a:t>
+            </a:r>
+            <a:r>
+              <a:rPr lang="pt-BR" dirty="0">
+                <a:solidFill>
+                  <a:srgbClr val="FF0000"/>
+                </a:solidFill>
+                <a:latin typeface="Consolas" panose="020B0609020204030204" pitchFamily="49" charset="0"/>
+              </a:rPr>
+              <a:t>'</a:t>
+            </a:r>
+            <a:r>
+              <a:rPr lang="pt-BR" dirty="0">
+                <a:latin typeface="Consolas" panose="020B0609020204030204" pitchFamily="49" charset="0"/>
+              </a:rPr>
+              <a:t>).build();</a:t>
+            </a:r>
+          </a:p>
+          <a:p>
+            <a:r>
+              <a:rPr lang="pt-BR" dirty="0">
+                <a:solidFill>
+                  <a:srgbClr val="00B050"/>
+                </a:solidFill>
+                <a:latin typeface="Consolas" panose="020B0609020204030204" pitchFamily="49" charset="0"/>
+              </a:rPr>
+              <a:t>    //</a:t>
+            </a:r>
+            <a:r>
+              <a:rPr lang="pt-BR" dirty="0" err="1">
+                <a:solidFill>
+                  <a:srgbClr val="00B050"/>
+                </a:solidFill>
+                <a:latin typeface="Consolas" panose="020B0609020204030204" pitchFamily="49" charset="0"/>
+              </a:rPr>
+              <a:t>get</a:t>
+            </a:r>
+            <a:r>
+              <a:rPr lang="pt-BR" dirty="0">
+                <a:solidFill>
+                  <a:srgbClr val="00B050"/>
+                </a:solidFill>
+                <a:latin typeface="Consolas" panose="020B0609020204030204" pitchFamily="49" charset="0"/>
+              </a:rPr>
+              <a:t> = Abre a página no link </a:t>
+            </a:r>
+            <a:r>
+              <a:rPr lang="pt-BR" dirty="0" err="1">
+                <a:solidFill>
+                  <a:srgbClr val="00B050"/>
+                </a:solidFill>
+                <a:latin typeface="Consolas" panose="020B0609020204030204" pitchFamily="49" charset="0"/>
+              </a:rPr>
+              <a:t>informato</a:t>
+            </a:r>
+            <a:endParaRPr lang="pt-BR" dirty="0">
+              <a:solidFill>
+                <a:srgbClr val="00B050"/>
+              </a:solidFill>
+              <a:latin typeface="Consolas" panose="020B0609020204030204" pitchFamily="49" charset="0"/>
+            </a:endParaRPr>
+          </a:p>
+          <a:p>
+            <a:r>
+              <a:rPr lang="pt-BR" dirty="0">
+                <a:latin typeface="Consolas" panose="020B0609020204030204" pitchFamily="49" charset="0"/>
+              </a:rPr>
+              <a:t>    </a:t>
+            </a:r>
+            <a:r>
+              <a:rPr lang="pt-BR" dirty="0" err="1">
+                <a:solidFill>
+                  <a:srgbClr val="0033CC"/>
+                </a:solidFill>
+                <a:latin typeface="Consolas" panose="020B0609020204030204" pitchFamily="49" charset="0"/>
+              </a:rPr>
+              <a:t>await</a:t>
+            </a:r>
+            <a:r>
+              <a:rPr lang="pt-BR" dirty="0">
+                <a:latin typeface="Consolas" panose="020B0609020204030204" pitchFamily="49" charset="0"/>
+              </a:rPr>
+              <a:t> </a:t>
+            </a:r>
+            <a:r>
+              <a:rPr lang="pt-BR" dirty="0" err="1">
+                <a:latin typeface="Consolas" panose="020B0609020204030204" pitchFamily="49" charset="0"/>
+              </a:rPr>
+              <a:t>driver.get</a:t>
+            </a:r>
+            <a:r>
+              <a:rPr lang="pt-BR" dirty="0">
+                <a:latin typeface="Consolas" panose="020B0609020204030204" pitchFamily="49" charset="0"/>
+              </a:rPr>
+              <a:t>(</a:t>
+            </a:r>
+            <a:r>
+              <a:rPr lang="pt-BR" dirty="0">
+                <a:solidFill>
+                  <a:srgbClr val="FF0000"/>
+                </a:solidFill>
+                <a:latin typeface="Consolas" panose="020B0609020204030204" pitchFamily="49" charset="0"/>
+              </a:rPr>
+              <a:t>'http://selenium.cwg.services'</a:t>
+            </a:r>
+            <a:r>
+              <a:rPr lang="pt-BR" dirty="0">
+                <a:latin typeface="Consolas" panose="020B0609020204030204" pitchFamily="49" charset="0"/>
+              </a:rPr>
+              <a:t>);</a:t>
+            </a:r>
+          </a:p>
+          <a:p>
+            <a:r>
+              <a:rPr lang="pt-BR" dirty="0">
+                <a:latin typeface="Consolas" panose="020B0609020204030204" pitchFamily="49" charset="0"/>
+              </a:rPr>
+              <a:t>    </a:t>
+            </a:r>
+          </a:p>
+          <a:p>
+            <a:r>
+              <a:rPr lang="pt-BR" dirty="0">
+                <a:solidFill>
+                  <a:srgbClr val="00B050"/>
+                </a:solidFill>
+                <a:latin typeface="Consolas" panose="020B0609020204030204" pitchFamily="49" charset="0"/>
+              </a:rPr>
+              <a:t>    //</a:t>
+            </a:r>
+            <a:r>
+              <a:rPr lang="pt-BR" dirty="0" err="1">
+                <a:solidFill>
+                  <a:srgbClr val="00B050"/>
+                </a:solidFill>
+                <a:latin typeface="Consolas" panose="020B0609020204030204" pitchFamily="49" charset="0"/>
+              </a:rPr>
+              <a:t>Email</a:t>
+            </a:r>
+            <a:endParaRPr lang="pt-BR" dirty="0">
+              <a:solidFill>
+                <a:srgbClr val="00B050"/>
+              </a:solidFill>
+              <a:latin typeface="Consolas" panose="020B0609020204030204" pitchFamily="49" charset="0"/>
+            </a:endParaRPr>
+          </a:p>
+          <a:p>
+            <a:r>
+              <a:rPr lang="pt-BR" dirty="0">
+                <a:latin typeface="Consolas" panose="020B0609020204030204" pitchFamily="49" charset="0"/>
+              </a:rPr>
+              <a:t>    </a:t>
+            </a:r>
+            <a:r>
+              <a:rPr lang="pt-BR" dirty="0" err="1">
+                <a:solidFill>
+                  <a:srgbClr val="0033CC"/>
+                </a:solidFill>
+                <a:latin typeface="Consolas" panose="020B0609020204030204" pitchFamily="49" charset="0"/>
+              </a:rPr>
+              <a:t>await</a:t>
+            </a:r>
+            <a:r>
+              <a:rPr lang="pt-BR" dirty="0">
+                <a:latin typeface="Consolas" panose="020B0609020204030204" pitchFamily="49" charset="0"/>
+              </a:rPr>
+              <a:t> </a:t>
+            </a:r>
+            <a:r>
+              <a:rPr lang="pt-BR" dirty="0" err="1">
+                <a:latin typeface="Consolas" panose="020B0609020204030204" pitchFamily="49" charset="0"/>
+              </a:rPr>
+              <a:t>driver.findElement</a:t>
+            </a:r>
+            <a:r>
+              <a:rPr lang="pt-BR" dirty="0">
+                <a:latin typeface="Consolas" panose="020B0609020204030204" pitchFamily="49" charset="0"/>
+              </a:rPr>
+              <a:t>(By.id(</a:t>
+            </a:r>
+            <a:r>
+              <a:rPr lang="pt-BR" dirty="0">
+                <a:solidFill>
+                  <a:srgbClr val="FF0000"/>
+                </a:solidFill>
+                <a:latin typeface="Consolas" panose="020B0609020204030204" pitchFamily="49" charset="0"/>
+              </a:rPr>
+              <a:t>'input-</a:t>
+            </a:r>
+            <a:r>
+              <a:rPr lang="pt-BR" dirty="0" err="1">
+                <a:solidFill>
+                  <a:srgbClr val="FF0000"/>
+                </a:solidFill>
+                <a:latin typeface="Consolas" panose="020B0609020204030204" pitchFamily="49" charset="0"/>
+              </a:rPr>
+              <a:t>email</a:t>
+            </a:r>
+            <a:r>
+              <a:rPr lang="pt-BR" dirty="0">
+                <a:solidFill>
+                  <a:srgbClr val="FF0000"/>
+                </a:solidFill>
+                <a:latin typeface="Consolas" panose="020B0609020204030204" pitchFamily="49" charset="0"/>
+              </a:rPr>
+              <a:t>'</a:t>
+            </a:r>
+            <a:r>
+              <a:rPr lang="pt-BR" dirty="0">
+                <a:latin typeface="Consolas" panose="020B0609020204030204" pitchFamily="49" charset="0"/>
+              </a:rPr>
+              <a:t>)).</a:t>
+            </a:r>
+            <a:r>
+              <a:rPr lang="pt-BR" dirty="0" err="1">
+                <a:latin typeface="Consolas" panose="020B0609020204030204" pitchFamily="49" charset="0"/>
+              </a:rPr>
+              <a:t>sendKeys</a:t>
+            </a:r>
+            <a:r>
+              <a:rPr lang="pt-BR" dirty="0">
+                <a:latin typeface="Consolas" panose="020B0609020204030204" pitchFamily="49" charset="0"/>
+              </a:rPr>
+              <a:t>(</a:t>
+            </a:r>
+            <a:r>
+              <a:rPr lang="pt-BR" dirty="0">
+                <a:solidFill>
+                  <a:srgbClr val="FF0000"/>
+                </a:solidFill>
+                <a:latin typeface="Consolas" panose="020B0609020204030204" pitchFamily="49" charset="0"/>
+              </a:rPr>
+              <a:t>'teste@teste.com'</a:t>
+            </a:r>
+            <a:r>
+              <a:rPr lang="pt-BR" dirty="0">
+                <a:latin typeface="Consolas" panose="020B0609020204030204" pitchFamily="49" charset="0"/>
+              </a:rPr>
+              <a:t>);</a:t>
+            </a:r>
+          </a:p>
+          <a:p>
+            <a:r>
+              <a:rPr lang="pt-BR" dirty="0">
+                <a:solidFill>
+                  <a:srgbClr val="00B050"/>
+                </a:solidFill>
+                <a:latin typeface="Consolas" panose="020B0609020204030204" pitchFamily="49" charset="0"/>
+              </a:rPr>
+              <a:t>    //Senha</a:t>
+            </a:r>
+          </a:p>
+          <a:p>
+            <a:r>
+              <a:rPr lang="pt-BR" dirty="0">
+                <a:latin typeface="Consolas" panose="020B0609020204030204" pitchFamily="49" charset="0"/>
+              </a:rPr>
+              <a:t>    </a:t>
+            </a:r>
+            <a:r>
+              <a:rPr lang="pt-BR" dirty="0" err="1">
+                <a:solidFill>
+                  <a:srgbClr val="0033CC"/>
+                </a:solidFill>
+                <a:latin typeface="Consolas" panose="020B0609020204030204" pitchFamily="49" charset="0"/>
+              </a:rPr>
+              <a:t>await</a:t>
+            </a:r>
+            <a:r>
+              <a:rPr lang="pt-BR" dirty="0">
+                <a:latin typeface="Consolas" panose="020B0609020204030204" pitchFamily="49" charset="0"/>
+              </a:rPr>
+              <a:t> </a:t>
+            </a:r>
+            <a:r>
+              <a:rPr lang="pt-BR" dirty="0" err="1">
+                <a:latin typeface="Consolas" panose="020B0609020204030204" pitchFamily="49" charset="0"/>
+              </a:rPr>
+              <a:t>driver.findElement</a:t>
+            </a:r>
+            <a:r>
+              <a:rPr lang="pt-BR" dirty="0">
+                <a:latin typeface="Consolas" panose="020B0609020204030204" pitchFamily="49" charset="0"/>
+              </a:rPr>
+              <a:t>(By.id(</a:t>
+            </a:r>
+            <a:r>
+              <a:rPr lang="pt-BR" dirty="0">
+                <a:solidFill>
+                  <a:srgbClr val="FF0000"/>
+                </a:solidFill>
+                <a:latin typeface="Consolas" panose="020B0609020204030204" pitchFamily="49" charset="0"/>
+              </a:rPr>
+              <a:t>'input-</a:t>
+            </a:r>
+            <a:r>
+              <a:rPr lang="pt-BR" dirty="0" err="1">
+                <a:solidFill>
+                  <a:srgbClr val="FF0000"/>
+                </a:solidFill>
+                <a:latin typeface="Consolas" panose="020B0609020204030204" pitchFamily="49" charset="0"/>
+              </a:rPr>
+              <a:t>password</a:t>
+            </a:r>
+            <a:r>
+              <a:rPr lang="pt-BR" dirty="0">
+                <a:solidFill>
+                  <a:srgbClr val="FF0000"/>
+                </a:solidFill>
+                <a:latin typeface="Consolas" panose="020B0609020204030204" pitchFamily="49" charset="0"/>
+              </a:rPr>
+              <a:t>'</a:t>
+            </a:r>
+            <a:r>
+              <a:rPr lang="pt-BR" dirty="0">
+                <a:latin typeface="Consolas" panose="020B0609020204030204" pitchFamily="49" charset="0"/>
+              </a:rPr>
+              <a:t>)).</a:t>
+            </a:r>
+            <a:r>
+              <a:rPr lang="pt-BR" dirty="0" err="1">
+                <a:latin typeface="Consolas" panose="020B0609020204030204" pitchFamily="49" charset="0"/>
+              </a:rPr>
+              <a:t>sendKeys</a:t>
+            </a:r>
+            <a:r>
+              <a:rPr lang="pt-BR" dirty="0">
+                <a:latin typeface="Consolas" panose="020B0609020204030204" pitchFamily="49" charset="0"/>
+              </a:rPr>
+              <a:t>(</a:t>
+            </a:r>
+            <a:r>
+              <a:rPr lang="pt-BR" dirty="0">
+                <a:solidFill>
+                  <a:srgbClr val="FF0000"/>
+                </a:solidFill>
+                <a:latin typeface="Consolas" panose="020B0609020204030204" pitchFamily="49" charset="0"/>
+              </a:rPr>
+              <a:t>'123456'</a:t>
+            </a:r>
+            <a:r>
+              <a:rPr lang="pt-BR" dirty="0">
+                <a:latin typeface="Consolas" panose="020B0609020204030204" pitchFamily="49" charset="0"/>
+              </a:rPr>
+              <a:t>);</a:t>
+            </a:r>
+          </a:p>
+          <a:p>
+            <a:r>
+              <a:rPr lang="pt-BR" dirty="0">
+                <a:solidFill>
+                  <a:srgbClr val="00B050"/>
+                </a:solidFill>
+                <a:latin typeface="Consolas" panose="020B0609020204030204" pitchFamily="49" charset="0"/>
+              </a:rPr>
+              <a:t>    //Botão</a:t>
+            </a:r>
+          </a:p>
+          <a:p>
+            <a:r>
+              <a:rPr lang="pt-BR" dirty="0">
+                <a:latin typeface="Consolas" panose="020B0609020204030204" pitchFamily="49" charset="0"/>
+              </a:rPr>
+              <a:t>    </a:t>
+            </a:r>
+            <a:r>
+              <a:rPr lang="pt-BR" dirty="0" err="1">
+                <a:solidFill>
+                  <a:srgbClr val="0033CC"/>
+                </a:solidFill>
+                <a:latin typeface="Consolas" panose="020B0609020204030204" pitchFamily="49" charset="0"/>
+              </a:rPr>
+              <a:t>await</a:t>
+            </a:r>
+            <a:r>
+              <a:rPr lang="pt-BR" dirty="0">
+                <a:latin typeface="Consolas" panose="020B0609020204030204" pitchFamily="49" charset="0"/>
+              </a:rPr>
+              <a:t> </a:t>
+            </a:r>
+            <a:r>
+              <a:rPr lang="pt-BR" dirty="0" err="1">
+                <a:latin typeface="Consolas" panose="020B0609020204030204" pitchFamily="49" charset="0"/>
+              </a:rPr>
+              <a:t>driver.findElement</a:t>
+            </a:r>
+            <a:r>
+              <a:rPr lang="pt-BR" dirty="0">
+                <a:latin typeface="Consolas" panose="020B0609020204030204" pitchFamily="49" charset="0"/>
+              </a:rPr>
+              <a:t>(By.id(</a:t>
+            </a:r>
+            <a:r>
+              <a:rPr lang="pt-BR" dirty="0">
+                <a:solidFill>
+                  <a:srgbClr val="FF0000"/>
+                </a:solidFill>
+                <a:latin typeface="Consolas" panose="020B0609020204030204" pitchFamily="49" charset="0"/>
+              </a:rPr>
+              <a:t>'</a:t>
+            </a:r>
+            <a:r>
+              <a:rPr lang="pt-BR" dirty="0" err="1">
+                <a:solidFill>
+                  <a:srgbClr val="FF0000"/>
+                </a:solidFill>
+                <a:latin typeface="Consolas" panose="020B0609020204030204" pitchFamily="49" charset="0"/>
+              </a:rPr>
+              <a:t>btn</a:t>
+            </a:r>
+            <a:r>
+              <a:rPr lang="pt-BR" dirty="0">
+                <a:solidFill>
+                  <a:srgbClr val="FF0000"/>
+                </a:solidFill>
+                <a:latin typeface="Consolas" panose="020B0609020204030204" pitchFamily="49" charset="0"/>
+              </a:rPr>
+              <a:t>-login'</a:t>
+            </a:r>
+            <a:r>
+              <a:rPr lang="pt-BR" dirty="0">
+                <a:latin typeface="Consolas" panose="020B0609020204030204" pitchFamily="49" charset="0"/>
+              </a:rPr>
+              <a:t>)).click();</a:t>
+            </a:r>
+          </a:p>
+          <a:p>
+            <a:r>
+              <a:rPr lang="pt-BR" dirty="0">
+                <a:latin typeface="Consolas" panose="020B0609020204030204" pitchFamily="49" charset="0"/>
+              </a:rPr>
+              <a:t>}</a:t>
+            </a:r>
+          </a:p>
+        </p:txBody>
+      </p:sp>
     </p:spTree>
     <p:extLst>
       <p:ext uri="{BB962C8B-B14F-4D97-AF65-F5344CB8AC3E}">
@@ -16458,274 +17206,96 @@
   <p:clrMapOvr>
     <a:masterClrMapping/>
   </p:clrMapOvr>
+  <p:timing>
+    <p:tnLst>
+      <p:par>
+        <p:cTn id="1" dur="indefinite" restart="never" nodeType="tmRoot">
+          <p:childTnLst>
+            <p:seq concurrent="1" nextAc="seek">
+              <p:cTn id="2" dur="indefinite" nodeType="mainSeq">
+                <p:childTnLst>
+                  <p:par>
+                    <p:cTn id="3" fill="hold">
+                      <p:stCondLst>
+                        <p:cond delay="indefinite"/>
+                      </p:stCondLst>
+                      <p:childTnLst>
+                        <p:par>
+                          <p:cTn id="4" fill="hold">
+                            <p:stCondLst>
+                              <p:cond delay="0"/>
+                            </p:stCondLst>
+                            <p:childTnLst>
+                              <p:par>
+                                <p:cTn id="5" presetID="10" presetClass="entr" presetSubtype="0" fill="hold" grpId="0" nodeType="clickEffect">
+                                  <p:stCondLst>
+                                    <p:cond delay="0"/>
+                                  </p:stCondLst>
+                                  <p:childTnLst>
+                                    <p:set>
+                                      <p:cBhvr>
+                                        <p:cTn id="6" dur="1" fill="hold">
+                                          <p:stCondLst>
+                                            <p:cond delay="0"/>
+                                          </p:stCondLst>
+                                        </p:cTn>
+                                        <p:tgtEl>
+                                          <p:spTgt spid="5"/>
+                                        </p:tgtEl>
+                                        <p:attrNameLst>
+                                          <p:attrName>style.visibility</p:attrName>
+                                        </p:attrNameLst>
+                                      </p:cBhvr>
+                                      <p:to>
+                                        <p:strVal val="visible"/>
+                                      </p:to>
+                                    </p:set>
+                                    <p:animEffect transition="in" filter="fade">
+                                      <p:cBhvr>
+                                        <p:cTn id="7" dur="500"/>
+                                        <p:tgtEl>
+                                          <p:spTgt spid="5"/>
+                                        </p:tgtEl>
+                                      </p:cBhvr>
+                                    </p:animEffect>
+                                  </p:childTnLst>
+                                </p:cTn>
+                              </p:par>
+                            </p:childTnLst>
+                          </p:cTn>
+                        </p:par>
+                      </p:childTnLst>
+                    </p:cTn>
+                  </p:par>
+                </p:childTnLst>
+              </p:cTn>
+              <p:prevCondLst>
+                <p:cond evt="onPrev" delay="0">
+                  <p:tgtEl>
+                    <p:sldTgt/>
+                  </p:tgtEl>
+                </p:cond>
+              </p:prevCondLst>
+              <p:nextCondLst>
+                <p:cond evt="onNext" delay="0">
+                  <p:tgtEl>
+                    <p:sldTgt/>
+                  </p:tgtEl>
+                </p:cond>
+              </p:nextCondLst>
+            </p:seq>
+          </p:childTnLst>
+        </p:cTn>
+      </p:par>
+    </p:tnLst>
+    <p:bldLst>
+      <p:bldP spid="5" grpId="0" animBg="1"/>
+    </p:bldLst>
+  </p:timing>
 </p:sld>
 </file>
 
 <file path=ppt/slides/slide26.xml><?xml version="1.0" encoding="utf-8"?>
-<p:sld xmlns:a="http://schemas.openxmlformats.org/drawingml/2006/main" xmlns:r="http://schemas.openxmlformats.org/officeDocument/2006/relationships" xmlns:p="http://schemas.openxmlformats.org/presentationml/2006/main">
-  <p:cSld>
-    <p:spTree>
-      <p:nvGrpSpPr>
-        <p:cNvPr id="1" name=""/>
-        <p:cNvGrpSpPr/>
-        <p:nvPr/>
-      </p:nvGrpSpPr>
-      <p:grpSpPr>
-        <a:xfrm>
-          <a:off x="0" y="0"/>
-          <a:ext cx="0" cy="0"/>
-          <a:chOff x="0" y="0"/>
-          <a:chExt cx="0" cy="0"/>
-        </a:xfrm>
-      </p:grpSpPr>
-      <p:sp>
-        <p:nvSpPr>
-          <p:cNvPr id="2" name="Título 1"/>
-          <p:cNvSpPr>
-            <a:spLocks noGrp="1"/>
-          </p:cNvSpPr>
-          <p:nvPr>
-            <p:ph type="title"/>
-          </p:nvPr>
-        </p:nvSpPr>
-        <p:spPr/>
-        <p:txBody>
-          <a:bodyPr>
-            <a:normAutofit/>
-          </a:bodyPr>
-          <a:lstStyle/>
-          <a:p>
-            <a:r>
-              <a:rPr lang="pt-BR" dirty="0"/>
-              <a:t>Praticando!</a:t>
-            </a:r>
-          </a:p>
-        </p:txBody>
-      </p:sp>
-      <p:sp>
-        <p:nvSpPr>
-          <p:cNvPr id="12" name="Espaço Reservado para Conteúdo 2">
-            <a:extLst>
-              <a:ext uri="{FF2B5EF4-FFF2-40B4-BE49-F238E27FC236}">
-                <a16:creationId xmlns:a16="http://schemas.microsoft.com/office/drawing/2014/main" id="{41F898C3-1FE6-48FD-A402-B6B6CA7FD321}"/>
-              </a:ext>
-            </a:extLst>
-          </p:cNvPr>
-          <p:cNvSpPr txBox="1">
-            <a:spLocks/>
-          </p:cNvSpPr>
-          <p:nvPr/>
-        </p:nvSpPr>
-        <p:spPr>
-          <a:xfrm>
-            <a:off x="589458" y="2114061"/>
-            <a:ext cx="10972799" cy="3691203"/>
-          </a:xfrm>
-          <a:prstGeom prst="rect">
-            <a:avLst/>
-          </a:prstGeom>
-        </p:spPr>
-        <p:txBody>
-          <a:bodyPr vert="horz">
-            <a:normAutofit/>
-          </a:bodyPr>
-          <a:lstStyle>
-            <a:lvl1pPr marL="365760" indent="-256032" algn="l" rtl="0" eaLnBrk="1" latinLnBrk="0" hangingPunct="1">
-              <a:spcBef>
-                <a:spcPts val="300"/>
-              </a:spcBef>
-              <a:buClr>
-                <a:schemeClr val="accent3"/>
-              </a:buClr>
-              <a:buFont typeface="Georgia"/>
-              <a:buChar char="•"/>
-              <a:defRPr kumimoji="0" sz="2800" kern="1200">
-                <a:solidFill>
-                  <a:schemeClr val="tx1"/>
-                </a:solidFill>
-                <a:latin typeface="+mn-lt"/>
-                <a:ea typeface="+mn-ea"/>
-                <a:cs typeface="+mn-cs"/>
-              </a:defRPr>
-            </a:lvl1pPr>
-            <a:lvl2pPr marL="658368" indent="-246888" algn="l" rtl="0" eaLnBrk="1" latinLnBrk="0" hangingPunct="1">
-              <a:spcBef>
-                <a:spcPts val="300"/>
-              </a:spcBef>
-              <a:buClr>
-                <a:schemeClr val="accent2"/>
-              </a:buClr>
-              <a:buFont typeface="Georgia"/>
-              <a:buChar char="▫"/>
-              <a:defRPr kumimoji="0" sz="2600" kern="1200">
-                <a:solidFill>
-                  <a:schemeClr val="accent2"/>
-                </a:solidFill>
-                <a:latin typeface="+mn-lt"/>
-                <a:ea typeface="+mn-ea"/>
-                <a:cs typeface="+mn-cs"/>
-              </a:defRPr>
-            </a:lvl2pPr>
-            <a:lvl3pPr marL="923544" indent="-219456" algn="l" rtl="0" eaLnBrk="1" latinLnBrk="0" hangingPunct="1">
-              <a:spcBef>
-                <a:spcPts val="300"/>
-              </a:spcBef>
-              <a:buClr>
-                <a:schemeClr val="accent1"/>
-              </a:buClr>
-              <a:buFont typeface="Wingdings 2"/>
-              <a:buChar char=""/>
-              <a:defRPr kumimoji="0" sz="2400" kern="1200">
-                <a:solidFill>
-                  <a:schemeClr val="accent1"/>
-                </a:solidFill>
-                <a:latin typeface="+mn-lt"/>
-                <a:ea typeface="+mn-ea"/>
-                <a:cs typeface="+mn-cs"/>
-              </a:defRPr>
-            </a:lvl3pPr>
-            <a:lvl4pPr marL="1179576" indent="-201168" algn="l" rtl="0" eaLnBrk="1" latinLnBrk="0" hangingPunct="1">
-              <a:spcBef>
-                <a:spcPts val="300"/>
-              </a:spcBef>
-              <a:buClr>
-                <a:schemeClr val="accent1"/>
-              </a:buClr>
-              <a:buFont typeface="Wingdings 2"/>
-              <a:buChar char=""/>
-              <a:defRPr kumimoji="0" sz="2200" kern="1200">
-                <a:solidFill>
-                  <a:schemeClr val="accent1"/>
-                </a:solidFill>
-                <a:latin typeface="+mn-lt"/>
-                <a:ea typeface="+mn-ea"/>
-                <a:cs typeface="+mn-cs"/>
-              </a:defRPr>
-            </a:lvl4pPr>
-            <a:lvl5pPr marL="1389888" indent="-182880" algn="l" rtl="0" eaLnBrk="1" latinLnBrk="0" hangingPunct="1">
-              <a:spcBef>
-                <a:spcPts val="300"/>
-              </a:spcBef>
-              <a:buClr>
-                <a:schemeClr val="accent3"/>
-              </a:buClr>
-              <a:buFont typeface="Georgia"/>
-              <a:buChar char="▫"/>
-              <a:defRPr kumimoji="0" sz="2000" kern="1200">
-                <a:solidFill>
-                  <a:schemeClr val="accent3"/>
-                </a:solidFill>
-                <a:latin typeface="+mn-lt"/>
-                <a:ea typeface="+mn-ea"/>
-                <a:cs typeface="+mn-cs"/>
-              </a:defRPr>
-            </a:lvl5pPr>
-            <a:lvl6pPr marL="1609344" indent="-182880" algn="l" rtl="0" eaLnBrk="1" latinLnBrk="0" hangingPunct="1">
-              <a:spcBef>
-                <a:spcPts val="300"/>
-              </a:spcBef>
-              <a:buClr>
-                <a:schemeClr val="accent3"/>
-              </a:buClr>
-              <a:buFont typeface="Georgia"/>
-              <a:buChar char="▫"/>
-              <a:defRPr kumimoji="0" sz="1800" kern="1200">
-                <a:solidFill>
-                  <a:schemeClr val="accent3"/>
-                </a:solidFill>
-                <a:latin typeface="+mn-lt"/>
-                <a:ea typeface="+mn-ea"/>
-                <a:cs typeface="+mn-cs"/>
-              </a:defRPr>
-            </a:lvl6pPr>
-            <a:lvl7pPr marL="1828800" indent="-182880" algn="l" rtl="0" eaLnBrk="1" latinLnBrk="0" hangingPunct="1">
-              <a:spcBef>
-                <a:spcPts val="300"/>
-              </a:spcBef>
-              <a:buClr>
-                <a:schemeClr val="accent3"/>
-              </a:buClr>
-              <a:buFont typeface="Georgia"/>
-              <a:buChar char="▫"/>
-              <a:defRPr kumimoji="0" sz="1600" kern="1200">
-                <a:solidFill>
-                  <a:schemeClr val="accent3"/>
-                </a:solidFill>
-                <a:latin typeface="+mn-lt"/>
-                <a:ea typeface="+mn-ea"/>
-                <a:cs typeface="+mn-cs"/>
-              </a:defRPr>
-            </a:lvl7pPr>
-            <a:lvl8pPr marL="2029968" indent="-182880" algn="l" rtl="0" eaLnBrk="1" latinLnBrk="0" hangingPunct="1">
-              <a:spcBef>
-                <a:spcPts val="300"/>
-              </a:spcBef>
-              <a:buClr>
-                <a:schemeClr val="accent3"/>
-              </a:buClr>
-              <a:buFont typeface="Georgia"/>
-              <a:buChar char="◦"/>
-              <a:defRPr kumimoji="0" sz="1500" kern="1200">
-                <a:solidFill>
-                  <a:schemeClr val="accent3"/>
-                </a:solidFill>
-                <a:latin typeface="+mn-lt"/>
-                <a:ea typeface="+mn-ea"/>
-                <a:cs typeface="+mn-cs"/>
-              </a:defRPr>
-            </a:lvl8pPr>
-            <a:lvl9pPr marL="2240280" indent="-182880" algn="l" rtl="0" eaLnBrk="1" latinLnBrk="0" hangingPunct="1">
-              <a:spcBef>
-                <a:spcPts val="300"/>
-              </a:spcBef>
-              <a:buClr>
-                <a:schemeClr val="accent3"/>
-              </a:buClr>
-              <a:buFont typeface="Georgia"/>
-              <a:buChar char="◦"/>
-              <a:defRPr kumimoji="0" sz="1400" kern="1200" baseline="0">
-                <a:solidFill>
-                  <a:schemeClr val="accent3"/>
-                </a:solidFill>
-                <a:latin typeface="+mn-lt"/>
-                <a:ea typeface="+mn-ea"/>
-                <a:cs typeface="+mn-cs"/>
-              </a:defRPr>
-            </a:lvl9pPr>
-          </a:lstStyle>
-          <a:p>
-            <a:pPr marL="109728" indent="0" algn="just">
-              <a:buFont typeface="Georgia"/>
-              <a:buNone/>
-            </a:pPr>
-            <a:r>
-              <a:rPr lang="pt-BR" sz="1800" dirty="0"/>
-              <a:t>Código:</a:t>
-            </a:r>
-          </a:p>
-          <a:p>
-            <a:pPr marL="109728" indent="0" algn="just">
-              <a:buFont typeface="Georgia"/>
-              <a:buNone/>
-            </a:pPr>
-            <a:endParaRPr lang="pt-BR" sz="1800" dirty="0"/>
-          </a:p>
-        </p:txBody>
-      </p:sp>
-    </p:spTree>
-    <p:extLst>
-      <p:ext uri="{BB962C8B-B14F-4D97-AF65-F5344CB8AC3E}">
-        <p14:creationId xmlns:p14="http://schemas.microsoft.com/office/powerpoint/2010/main" val="3410494466"/>
-      </p:ext>
-    </p:extLst>
-  </p:cSld>
-  <p:clrMapOvr>
-    <a:masterClrMapping/>
-  </p:clrMapOvr>
-</p:sld>
-</file>
-
-<file path=ppt/slides/slide27.xml><?xml version="1.0" encoding="utf-8"?>
 <p:sld xmlns:a="http://schemas.openxmlformats.org/drawingml/2006/main" xmlns:r="http://schemas.openxmlformats.org/officeDocument/2006/relationships" xmlns:p="http://schemas.openxmlformats.org/presentationml/2006/main">
   <p:cSld>
     <p:spTree>
@@ -17240,7 +17810,7 @@
 </p:sld>
 </file>
 
-<file path=ppt/slides/slide28.xml><?xml version="1.0" encoding="utf-8"?>
+<file path=ppt/slides/slide27.xml><?xml version="1.0" encoding="utf-8"?>
 <p:sld xmlns:a="http://schemas.openxmlformats.org/drawingml/2006/main" xmlns:r="http://schemas.openxmlformats.org/officeDocument/2006/relationships" xmlns:p="http://schemas.openxmlformats.org/presentationml/2006/main">
   <p:cSld>
     <p:spTree>
@@ -17366,6 +17936,1945 @@
                                         <p:cTn id="7" dur="500"/>
                                         <p:tgtEl>
                                           <p:spTgt spid="4"/>
+                                        </p:tgtEl>
+                                      </p:cBhvr>
+                                    </p:animEffect>
+                                  </p:childTnLst>
+                                </p:cTn>
+                              </p:par>
+                            </p:childTnLst>
+                          </p:cTn>
+                        </p:par>
+                      </p:childTnLst>
+                    </p:cTn>
+                  </p:par>
+                </p:childTnLst>
+              </p:cTn>
+              <p:prevCondLst>
+                <p:cond evt="onPrev" delay="0">
+                  <p:tgtEl>
+                    <p:sldTgt/>
+                  </p:tgtEl>
+                </p:cond>
+              </p:prevCondLst>
+              <p:nextCondLst>
+                <p:cond evt="onNext" delay="0">
+                  <p:tgtEl>
+                    <p:sldTgt/>
+                  </p:tgtEl>
+                </p:cond>
+              </p:nextCondLst>
+            </p:seq>
+          </p:childTnLst>
+        </p:cTn>
+      </p:par>
+    </p:tnLst>
+  </p:timing>
+</p:sld>
+</file>
+
+<file path=ppt/slides/slide28.xml><?xml version="1.0" encoding="utf-8"?>
+<p:sld xmlns:a="http://schemas.openxmlformats.org/drawingml/2006/main" xmlns:r="http://schemas.openxmlformats.org/officeDocument/2006/relationships" xmlns:p="http://schemas.openxmlformats.org/presentationml/2006/main">
+  <p:cSld>
+    <p:spTree>
+      <p:nvGrpSpPr>
+        <p:cNvPr id="1" name=""/>
+        <p:cNvGrpSpPr/>
+        <p:nvPr/>
+      </p:nvGrpSpPr>
+      <p:grpSpPr>
+        <a:xfrm>
+          <a:off x="0" y="0"/>
+          <a:ext cx="0" cy="0"/>
+          <a:chOff x="0" y="0"/>
+          <a:chExt cx="0" cy="0"/>
+        </a:xfrm>
+      </p:grpSpPr>
+      <p:sp>
+        <p:nvSpPr>
+          <p:cNvPr id="2" name="Título 1"/>
+          <p:cNvSpPr>
+            <a:spLocks noGrp="1"/>
+          </p:cNvSpPr>
+          <p:nvPr>
+            <p:ph type="title"/>
+          </p:nvPr>
+        </p:nvSpPr>
+        <p:spPr/>
+        <p:txBody>
+          <a:bodyPr>
+            <a:normAutofit/>
+          </a:bodyPr>
+          <a:lstStyle/>
+          <a:p>
+            <a:r>
+              <a:rPr lang="pt-BR" dirty="0"/>
+              <a:t>O que é o Mocha JS?</a:t>
+            </a:r>
+          </a:p>
+        </p:txBody>
+      </p:sp>
+      <p:sp>
+        <p:nvSpPr>
+          <p:cNvPr id="12" name="Espaço Reservado para Conteúdo 2">
+            <a:extLst>
+              <a:ext uri="{FF2B5EF4-FFF2-40B4-BE49-F238E27FC236}">
+                <a16:creationId xmlns:a16="http://schemas.microsoft.com/office/drawing/2014/main" id="{41F898C3-1FE6-48FD-A402-B6B6CA7FD321}"/>
+              </a:ext>
+            </a:extLst>
+          </p:cNvPr>
+          <p:cNvSpPr txBox="1">
+            <a:spLocks/>
+          </p:cNvSpPr>
+          <p:nvPr/>
+        </p:nvSpPr>
+        <p:spPr>
+          <a:xfrm>
+            <a:off x="589458" y="2114061"/>
+            <a:ext cx="10972799" cy="3691203"/>
+          </a:xfrm>
+          <a:prstGeom prst="rect">
+            <a:avLst/>
+          </a:prstGeom>
+        </p:spPr>
+        <p:txBody>
+          <a:bodyPr vert="horz">
+            <a:normAutofit/>
+          </a:bodyPr>
+          <a:lstStyle>
+            <a:lvl1pPr marL="365760" indent="-256032" algn="l" rtl="0" eaLnBrk="1" latinLnBrk="0" hangingPunct="1">
+              <a:spcBef>
+                <a:spcPts val="300"/>
+              </a:spcBef>
+              <a:buClr>
+                <a:schemeClr val="accent3"/>
+              </a:buClr>
+              <a:buFont typeface="Georgia"/>
+              <a:buChar char="•"/>
+              <a:defRPr kumimoji="0" sz="2800" kern="1200">
+                <a:solidFill>
+                  <a:schemeClr val="tx1"/>
+                </a:solidFill>
+                <a:latin typeface="+mn-lt"/>
+                <a:ea typeface="+mn-ea"/>
+                <a:cs typeface="+mn-cs"/>
+              </a:defRPr>
+            </a:lvl1pPr>
+            <a:lvl2pPr marL="658368" indent="-246888" algn="l" rtl="0" eaLnBrk="1" latinLnBrk="0" hangingPunct="1">
+              <a:spcBef>
+                <a:spcPts val="300"/>
+              </a:spcBef>
+              <a:buClr>
+                <a:schemeClr val="accent2"/>
+              </a:buClr>
+              <a:buFont typeface="Georgia"/>
+              <a:buChar char="▫"/>
+              <a:defRPr kumimoji="0" sz="2600" kern="1200">
+                <a:solidFill>
+                  <a:schemeClr val="accent2"/>
+                </a:solidFill>
+                <a:latin typeface="+mn-lt"/>
+                <a:ea typeface="+mn-ea"/>
+                <a:cs typeface="+mn-cs"/>
+              </a:defRPr>
+            </a:lvl2pPr>
+            <a:lvl3pPr marL="923544" indent="-219456" algn="l" rtl="0" eaLnBrk="1" latinLnBrk="0" hangingPunct="1">
+              <a:spcBef>
+                <a:spcPts val="300"/>
+              </a:spcBef>
+              <a:buClr>
+                <a:schemeClr val="accent1"/>
+              </a:buClr>
+              <a:buFont typeface="Wingdings 2"/>
+              <a:buChar char=""/>
+              <a:defRPr kumimoji="0" sz="2400" kern="1200">
+                <a:solidFill>
+                  <a:schemeClr val="accent1"/>
+                </a:solidFill>
+                <a:latin typeface="+mn-lt"/>
+                <a:ea typeface="+mn-ea"/>
+                <a:cs typeface="+mn-cs"/>
+              </a:defRPr>
+            </a:lvl3pPr>
+            <a:lvl4pPr marL="1179576" indent="-201168" algn="l" rtl="0" eaLnBrk="1" latinLnBrk="0" hangingPunct="1">
+              <a:spcBef>
+                <a:spcPts val="300"/>
+              </a:spcBef>
+              <a:buClr>
+                <a:schemeClr val="accent1"/>
+              </a:buClr>
+              <a:buFont typeface="Wingdings 2"/>
+              <a:buChar char=""/>
+              <a:defRPr kumimoji="0" sz="2200" kern="1200">
+                <a:solidFill>
+                  <a:schemeClr val="accent1"/>
+                </a:solidFill>
+                <a:latin typeface="+mn-lt"/>
+                <a:ea typeface="+mn-ea"/>
+                <a:cs typeface="+mn-cs"/>
+              </a:defRPr>
+            </a:lvl4pPr>
+            <a:lvl5pPr marL="1389888" indent="-182880" algn="l" rtl="0" eaLnBrk="1" latinLnBrk="0" hangingPunct="1">
+              <a:spcBef>
+                <a:spcPts val="300"/>
+              </a:spcBef>
+              <a:buClr>
+                <a:schemeClr val="accent3"/>
+              </a:buClr>
+              <a:buFont typeface="Georgia"/>
+              <a:buChar char="▫"/>
+              <a:defRPr kumimoji="0" sz="2000" kern="1200">
+                <a:solidFill>
+                  <a:schemeClr val="accent3"/>
+                </a:solidFill>
+                <a:latin typeface="+mn-lt"/>
+                <a:ea typeface="+mn-ea"/>
+                <a:cs typeface="+mn-cs"/>
+              </a:defRPr>
+            </a:lvl5pPr>
+            <a:lvl6pPr marL="1609344" indent="-182880" algn="l" rtl="0" eaLnBrk="1" latinLnBrk="0" hangingPunct="1">
+              <a:spcBef>
+                <a:spcPts val="300"/>
+              </a:spcBef>
+              <a:buClr>
+                <a:schemeClr val="accent3"/>
+              </a:buClr>
+              <a:buFont typeface="Georgia"/>
+              <a:buChar char="▫"/>
+              <a:defRPr kumimoji="0" sz="1800" kern="1200">
+                <a:solidFill>
+                  <a:schemeClr val="accent3"/>
+                </a:solidFill>
+                <a:latin typeface="+mn-lt"/>
+                <a:ea typeface="+mn-ea"/>
+                <a:cs typeface="+mn-cs"/>
+              </a:defRPr>
+            </a:lvl6pPr>
+            <a:lvl7pPr marL="1828800" indent="-182880" algn="l" rtl="0" eaLnBrk="1" latinLnBrk="0" hangingPunct="1">
+              <a:spcBef>
+                <a:spcPts val="300"/>
+              </a:spcBef>
+              <a:buClr>
+                <a:schemeClr val="accent3"/>
+              </a:buClr>
+              <a:buFont typeface="Georgia"/>
+              <a:buChar char="▫"/>
+              <a:defRPr kumimoji="0" sz="1600" kern="1200">
+                <a:solidFill>
+                  <a:schemeClr val="accent3"/>
+                </a:solidFill>
+                <a:latin typeface="+mn-lt"/>
+                <a:ea typeface="+mn-ea"/>
+                <a:cs typeface="+mn-cs"/>
+              </a:defRPr>
+            </a:lvl7pPr>
+            <a:lvl8pPr marL="2029968" indent="-182880" algn="l" rtl="0" eaLnBrk="1" latinLnBrk="0" hangingPunct="1">
+              <a:spcBef>
+                <a:spcPts val="300"/>
+              </a:spcBef>
+              <a:buClr>
+                <a:schemeClr val="accent3"/>
+              </a:buClr>
+              <a:buFont typeface="Georgia"/>
+              <a:buChar char="◦"/>
+              <a:defRPr kumimoji="0" sz="1500" kern="1200">
+                <a:solidFill>
+                  <a:schemeClr val="accent3"/>
+                </a:solidFill>
+                <a:latin typeface="+mn-lt"/>
+                <a:ea typeface="+mn-ea"/>
+                <a:cs typeface="+mn-cs"/>
+              </a:defRPr>
+            </a:lvl8pPr>
+            <a:lvl9pPr marL="2240280" indent="-182880" algn="l" rtl="0" eaLnBrk="1" latinLnBrk="0" hangingPunct="1">
+              <a:spcBef>
+                <a:spcPts val="300"/>
+              </a:spcBef>
+              <a:buClr>
+                <a:schemeClr val="accent3"/>
+              </a:buClr>
+              <a:buFont typeface="Georgia"/>
+              <a:buChar char="◦"/>
+              <a:defRPr kumimoji="0" sz="1400" kern="1200" baseline="0">
+                <a:solidFill>
+                  <a:schemeClr val="accent3"/>
+                </a:solidFill>
+                <a:latin typeface="+mn-lt"/>
+                <a:ea typeface="+mn-ea"/>
+                <a:cs typeface="+mn-cs"/>
+              </a:defRPr>
+            </a:lvl9pPr>
+          </a:lstStyle>
+          <a:p>
+            <a:pPr algn="just"/>
+            <a:r>
+              <a:rPr lang="pt-BR" sz="1800" dirty="0"/>
+              <a:t>O </a:t>
+            </a:r>
+            <a:r>
+              <a:rPr lang="pt-BR" sz="1800" dirty="0" err="1"/>
+              <a:t>MochaJS</a:t>
+            </a:r>
+            <a:r>
+              <a:rPr lang="pt-BR" sz="1800" dirty="0"/>
+              <a:t> é um framework </a:t>
+            </a:r>
+            <a:r>
+              <a:rPr lang="pt-BR" sz="1800" dirty="0" err="1"/>
+              <a:t>NodeJS</a:t>
+            </a:r>
+            <a:r>
+              <a:rPr lang="pt-BR" sz="1800" dirty="0"/>
+              <a:t> para testes assíncronos de forma simples!</a:t>
+            </a:r>
+          </a:p>
+          <a:p>
+            <a:pPr algn="just"/>
+            <a:endParaRPr lang="pt-BR" sz="1800" dirty="0"/>
+          </a:p>
+          <a:p>
+            <a:pPr algn="just"/>
+            <a:endParaRPr lang="pt-BR" sz="1800" dirty="0"/>
+          </a:p>
+          <a:p>
+            <a:pPr algn="just"/>
+            <a:r>
+              <a:rPr lang="pt-BR" sz="1800" dirty="0"/>
+              <a:t>Para usarmos o mocha o primeiro passo é instalar ele globalmente:</a:t>
+            </a:r>
+          </a:p>
+          <a:p>
+            <a:pPr algn="just"/>
+            <a:endParaRPr lang="pt-BR" sz="1800" dirty="0"/>
+          </a:p>
+          <a:p>
+            <a:pPr algn="just"/>
+            <a:endParaRPr lang="pt-BR" sz="1800" dirty="0"/>
+          </a:p>
+          <a:p>
+            <a:pPr algn="just"/>
+            <a:endParaRPr lang="pt-BR" sz="1800" dirty="0"/>
+          </a:p>
+          <a:p>
+            <a:pPr algn="just"/>
+            <a:r>
+              <a:rPr lang="pt-BR" sz="1800" dirty="0"/>
+              <a:t>E para executar rodamos no terminal:</a:t>
+            </a:r>
+          </a:p>
+          <a:p>
+            <a:pPr marL="109728" indent="0" algn="just">
+              <a:buFont typeface="Georgia"/>
+              <a:buNone/>
+            </a:pPr>
+            <a:endParaRPr lang="pt-BR" sz="1800" dirty="0"/>
+          </a:p>
+        </p:txBody>
+      </p:sp>
+      <p:sp>
+        <p:nvSpPr>
+          <p:cNvPr id="6" name="CaixaDeTexto 5">
+            <a:extLst>
+              <a:ext uri="{FF2B5EF4-FFF2-40B4-BE49-F238E27FC236}">
+                <a16:creationId xmlns:a16="http://schemas.microsoft.com/office/drawing/2014/main" id="{80CD0081-D5FE-4608-980D-0A013A83AC52}"/>
+              </a:ext>
+            </a:extLst>
+          </p:cNvPr>
+          <p:cNvSpPr txBox="1"/>
+          <p:nvPr/>
+        </p:nvSpPr>
+        <p:spPr>
+          <a:xfrm>
+            <a:off x="4295800" y="2492896"/>
+            <a:ext cx="2540372" cy="369332"/>
+          </a:xfrm>
+          <a:prstGeom prst="rect">
+            <a:avLst/>
+          </a:prstGeom>
+        </p:spPr>
+        <p:style>
+          <a:lnRef idx="2">
+            <a:schemeClr val="dk1"/>
+          </a:lnRef>
+          <a:fillRef idx="1">
+            <a:schemeClr val="lt1"/>
+          </a:fillRef>
+          <a:effectRef idx="0">
+            <a:schemeClr val="dk1"/>
+          </a:effectRef>
+          <a:fontRef idx="minor">
+            <a:schemeClr val="dk1"/>
+          </a:fontRef>
+        </p:style>
+        <p:txBody>
+          <a:bodyPr wrap="square">
+            <a:spAutoFit/>
+          </a:bodyPr>
+          <a:lstStyle/>
+          <a:p>
+            <a:r>
+              <a:rPr lang="pt-BR" dirty="0"/>
+              <a:t>https://mochajs.org/</a:t>
+            </a:r>
+          </a:p>
+        </p:txBody>
+      </p:sp>
+      <p:sp>
+        <p:nvSpPr>
+          <p:cNvPr id="7" name="CaixaDeTexto 6">
+            <a:extLst>
+              <a:ext uri="{FF2B5EF4-FFF2-40B4-BE49-F238E27FC236}">
+                <a16:creationId xmlns:a16="http://schemas.microsoft.com/office/drawing/2014/main" id="{26CC592B-1CB9-4A75-A67E-910974614516}"/>
+              </a:ext>
+            </a:extLst>
+          </p:cNvPr>
+          <p:cNvSpPr txBox="1"/>
+          <p:nvPr/>
+        </p:nvSpPr>
+        <p:spPr>
+          <a:xfrm>
+            <a:off x="4089822" y="3496652"/>
+            <a:ext cx="2952328" cy="369332"/>
+          </a:xfrm>
+          <a:prstGeom prst="rect">
+            <a:avLst/>
+          </a:prstGeom>
+        </p:spPr>
+        <p:style>
+          <a:lnRef idx="2">
+            <a:schemeClr val="dk1"/>
+          </a:lnRef>
+          <a:fillRef idx="1">
+            <a:schemeClr val="lt1"/>
+          </a:fillRef>
+          <a:effectRef idx="0">
+            <a:schemeClr val="dk1"/>
+          </a:effectRef>
+          <a:fontRef idx="minor">
+            <a:schemeClr val="dk1"/>
+          </a:fontRef>
+        </p:style>
+        <p:txBody>
+          <a:bodyPr wrap="square">
+            <a:spAutoFit/>
+          </a:bodyPr>
+          <a:lstStyle/>
+          <a:p>
+            <a:r>
+              <a:rPr lang="pt-BR" dirty="0" err="1"/>
+              <a:t>npm</a:t>
+            </a:r>
+            <a:r>
+              <a:rPr lang="pt-BR" dirty="0"/>
+              <a:t> </a:t>
+            </a:r>
+            <a:r>
+              <a:rPr lang="pt-BR" dirty="0" err="1"/>
+              <a:t>install</a:t>
+            </a:r>
+            <a:r>
+              <a:rPr lang="pt-BR" dirty="0"/>
+              <a:t> --global mocha</a:t>
+            </a:r>
+          </a:p>
+        </p:txBody>
+      </p:sp>
+      <p:sp>
+        <p:nvSpPr>
+          <p:cNvPr id="8" name="CaixaDeTexto 7">
+            <a:extLst>
+              <a:ext uri="{FF2B5EF4-FFF2-40B4-BE49-F238E27FC236}">
+                <a16:creationId xmlns:a16="http://schemas.microsoft.com/office/drawing/2014/main" id="{2DEC2D6D-0B29-4CB2-8422-5F3BDADD1EEC}"/>
+              </a:ext>
+            </a:extLst>
+          </p:cNvPr>
+          <p:cNvSpPr txBox="1"/>
+          <p:nvPr/>
+        </p:nvSpPr>
+        <p:spPr>
+          <a:xfrm>
+            <a:off x="4295800" y="4783504"/>
+            <a:ext cx="2760464" cy="369332"/>
+          </a:xfrm>
+          <a:prstGeom prst="rect">
+            <a:avLst/>
+          </a:prstGeom>
+        </p:spPr>
+        <p:style>
+          <a:lnRef idx="2">
+            <a:schemeClr val="dk1"/>
+          </a:lnRef>
+          <a:fillRef idx="1">
+            <a:schemeClr val="lt1"/>
+          </a:fillRef>
+          <a:effectRef idx="0">
+            <a:schemeClr val="dk1"/>
+          </a:effectRef>
+          <a:fontRef idx="minor">
+            <a:schemeClr val="dk1"/>
+          </a:fontRef>
+        </p:style>
+        <p:txBody>
+          <a:bodyPr wrap="square">
+            <a:spAutoFit/>
+          </a:bodyPr>
+          <a:lstStyle/>
+          <a:p>
+            <a:r>
+              <a:rPr lang="pt-BR" dirty="0"/>
+              <a:t>mocha nome-arquivo.js</a:t>
+            </a:r>
+          </a:p>
+        </p:txBody>
+      </p:sp>
+      <p:sp>
+        <p:nvSpPr>
+          <p:cNvPr id="9" name="CaixaDeTexto 8">
+            <a:extLst>
+              <a:ext uri="{FF2B5EF4-FFF2-40B4-BE49-F238E27FC236}">
+                <a16:creationId xmlns:a16="http://schemas.microsoft.com/office/drawing/2014/main" id="{26A0C428-2D94-4110-A5FE-7B427E09AE9F}"/>
+              </a:ext>
+            </a:extLst>
+          </p:cNvPr>
+          <p:cNvSpPr txBox="1"/>
+          <p:nvPr/>
+        </p:nvSpPr>
+        <p:spPr>
+          <a:xfrm>
+            <a:off x="5375920" y="5719028"/>
+            <a:ext cx="936104" cy="369332"/>
+          </a:xfrm>
+          <a:prstGeom prst="rect">
+            <a:avLst/>
+          </a:prstGeom>
+        </p:spPr>
+        <p:style>
+          <a:lnRef idx="2">
+            <a:schemeClr val="dk1"/>
+          </a:lnRef>
+          <a:fillRef idx="1">
+            <a:schemeClr val="lt1"/>
+          </a:fillRef>
+          <a:effectRef idx="0">
+            <a:schemeClr val="dk1"/>
+          </a:effectRef>
+          <a:fontRef idx="minor">
+            <a:schemeClr val="dk1"/>
+          </a:fontRef>
+        </p:style>
+        <p:txBody>
+          <a:bodyPr wrap="square">
+            <a:spAutoFit/>
+          </a:bodyPr>
+          <a:lstStyle/>
+          <a:p>
+            <a:r>
+              <a:rPr lang="pt-BR" dirty="0"/>
+              <a:t>mocha</a:t>
+            </a:r>
+          </a:p>
+        </p:txBody>
+      </p:sp>
+      <p:sp>
+        <p:nvSpPr>
+          <p:cNvPr id="5" name="CaixaDeTexto 4">
+            <a:extLst>
+              <a:ext uri="{FF2B5EF4-FFF2-40B4-BE49-F238E27FC236}">
+                <a16:creationId xmlns:a16="http://schemas.microsoft.com/office/drawing/2014/main" id="{9C1D869B-2B6E-4107-A559-B2BDB9E65AE5}"/>
+              </a:ext>
+            </a:extLst>
+          </p:cNvPr>
+          <p:cNvSpPr txBox="1"/>
+          <p:nvPr/>
+        </p:nvSpPr>
+        <p:spPr>
+          <a:xfrm>
+            <a:off x="2351584" y="5294384"/>
+            <a:ext cx="6856621" cy="369332"/>
+          </a:xfrm>
+          <a:prstGeom prst="rect">
+            <a:avLst/>
+          </a:prstGeom>
+          <a:noFill/>
+        </p:spPr>
+        <p:txBody>
+          <a:bodyPr wrap="square" rtlCol="0">
+            <a:spAutoFit/>
+          </a:bodyPr>
+          <a:lstStyle/>
+          <a:p>
+            <a:r>
+              <a:rPr lang="pt-BR" dirty="0" err="1"/>
+              <a:t>Ooou</a:t>
+            </a:r>
+            <a:r>
+              <a:rPr lang="pt-BR" dirty="0"/>
+              <a:t> caso não informe, o nome do arquivo irá buscar por test.js</a:t>
+            </a:r>
+          </a:p>
+        </p:txBody>
+      </p:sp>
+    </p:spTree>
+    <p:extLst>
+      <p:ext uri="{BB962C8B-B14F-4D97-AF65-F5344CB8AC3E}">
+        <p14:creationId xmlns:p14="http://schemas.microsoft.com/office/powerpoint/2010/main" val="552136301"/>
+      </p:ext>
+    </p:extLst>
+  </p:cSld>
+  <p:clrMapOvr>
+    <a:masterClrMapping/>
+  </p:clrMapOvr>
+  <p:timing>
+    <p:tnLst>
+      <p:par>
+        <p:cTn id="1" dur="indefinite" restart="never" nodeType="tmRoot">
+          <p:childTnLst>
+            <p:seq concurrent="1" nextAc="seek">
+              <p:cTn id="2" dur="indefinite" nodeType="mainSeq">
+                <p:childTnLst>
+                  <p:par>
+                    <p:cTn id="3" fill="hold">
+                      <p:stCondLst>
+                        <p:cond delay="indefinite"/>
+                      </p:stCondLst>
+                      <p:childTnLst>
+                        <p:par>
+                          <p:cTn id="4" fill="hold">
+                            <p:stCondLst>
+                              <p:cond delay="0"/>
+                            </p:stCondLst>
+                            <p:childTnLst>
+                              <p:par>
+                                <p:cTn id="5" presetID="10" presetClass="entr" presetSubtype="0" fill="hold" nodeType="clickEffect">
+                                  <p:stCondLst>
+                                    <p:cond delay="0"/>
+                                  </p:stCondLst>
+                                  <p:childTnLst>
+                                    <p:set>
+                                      <p:cBhvr>
+                                        <p:cTn id="6" dur="1" fill="hold">
+                                          <p:stCondLst>
+                                            <p:cond delay="0"/>
+                                          </p:stCondLst>
+                                        </p:cTn>
+                                        <p:tgtEl>
+                                          <p:spTgt spid="12">
+                                            <p:txEl>
+                                              <p:pRg st="0" end="0"/>
+                                            </p:txEl>
+                                          </p:spTgt>
+                                        </p:tgtEl>
+                                        <p:attrNameLst>
+                                          <p:attrName>style.visibility</p:attrName>
+                                        </p:attrNameLst>
+                                      </p:cBhvr>
+                                      <p:to>
+                                        <p:strVal val="visible"/>
+                                      </p:to>
+                                    </p:set>
+                                    <p:animEffect transition="in" filter="fade">
+                                      <p:cBhvr>
+                                        <p:cTn id="7" dur="500"/>
+                                        <p:tgtEl>
+                                          <p:spTgt spid="12">
+                                            <p:txEl>
+                                              <p:pRg st="0" end="0"/>
+                                            </p:txEl>
+                                          </p:spTgt>
+                                        </p:tgtEl>
+                                      </p:cBhvr>
+                                    </p:animEffect>
+                                  </p:childTnLst>
+                                </p:cTn>
+                              </p:par>
+                              <p:par>
+                                <p:cTn id="8" presetID="10" presetClass="entr" presetSubtype="0" fill="hold" grpId="0" nodeType="withEffect">
+                                  <p:stCondLst>
+                                    <p:cond delay="0"/>
+                                  </p:stCondLst>
+                                  <p:childTnLst>
+                                    <p:set>
+                                      <p:cBhvr>
+                                        <p:cTn id="9" dur="1" fill="hold">
+                                          <p:stCondLst>
+                                            <p:cond delay="0"/>
+                                          </p:stCondLst>
+                                        </p:cTn>
+                                        <p:tgtEl>
+                                          <p:spTgt spid="6"/>
+                                        </p:tgtEl>
+                                        <p:attrNameLst>
+                                          <p:attrName>style.visibility</p:attrName>
+                                        </p:attrNameLst>
+                                      </p:cBhvr>
+                                      <p:to>
+                                        <p:strVal val="visible"/>
+                                      </p:to>
+                                    </p:set>
+                                    <p:animEffect transition="in" filter="fade">
+                                      <p:cBhvr>
+                                        <p:cTn id="10" dur="500"/>
+                                        <p:tgtEl>
+                                          <p:spTgt spid="6"/>
+                                        </p:tgtEl>
+                                      </p:cBhvr>
+                                    </p:animEffect>
+                                  </p:childTnLst>
+                                </p:cTn>
+                              </p:par>
+                            </p:childTnLst>
+                          </p:cTn>
+                        </p:par>
+                      </p:childTnLst>
+                    </p:cTn>
+                  </p:par>
+                  <p:par>
+                    <p:cTn id="11" fill="hold">
+                      <p:stCondLst>
+                        <p:cond delay="indefinite"/>
+                      </p:stCondLst>
+                      <p:childTnLst>
+                        <p:par>
+                          <p:cTn id="12" fill="hold">
+                            <p:stCondLst>
+                              <p:cond delay="0"/>
+                            </p:stCondLst>
+                            <p:childTnLst>
+                              <p:par>
+                                <p:cTn id="13" presetID="10" presetClass="entr" presetSubtype="0" fill="hold" nodeType="clickEffect">
+                                  <p:stCondLst>
+                                    <p:cond delay="0"/>
+                                  </p:stCondLst>
+                                  <p:childTnLst>
+                                    <p:set>
+                                      <p:cBhvr>
+                                        <p:cTn id="14" dur="1" fill="hold">
+                                          <p:stCondLst>
+                                            <p:cond delay="0"/>
+                                          </p:stCondLst>
+                                        </p:cTn>
+                                        <p:tgtEl>
+                                          <p:spTgt spid="12">
+                                            <p:txEl>
+                                              <p:pRg st="3" end="3"/>
+                                            </p:txEl>
+                                          </p:spTgt>
+                                        </p:tgtEl>
+                                        <p:attrNameLst>
+                                          <p:attrName>style.visibility</p:attrName>
+                                        </p:attrNameLst>
+                                      </p:cBhvr>
+                                      <p:to>
+                                        <p:strVal val="visible"/>
+                                      </p:to>
+                                    </p:set>
+                                    <p:animEffect transition="in" filter="fade">
+                                      <p:cBhvr>
+                                        <p:cTn id="15" dur="500"/>
+                                        <p:tgtEl>
+                                          <p:spTgt spid="12">
+                                            <p:txEl>
+                                              <p:pRg st="3" end="3"/>
+                                            </p:txEl>
+                                          </p:spTgt>
+                                        </p:tgtEl>
+                                      </p:cBhvr>
+                                    </p:animEffect>
+                                  </p:childTnLst>
+                                </p:cTn>
+                              </p:par>
+                            </p:childTnLst>
+                          </p:cTn>
+                        </p:par>
+                      </p:childTnLst>
+                    </p:cTn>
+                  </p:par>
+                  <p:par>
+                    <p:cTn id="16" fill="hold">
+                      <p:stCondLst>
+                        <p:cond delay="indefinite"/>
+                      </p:stCondLst>
+                      <p:childTnLst>
+                        <p:par>
+                          <p:cTn id="17" fill="hold">
+                            <p:stCondLst>
+                              <p:cond delay="0"/>
+                            </p:stCondLst>
+                            <p:childTnLst>
+                              <p:par>
+                                <p:cTn id="18" presetID="10" presetClass="entr" presetSubtype="0" fill="hold" grpId="0" nodeType="clickEffect">
+                                  <p:stCondLst>
+                                    <p:cond delay="0"/>
+                                  </p:stCondLst>
+                                  <p:childTnLst>
+                                    <p:set>
+                                      <p:cBhvr>
+                                        <p:cTn id="19" dur="1" fill="hold">
+                                          <p:stCondLst>
+                                            <p:cond delay="0"/>
+                                          </p:stCondLst>
+                                        </p:cTn>
+                                        <p:tgtEl>
+                                          <p:spTgt spid="7"/>
+                                        </p:tgtEl>
+                                        <p:attrNameLst>
+                                          <p:attrName>style.visibility</p:attrName>
+                                        </p:attrNameLst>
+                                      </p:cBhvr>
+                                      <p:to>
+                                        <p:strVal val="visible"/>
+                                      </p:to>
+                                    </p:set>
+                                    <p:animEffect transition="in" filter="fade">
+                                      <p:cBhvr>
+                                        <p:cTn id="20" dur="500"/>
+                                        <p:tgtEl>
+                                          <p:spTgt spid="7"/>
+                                        </p:tgtEl>
+                                      </p:cBhvr>
+                                    </p:animEffect>
+                                  </p:childTnLst>
+                                </p:cTn>
+                              </p:par>
+                            </p:childTnLst>
+                          </p:cTn>
+                        </p:par>
+                      </p:childTnLst>
+                    </p:cTn>
+                  </p:par>
+                  <p:par>
+                    <p:cTn id="21" fill="hold">
+                      <p:stCondLst>
+                        <p:cond delay="indefinite"/>
+                      </p:stCondLst>
+                      <p:childTnLst>
+                        <p:par>
+                          <p:cTn id="22" fill="hold">
+                            <p:stCondLst>
+                              <p:cond delay="0"/>
+                            </p:stCondLst>
+                            <p:childTnLst>
+                              <p:par>
+                                <p:cTn id="23" presetID="10" presetClass="entr" presetSubtype="0" fill="hold" nodeType="clickEffect">
+                                  <p:stCondLst>
+                                    <p:cond delay="0"/>
+                                  </p:stCondLst>
+                                  <p:childTnLst>
+                                    <p:set>
+                                      <p:cBhvr>
+                                        <p:cTn id="24" dur="1" fill="hold">
+                                          <p:stCondLst>
+                                            <p:cond delay="0"/>
+                                          </p:stCondLst>
+                                        </p:cTn>
+                                        <p:tgtEl>
+                                          <p:spTgt spid="12">
+                                            <p:txEl>
+                                              <p:pRg st="7" end="7"/>
+                                            </p:txEl>
+                                          </p:spTgt>
+                                        </p:tgtEl>
+                                        <p:attrNameLst>
+                                          <p:attrName>style.visibility</p:attrName>
+                                        </p:attrNameLst>
+                                      </p:cBhvr>
+                                      <p:to>
+                                        <p:strVal val="visible"/>
+                                      </p:to>
+                                    </p:set>
+                                    <p:animEffect transition="in" filter="fade">
+                                      <p:cBhvr>
+                                        <p:cTn id="25" dur="500"/>
+                                        <p:tgtEl>
+                                          <p:spTgt spid="12">
+                                            <p:txEl>
+                                              <p:pRg st="7" end="7"/>
+                                            </p:txEl>
+                                          </p:spTgt>
+                                        </p:tgtEl>
+                                      </p:cBhvr>
+                                    </p:animEffect>
+                                  </p:childTnLst>
+                                </p:cTn>
+                              </p:par>
+                            </p:childTnLst>
+                          </p:cTn>
+                        </p:par>
+                      </p:childTnLst>
+                    </p:cTn>
+                  </p:par>
+                  <p:par>
+                    <p:cTn id="26" fill="hold">
+                      <p:stCondLst>
+                        <p:cond delay="indefinite"/>
+                      </p:stCondLst>
+                      <p:childTnLst>
+                        <p:par>
+                          <p:cTn id="27" fill="hold">
+                            <p:stCondLst>
+                              <p:cond delay="0"/>
+                            </p:stCondLst>
+                            <p:childTnLst>
+                              <p:par>
+                                <p:cTn id="28" presetID="10" presetClass="entr" presetSubtype="0" fill="hold" grpId="0" nodeType="clickEffect">
+                                  <p:stCondLst>
+                                    <p:cond delay="0"/>
+                                  </p:stCondLst>
+                                  <p:childTnLst>
+                                    <p:set>
+                                      <p:cBhvr>
+                                        <p:cTn id="29" dur="1" fill="hold">
+                                          <p:stCondLst>
+                                            <p:cond delay="0"/>
+                                          </p:stCondLst>
+                                        </p:cTn>
+                                        <p:tgtEl>
+                                          <p:spTgt spid="8"/>
+                                        </p:tgtEl>
+                                        <p:attrNameLst>
+                                          <p:attrName>style.visibility</p:attrName>
+                                        </p:attrNameLst>
+                                      </p:cBhvr>
+                                      <p:to>
+                                        <p:strVal val="visible"/>
+                                      </p:to>
+                                    </p:set>
+                                    <p:animEffect transition="in" filter="fade">
+                                      <p:cBhvr>
+                                        <p:cTn id="30" dur="500"/>
+                                        <p:tgtEl>
+                                          <p:spTgt spid="8"/>
+                                        </p:tgtEl>
+                                      </p:cBhvr>
+                                    </p:animEffect>
+                                  </p:childTnLst>
+                                </p:cTn>
+                              </p:par>
+                            </p:childTnLst>
+                          </p:cTn>
+                        </p:par>
+                      </p:childTnLst>
+                    </p:cTn>
+                  </p:par>
+                  <p:par>
+                    <p:cTn id="31" fill="hold">
+                      <p:stCondLst>
+                        <p:cond delay="indefinite"/>
+                      </p:stCondLst>
+                      <p:childTnLst>
+                        <p:par>
+                          <p:cTn id="32" fill="hold">
+                            <p:stCondLst>
+                              <p:cond delay="0"/>
+                            </p:stCondLst>
+                            <p:childTnLst>
+                              <p:par>
+                                <p:cTn id="33" presetID="10" presetClass="entr" presetSubtype="0" fill="hold" grpId="0" nodeType="clickEffect">
+                                  <p:stCondLst>
+                                    <p:cond delay="0"/>
+                                  </p:stCondLst>
+                                  <p:childTnLst>
+                                    <p:set>
+                                      <p:cBhvr>
+                                        <p:cTn id="34" dur="1" fill="hold">
+                                          <p:stCondLst>
+                                            <p:cond delay="0"/>
+                                          </p:stCondLst>
+                                        </p:cTn>
+                                        <p:tgtEl>
+                                          <p:spTgt spid="9"/>
+                                        </p:tgtEl>
+                                        <p:attrNameLst>
+                                          <p:attrName>style.visibility</p:attrName>
+                                        </p:attrNameLst>
+                                      </p:cBhvr>
+                                      <p:to>
+                                        <p:strVal val="visible"/>
+                                      </p:to>
+                                    </p:set>
+                                    <p:animEffect transition="in" filter="fade">
+                                      <p:cBhvr>
+                                        <p:cTn id="35" dur="500"/>
+                                        <p:tgtEl>
+                                          <p:spTgt spid="9"/>
+                                        </p:tgtEl>
+                                      </p:cBhvr>
+                                    </p:animEffect>
+                                  </p:childTnLst>
+                                </p:cTn>
+                              </p:par>
+                              <p:par>
+                                <p:cTn id="36" presetID="10" presetClass="entr" presetSubtype="0" fill="hold" grpId="0" nodeType="withEffect">
+                                  <p:stCondLst>
+                                    <p:cond delay="0"/>
+                                  </p:stCondLst>
+                                  <p:childTnLst>
+                                    <p:set>
+                                      <p:cBhvr>
+                                        <p:cTn id="37" dur="1" fill="hold">
+                                          <p:stCondLst>
+                                            <p:cond delay="0"/>
+                                          </p:stCondLst>
+                                        </p:cTn>
+                                        <p:tgtEl>
+                                          <p:spTgt spid="5"/>
+                                        </p:tgtEl>
+                                        <p:attrNameLst>
+                                          <p:attrName>style.visibility</p:attrName>
+                                        </p:attrNameLst>
+                                      </p:cBhvr>
+                                      <p:to>
+                                        <p:strVal val="visible"/>
+                                      </p:to>
+                                    </p:set>
+                                    <p:animEffect transition="in" filter="fade">
+                                      <p:cBhvr>
+                                        <p:cTn id="38" dur="500"/>
+                                        <p:tgtEl>
+                                          <p:spTgt spid="5"/>
+                                        </p:tgtEl>
+                                      </p:cBhvr>
+                                    </p:animEffect>
+                                  </p:childTnLst>
+                                </p:cTn>
+                              </p:par>
+                            </p:childTnLst>
+                          </p:cTn>
+                        </p:par>
+                      </p:childTnLst>
+                    </p:cTn>
+                  </p:par>
+                </p:childTnLst>
+              </p:cTn>
+              <p:prevCondLst>
+                <p:cond evt="onPrev" delay="0">
+                  <p:tgtEl>
+                    <p:sldTgt/>
+                  </p:tgtEl>
+                </p:cond>
+              </p:prevCondLst>
+              <p:nextCondLst>
+                <p:cond evt="onNext" delay="0">
+                  <p:tgtEl>
+                    <p:sldTgt/>
+                  </p:tgtEl>
+                </p:cond>
+              </p:nextCondLst>
+            </p:seq>
+          </p:childTnLst>
+        </p:cTn>
+      </p:par>
+    </p:tnLst>
+    <p:bldLst>
+      <p:bldP spid="6" grpId="0" animBg="1"/>
+      <p:bldP spid="7" grpId="0" animBg="1"/>
+      <p:bldP spid="8" grpId="0" animBg="1"/>
+      <p:bldP spid="9" grpId="0" animBg="1"/>
+      <p:bldP spid="5" grpId="0"/>
+    </p:bldLst>
+  </p:timing>
+</p:sld>
+</file>
+
+<file path=ppt/slides/slide29.xml><?xml version="1.0" encoding="utf-8"?>
+<p:sld xmlns:a="http://schemas.openxmlformats.org/drawingml/2006/main" xmlns:r="http://schemas.openxmlformats.org/officeDocument/2006/relationships" xmlns:p="http://schemas.openxmlformats.org/presentationml/2006/main">
+  <p:cSld>
+    <p:spTree>
+      <p:nvGrpSpPr>
+        <p:cNvPr id="1" name=""/>
+        <p:cNvGrpSpPr/>
+        <p:nvPr/>
+      </p:nvGrpSpPr>
+      <p:grpSpPr>
+        <a:xfrm>
+          <a:off x="0" y="0"/>
+          <a:ext cx="0" cy="0"/>
+          <a:chOff x="0" y="0"/>
+          <a:chExt cx="0" cy="0"/>
+        </a:xfrm>
+      </p:grpSpPr>
+      <p:sp>
+        <p:nvSpPr>
+          <p:cNvPr id="2" name="Título 1"/>
+          <p:cNvSpPr>
+            <a:spLocks noGrp="1"/>
+          </p:cNvSpPr>
+          <p:nvPr>
+            <p:ph type="title"/>
+          </p:nvPr>
+        </p:nvSpPr>
+        <p:spPr/>
+        <p:txBody>
+          <a:bodyPr>
+            <a:normAutofit/>
+          </a:bodyPr>
+          <a:lstStyle/>
+          <a:p>
+            <a:r>
+              <a:rPr lang="pt-BR" dirty="0"/>
+              <a:t>Mocha</a:t>
+            </a:r>
+          </a:p>
+        </p:txBody>
+      </p:sp>
+      <p:sp>
+        <p:nvSpPr>
+          <p:cNvPr id="12" name="Espaço Reservado para Conteúdo 2">
+            <a:extLst>
+              <a:ext uri="{FF2B5EF4-FFF2-40B4-BE49-F238E27FC236}">
+                <a16:creationId xmlns:a16="http://schemas.microsoft.com/office/drawing/2014/main" id="{41F898C3-1FE6-48FD-A402-B6B6CA7FD321}"/>
+              </a:ext>
+            </a:extLst>
+          </p:cNvPr>
+          <p:cNvSpPr txBox="1">
+            <a:spLocks/>
+          </p:cNvSpPr>
+          <p:nvPr/>
+        </p:nvSpPr>
+        <p:spPr>
+          <a:xfrm>
+            <a:off x="589458" y="2114061"/>
+            <a:ext cx="10972799" cy="3691203"/>
+          </a:xfrm>
+          <a:prstGeom prst="rect">
+            <a:avLst/>
+          </a:prstGeom>
+        </p:spPr>
+        <p:txBody>
+          <a:bodyPr vert="horz">
+            <a:normAutofit/>
+          </a:bodyPr>
+          <a:lstStyle>
+            <a:lvl1pPr marL="365760" indent="-256032" algn="l" rtl="0" eaLnBrk="1" latinLnBrk="0" hangingPunct="1">
+              <a:spcBef>
+                <a:spcPts val="300"/>
+              </a:spcBef>
+              <a:buClr>
+                <a:schemeClr val="accent3"/>
+              </a:buClr>
+              <a:buFont typeface="Georgia"/>
+              <a:buChar char="•"/>
+              <a:defRPr kumimoji="0" sz="2800" kern="1200">
+                <a:solidFill>
+                  <a:schemeClr val="tx1"/>
+                </a:solidFill>
+                <a:latin typeface="+mn-lt"/>
+                <a:ea typeface="+mn-ea"/>
+                <a:cs typeface="+mn-cs"/>
+              </a:defRPr>
+            </a:lvl1pPr>
+            <a:lvl2pPr marL="658368" indent="-246888" algn="l" rtl="0" eaLnBrk="1" latinLnBrk="0" hangingPunct="1">
+              <a:spcBef>
+                <a:spcPts val="300"/>
+              </a:spcBef>
+              <a:buClr>
+                <a:schemeClr val="accent2"/>
+              </a:buClr>
+              <a:buFont typeface="Georgia"/>
+              <a:buChar char="▫"/>
+              <a:defRPr kumimoji="0" sz="2600" kern="1200">
+                <a:solidFill>
+                  <a:schemeClr val="accent2"/>
+                </a:solidFill>
+                <a:latin typeface="+mn-lt"/>
+                <a:ea typeface="+mn-ea"/>
+                <a:cs typeface="+mn-cs"/>
+              </a:defRPr>
+            </a:lvl2pPr>
+            <a:lvl3pPr marL="923544" indent="-219456" algn="l" rtl="0" eaLnBrk="1" latinLnBrk="0" hangingPunct="1">
+              <a:spcBef>
+                <a:spcPts val="300"/>
+              </a:spcBef>
+              <a:buClr>
+                <a:schemeClr val="accent1"/>
+              </a:buClr>
+              <a:buFont typeface="Wingdings 2"/>
+              <a:buChar char=""/>
+              <a:defRPr kumimoji="0" sz="2400" kern="1200">
+                <a:solidFill>
+                  <a:schemeClr val="accent1"/>
+                </a:solidFill>
+                <a:latin typeface="+mn-lt"/>
+                <a:ea typeface="+mn-ea"/>
+                <a:cs typeface="+mn-cs"/>
+              </a:defRPr>
+            </a:lvl3pPr>
+            <a:lvl4pPr marL="1179576" indent="-201168" algn="l" rtl="0" eaLnBrk="1" latinLnBrk="0" hangingPunct="1">
+              <a:spcBef>
+                <a:spcPts val="300"/>
+              </a:spcBef>
+              <a:buClr>
+                <a:schemeClr val="accent1"/>
+              </a:buClr>
+              <a:buFont typeface="Wingdings 2"/>
+              <a:buChar char=""/>
+              <a:defRPr kumimoji="0" sz="2200" kern="1200">
+                <a:solidFill>
+                  <a:schemeClr val="accent1"/>
+                </a:solidFill>
+                <a:latin typeface="+mn-lt"/>
+                <a:ea typeface="+mn-ea"/>
+                <a:cs typeface="+mn-cs"/>
+              </a:defRPr>
+            </a:lvl4pPr>
+            <a:lvl5pPr marL="1389888" indent="-182880" algn="l" rtl="0" eaLnBrk="1" latinLnBrk="0" hangingPunct="1">
+              <a:spcBef>
+                <a:spcPts val="300"/>
+              </a:spcBef>
+              <a:buClr>
+                <a:schemeClr val="accent3"/>
+              </a:buClr>
+              <a:buFont typeface="Georgia"/>
+              <a:buChar char="▫"/>
+              <a:defRPr kumimoji="0" sz="2000" kern="1200">
+                <a:solidFill>
+                  <a:schemeClr val="accent3"/>
+                </a:solidFill>
+                <a:latin typeface="+mn-lt"/>
+                <a:ea typeface="+mn-ea"/>
+                <a:cs typeface="+mn-cs"/>
+              </a:defRPr>
+            </a:lvl5pPr>
+            <a:lvl6pPr marL="1609344" indent="-182880" algn="l" rtl="0" eaLnBrk="1" latinLnBrk="0" hangingPunct="1">
+              <a:spcBef>
+                <a:spcPts val="300"/>
+              </a:spcBef>
+              <a:buClr>
+                <a:schemeClr val="accent3"/>
+              </a:buClr>
+              <a:buFont typeface="Georgia"/>
+              <a:buChar char="▫"/>
+              <a:defRPr kumimoji="0" sz="1800" kern="1200">
+                <a:solidFill>
+                  <a:schemeClr val="accent3"/>
+                </a:solidFill>
+                <a:latin typeface="+mn-lt"/>
+                <a:ea typeface="+mn-ea"/>
+                <a:cs typeface="+mn-cs"/>
+              </a:defRPr>
+            </a:lvl6pPr>
+            <a:lvl7pPr marL="1828800" indent="-182880" algn="l" rtl="0" eaLnBrk="1" latinLnBrk="0" hangingPunct="1">
+              <a:spcBef>
+                <a:spcPts val="300"/>
+              </a:spcBef>
+              <a:buClr>
+                <a:schemeClr val="accent3"/>
+              </a:buClr>
+              <a:buFont typeface="Georgia"/>
+              <a:buChar char="▫"/>
+              <a:defRPr kumimoji="0" sz="1600" kern="1200">
+                <a:solidFill>
+                  <a:schemeClr val="accent3"/>
+                </a:solidFill>
+                <a:latin typeface="+mn-lt"/>
+                <a:ea typeface="+mn-ea"/>
+                <a:cs typeface="+mn-cs"/>
+              </a:defRPr>
+            </a:lvl7pPr>
+            <a:lvl8pPr marL="2029968" indent="-182880" algn="l" rtl="0" eaLnBrk="1" latinLnBrk="0" hangingPunct="1">
+              <a:spcBef>
+                <a:spcPts val="300"/>
+              </a:spcBef>
+              <a:buClr>
+                <a:schemeClr val="accent3"/>
+              </a:buClr>
+              <a:buFont typeface="Georgia"/>
+              <a:buChar char="◦"/>
+              <a:defRPr kumimoji="0" sz="1500" kern="1200">
+                <a:solidFill>
+                  <a:schemeClr val="accent3"/>
+                </a:solidFill>
+                <a:latin typeface="+mn-lt"/>
+                <a:ea typeface="+mn-ea"/>
+                <a:cs typeface="+mn-cs"/>
+              </a:defRPr>
+            </a:lvl8pPr>
+            <a:lvl9pPr marL="2240280" indent="-182880" algn="l" rtl="0" eaLnBrk="1" latinLnBrk="0" hangingPunct="1">
+              <a:spcBef>
+                <a:spcPts val="300"/>
+              </a:spcBef>
+              <a:buClr>
+                <a:schemeClr val="accent3"/>
+              </a:buClr>
+              <a:buFont typeface="Georgia"/>
+              <a:buChar char="◦"/>
+              <a:defRPr kumimoji="0" sz="1400" kern="1200" baseline="0">
+                <a:solidFill>
+                  <a:schemeClr val="accent3"/>
+                </a:solidFill>
+                <a:latin typeface="+mn-lt"/>
+                <a:ea typeface="+mn-ea"/>
+                <a:cs typeface="+mn-cs"/>
+              </a:defRPr>
+            </a:lvl9pPr>
+          </a:lstStyle>
+          <a:p>
+            <a:pPr algn="just"/>
+            <a:r>
+              <a:rPr lang="pt-BR" sz="1800" dirty="0"/>
+              <a:t>A estrutura base dos testes no mocha são dadas por:</a:t>
+            </a:r>
+            <a:endParaRPr lang="pt-BR" sz="1800" u="sng" dirty="0"/>
+          </a:p>
+          <a:p>
+            <a:pPr marL="109728" indent="0" algn="just">
+              <a:buFont typeface="Georgia"/>
+              <a:buNone/>
+            </a:pPr>
+            <a:endParaRPr lang="pt-BR" sz="1800" dirty="0"/>
+          </a:p>
+        </p:txBody>
+      </p:sp>
+      <p:sp>
+        <p:nvSpPr>
+          <p:cNvPr id="13" name="CaixaDeTexto 12">
+            <a:extLst>
+              <a:ext uri="{FF2B5EF4-FFF2-40B4-BE49-F238E27FC236}">
+                <a16:creationId xmlns:a16="http://schemas.microsoft.com/office/drawing/2014/main" id="{C2BF3904-A95D-45C5-842B-98B51B54B60D}"/>
+              </a:ext>
+            </a:extLst>
+          </p:cNvPr>
+          <p:cNvSpPr txBox="1"/>
+          <p:nvPr/>
+        </p:nvSpPr>
+        <p:spPr>
+          <a:xfrm>
+            <a:off x="1775520" y="2598549"/>
+            <a:ext cx="7272808" cy="3139321"/>
+          </a:xfrm>
+          <a:prstGeom prst="rect">
+            <a:avLst/>
+          </a:prstGeom>
+        </p:spPr>
+        <p:style>
+          <a:lnRef idx="2">
+            <a:schemeClr val="dk1"/>
+          </a:lnRef>
+          <a:fillRef idx="1">
+            <a:schemeClr val="lt1"/>
+          </a:fillRef>
+          <a:effectRef idx="0">
+            <a:schemeClr val="dk1"/>
+          </a:effectRef>
+          <a:fontRef idx="minor">
+            <a:schemeClr val="dk1"/>
+          </a:fontRef>
+        </p:style>
+        <p:txBody>
+          <a:bodyPr wrap="square">
+            <a:spAutoFit/>
+          </a:bodyPr>
+          <a:lstStyle/>
+          <a:p>
+            <a:r>
+              <a:rPr lang="pt-BR" b="0" dirty="0" err="1">
+                <a:solidFill>
+                  <a:srgbClr val="000000"/>
+                </a:solidFill>
+                <a:effectLst/>
+                <a:latin typeface="Consolas" panose="020B0609020204030204" pitchFamily="49" charset="0"/>
+              </a:rPr>
+              <a:t>describe</a:t>
+            </a:r>
+            <a:r>
+              <a:rPr lang="pt-BR" b="0" dirty="0">
+                <a:solidFill>
+                  <a:srgbClr val="000000"/>
+                </a:solidFill>
+                <a:effectLst/>
+                <a:latin typeface="Consolas" panose="020B0609020204030204" pitchFamily="49" charset="0"/>
+              </a:rPr>
+              <a:t>(</a:t>
+            </a:r>
+            <a:r>
+              <a:rPr lang="pt-BR" b="0" dirty="0">
+                <a:solidFill>
+                  <a:srgbClr val="A31515"/>
+                </a:solidFill>
+                <a:effectLst/>
+                <a:latin typeface="Consolas" panose="020B0609020204030204" pitchFamily="49" charset="0"/>
+              </a:rPr>
+              <a:t>'nome do conteúdo a ser testado'</a:t>
+            </a:r>
+            <a:r>
+              <a:rPr lang="pt-BR" b="0" dirty="0">
+                <a:solidFill>
+                  <a:srgbClr val="000000"/>
+                </a:solidFill>
+                <a:effectLst/>
+                <a:latin typeface="Consolas" panose="020B0609020204030204" pitchFamily="49" charset="0"/>
+              </a:rPr>
+              <a:t>, () </a:t>
+            </a:r>
+            <a:r>
+              <a:rPr lang="pt-BR" b="0" dirty="0">
+                <a:solidFill>
+                  <a:srgbClr val="0000FF"/>
+                </a:solidFill>
+                <a:effectLst/>
+                <a:latin typeface="Consolas" panose="020B0609020204030204" pitchFamily="49" charset="0"/>
+              </a:rPr>
+              <a:t>=&gt;</a:t>
+            </a:r>
+            <a:r>
+              <a:rPr lang="pt-BR" b="0" dirty="0">
+                <a:solidFill>
+                  <a:srgbClr val="000000"/>
+                </a:solidFill>
+                <a:effectLst/>
+                <a:latin typeface="Consolas" panose="020B0609020204030204" pitchFamily="49" charset="0"/>
+              </a:rPr>
+              <a:t> {</a:t>
+            </a:r>
+          </a:p>
+          <a:p>
+            <a:br>
+              <a:rPr lang="pt-BR" b="0" dirty="0">
+                <a:solidFill>
+                  <a:srgbClr val="000000"/>
+                </a:solidFill>
+                <a:effectLst/>
+                <a:latin typeface="Consolas" panose="020B0609020204030204" pitchFamily="49" charset="0"/>
+              </a:rPr>
+            </a:br>
+            <a:r>
+              <a:rPr lang="pt-BR" b="0" dirty="0">
+                <a:solidFill>
+                  <a:srgbClr val="000000"/>
+                </a:solidFill>
+                <a:effectLst/>
+                <a:latin typeface="Consolas" panose="020B0609020204030204" pitchFamily="49" charset="0"/>
+              </a:rPr>
+              <a:t>    it(</a:t>
+            </a:r>
+            <a:r>
+              <a:rPr lang="pt-BR" dirty="0">
+                <a:solidFill>
+                  <a:srgbClr val="A31515"/>
+                </a:solidFill>
+                <a:latin typeface="Consolas" panose="020B0609020204030204" pitchFamily="49" charset="0"/>
+              </a:rPr>
+              <a:t>'qual </a:t>
+            </a:r>
+            <a:r>
+              <a:rPr lang="pt-BR" b="0" dirty="0">
+                <a:solidFill>
+                  <a:srgbClr val="A31515"/>
+                </a:solidFill>
+                <a:effectLst/>
+                <a:latin typeface="Consolas" panose="020B0609020204030204" pitchFamily="49" charset="0"/>
+              </a:rPr>
+              <a:t>teste será realizado no item'</a:t>
+            </a:r>
+            <a:r>
+              <a:rPr lang="pt-BR" b="0" dirty="0">
+                <a:solidFill>
+                  <a:srgbClr val="000000"/>
+                </a:solidFill>
+                <a:effectLst/>
+                <a:latin typeface="Consolas" panose="020B0609020204030204" pitchFamily="49" charset="0"/>
+              </a:rPr>
+              <a:t>, () </a:t>
+            </a:r>
+            <a:r>
+              <a:rPr lang="pt-BR" b="0" dirty="0">
+                <a:solidFill>
+                  <a:srgbClr val="0000FF"/>
+                </a:solidFill>
+                <a:effectLst/>
+                <a:latin typeface="Consolas" panose="020B0609020204030204" pitchFamily="49" charset="0"/>
+              </a:rPr>
+              <a:t>=&gt;</a:t>
+            </a:r>
+            <a:r>
+              <a:rPr lang="pt-BR" b="0" dirty="0">
+                <a:solidFill>
+                  <a:srgbClr val="000000"/>
+                </a:solidFill>
+                <a:effectLst/>
+                <a:latin typeface="Consolas" panose="020B0609020204030204" pitchFamily="49" charset="0"/>
+              </a:rPr>
+              <a:t> {</a:t>
+            </a:r>
+          </a:p>
+          <a:p>
+            <a:r>
+              <a:rPr lang="pt-BR" b="0" dirty="0">
+                <a:solidFill>
+                  <a:srgbClr val="000000"/>
+                </a:solidFill>
+                <a:effectLst/>
+                <a:latin typeface="Consolas" panose="020B0609020204030204" pitchFamily="49" charset="0"/>
+              </a:rPr>
+              <a:t>        </a:t>
+            </a:r>
+            <a:r>
+              <a:rPr lang="pt-BR" b="0" dirty="0">
+                <a:solidFill>
+                  <a:srgbClr val="008000"/>
+                </a:solidFill>
+                <a:effectLst/>
+                <a:latin typeface="Consolas" panose="020B0609020204030204" pitchFamily="49" charset="0"/>
+              </a:rPr>
+              <a:t>//código o teste aqui</a:t>
+            </a:r>
+            <a:endParaRPr lang="pt-BR" b="0" dirty="0">
+              <a:solidFill>
+                <a:srgbClr val="000000"/>
+              </a:solidFill>
+              <a:effectLst/>
+              <a:latin typeface="Consolas" panose="020B0609020204030204" pitchFamily="49" charset="0"/>
+            </a:endParaRPr>
+          </a:p>
+          <a:p>
+            <a:r>
+              <a:rPr lang="pt-BR" b="0" dirty="0">
+                <a:solidFill>
+                  <a:srgbClr val="000000"/>
+                </a:solidFill>
+                <a:effectLst/>
+                <a:latin typeface="Consolas" panose="020B0609020204030204" pitchFamily="49" charset="0"/>
+              </a:rPr>
+              <a:t>    })</a:t>
+            </a:r>
+          </a:p>
+          <a:p>
+            <a:br>
+              <a:rPr lang="pt-BR" b="0" dirty="0">
+                <a:solidFill>
+                  <a:srgbClr val="000000"/>
+                </a:solidFill>
+                <a:effectLst/>
+                <a:latin typeface="Consolas" panose="020B0609020204030204" pitchFamily="49" charset="0"/>
+              </a:rPr>
+            </a:br>
+            <a:r>
+              <a:rPr lang="pt-BR" b="0" dirty="0">
+                <a:solidFill>
+                  <a:srgbClr val="000000"/>
+                </a:solidFill>
+                <a:effectLst/>
+                <a:latin typeface="Consolas" panose="020B0609020204030204" pitchFamily="49" charset="0"/>
+              </a:rPr>
+              <a:t>    </a:t>
+            </a:r>
+          </a:p>
+          <a:p>
+            <a:r>
+              <a:rPr lang="pt-BR" b="0" dirty="0">
+                <a:solidFill>
+                  <a:srgbClr val="000000"/>
+                </a:solidFill>
+                <a:effectLst/>
+                <a:latin typeface="Consolas" panose="020B0609020204030204" pitchFamily="49" charset="0"/>
+              </a:rPr>
+              <a:t>    it(</a:t>
+            </a:r>
+            <a:r>
+              <a:rPr lang="pt-BR" b="0" dirty="0">
+                <a:solidFill>
+                  <a:srgbClr val="A31515"/>
+                </a:solidFill>
+                <a:effectLst/>
+                <a:latin typeface="Consolas" panose="020B0609020204030204" pitchFamily="49" charset="0"/>
+              </a:rPr>
+              <a:t>'</a:t>
+            </a:r>
+            <a:r>
+              <a:rPr lang="pt-BR" dirty="0">
+                <a:solidFill>
+                  <a:srgbClr val="A31515"/>
+                </a:solidFill>
+                <a:latin typeface="Consolas" panose="020B0609020204030204" pitchFamily="49" charset="0"/>
+              </a:rPr>
+              <a:t>qual teste será realizado no item'</a:t>
+            </a:r>
+            <a:r>
+              <a:rPr lang="pt-BR" b="0" dirty="0">
+                <a:solidFill>
+                  <a:srgbClr val="000000"/>
+                </a:solidFill>
+                <a:effectLst/>
+                <a:latin typeface="Consolas" panose="020B0609020204030204" pitchFamily="49" charset="0"/>
+              </a:rPr>
+              <a:t>, () </a:t>
+            </a:r>
+            <a:r>
+              <a:rPr lang="pt-BR" b="0" dirty="0">
+                <a:solidFill>
+                  <a:srgbClr val="0000FF"/>
+                </a:solidFill>
+                <a:effectLst/>
+                <a:latin typeface="Consolas" panose="020B0609020204030204" pitchFamily="49" charset="0"/>
+              </a:rPr>
+              <a:t>=&gt;</a:t>
+            </a:r>
+            <a:r>
+              <a:rPr lang="pt-BR" b="0" dirty="0">
+                <a:solidFill>
+                  <a:srgbClr val="000000"/>
+                </a:solidFill>
+                <a:effectLst/>
+                <a:latin typeface="Consolas" panose="020B0609020204030204" pitchFamily="49" charset="0"/>
+              </a:rPr>
+              <a:t> {</a:t>
+            </a:r>
+          </a:p>
+          <a:p>
+            <a:r>
+              <a:rPr lang="pt-BR" b="0" dirty="0">
+                <a:solidFill>
+                  <a:srgbClr val="000000"/>
+                </a:solidFill>
+                <a:effectLst/>
+                <a:latin typeface="Consolas" panose="020B0609020204030204" pitchFamily="49" charset="0"/>
+              </a:rPr>
+              <a:t>        </a:t>
+            </a:r>
+            <a:r>
+              <a:rPr lang="pt-BR" b="0" dirty="0">
+                <a:solidFill>
+                  <a:srgbClr val="008000"/>
+                </a:solidFill>
+                <a:effectLst/>
+                <a:latin typeface="Consolas" panose="020B0609020204030204" pitchFamily="49" charset="0"/>
+              </a:rPr>
+              <a:t>//código do teste aqui</a:t>
+            </a:r>
+            <a:endParaRPr lang="pt-BR" b="0" dirty="0">
+              <a:solidFill>
+                <a:srgbClr val="000000"/>
+              </a:solidFill>
+              <a:effectLst/>
+              <a:latin typeface="Consolas" panose="020B0609020204030204" pitchFamily="49" charset="0"/>
+            </a:endParaRPr>
+          </a:p>
+          <a:p>
+            <a:r>
+              <a:rPr lang="pt-BR" b="0" dirty="0">
+                <a:solidFill>
+                  <a:srgbClr val="000000"/>
+                </a:solidFill>
+                <a:effectLst/>
+                <a:latin typeface="Consolas" panose="020B0609020204030204" pitchFamily="49" charset="0"/>
+              </a:rPr>
+              <a:t>    })</a:t>
+            </a:r>
+          </a:p>
+          <a:p>
+            <a:r>
+              <a:rPr lang="pt-BR" b="0" dirty="0">
+                <a:solidFill>
+                  <a:srgbClr val="000000"/>
+                </a:solidFill>
+                <a:effectLst/>
+                <a:latin typeface="Consolas" panose="020B0609020204030204" pitchFamily="49" charset="0"/>
+              </a:rPr>
+              <a:t>})</a:t>
+            </a:r>
+          </a:p>
+        </p:txBody>
+      </p:sp>
+    </p:spTree>
+    <p:extLst>
+      <p:ext uri="{BB962C8B-B14F-4D97-AF65-F5344CB8AC3E}">
+        <p14:creationId xmlns:p14="http://schemas.microsoft.com/office/powerpoint/2010/main" val="2057265099"/>
+      </p:ext>
+    </p:extLst>
+  </p:cSld>
+  <p:clrMapOvr>
+    <a:masterClrMapping/>
+  </p:clrMapOvr>
+  <p:timing>
+    <p:tnLst>
+      <p:par>
+        <p:cTn id="1" dur="indefinite" restart="never" nodeType="tmRoot">
+          <p:childTnLst>
+            <p:seq concurrent="1" nextAc="seek">
+              <p:cTn id="2" dur="indefinite" nodeType="mainSeq">
+                <p:childTnLst>
+                  <p:par>
+                    <p:cTn id="3" fill="hold">
+                      <p:stCondLst>
+                        <p:cond delay="indefinite"/>
+                      </p:stCondLst>
+                      <p:childTnLst>
+                        <p:par>
+                          <p:cTn id="4" fill="hold">
+                            <p:stCondLst>
+                              <p:cond delay="0"/>
+                            </p:stCondLst>
+                            <p:childTnLst>
+                              <p:par>
+                                <p:cTn id="5" presetID="10" presetClass="entr" presetSubtype="0" fill="hold" nodeType="clickEffect">
+                                  <p:stCondLst>
+                                    <p:cond delay="0"/>
+                                  </p:stCondLst>
+                                  <p:childTnLst>
+                                    <p:set>
+                                      <p:cBhvr>
+                                        <p:cTn id="6" dur="1" fill="hold">
+                                          <p:stCondLst>
+                                            <p:cond delay="0"/>
+                                          </p:stCondLst>
+                                        </p:cTn>
+                                        <p:tgtEl>
+                                          <p:spTgt spid="13">
+                                            <p:txEl>
+                                              <p:pRg st="1" end="1"/>
+                                            </p:txEl>
+                                          </p:spTgt>
+                                        </p:tgtEl>
+                                        <p:attrNameLst>
+                                          <p:attrName>style.visibility</p:attrName>
+                                        </p:attrNameLst>
+                                      </p:cBhvr>
+                                      <p:to>
+                                        <p:strVal val="visible"/>
+                                      </p:to>
+                                    </p:set>
+                                    <p:animEffect transition="in" filter="fade">
+                                      <p:cBhvr>
+                                        <p:cTn id="7" dur="500"/>
+                                        <p:tgtEl>
+                                          <p:spTgt spid="13">
+                                            <p:txEl>
+                                              <p:pRg st="1" end="1"/>
+                                            </p:txEl>
+                                          </p:spTgt>
+                                        </p:tgtEl>
+                                      </p:cBhvr>
+                                    </p:animEffect>
+                                  </p:childTnLst>
+                                </p:cTn>
+                              </p:par>
+                              <p:par>
+                                <p:cTn id="8" presetID="10" presetClass="entr" presetSubtype="0" fill="hold" nodeType="withEffect">
+                                  <p:stCondLst>
+                                    <p:cond delay="0"/>
+                                  </p:stCondLst>
+                                  <p:childTnLst>
+                                    <p:set>
+                                      <p:cBhvr>
+                                        <p:cTn id="9" dur="1" fill="hold">
+                                          <p:stCondLst>
+                                            <p:cond delay="0"/>
+                                          </p:stCondLst>
+                                        </p:cTn>
+                                        <p:tgtEl>
+                                          <p:spTgt spid="13">
+                                            <p:txEl>
+                                              <p:pRg st="2" end="2"/>
+                                            </p:txEl>
+                                          </p:spTgt>
+                                        </p:tgtEl>
+                                        <p:attrNameLst>
+                                          <p:attrName>style.visibility</p:attrName>
+                                        </p:attrNameLst>
+                                      </p:cBhvr>
+                                      <p:to>
+                                        <p:strVal val="visible"/>
+                                      </p:to>
+                                    </p:set>
+                                    <p:animEffect transition="in" filter="fade">
+                                      <p:cBhvr>
+                                        <p:cTn id="10" dur="500"/>
+                                        <p:tgtEl>
+                                          <p:spTgt spid="13">
+                                            <p:txEl>
+                                              <p:pRg st="2" end="2"/>
+                                            </p:txEl>
+                                          </p:spTgt>
+                                        </p:tgtEl>
+                                      </p:cBhvr>
+                                    </p:animEffect>
+                                  </p:childTnLst>
+                                </p:cTn>
+                              </p:par>
+                              <p:par>
+                                <p:cTn id="11" presetID="10" presetClass="entr" presetSubtype="0" fill="hold" nodeType="withEffect">
+                                  <p:stCondLst>
+                                    <p:cond delay="0"/>
+                                  </p:stCondLst>
+                                  <p:childTnLst>
+                                    <p:set>
+                                      <p:cBhvr>
+                                        <p:cTn id="12" dur="1" fill="hold">
+                                          <p:stCondLst>
+                                            <p:cond delay="0"/>
+                                          </p:stCondLst>
+                                        </p:cTn>
+                                        <p:tgtEl>
+                                          <p:spTgt spid="13">
+                                            <p:txEl>
+                                              <p:pRg st="3" end="3"/>
+                                            </p:txEl>
+                                          </p:spTgt>
+                                        </p:tgtEl>
+                                        <p:attrNameLst>
+                                          <p:attrName>style.visibility</p:attrName>
+                                        </p:attrNameLst>
+                                      </p:cBhvr>
+                                      <p:to>
+                                        <p:strVal val="visible"/>
+                                      </p:to>
+                                    </p:set>
+                                    <p:animEffect transition="in" filter="fade">
+                                      <p:cBhvr>
+                                        <p:cTn id="13" dur="500"/>
+                                        <p:tgtEl>
+                                          <p:spTgt spid="13">
+                                            <p:txEl>
+                                              <p:pRg st="3" end="3"/>
+                                            </p:txEl>
+                                          </p:spTgt>
+                                        </p:tgtEl>
+                                      </p:cBhvr>
+                                    </p:animEffect>
+                                  </p:childTnLst>
+                                </p:cTn>
+                              </p:par>
+                            </p:childTnLst>
+                          </p:cTn>
+                        </p:par>
+                      </p:childTnLst>
+                    </p:cTn>
+                  </p:par>
+                  <p:par>
+                    <p:cTn id="14" fill="hold">
+                      <p:stCondLst>
+                        <p:cond delay="indefinite"/>
+                      </p:stCondLst>
+                      <p:childTnLst>
+                        <p:par>
+                          <p:cTn id="15" fill="hold">
+                            <p:stCondLst>
+                              <p:cond delay="0"/>
+                            </p:stCondLst>
+                            <p:childTnLst>
+                              <p:par>
+                                <p:cTn id="16" presetID="10" presetClass="entr" presetSubtype="0" fill="hold" nodeType="clickEffect">
+                                  <p:stCondLst>
+                                    <p:cond delay="0"/>
+                                  </p:stCondLst>
+                                  <p:childTnLst>
+                                    <p:set>
+                                      <p:cBhvr>
+                                        <p:cTn id="17" dur="1" fill="hold">
+                                          <p:stCondLst>
+                                            <p:cond delay="0"/>
+                                          </p:stCondLst>
+                                        </p:cTn>
+                                        <p:tgtEl>
+                                          <p:spTgt spid="13">
+                                            <p:txEl>
+                                              <p:pRg st="5" end="5"/>
+                                            </p:txEl>
+                                          </p:spTgt>
+                                        </p:tgtEl>
+                                        <p:attrNameLst>
+                                          <p:attrName>style.visibility</p:attrName>
+                                        </p:attrNameLst>
+                                      </p:cBhvr>
+                                      <p:to>
+                                        <p:strVal val="visible"/>
+                                      </p:to>
+                                    </p:set>
+                                    <p:animEffect transition="in" filter="fade">
+                                      <p:cBhvr>
+                                        <p:cTn id="18" dur="500"/>
+                                        <p:tgtEl>
+                                          <p:spTgt spid="13">
+                                            <p:txEl>
+                                              <p:pRg st="5" end="5"/>
+                                            </p:txEl>
+                                          </p:spTgt>
+                                        </p:tgtEl>
+                                      </p:cBhvr>
+                                    </p:animEffect>
+                                  </p:childTnLst>
+                                </p:cTn>
+                              </p:par>
+                              <p:par>
+                                <p:cTn id="19" presetID="10" presetClass="entr" presetSubtype="0" fill="hold" nodeType="withEffect">
+                                  <p:stCondLst>
+                                    <p:cond delay="0"/>
+                                  </p:stCondLst>
+                                  <p:childTnLst>
+                                    <p:set>
+                                      <p:cBhvr>
+                                        <p:cTn id="20" dur="1" fill="hold">
+                                          <p:stCondLst>
+                                            <p:cond delay="0"/>
+                                          </p:stCondLst>
+                                        </p:cTn>
+                                        <p:tgtEl>
+                                          <p:spTgt spid="13">
+                                            <p:txEl>
+                                              <p:pRg st="6" end="6"/>
+                                            </p:txEl>
+                                          </p:spTgt>
+                                        </p:tgtEl>
+                                        <p:attrNameLst>
+                                          <p:attrName>style.visibility</p:attrName>
+                                        </p:attrNameLst>
+                                      </p:cBhvr>
+                                      <p:to>
+                                        <p:strVal val="visible"/>
+                                      </p:to>
+                                    </p:set>
+                                    <p:animEffect transition="in" filter="fade">
+                                      <p:cBhvr>
+                                        <p:cTn id="21" dur="500"/>
+                                        <p:tgtEl>
+                                          <p:spTgt spid="13">
+                                            <p:txEl>
+                                              <p:pRg st="6" end="6"/>
+                                            </p:txEl>
+                                          </p:spTgt>
+                                        </p:tgtEl>
+                                      </p:cBhvr>
+                                    </p:animEffect>
+                                  </p:childTnLst>
+                                </p:cTn>
+                              </p:par>
+                              <p:par>
+                                <p:cTn id="22" presetID="10" presetClass="entr" presetSubtype="0" fill="hold" nodeType="withEffect">
+                                  <p:stCondLst>
+                                    <p:cond delay="0"/>
+                                  </p:stCondLst>
+                                  <p:childTnLst>
+                                    <p:set>
+                                      <p:cBhvr>
+                                        <p:cTn id="23" dur="1" fill="hold">
+                                          <p:stCondLst>
+                                            <p:cond delay="0"/>
+                                          </p:stCondLst>
+                                        </p:cTn>
+                                        <p:tgtEl>
+                                          <p:spTgt spid="13">
+                                            <p:txEl>
+                                              <p:pRg st="7" end="7"/>
+                                            </p:txEl>
+                                          </p:spTgt>
+                                        </p:tgtEl>
+                                        <p:attrNameLst>
+                                          <p:attrName>style.visibility</p:attrName>
+                                        </p:attrNameLst>
+                                      </p:cBhvr>
+                                      <p:to>
+                                        <p:strVal val="visible"/>
+                                      </p:to>
+                                    </p:set>
+                                    <p:animEffect transition="in" filter="fade">
+                                      <p:cBhvr>
+                                        <p:cTn id="24" dur="500"/>
+                                        <p:tgtEl>
+                                          <p:spTgt spid="13">
+                                            <p:txEl>
+                                              <p:pRg st="7" end="7"/>
+                                            </p:txEl>
+                                          </p:spTgt>
                                         </p:tgtEl>
                                       </p:cBhvr>
                                     </p:animEffect>
@@ -17842,6 +20351,5388 @@
         </p:cTn>
       </p:par>
     </p:tnLst>
+  </p:timing>
+</p:sld>
+</file>
+
+<file path=ppt/slides/slide30.xml><?xml version="1.0" encoding="utf-8"?>
+<p:sld xmlns:a="http://schemas.openxmlformats.org/drawingml/2006/main" xmlns:r="http://schemas.openxmlformats.org/officeDocument/2006/relationships" xmlns:p="http://schemas.openxmlformats.org/presentationml/2006/main">
+  <p:cSld>
+    <p:spTree>
+      <p:nvGrpSpPr>
+        <p:cNvPr id="1" name=""/>
+        <p:cNvGrpSpPr/>
+        <p:nvPr/>
+      </p:nvGrpSpPr>
+      <p:grpSpPr>
+        <a:xfrm>
+          <a:off x="0" y="0"/>
+          <a:ext cx="0" cy="0"/>
+          <a:chOff x="0" y="0"/>
+          <a:chExt cx="0" cy="0"/>
+        </a:xfrm>
+      </p:grpSpPr>
+      <p:sp>
+        <p:nvSpPr>
+          <p:cNvPr id="2" name="Título 1"/>
+          <p:cNvSpPr>
+            <a:spLocks noGrp="1"/>
+          </p:cNvSpPr>
+          <p:nvPr>
+            <p:ph type="title"/>
+          </p:nvPr>
+        </p:nvSpPr>
+        <p:spPr/>
+        <p:txBody>
+          <a:bodyPr>
+            <a:normAutofit/>
+          </a:bodyPr>
+          <a:lstStyle/>
+          <a:p>
+            <a:r>
+              <a:rPr lang="pt-BR" dirty="0"/>
+              <a:t>Mocha</a:t>
+            </a:r>
+          </a:p>
+        </p:txBody>
+      </p:sp>
+      <p:sp>
+        <p:nvSpPr>
+          <p:cNvPr id="12" name="Espaço Reservado para Conteúdo 2">
+            <a:extLst>
+              <a:ext uri="{FF2B5EF4-FFF2-40B4-BE49-F238E27FC236}">
+                <a16:creationId xmlns:a16="http://schemas.microsoft.com/office/drawing/2014/main" id="{41F898C3-1FE6-48FD-A402-B6B6CA7FD321}"/>
+              </a:ext>
+            </a:extLst>
+          </p:cNvPr>
+          <p:cNvSpPr txBox="1">
+            <a:spLocks/>
+          </p:cNvSpPr>
+          <p:nvPr/>
+        </p:nvSpPr>
+        <p:spPr>
+          <a:xfrm>
+            <a:off x="589458" y="2114061"/>
+            <a:ext cx="10972799" cy="3691203"/>
+          </a:xfrm>
+          <a:prstGeom prst="rect">
+            <a:avLst/>
+          </a:prstGeom>
+        </p:spPr>
+        <p:txBody>
+          <a:bodyPr vert="horz">
+            <a:normAutofit/>
+          </a:bodyPr>
+          <a:lstStyle>
+            <a:lvl1pPr marL="365760" indent="-256032" algn="l" rtl="0" eaLnBrk="1" latinLnBrk="0" hangingPunct="1">
+              <a:spcBef>
+                <a:spcPts val="300"/>
+              </a:spcBef>
+              <a:buClr>
+                <a:schemeClr val="accent3"/>
+              </a:buClr>
+              <a:buFont typeface="Georgia"/>
+              <a:buChar char="•"/>
+              <a:defRPr kumimoji="0" sz="2800" kern="1200">
+                <a:solidFill>
+                  <a:schemeClr val="tx1"/>
+                </a:solidFill>
+                <a:latin typeface="+mn-lt"/>
+                <a:ea typeface="+mn-ea"/>
+                <a:cs typeface="+mn-cs"/>
+              </a:defRPr>
+            </a:lvl1pPr>
+            <a:lvl2pPr marL="658368" indent="-246888" algn="l" rtl="0" eaLnBrk="1" latinLnBrk="0" hangingPunct="1">
+              <a:spcBef>
+                <a:spcPts val="300"/>
+              </a:spcBef>
+              <a:buClr>
+                <a:schemeClr val="accent2"/>
+              </a:buClr>
+              <a:buFont typeface="Georgia"/>
+              <a:buChar char="▫"/>
+              <a:defRPr kumimoji="0" sz="2600" kern="1200">
+                <a:solidFill>
+                  <a:schemeClr val="accent2"/>
+                </a:solidFill>
+                <a:latin typeface="+mn-lt"/>
+                <a:ea typeface="+mn-ea"/>
+                <a:cs typeface="+mn-cs"/>
+              </a:defRPr>
+            </a:lvl2pPr>
+            <a:lvl3pPr marL="923544" indent="-219456" algn="l" rtl="0" eaLnBrk="1" latinLnBrk="0" hangingPunct="1">
+              <a:spcBef>
+                <a:spcPts val="300"/>
+              </a:spcBef>
+              <a:buClr>
+                <a:schemeClr val="accent1"/>
+              </a:buClr>
+              <a:buFont typeface="Wingdings 2"/>
+              <a:buChar char=""/>
+              <a:defRPr kumimoji="0" sz="2400" kern="1200">
+                <a:solidFill>
+                  <a:schemeClr val="accent1"/>
+                </a:solidFill>
+                <a:latin typeface="+mn-lt"/>
+                <a:ea typeface="+mn-ea"/>
+                <a:cs typeface="+mn-cs"/>
+              </a:defRPr>
+            </a:lvl3pPr>
+            <a:lvl4pPr marL="1179576" indent="-201168" algn="l" rtl="0" eaLnBrk="1" latinLnBrk="0" hangingPunct="1">
+              <a:spcBef>
+                <a:spcPts val="300"/>
+              </a:spcBef>
+              <a:buClr>
+                <a:schemeClr val="accent1"/>
+              </a:buClr>
+              <a:buFont typeface="Wingdings 2"/>
+              <a:buChar char=""/>
+              <a:defRPr kumimoji="0" sz="2200" kern="1200">
+                <a:solidFill>
+                  <a:schemeClr val="accent1"/>
+                </a:solidFill>
+                <a:latin typeface="+mn-lt"/>
+                <a:ea typeface="+mn-ea"/>
+                <a:cs typeface="+mn-cs"/>
+              </a:defRPr>
+            </a:lvl4pPr>
+            <a:lvl5pPr marL="1389888" indent="-182880" algn="l" rtl="0" eaLnBrk="1" latinLnBrk="0" hangingPunct="1">
+              <a:spcBef>
+                <a:spcPts val="300"/>
+              </a:spcBef>
+              <a:buClr>
+                <a:schemeClr val="accent3"/>
+              </a:buClr>
+              <a:buFont typeface="Georgia"/>
+              <a:buChar char="▫"/>
+              <a:defRPr kumimoji="0" sz="2000" kern="1200">
+                <a:solidFill>
+                  <a:schemeClr val="accent3"/>
+                </a:solidFill>
+                <a:latin typeface="+mn-lt"/>
+                <a:ea typeface="+mn-ea"/>
+                <a:cs typeface="+mn-cs"/>
+              </a:defRPr>
+            </a:lvl5pPr>
+            <a:lvl6pPr marL="1609344" indent="-182880" algn="l" rtl="0" eaLnBrk="1" latinLnBrk="0" hangingPunct="1">
+              <a:spcBef>
+                <a:spcPts val="300"/>
+              </a:spcBef>
+              <a:buClr>
+                <a:schemeClr val="accent3"/>
+              </a:buClr>
+              <a:buFont typeface="Georgia"/>
+              <a:buChar char="▫"/>
+              <a:defRPr kumimoji="0" sz="1800" kern="1200">
+                <a:solidFill>
+                  <a:schemeClr val="accent3"/>
+                </a:solidFill>
+                <a:latin typeface="+mn-lt"/>
+                <a:ea typeface="+mn-ea"/>
+                <a:cs typeface="+mn-cs"/>
+              </a:defRPr>
+            </a:lvl6pPr>
+            <a:lvl7pPr marL="1828800" indent="-182880" algn="l" rtl="0" eaLnBrk="1" latinLnBrk="0" hangingPunct="1">
+              <a:spcBef>
+                <a:spcPts val="300"/>
+              </a:spcBef>
+              <a:buClr>
+                <a:schemeClr val="accent3"/>
+              </a:buClr>
+              <a:buFont typeface="Georgia"/>
+              <a:buChar char="▫"/>
+              <a:defRPr kumimoji="0" sz="1600" kern="1200">
+                <a:solidFill>
+                  <a:schemeClr val="accent3"/>
+                </a:solidFill>
+                <a:latin typeface="+mn-lt"/>
+                <a:ea typeface="+mn-ea"/>
+                <a:cs typeface="+mn-cs"/>
+              </a:defRPr>
+            </a:lvl7pPr>
+            <a:lvl8pPr marL="2029968" indent="-182880" algn="l" rtl="0" eaLnBrk="1" latinLnBrk="0" hangingPunct="1">
+              <a:spcBef>
+                <a:spcPts val="300"/>
+              </a:spcBef>
+              <a:buClr>
+                <a:schemeClr val="accent3"/>
+              </a:buClr>
+              <a:buFont typeface="Georgia"/>
+              <a:buChar char="◦"/>
+              <a:defRPr kumimoji="0" sz="1500" kern="1200">
+                <a:solidFill>
+                  <a:schemeClr val="accent3"/>
+                </a:solidFill>
+                <a:latin typeface="+mn-lt"/>
+                <a:ea typeface="+mn-ea"/>
+                <a:cs typeface="+mn-cs"/>
+              </a:defRPr>
+            </a:lvl8pPr>
+            <a:lvl9pPr marL="2240280" indent="-182880" algn="l" rtl="0" eaLnBrk="1" latinLnBrk="0" hangingPunct="1">
+              <a:spcBef>
+                <a:spcPts val="300"/>
+              </a:spcBef>
+              <a:buClr>
+                <a:schemeClr val="accent3"/>
+              </a:buClr>
+              <a:buFont typeface="Georgia"/>
+              <a:buChar char="◦"/>
+              <a:defRPr kumimoji="0" sz="1400" kern="1200" baseline="0">
+                <a:solidFill>
+                  <a:schemeClr val="accent3"/>
+                </a:solidFill>
+                <a:latin typeface="+mn-lt"/>
+                <a:ea typeface="+mn-ea"/>
+                <a:cs typeface="+mn-cs"/>
+              </a:defRPr>
+            </a:lvl9pPr>
+          </a:lstStyle>
+          <a:p>
+            <a:pPr algn="just"/>
+            <a:r>
+              <a:rPr lang="pt-BR" sz="1800" dirty="0"/>
+              <a:t>Para as assertivas (validações), podemos usar o </a:t>
+            </a:r>
+            <a:r>
+              <a:rPr lang="pt-BR" sz="1800" dirty="0" err="1"/>
+              <a:t>assert</a:t>
+            </a:r>
+            <a:r>
+              <a:rPr lang="pt-BR" sz="1800" dirty="0"/>
+              <a:t> nas comparações:</a:t>
+            </a:r>
+            <a:endParaRPr lang="pt-BR" sz="1800" u="sng" dirty="0"/>
+          </a:p>
+          <a:p>
+            <a:pPr marL="109728" indent="0" algn="just">
+              <a:buFont typeface="Georgia"/>
+              <a:buNone/>
+            </a:pPr>
+            <a:endParaRPr lang="pt-BR" sz="1800" dirty="0"/>
+          </a:p>
+        </p:txBody>
+      </p:sp>
+      <p:sp>
+        <p:nvSpPr>
+          <p:cNvPr id="6" name="CaixaDeTexto 5">
+            <a:extLst>
+              <a:ext uri="{FF2B5EF4-FFF2-40B4-BE49-F238E27FC236}">
+                <a16:creationId xmlns:a16="http://schemas.microsoft.com/office/drawing/2014/main" id="{D59563E7-C737-472B-9FAA-DE649BA024F3}"/>
+              </a:ext>
+            </a:extLst>
+          </p:cNvPr>
+          <p:cNvSpPr txBox="1"/>
+          <p:nvPr/>
+        </p:nvSpPr>
+        <p:spPr>
+          <a:xfrm>
+            <a:off x="1055440" y="2841268"/>
+            <a:ext cx="10801200" cy="1754326"/>
+          </a:xfrm>
+          <a:prstGeom prst="rect">
+            <a:avLst/>
+          </a:prstGeom>
+          <a:noFill/>
+        </p:spPr>
+        <p:txBody>
+          <a:bodyPr wrap="square">
+            <a:spAutoFit/>
+          </a:bodyPr>
+          <a:lstStyle/>
+          <a:p>
+            <a:r>
+              <a:rPr lang="pt-BR" b="0" dirty="0" err="1">
+                <a:solidFill>
+                  <a:srgbClr val="0000FF"/>
+                </a:solidFill>
+                <a:effectLst/>
+                <a:latin typeface="Consolas" panose="020B0609020204030204" pitchFamily="49" charset="0"/>
+              </a:rPr>
+              <a:t>const</a:t>
+            </a:r>
+            <a:r>
+              <a:rPr lang="pt-BR" b="0" dirty="0">
+                <a:solidFill>
+                  <a:srgbClr val="000000"/>
+                </a:solidFill>
+                <a:effectLst/>
+                <a:latin typeface="Consolas" panose="020B0609020204030204" pitchFamily="49" charset="0"/>
+              </a:rPr>
+              <a:t> </a:t>
+            </a:r>
+            <a:r>
+              <a:rPr lang="pt-BR" b="0" dirty="0" err="1">
+                <a:solidFill>
+                  <a:srgbClr val="000000"/>
+                </a:solidFill>
+                <a:effectLst/>
+                <a:latin typeface="Consolas" panose="020B0609020204030204" pitchFamily="49" charset="0"/>
+              </a:rPr>
+              <a:t>assert</a:t>
+            </a:r>
+            <a:r>
+              <a:rPr lang="pt-BR" b="0" dirty="0">
+                <a:solidFill>
+                  <a:srgbClr val="000000"/>
+                </a:solidFill>
+                <a:effectLst/>
+                <a:latin typeface="Consolas" panose="020B0609020204030204" pitchFamily="49" charset="0"/>
+              </a:rPr>
+              <a:t> = require(</a:t>
+            </a:r>
+            <a:r>
+              <a:rPr lang="pt-BR" b="0" dirty="0">
+                <a:solidFill>
+                  <a:srgbClr val="A31515"/>
+                </a:solidFill>
+                <a:effectLst/>
+                <a:latin typeface="Consolas" panose="020B0609020204030204" pitchFamily="49" charset="0"/>
+              </a:rPr>
+              <a:t>'</a:t>
+            </a:r>
+            <a:r>
+              <a:rPr lang="pt-BR" b="0" dirty="0" err="1">
+                <a:solidFill>
+                  <a:srgbClr val="A31515"/>
+                </a:solidFill>
+                <a:effectLst/>
+                <a:latin typeface="Consolas" panose="020B0609020204030204" pitchFamily="49" charset="0"/>
+              </a:rPr>
+              <a:t>assert</a:t>
+            </a:r>
+            <a:r>
+              <a:rPr lang="pt-BR" b="0" dirty="0">
+                <a:solidFill>
+                  <a:srgbClr val="A31515"/>
+                </a:solidFill>
+                <a:effectLst/>
+                <a:latin typeface="Consolas" panose="020B0609020204030204" pitchFamily="49" charset="0"/>
+              </a:rPr>
+              <a:t>’</a:t>
+            </a:r>
+            <a:r>
+              <a:rPr lang="pt-BR" b="0" dirty="0">
+                <a:solidFill>
+                  <a:srgbClr val="000000"/>
+                </a:solidFill>
+                <a:effectLst/>
+                <a:latin typeface="Consolas" panose="020B0609020204030204" pitchFamily="49" charset="0"/>
+              </a:rPr>
+              <a:t>);</a:t>
+            </a:r>
+          </a:p>
+          <a:p>
+            <a:br>
+              <a:rPr lang="pt-BR" b="0" dirty="0">
+                <a:solidFill>
+                  <a:srgbClr val="000000"/>
+                </a:solidFill>
+                <a:effectLst/>
+                <a:latin typeface="Consolas" panose="020B0609020204030204" pitchFamily="49" charset="0"/>
+              </a:rPr>
+            </a:br>
+            <a:r>
+              <a:rPr lang="pt-BR" b="0" dirty="0" err="1">
+                <a:solidFill>
+                  <a:srgbClr val="000000"/>
+                </a:solidFill>
+                <a:effectLst/>
+                <a:latin typeface="Consolas" panose="020B0609020204030204" pitchFamily="49" charset="0"/>
+              </a:rPr>
+              <a:t>assert.</a:t>
+            </a:r>
+            <a:r>
+              <a:rPr lang="pt-BR" b="1" u="sng" dirty="0" err="1">
+                <a:solidFill>
+                  <a:srgbClr val="000000"/>
+                </a:solidFill>
+                <a:effectLst/>
+                <a:latin typeface="Consolas" panose="020B0609020204030204" pitchFamily="49" charset="0"/>
+              </a:rPr>
+              <a:t>equal</a:t>
+            </a:r>
+            <a:r>
+              <a:rPr lang="pt-BR" b="0" dirty="0">
+                <a:solidFill>
+                  <a:srgbClr val="000000"/>
+                </a:solidFill>
+                <a:effectLst/>
+                <a:latin typeface="Consolas" panose="020B0609020204030204" pitchFamily="49" charset="0"/>
+              </a:rPr>
+              <a:t>(variavel1, variavel2); </a:t>
+            </a:r>
+            <a:r>
+              <a:rPr lang="pt-BR" b="0" dirty="0">
+                <a:solidFill>
+                  <a:srgbClr val="008000"/>
+                </a:solidFill>
+                <a:effectLst/>
+                <a:latin typeface="Consolas" panose="020B0609020204030204" pitchFamily="49" charset="0"/>
+              </a:rPr>
+              <a:t>//Ambas </a:t>
+            </a:r>
+            <a:r>
+              <a:rPr lang="pt-BR" b="0" dirty="0" err="1">
+                <a:solidFill>
+                  <a:srgbClr val="008000"/>
+                </a:solidFill>
+                <a:effectLst/>
+                <a:latin typeface="Consolas" panose="020B0609020204030204" pitchFamily="49" charset="0"/>
+              </a:rPr>
+              <a:t>variaveis</a:t>
+            </a:r>
+            <a:r>
+              <a:rPr lang="pt-BR" b="0" dirty="0">
+                <a:solidFill>
+                  <a:srgbClr val="008000"/>
+                </a:solidFill>
+                <a:effectLst/>
+                <a:latin typeface="Consolas" panose="020B0609020204030204" pitchFamily="49" charset="0"/>
+              </a:rPr>
+              <a:t> tem que ser igual</a:t>
+            </a:r>
+            <a:endParaRPr lang="pt-BR" b="0" dirty="0">
+              <a:solidFill>
+                <a:srgbClr val="000000"/>
+              </a:solidFill>
+              <a:effectLst/>
+              <a:latin typeface="Consolas" panose="020B0609020204030204" pitchFamily="49" charset="0"/>
+            </a:endParaRPr>
+          </a:p>
+          <a:p>
+            <a:r>
+              <a:rPr lang="pt-BR" b="0" dirty="0" err="1">
+                <a:solidFill>
+                  <a:srgbClr val="000000"/>
+                </a:solidFill>
+                <a:effectLst/>
+                <a:latin typeface="Consolas" panose="020B0609020204030204" pitchFamily="49" charset="0"/>
+              </a:rPr>
+              <a:t>assert.</a:t>
+            </a:r>
+            <a:r>
+              <a:rPr lang="pt-BR" b="1" u="sng" dirty="0" err="1">
+                <a:solidFill>
+                  <a:srgbClr val="000000"/>
+                </a:solidFill>
+                <a:effectLst/>
+                <a:latin typeface="Consolas" panose="020B0609020204030204" pitchFamily="49" charset="0"/>
+              </a:rPr>
+              <a:t>notEqual</a:t>
+            </a:r>
+            <a:r>
+              <a:rPr lang="pt-BR" b="0" dirty="0">
+                <a:solidFill>
+                  <a:srgbClr val="000000"/>
+                </a:solidFill>
+                <a:effectLst/>
+                <a:latin typeface="Consolas" panose="020B0609020204030204" pitchFamily="49" charset="0"/>
+              </a:rPr>
+              <a:t>(variavel1, variavel2); </a:t>
+            </a:r>
+            <a:r>
+              <a:rPr lang="pt-BR" b="0" dirty="0">
+                <a:solidFill>
+                  <a:srgbClr val="008000"/>
+                </a:solidFill>
+                <a:effectLst/>
+                <a:latin typeface="Consolas" panose="020B0609020204030204" pitchFamily="49" charset="0"/>
+              </a:rPr>
+              <a:t>//Ambas </a:t>
+            </a:r>
+            <a:r>
+              <a:rPr lang="pt-BR" b="0" dirty="0" err="1">
+                <a:solidFill>
+                  <a:srgbClr val="008000"/>
+                </a:solidFill>
+                <a:effectLst/>
+                <a:latin typeface="Consolas" panose="020B0609020204030204" pitchFamily="49" charset="0"/>
+              </a:rPr>
+              <a:t>variaveis</a:t>
+            </a:r>
+            <a:r>
+              <a:rPr lang="pt-BR" b="0" dirty="0">
+                <a:solidFill>
+                  <a:srgbClr val="008000"/>
+                </a:solidFill>
+                <a:effectLst/>
+                <a:latin typeface="Consolas" panose="020B0609020204030204" pitchFamily="49" charset="0"/>
+              </a:rPr>
+              <a:t> tem que ser diferentes</a:t>
+            </a:r>
+            <a:endParaRPr lang="pt-BR" b="0" dirty="0">
+              <a:solidFill>
+                <a:srgbClr val="000000"/>
+              </a:solidFill>
+              <a:effectLst/>
+              <a:latin typeface="Consolas" panose="020B0609020204030204" pitchFamily="49" charset="0"/>
+            </a:endParaRPr>
+          </a:p>
+          <a:p>
+            <a:r>
+              <a:rPr lang="pt-BR" b="0" dirty="0" err="1">
+                <a:solidFill>
+                  <a:srgbClr val="000000"/>
+                </a:solidFill>
+                <a:effectLst/>
+                <a:latin typeface="Consolas" panose="020B0609020204030204" pitchFamily="49" charset="0"/>
+              </a:rPr>
+              <a:t>assert.</a:t>
+            </a:r>
+            <a:r>
+              <a:rPr lang="pt-BR" b="1" u="sng" dirty="0" err="1">
+                <a:solidFill>
+                  <a:srgbClr val="000000"/>
+                </a:solidFill>
+                <a:effectLst/>
+                <a:latin typeface="Consolas" panose="020B0609020204030204" pitchFamily="49" charset="0"/>
+              </a:rPr>
+              <a:t>match</a:t>
+            </a:r>
+            <a:r>
+              <a:rPr lang="pt-BR" b="0" dirty="0">
+                <a:solidFill>
+                  <a:srgbClr val="000000"/>
+                </a:solidFill>
+                <a:effectLst/>
+                <a:latin typeface="Consolas" panose="020B0609020204030204" pitchFamily="49" charset="0"/>
+              </a:rPr>
+              <a:t>(texto, </a:t>
+            </a:r>
+            <a:r>
+              <a:rPr lang="pt-BR" b="0" dirty="0" err="1">
+                <a:solidFill>
+                  <a:srgbClr val="000000"/>
+                </a:solidFill>
+                <a:effectLst/>
+                <a:latin typeface="Consolas" panose="020B0609020204030204" pitchFamily="49" charset="0"/>
+              </a:rPr>
+              <a:t>regex</a:t>
+            </a:r>
+            <a:r>
+              <a:rPr lang="pt-BR" b="0" dirty="0">
+                <a:solidFill>
+                  <a:srgbClr val="000000"/>
+                </a:solidFill>
+                <a:effectLst/>
+                <a:latin typeface="Consolas" panose="020B0609020204030204" pitchFamily="49" charset="0"/>
+              </a:rPr>
+              <a:t>); </a:t>
+            </a:r>
+            <a:r>
+              <a:rPr lang="pt-BR" b="0" dirty="0">
+                <a:solidFill>
+                  <a:srgbClr val="008000"/>
+                </a:solidFill>
+                <a:effectLst/>
+                <a:latin typeface="Consolas" panose="020B0609020204030204" pitchFamily="49" charset="0"/>
+              </a:rPr>
+              <a:t>//Valida com uma expressão regular</a:t>
+            </a:r>
+            <a:endParaRPr lang="pt-BR" b="0" dirty="0">
+              <a:solidFill>
+                <a:srgbClr val="000000"/>
+              </a:solidFill>
+              <a:effectLst/>
+              <a:latin typeface="Consolas" panose="020B0609020204030204" pitchFamily="49" charset="0"/>
+            </a:endParaRPr>
+          </a:p>
+          <a:p>
+            <a:r>
+              <a:rPr lang="pt-BR" b="0" dirty="0" err="1">
+                <a:solidFill>
+                  <a:srgbClr val="000000"/>
+                </a:solidFill>
+                <a:effectLst/>
+                <a:latin typeface="Consolas" panose="020B0609020204030204" pitchFamily="49" charset="0"/>
+              </a:rPr>
+              <a:t>assert.</a:t>
+            </a:r>
+            <a:r>
+              <a:rPr lang="pt-BR" b="1" u="sng" dirty="0" err="1">
+                <a:solidFill>
+                  <a:srgbClr val="000000"/>
+                </a:solidFill>
+                <a:effectLst/>
+                <a:latin typeface="Consolas" panose="020B0609020204030204" pitchFamily="49" charset="0"/>
+              </a:rPr>
+              <a:t>fail</a:t>
+            </a:r>
+            <a:r>
+              <a:rPr lang="pt-BR" b="0" dirty="0">
+                <a:solidFill>
+                  <a:srgbClr val="000000"/>
+                </a:solidFill>
+                <a:effectLst/>
+                <a:latin typeface="Consolas" panose="020B0609020204030204" pitchFamily="49" charset="0"/>
+              </a:rPr>
+              <a:t>(</a:t>
+            </a:r>
+            <a:r>
+              <a:rPr lang="pt-BR" b="0" dirty="0">
+                <a:solidFill>
+                  <a:srgbClr val="A31515"/>
+                </a:solidFill>
+                <a:effectLst/>
+                <a:latin typeface="Consolas" panose="020B0609020204030204" pitchFamily="49" charset="0"/>
+              </a:rPr>
+              <a:t>'mensagem erro'</a:t>
+            </a:r>
+            <a:r>
+              <a:rPr lang="pt-BR" b="0" dirty="0">
+                <a:solidFill>
+                  <a:srgbClr val="000000"/>
+                </a:solidFill>
+                <a:effectLst/>
+                <a:latin typeface="Consolas" panose="020B0609020204030204" pitchFamily="49" charset="0"/>
+              </a:rPr>
+              <a:t>); </a:t>
+            </a:r>
+            <a:r>
+              <a:rPr lang="pt-BR" b="0" dirty="0">
+                <a:solidFill>
+                  <a:srgbClr val="008000"/>
+                </a:solidFill>
+                <a:effectLst/>
+                <a:latin typeface="Consolas" panose="020B0609020204030204" pitchFamily="49" charset="0"/>
+              </a:rPr>
+              <a:t>//lança um erro no meio do fluxo do código testado</a:t>
+            </a:r>
+            <a:endParaRPr lang="pt-BR" b="0" dirty="0">
+              <a:solidFill>
+                <a:srgbClr val="000000"/>
+              </a:solidFill>
+              <a:effectLst/>
+              <a:latin typeface="Consolas" panose="020B0609020204030204" pitchFamily="49" charset="0"/>
+            </a:endParaRPr>
+          </a:p>
+        </p:txBody>
+      </p:sp>
+    </p:spTree>
+    <p:extLst>
+      <p:ext uri="{BB962C8B-B14F-4D97-AF65-F5344CB8AC3E}">
+        <p14:creationId xmlns:p14="http://schemas.microsoft.com/office/powerpoint/2010/main" val="1211676921"/>
+      </p:ext>
+    </p:extLst>
+  </p:cSld>
+  <p:clrMapOvr>
+    <a:masterClrMapping/>
+  </p:clrMapOvr>
+  <p:timing>
+    <p:tnLst>
+      <p:par>
+        <p:cTn id="1" dur="indefinite" restart="never" nodeType="tmRoot">
+          <p:childTnLst>
+            <p:seq concurrent="1" nextAc="seek">
+              <p:cTn id="2" dur="indefinite" nodeType="mainSeq">
+                <p:childTnLst>
+                  <p:par>
+                    <p:cTn id="3" fill="hold">
+                      <p:stCondLst>
+                        <p:cond delay="indefinite"/>
+                      </p:stCondLst>
+                      <p:childTnLst>
+                        <p:par>
+                          <p:cTn id="4" fill="hold">
+                            <p:stCondLst>
+                              <p:cond delay="0"/>
+                            </p:stCondLst>
+                            <p:childTnLst>
+                              <p:par>
+                                <p:cTn id="5" presetID="10" presetClass="entr" presetSubtype="0" fill="hold" nodeType="clickEffect">
+                                  <p:stCondLst>
+                                    <p:cond delay="0"/>
+                                  </p:stCondLst>
+                                  <p:childTnLst>
+                                    <p:set>
+                                      <p:cBhvr>
+                                        <p:cTn id="6" dur="1" fill="hold">
+                                          <p:stCondLst>
+                                            <p:cond delay="0"/>
+                                          </p:stCondLst>
+                                        </p:cTn>
+                                        <p:tgtEl>
+                                          <p:spTgt spid="6">
+                                            <p:txEl>
+                                              <p:pRg st="0" end="0"/>
+                                            </p:txEl>
+                                          </p:spTgt>
+                                        </p:tgtEl>
+                                        <p:attrNameLst>
+                                          <p:attrName>style.visibility</p:attrName>
+                                        </p:attrNameLst>
+                                      </p:cBhvr>
+                                      <p:to>
+                                        <p:strVal val="visible"/>
+                                      </p:to>
+                                    </p:set>
+                                    <p:animEffect transition="in" filter="fade">
+                                      <p:cBhvr>
+                                        <p:cTn id="7" dur="500"/>
+                                        <p:tgtEl>
+                                          <p:spTgt spid="6">
+                                            <p:txEl>
+                                              <p:pRg st="0" end="0"/>
+                                            </p:txEl>
+                                          </p:spTgt>
+                                        </p:tgtEl>
+                                      </p:cBhvr>
+                                    </p:animEffect>
+                                  </p:childTnLst>
+                                </p:cTn>
+                              </p:par>
+                            </p:childTnLst>
+                          </p:cTn>
+                        </p:par>
+                      </p:childTnLst>
+                    </p:cTn>
+                  </p:par>
+                  <p:par>
+                    <p:cTn id="8" fill="hold">
+                      <p:stCondLst>
+                        <p:cond delay="indefinite"/>
+                      </p:stCondLst>
+                      <p:childTnLst>
+                        <p:par>
+                          <p:cTn id="9" fill="hold">
+                            <p:stCondLst>
+                              <p:cond delay="0"/>
+                            </p:stCondLst>
+                            <p:childTnLst>
+                              <p:par>
+                                <p:cTn id="10" presetID="10" presetClass="entr" presetSubtype="0" fill="hold" nodeType="clickEffect">
+                                  <p:stCondLst>
+                                    <p:cond delay="0"/>
+                                  </p:stCondLst>
+                                  <p:childTnLst>
+                                    <p:set>
+                                      <p:cBhvr>
+                                        <p:cTn id="11" dur="1" fill="hold">
+                                          <p:stCondLst>
+                                            <p:cond delay="0"/>
+                                          </p:stCondLst>
+                                        </p:cTn>
+                                        <p:tgtEl>
+                                          <p:spTgt spid="6">
+                                            <p:txEl>
+                                              <p:pRg st="1" end="1"/>
+                                            </p:txEl>
+                                          </p:spTgt>
+                                        </p:tgtEl>
+                                        <p:attrNameLst>
+                                          <p:attrName>style.visibility</p:attrName>
+                                        </p:attrNameLst>
+                                      </p:cBhvr>
+                                      <p:to>
+                                        <p:strVal val="visible"/>
+                                      </p:to>
+                                    </p:set>
+                                    <p:animEffect transition="in" filter="fade">
+                                      <p:cBhvr>
+                                        <p:cTn id="12" dur="500"/>
+                                        <p:tgtEl>
+                                          <p:spTgt spid="6">
+                                            <p:txEl>
+                                              <p:pRg st="1" end="1"/>
+                                            </p:txEl>
+                                          </p:spTgt>
+                                        </p:tgtEl>
+                                      </p:cBhvr>
+                                    </p:animEffect>
+                                  </p:childTnLst>
+                                </p:cTn>
+                              </p:par>
+                            </p:childTnLst>
+                          </p:cTn>
+                        </p:par>
+                      </p:childTnLst>
+                    </p:cTn>
+                  </p:par>
+                  <p:par>
+                    <p:cTn id="13" fill="hold">
+                      <p:stCondLst>
+                        <p:cond delay="indefinite"/>
+                      </p:stCondLst>
+                      <p:childTnLst>
+                        <p:par>
+                          <p:cTn id="14" fill="hold">
+                            <p:stCondLst>
+                              <p:cond delay="0"/>
+                            </p:stCondLst>
+                            <p:childTnLst>
+                              <p:par>
+                                <p:cTn id="15" presetID="10" presetClass="entr" presetSubtype="0" fill="hold" nodeType="clickEffect">
+                                  <p:stCondLst>
+                                    <p:cond delay="0"/>
+                                  </p:stCondLst>
+                                  <p:childTnLst>
+                                    <p:set>
+                                      <p:cBhvr>
+                                        <p:cTn id="16" dur="1" fill="hold">
+                                          <p:stCondLst>
+                                            <p:cond delay="0"/>
+                                          </p:stCondLst>
+                                        </p:cTn>
+                                        <p:tgtEl>
+                                          <p:spTgt spid="6">
+                                            <p:txEl>
+                                              <p:pRg st="2" end="2"/>
+                                            </p:txEl>
+                                          </p:spTgt>
+                                        </p:tgtEl>
+                                        <p:attrNameLst>
+                                          <p:attrName>style.visibility</p:attrName>
+                                        </p:attrNameLst>
+                                      </p:cBhvr>
+                                      <p:to>
+                                        <p:strVal val="visible"/>
+                                      </p:to>
+                                    </p:set>
+                                    <p:animEffect transition="in" filter="fade">
+                                      <p:cBhvr>
+                                        <p:cTn id="17" dur="500"/>
+                                        <p:tgtEl>
+                                          <p:spTgt spid="6">
+                                            <p:txEl>
+                                              <p:pRg st="2" end="2"/>
+                                            </p:txEl>
+                                          </p:spTgt>
+                                        </p:tgtEl>
+                                      </p:cBhvr>
+                                    </p:animEffect>
+                                  </p:childTnLst>
+                                </p:cTn>
+                              </p:par>
+                            </p:childTnLst>
+                          </p:cTn>
+                        </p:par>
+                      </p:childTnLst>
+                    </p:cTn>
+                  </p:par>
+                  <p:par>
+                    <p:cTn id="18" fill="hold">
+                      <p:stCondLst>
+                        <p:cond delay="indefinite"/>
+                      </p:stCondLst>
+                      <p:childTnLst>
+                        <p:par>
+                          <p:cTn id="19" fill="hold">
+                            <p:stCondLst>
+                              <p:cond delay="0"/>
+                            </p:stCondLst>
+                            <p:childTnLst>
+                              <p:par>
+                                <p:cTn id="20" presetID="10" presetClass="entr" presetSubtype="0" fill="hold" nodeType="clickEffect">
+                                  <p:stCondLst>
+                                    <p:cond delay="0"/>
+                                  </p:stCondLst>
+                                  <p:childTnLst>
+                                    <p:set>
+                                      <p:cBhvr>
+                                        <p:cTn id="21" dur="1" fill="hold">
+                                          <p:stCondLst>
+                                            <p:cond delay="0"/>
+                                          </p:stCondLst>
+                                        </p:cTn>
+                                        <p:tgtEl>
+                                          <p:spTgt spid="6">
+                                            <p:txEl>
+                                              <p:pRg st="3" end="3"/>
+                                            </p:txEl>
+                                          </p:spTgt>
+                                        </p:tgtEl>
+                                        <p:attrNameLst>
+                                          <p:attrName>style.visibility</p:attrName>
+                                        </p:attrNameLst>
+                                      </p:cBhvr>
+                                      <p:to>
+                                        <p:strVal val="visible"/>
+                                      </p:to>
+                                    </p:set>
+                                    <p:animEffect transition="in" filter="fade">
+                                      <p:cBhvr>
+                                        <p:cTn id="22" dur="500"/>
+                                        <p:tgtEl>
+                                          <p:spTgt spid="6">
+                                            <p:txEl>
+                                              <p:pRg st="3" end="3"/>
+                                            </p:txEl>
+                                          </p:spTgt>
+                                        </p:tgtEl>
+                                      </p:cBhvr>
+                                    </p:animEffect>
+                                  </p:childTnLst>
+                                </p:cTn>
+                              </p:par>
+                            </p:childTnLst>
+                          </p:cTn>
+                        </p:par>
+                      </p:childTnLst>
+                    </p:cTn>
+                  </p:par>
+                  <p:par>
+                    <p:cTn id="23" fill="hold">
+                      <p:stCondLst>
+                        <p:cond delay="indefinite"/>
+                      </p:stCondLst>
+                      <p:childTnLst>
+                        <p:par>
+                          <p:cTn id="24" fill="hold">
+                            <p:stCondLst>
+                              <p:cond delay="0"/>
+                            </p:stCondLst>
+                            <p:childTnLst>
+                              <p:par>
+                                <p:cTn id="25" presetID="10" presetClass="entr" presetSubtype="0" fill="hold" nodeType="clickEffect">
+                                  <p:stCondLst>
+                                    <p:cond delay="0"/>
+                                  </p:stCondLst>
+                                  <p:childTnLst>
+                                    <p:set>
+                                      <p:cBhvr>
+                                        <p:cTn id="26" dur="1" fill="hold">
+                                          <p:stCondLst>
+                                            <p:cond delay="0"/>
+                                          </p:stCondLst>
+                                        </p:cTn>
+                                        <p:tgtEl>
+                                          <p:spTgt spid="6">
+                                            <p:txEl>
+                                              <p:pRg st="4" end="4"/>
+                                            </p:txEl>
+                                          </p:spTgt>
+                                        </p:tgtEl>
+                                        <p:attrNameLst>
+                                          <p:attrName>style.visibility</p:attrName>
+                                        </p:attrNameLst>
+                                      </p:cBhvr>
+                                      <p:to>
+                                        <p:strVal val="visible"/>
+                                      </p:to>
+                                    </p:set>
+                                    <p:animEffect transition="in" filter="fade">
+                                      <p:cBhvr>
+                                        <p:cTn id="27" dur="500"/>
+                                        <p:tgtEl>
+                                          <p:spTgt spid="6">
+                                            <p:txEl>
+                                              <p:pRg st="4" end="4"/>
+                                            </p:txEl>
+                                          </p:spTgt>
+                                        </p:tgtEl>
+                                      </p:cBhvr>
+                                    </p:animEffect>
+                                  </p:childTnLst>
+                                </p:cTn>
+                              </p:par>
+                            </p:childTnLst>
+                          </p:cTn>
+                        </p:par>
+                      </p:childTnLst>
+                    </p:cTn>
+                  </p:par>
+                </p:childTnLst>
+              </p:cTn>
+              <p:prevCondLst>
+                <p:cond evt="onPrev" delay="0">
+                  <p:tgtEl>
+                    <p:sldTgt/>
+                  </p:tgtEl>
+                </p:cond>
+              </p:prevCondLst>
+              <p:nextCondLst>
+                <p:cond evt="onNext" delay="0">
+                  <p:tgtEl>
+                    <p:sldTgt/>
+                  </p:tgtEl>
+                </p:cond>
+              </p:nextCondLst>
+            </p:seq>
+          </p:childTnLst>
+        </p:cTn>
+      </p:par>
+    </p:tnLst>
+  </p:timing>
+</p:sld>
+</file>
+
+<file path=ppt/slides/slide31.xml><?xml version="1.0" encoding="utf-8"?>
+<p:sld xmlns:a="http://schemas.openxmlformats.org/drawingml/2006/main" xmlns:r="http://schemas.openxmlformats.org/officeDocument/2006/relationships" xmlns:p="http://schemas.openxmlformats.org/presentationml/2006/main">
+  <p:cSld>
+    <p:spTree>
+      <p:nvGrpSpPr>
+        <p:cNvPr id="1" name=""/>
+        <p:cNvGrpSpPr/>
+        <p:nvPr/>
+      </p:nvGrpSpPr>
+      <p:grpSpPr>
+        <a:xfrm>
+          <a:off x="0" y="0"/>
+          <a:ext cx="0" cy="0"/>
+          <a:chOff x="0" y="0"/>
+          <a:chExt cx="0" cy="0"/>
+        </a:xfrm>
+      </p:grpSpPr>
+      <p:sp>
+        <p:nvSpPr>
+          <p:cNvPr id="2" name="Título 1"/>
+          <p:cNvSpPr>
+            <a:spLocks noGrp="1"/>
+          </p:cNvSpPr>
+          <p:nvPr>
+            <p:ph type="title"/>
+          </p:nvPr>
+        </p:nvSpPr>
+        <p:spPr/>
+        <p:txBody>
+          <a:bodyPr>
+            <a:normAutofit/>
+          </a:bodyPr>
+          <a:lstStyle/>
+          <a:p>
+            <a:r>
+              <a:rPr lang="pt-BR" dirty="0"/>
+              <a:t>Mocha</a:t>
+            </a:r>
+          </a:p>
+        </p:txBody>
+      </p:sp>
+      <p:sp>
+        <p:nvSpPr>
+          <p:cNvPr id="12" name="Espaço Reservado para Conteúdo 2">
+            <a:extLst>
+              <a:ext uri="{FF2B5EF4-FFF2-40B4-BE49-F238E27FC236}">
+                <a16:creationId xmlns:a16="http://schemas.microsoft.com/office/drawing/2014/main" id="{41F898C3-1FE6-48FD-A402-B6B6CA7FD321}"/>
+              </a:ext>
+            </a:extLst>
+          </p:cNvPr>
+          <p:cNvSpPr txBox="1">
+            <a:spLocks/>
+          </p:cNvSpPr>
+          <p:nvPr/>
+        </p:nvSpPr>
+        <p:spPr>
+          <a:xfrm>
+            <a:off x="589458" y="2114061"/>
+            <a:ext cx="10972799" cy="3691203"/>
+          </a:xfrm>
+          <a:prstGeom prst="rect">
+            <a:avLst/>
+          </a:prstGeom>
+        </p:spPr>
+        <p:txBody>
+          <a:bodyPr vert="horz">
+            <a:normAutofit/>
+          </a:bodyPr>
+          <a:lstStyle>
+            <a:lvl1pPr marL="365760" indent="-256032" algn="l" rtl="0" eaLnBrk="1" latinLnBrk="0" hangingPunct="1">
+              <a:spcBef>
+                <a:spcPts val="300"/>
+              </a:spcBef>
+              <a:buClr>
+                <a:schemeClr val="accent3"/>
+              </a:buClr>
+              <a:buFont typeface="Georgia"/>
+              <a:buChar char="•"/>
+              <a:defRPr kumimoji="0" sz="2800" kern="1200">
+                <a:solidFill>
+                  <a:schemeClr val="tx1"/>
+                </a:solidFill>
+                <a:latin typeface="+mn-lt"/>
+                <a:ea typeface="+mn-ea"/>
+                <a:cs typeface="+mn-cs"/>
+              </a:defRPr>
+            </a:lvl1pPr>
+            <a:lvl2pPr marL="658368" indent="-246888" algn="l" rtl="0" eaLnBrk="1" latinLnBrk="0" hangingPunct="1">
+              <a:spcBef>
+                <a:spcPts val="300"/>
+              </a:spcBef>
+              <a:buClr>
+                <a:schemeClr val="accent2"/>
+              </a:buClr>
+              <a:buFont typeface="Georgia"/>
+              <a:buChar char="▫"/>
+              <a:defRPr kumimoji="0" sz="2600" kern="1200">
+                <a:solidFill>
+                  <a:schemeClr val="accent2"/>
+                </a:solidFill>
+                <a:latin typeface="+mn-lt"/>
+                <a:ea typeface="+mn-ea"/>
+                <a:cs typeface="+mn-cs"/>
+              </a:defRPr>
+            </a:lvl2pPr>
+            <a:lvl3pPr marL="923544" indent="-219456" algn="l" rtl="0" eaLnBrk="1" latinLnBrk="0" hangingPunct="1">
+              <a:spcBef>
+                <a:spcPts val="300"/>
+              </a:spcBef>
+              <a:buClr>
+                <a:schemeClr val="accent1"/>
+              </a:buClr>
+              <a:buFont typeface="Wingdings 2"/>
+              <a:buChar char=""/>
+              <a:defRPr kumimoji="0" sz="2400" kern="1200">
+                <a:solidFill>
+                  <a:schemeClr val="accent1"/>
+                </a:solidFill>
+                <a:latin typeface="+mn-lt"/>
+                <a:ea typeface="+mn-ea"/>
+                <a:cs typeface="+mn-cs"/>
+              </a:defRPr>
+            </a:lvl3pPr>
+            <a:lvl4pPr marL="1179576" indent="-201168" algn="l" rtl="0" eaLnBrk="1" latinLnBrk="0" hangingPunct="1">
+              <a:spcBef>
+                <a:spcPts val="300"/>
+              </a:spcBef>
+              <a:buClr>
+                <a:schemeClr val="accent1"/>
+              </a:buClr>
+              <a:buFont typeface="Wingdings 2"/>
+              <a:buChar char=""/>
+              <a:defRPr kumimoji="0" sz="2200" kern="1200">
+                <a:solidFill>
+                  <a:schemeClr val="accent1"/>
+                </a:solidFill>
+                <a:latin typeface="+mn-lt"/>
+                <a:ea typeface="+mn-ea"/>
+                <a:cs typeface="+mn-cs"/>
+              </a:defRPr>
+            </a:lvl4pPr>
+            <a:lvl5pPr marL="1389888" indent="-182880" algn="l" rtl="0" eaLnBrk="1" latinLnBrk="0" hangingPunct="1">
+              <a:spcBef>
+                <a:spcPts val="300"/>
+              </a:spcBef>
+              <a:buClr>
+                <a:schemeClr val="accent3"/>
+              </a:buClr>
+              <a:buFont typeface="Georgia"/>
+              <a:buChar char="▫"/>
+              <a:defRPr kumimoji="0" sz="2000" kern="1200">
+                <a:solidFill>
+                  <a:schemeClr val="accent3"/>
+                </a:solidFill>
+                <a:latin typeface="+mn-lt"/>
+                <a:ea typeface="+mn-ea"/>
+                <a:cs typeface="+mn-cs"/>
+              </a:defRPr>
+            </a:lvl5pPr>
+            <a:lvl6pPr marL="1609344" indent="-182880" algn="l" rtl="0" eaLnBrk="1" latinLnBrk="0" hangingPunct="1">
+              <a:spcBef>
+                <a:spcPts val="300"/>
+              </a:spcBef>
+              <a:buClr>
+                <a:schemeClr val="accent3"/>
+              </a:buClr>
+              <a:buFont typeface="Georgia"/>
+              <a:buChar char="▫"/>
+              <a:defRPr kumimoji="0" sz="1800" kern="1200">
+                <a:solidFill>
+                  <a:schemeClr val="accent3"/>
+                </a:solidFill>
+                <a:latin typeface="+mn-lt"/>
+                <a:ea typeface="+mn-ea"/>
+                <a:cs typeface="+mn-cs"/>
+              </a:defRPr>
+            </a:lvl6pPr>
+            <a:lvl7pPr marL="1828800" indent="-182880" algn="l" rtl="0" eaLnBrk="1" latinLnBrk="0" hangingPunct="1">
+              <a:spcBef>
+                <a:spcPts val="300"/>
+              </a:spcBef>
+              <a:buClr>
+                <a:schemeClr val="accent3"/>
+              </a:buClr>
+              <a:buFont typeface="Georgia"/>
+              <a:buChar char="▫"/>
+              <a:defRPr kumimoji="0" sz="1600" kern="1200">
+                <a:solidFill>
+                  <a:schemeClr val="accent3"/>
+                </a:solidFill>
+                <a:latin typeface="+mn-lt"/>
+                <a:ea typeface="+mn-ea"/>
+                <a:cs typeface="+mn-cs"/>
+              </a:defRPr>
+            </a:lvl7pPr>
+            <a:lvl8pPr marL="2029968" indent="-182880" algn="l" rtl="0" eaLnBrk="1" latinLnBrk="0" hangingPunct="1">
+              <a:spcBef>
+                <a:spcPts val="300"/>
+              </a:spcBef>
+              <a:buClr>
+                <a:schemeClr val="accent3"/>
+              </a:buClr>
+              <a:buFont typeface="Georgia"/>
+              <a:buChar char="◦"/>
+              <a:defRPr kumimoji="0" sz="1500" kern="1200">
+                <a:solidFill>
+                  <a:schemeClr val="accent3"/>
+                </a:solidFill>
+                <a:latin typeface="+mn-lt"/>
+                <a:ea typeface="+mn-ea"/>
+                <a:cs typeface="+mn-cs"/>
+              </a:defRPr>
+            </a:lvl8pPr>
+            <a:lvl9pPr marL="2240280" indent="-182880" algn="l" rtl="0" eaLnBrk="1" latinLnBrk="0" hangingPunct="1">
+              <a:spcBef>
+                <a:spcPts val="300"/>
+              </a:spcBef>
+              <a:buClr>
+                <a:schemeClr val="accent3"/>
+              </a:buClr>
+              <a:buFont typeface="Georgia"/>
+              <a:buChar char="◦"/>
+              <a:defRPr kumimoji="0" sz="1400" kern="1200" baseline="0">
+                <a:solidFill>
+                  <a:schemeClr val="accent3"/>
+                </a:solidFill>
+                <a:latin typeface="+mn-lt"/>
+                <a:ea typeface="+mn-ea"/>
+                <a:cs typeface="+mn-cs"/>
+              </a:defRPr>
+            </a:lvl9pPr>
+          </a:lstStyle>
+          <a:p>
+            <a:pPr algn="just"/>
+            <a:r>
+              <a:rPr lang="pt-BR" sz="1800" dirty="0"/>
+              <a:t>A estrutura base dos testes no mocha são dadas por:</a:t>
+            </a:r>
+            <a:endParaRPr lang="pt-BR" sz="1800" u="sng" dirty="0"/>
+          </a:p>
+          <a:p>
+            <a:pPr marL="109728" indent="0" algn="just">
+              <a:buFont typeface="Georgia"/>
+              <a:buNone/>
+            </a:pPr>
+            <a:endParaRPr lang="pt-BR" sz="1800" dirty="0"/>
+          </a:p>
+        </p:txBody>
+      </p:sp>
+      <p:sp>
+        <p:nvSpPr>
+          <p:cNvPr id="8" name="CaixaDeTexto 7">
+            <a:extLst>
+              <a:ext uri="{FF2B5EF4-FFF2-40B4-BE49-F238E27FC236}">
+                <a16:creationId xmlns:a16="http://schemas.microsoft.com/office/drawing/2014/main" id="{9E4AAE04-80C3-4DAD-AE58-6D2F8BD9C592}"/>
+              </a:ext>
+            </a:extLst>
+          </p:cNvPr>
+          <p:cNvSpPr txBox="1"/>
+          <p:nvPr/>
+        </p:nvSpPr>
+        <p:spPr>
+          <a:xfrm>
+            <a:off x="767408" y="2420888"/>
+            <a:ext cx="7704856" cy="4247317"/>
+          </a:xfrm>
+          <a:prstGeom prst="rect">
+            <a:avLst/>
+          </a:prstGeom>
+        </p:spPr>
+        <p:style>
+          <a:lnRef idx="2">
+            <a:schemeClr val="dk1"/>
+          </a:lnRef>
+          <a:fillRef idx="1">
+            <a:schemeClr val="lt1"/>
+          </a:fillRef>
+          <a:effectRef idx="0">
+            <a:schemeClr val="dk1"/>
+          </a:effectRef>
+          <a:fontRef idx="minor">
+            <a:schemeClr val="dk1"/>
+          </a:fontRef>
+        </p:style>
+        <p:txBody>
+          <a:bodyPr wrap="square">
+            <a:spAutoFit/>
+          </a:bodyPr>
+          <a:lstStyle/>
+          <a:p>
+            <a:r>
+              <a:rPr lang="pt-BR" b="0" dirty="0" err="1">
+                <a:solidFill>
+                  <a:srgbClr val="0000FF"/>
+                </a:solidFill>
+                <a:effectLst/>
+                <a:latin typeface="Consolas" panose="020B0609020204030204" pitchFamily="49" charset="0"/>
+              </a:rPr>
+              <a:t>const</a:t>
+            </a:r>
+            <a:r>
+              <a:rPr lang="pt-BR" b="0" dirty="0">
+                <a:solidFill>
+                  <a:srgbClr val="000000"/>
+                </a:solidFill>
+                <a:effectLst/>
+                <a:latin typeface="Consolas" panose="020B0609020204030204" pitchFamily="49" charset="0"/>
+              </a:rPr>
+              <a:t> </a:t>
+            </a:r>
+            <a:r>
+              <a:rPr lang="pt-BR" b="0" dirty="0" err="1">
+                <a:solidFill>
+                  <a:srgbClr val="000000"/>
+                </a:solidFill>
+                <a:effectLst/>
+                <a:latin typeface="Consolas" panose="020B0609020204030204" pitchFamily="49" charset="0"/>
+              </a:rPr>
+              <a:t>assert</a:t>
+            </a:r>
+            <a:r>
+              <a:rPr lang="pt-BR" b="0" dirty="0">
+                <a:solidFill>
+                  <a:srgbClr val="000000"/>
+                </a:solidFill>
+                <a:effectLst/>
+                <a:latin typeface="Consolas" panose="020B0609020204030204" pitchFamily="49" charset="0"/>
+              </a:rPr>
+              <a:t> = require(</a:t>
+            </a:r>
+            <a:r>
+              <a:rPr lang="pt-BR" b="0" dirty="0">
+                <a:solidFill>
+                  <a:srgbClr val="A31515"/>
+                </a:solidFill>
+                <a:effectLst/>
+                <a:latin typeface="Consolas" panose="020B0609020204030204" pitchFamily="49" charset="0"/>
+              </a:rPr>
+              <a:t>'</a:t>
+            </a:r>
+            <a:r>
+              <a:rPr lang="pt-BR" b="0" dirty="0" err="1">
+                <a:solidFill>
+                  <a:srgbClr val="A31515"/>
+                </a:solidFill>
+                <a:effectLst/>
+                <a:latin typeface="Consolas" panose="020B0609020204030204" pitchFamily="49" charset="0"/>
+              </a:rPr>
+              <a:t>assert</a:t>
+            </a:r>
+            <a:r>
+              <a:rPr lang="pt-BR" b="0" dirty="0">
+                <a:solidFill>
+                  <a:srgbClr val="A31515"/>
+                </a:solidFill>
+                <a:effectLst/>
+                <a:latin typeface="Consolas" panose="020B0609020204030204" pitchFamily="49" charset="0"/>
+              </a:rPr>
+              <a:t>'</a:t>
+            </a:r>
+            <a:r>
+              <a:rPr lang="pt-BR" b="0" dirty="0">
+                <a:solidFill>
+                  <a:srgbClr val="000000"/>
+                </a:solidFill>
+                <a:effectLst/>
+                <a:latin typeface="Consolas" panose="020B0609020204030204" pitchFamily="49" charset="0"/>
+              </a:rPr>
+              <a:t>);</a:t>
+            </a:r>
+          </a:p>
+          <a:p>
+            <a:br>
+              <a:rPr lang="pt-BR" b="0" dirty="0">
+                <a:solidFill>
+                  <a:srgbClr val="000000"/>
+                </a:solidFill>
+                <a:effectLst/>
+                <a:latin typeface="Consolas" panose="020B0609020204030204" pitchFamily="49" charset="0"/>
+              </a:rPr>
+            </a:br>
+            <a:r>
+              <a:rPr lang="pt-BR" b="0" dirty="0" err="1">
+                <a:solidFill>
+                  <a:srgbClr val="000000"/>
+                </a:solidFill>
+                <a:effectLst/>
+                <a:latin typeface="Consolas" panose="020B0609020204030204" pitchFamily="49" charset="0"/>
+              </a:rPr>
+              <a:t>describe</a:t>
+            </a:r>
+            <a:r>
+              <a:rPr lang="pt-BR" b="0" dirty="0">
+                <a:solidFill>
+                  <a:srgbClr val="000000"/>
+                </a:solidFill>
+                <a:effectLst/>
+                <a:latin typeface="Consolas" panose="020B0609020204030204" pitchFamily="49" charset="0"/>
+              </a:rPr>
+              <a:t>(</a:t>
+            </a:r>
+            <a:r>
+              <a:rPr lang="pt-BR" b="0" dirty="0">
+                <a:solidFill>
+                  <a:srgbClr val="A31515"/>
+                </a:solidFill>
+                <a:effectLst/>
+                <a:latin typeface="Consolas" panose="020B0609020204030204" pitchFamily="49" charset="0"/>
+              </a:rPr>
+              <a:t>'soma()'</a:t>
+            </a:r>
+            <a:r>
+              <a:rPr lang="pt-BR" b="0" dirty="0">
+                <a:solidFill>
+                  <a:srgbClr val="000000"/>
+                </a:solidFill>
+                <a:effectLst/>
+                <a:latin typeface="Consolas" panose="020B0609020204030204" pitchFamily="49" charset="0"/>
+              </a:rPr>
+              <a:t>, () </a:t>
+            </a:r>
+            <a:r>
+              <a:rPr lang="pt-BR" b="0" dirty="0">
+                <a:solidFill>
+                  <a:srgbClr val="0000FF"/>
+                </a:solidFill>
+                <a:effectLst/>
+                <a:latin typeface="Consolas" panose="020B0609020204030204" pitchFamily="49" charset="0"/>
+              </a:rPr>
+              <a:t>=&gt;</a:t>
+            </a:r>
+            <a:r>
+              <a:rPr lang="pt-BR" b="0" dirty="0">
+                <a:solidFill>
+                  <a:srgbClr val="000000"/>
+                </a:solidFill>
+                <a:effectLst/>
+                <a:latin typeface="Consolas" panose="020B0609020204030204" pitchFamily="49" charset="0"/>
+              </a:rPr>
+              <a:t> {</a:t>
+            </a:r>
+          </a:p>
+          <a:p>
+            <a:br>
+              <a:rPr lang="pt-BR" b="0" dirty="0">
+                <a:solidFill>
+                  <a:srgbClr val="000000"/>
+                </a:solidFill>
+                <a:effectLst/>
+                <a:latin typeface="Consolas" panose="020B0609020204030204" pitchFamily="49" charset="0"/>
+              </a:rPr>
+            </a:br>
+            <a:r>
+              <a:rPr lang="pt-BR" b="0" dirty="0">
+                <a:solidFill>
+                  <a:srgbClr val="000000"/>
+                </a:solidFill>
+                <a:effectLst/>
+                <a:latin typeface="Consolas" panose="020B0609020204030204" pitchFamily="49" charset="0"/>
+              </a:rPr>
+              <a:t>    it(</a:t>
+            </a:r>
+            <a:r>
+              <a:rPr lang="pt-BR" b="0" dirty="0">
+                <a:solidFill>
+                  <a:srgbClr val="A31515"/>
+                </a:solidFill>
+                <a:effectLst/>
+                <a:latin typeface="Consolas" panose="020B0609020204030204" pitchFamily="49" charset="0"/>
+              </a:rPr>
+              <a:t>'A função retorna o valor certo'</a:t>
+            </a:r>
+            <a:r>
+              <a:rPr lang="pt-BR" b="0" dirty="0">
+                <a:solidFill>
+                  <a:srgbClr val="000000"/>
+                </a:solidFill>
+                <a:effectLst/>
+                <a:latin typeface="Consolas" panose="020B0609020204030204" pitchFamily="49" charset="0"/>
+              </a:rPr>
+              <a:t>, () </a:t>
+            </a:r>
+            <a:r>
+              <a:rPr lang="pt-BR" b="0" dirty="0">
+                <a:solidFill>
+                  <a:srgbClr val="0000FF"/>
+                </a:solidFill>
+                <a:effectLst/>
+                <a:latin typeface="Consolas" panose="020B0609020204030204" pitchFamily="49" charset="0"/>
+              </a:rPr>
+              <a:t>=&gt;</a:t>
+            </a:r>
+            <a:r>
+              <a:rPr lang="pt-BR" b="0" dirty="0">
+                <a:solidFill>
+                  <a:srgbClr val="000000"/>
+                </a:solidFill>
+                <a:effectLst/>
+                <a:latin typeface="Consolas" panose="020B0609020204030204" pitchFamily="49" charset="0"/>
+              </a:rPr>
+              <a:t> {</a:t>
+            </a:r>
+          </a:p>
+          <a:p>
+            <a:r>
+              <a:rPr lang="pt-BR" b="0" dirty="0">
+                <a:solidFill>
+                  <a:srgbClr val="000000"/>
+                </a:solidFill>
+                <a:effectLst/>
+                <a:latin typeface="Consolas" panose="020B0609020204030204" pitchFamily="49" charset="0"/>
+              </a:rPr>
+              <a:t>        </a:t>
+            </a:r>
+            <a:r>
+              <a:rPr lang="pt-BR" b="0" dirty="0">
+                <a:solidFill>
+                  <a:srgbClr val="008000"/>
+                </a:solidFill>
+                <a:effectLst/>
+                <a:latin typeface="Consolas" panose="020B0609020204030204" pitchFamily="49" charset="0"/>
+              </a:rPr>
+              <a:t>//Verifica se de fato o retorno da função dá 15</a:t>
+            </a:r>
+            <a:endParaRPr lang="pt-BR" b="0" dirty="0">
+              <a:solidFill>
+                <a:srgbClr val="000000"/>
+              </a:solidFill>
+              <a:effectLst/>
+              <a:latin typeface="Consolas" panose="020B0609020204030204" pitchFamily="49" charset="0"/>
+            </a:endParaRPr>
+          </a:p>
+          <a:p>
+            <a:r>
+              <a:rPr lang="pt-BR" b="0" dirty="0">
+                <a:solidFill>
+                  <a:srgbClr val="000000"/>
+                </a:solidFill>
+                <a:effectLst/>
+                <a:latin typeface="Consolas" panose="020B0609020204030204" pitchFamily="49" charset="0"/>
+              </a:rPr>
+              <a:t>        </a:t>
+            </a:r>
+            <a:r>
+              <a:rPr lang="pt-BR" b="0" dirty="0" err="1">
+                <a:solidFill>
+                  <a:srgbClr val="000000"/>
+                </a:solidFill>
+                <a:effectLst/>
+                <a:latin typeface="Consolas" panose="020B0609020204030204" pitchFamily="49" charset="0"/>
+              </a:rPr>
+              <a:t>assert.</a:t>
+            </a:r>
+            <a:r>
+              <a:rPr lang="pt-BR" b="1" u="sng" dirty="0" err="1">
+                <a:solidFill>
+                  <a:srgbClr val="000000"/>
+                </a:solidFill>
+                <a:effectLst/>
+                <a:latin typeface="Consolas" panose="020B0609020204030204" pitchFamily="49" charset="0"/>
+              </a:rPr>
+              <a:t>equal</a:t>
+            </a:r>
+            <a:r>
+              <a:rPr lang="pt-BR" b="0" dirty="0">
+                <a:solidFill>
+                  <a:srgbClr val="000000"/>
+                </a:solidFill>
+                <a:effectLst/>
+                <a:latin typeface="Consolas" panose="020B0609020204030204" pitchFamily="49" charset="0"/>
+              </a:rPr>
+              <a:t>(soma(</a:t>
+            </a:r>
+            <a:r>
+              <a:rPr lang="pt-BR" b="0" dirty="0">
+                <a:solidFill>
+                  <a:srgbClr val="098658"/>
+                </a:solidFill>
+                <a:effectLst/>
+                <a:latin typeface="Consolas" panose="020B0609020204030204" pitchFamily="49" charset="0"/>
+              </a:rPr>
+              <a:t>5</a:t>
+            </a:r>
+            <a:r>
+              <a:rPr lang="pt-BR" b="0" dirty="0">
+                <a:solidFill>
+                  <a:srgbClr val="000000"/>
+                </a:solidFill>
+                <a:effectLst/>
+                <a:latin typeface="Consolas" panose="020B0609020204030204" pitchFamily="49" charset="0"/>
+              </a:rPr>
+              <a:t>, </a:t>
+            </a:r>
+            <a:r>
+              <a:rPr lang="pt-BR" b="0" dirty="0">
+                <a:solidFill>
+                  <a:srgbClr val="098658"/>
+                </a:solidFill>
+                <a:effectLst/>
+                <a:latin typeface="Consolas" panose="020B0609020204030204" pitchFamily="49" charset="0"/>
+              </a:rPr>
+              <a:t>10</a:t>
+            </a:r>
+            <a:r>
+              <a:rPr lang="pt-BR" b="0" dirty="0">
+                <a:solidFill>
+                  <a:srgbClr val="000000"/>
+                </a:solidFill>
+                <a:effectLst/>
+                <a:latin typeface="Consolas" panose="020B0609020204030204" pitchFamily="49" charset="0"/>
+              </a:rPr>
+              <a:t>), </a:t>
+            </a:r>
+            <a:r>
+              <a:rPr lang="pt-BR" b="0" dirty="0">
+                <a:solidFill>
+                  <a:srgbClr val="098658"/>
+                </a:solidFill>
+                <a:effectLst/>
+                <a:latin typeface="Consolas" panose="020B0609020204030204" pitchFamily="49" charset="0"/>
+              </a:rPr>
+              <a:t>15</a:t>
+            </a:r>
+            <a:r>
+              <a:rPr lang="pt-BR" b="0" dirty="0">
+                <a:solidFill>
+                  <a:srgbClr val="000000"/>
+                </a:solidFill>
+                <a:effectLst/>
+                <a:latin typeface="Consolas" panose="020B0609020204030204" pitchFamily="49" charset="0"/>
+              </a:rPr>
+              <a:t>)</a:t>
+            </a:r>
+          </a:p>
+          <a:p>
+            <a:r>
+              <a:rPr lang="pt-BR" b="0" dirty="0">
+                <a:solidFill>
+                  <a:srgbClr val="000000"/>
+                </a:solidFill>
+                <a:effectLst/>
+                <a:latin typeface="Consolas" panose="020B0609020204030204" pitchFamily="49" charset="0"/>
+              </a:rPr>
+              <a:t>    })</a:t>
+            </a:r>
+          </a:p>
+          <a:p>
+            <a:br>
+              <a:rPr lang="pt-BR" b="0" dirty="0">
+                <a:solidFill>
+                  <a:srgbClr val="000000"/>
+                </a:solidFill>
+                <a:effectLst/>
+                <a:latin typeface="Consolas" panose="020B0609020204030204" pitchFamily="49" charset="0"/>
+              </a:rPr>
+            </a:br>
+            <a:r>
+              <a:rPr lang="pt-BR" b="0" dirty="0">
+                <a:solidFill>
+                  <a:srgbClr val="000000"/>
+                </a:solidFill>
+                <a:effectLst/>
+                <a:latin typeface="Consolas" panose="020B0609020204030204" pitchFamily="49" charset="0"/>
+              </a:rPr>
+              <a:t>    </a:t>
+            </a:r>
+          </a:p>
+          <a:p>
+            <a:r>
+              <a:rPr lang="pt-BR" b="0" dirty="0">
+                <a:solidFill>
+                  <a:srgbClr val="000000"/>
+                </a:solidFill>
+                <a:effectLst/>
+                <a:latin typeface="Consolas" panose="020B0609020204030204" pitchFamily="49" charset="0"/>
+              </a:rPr>
+              <a:t>    it(</a:t>
+            </a:r>
+            <a:r>
+              <a:rPr lang="pt-BR" b="0" dirty="0">
+                <a:solidFill>
+                  <a:srgbClr val="A31515"/>
+                </a:solidFill>
+                <a:effectLst/>
+                <a:latin typeface="Consolas" panose="020B0609020204030204" pitchFamily="49" charset="0"/>
+              </a:rPr>
+              <a:t>'A função não dá sempre o mesmo valor'</a:t>
+            </a:r>
+            <a:r>
+              <a:rPr lang="pt-BR" b="0" dirty="0">
+                <a:solidFill>
+                  <a:srgbClr val="000000"/>
+                </a:solidFill>
+                <a:effectLst/>
+                <a:latin typeface="Consolas" panose="020B0609020204030204" pitchFamily="49" charset="0"/>
+              </a:rPr>
+              <a:t>, () </a:t>
+            </a:r>
+            <a:r>
+              <a:rPr lang="pt-BR" b="0" dirty="0">
+                <a:solidFill>
+                  <a:srgbClr val="0000FF"/>
+                </a:solidFill>
+                <a:effectLst/>
+                <a:latin typeface="Consolas" panose="020B0609020204030204" pitchFamily="49" charset="0"/>
+              </a:rPr>
+              <a:t>=&gt;</a:t>
+            </a:r>
+            <a:r>
+              <a:rPr lang="pt-BR" b="0" dirty="0">
+                <a:solidFill>
+                  <a:srgbClr val="000000"/>
+                </a:solidFill>
+                <a:effectLst/>
+                <a:latin typeface="Consolas" panose="020B0609020204030204" pitchFamily="49" charset="0"/>
+              </a:rPr>
+              <a:t> {</a:t>
+            </a:r>
+          </a:p>
+          <a:p>
+            <a:r>
+              <a:rPr lang="pt-BR" b="0" dirty="0">
+                <a:solidFill>
+                  <a:srgbClr val="000000"/>
+                </a:solidFill>
+                <a:effectLst/>
+                <a:latin typeface="Consolas" panose="020B0609020204030204" pitchFamily="49" charset="0"/>
+              </a:rPr>
+              <a:t>        </a:t>
+            </a:r>
+            <a:r>
+              <a:rPr lang="pt-BR" b="0" dirty="0">
+                <a:solidFill>
+                  <a:srgbClr val="008000"/>
+                </a:solidFill>
+                <a:effectLst/>
+                <a:latin typeface="Consolas" panose="020B0609020204030204" pitchFamily="49" charset="0"/>
+              </a:rPr>
+              <a:t>//Verifica se outro valor informado não dá 15</a:t>
+            </a:r>
+            <a:endParaRPr lang="pt-BR" b="0" dirty="0">
+              <a:solidFill>
+                <a:srgbClr val="000000"/>
+              </a:solidFill>
+              <a:effectLst/>
+              <a:latin typeface="Consolas" panose="020B0609020204030204" pitchFamily="49" charset="0"/>
+            </a:endParaRPr>
+          </a:p>
+          <a:p>
+            <a:r>
+              <a:rPr lang="pt-BR" b="0" dirty="0">
+                <a:solidFill>
+                  <a:srgbClr val="000000"/>
+                </a:solidFill>
+                <a:effectLst/>
+                <a:latin typeface="Consolas" panose="020B0609020204030204" pitchFamily="49" charset="0"/>
+              </a:rPr>
+              <a:t>        </a:t>
+            </a:r>
+            <a:r>
+              <a:rPr lang="pt-BR" b="0" dirty="0" err="1">
+                <a:solidFill>
+                  <a:srgbClr val="000000"/>
+                </a:solidFill>
+                <a:effectLst/>
+                <a:latin typeface="Consolas" panose="020B0609020204030204" pitchFamily="49" charset="0"/>
+              </a:rPr>
+              <a:t>assert.</a:t>
+            </a:r>
+            <a:r>
+              <a:rPr lang="pt-BR" b="1" u="sng" dirty="0" err="1">
+                <a:solidFill>
+                  <a:srgbClr val="000000"/>
+                </a:solidFill>
+                <a:effectLst/>
+                <a:latin typeface="Consolas" panose="020B0609020204030204" pitchFamily="49" charset="0"/>
+              </a:rPr>
+              <a:t>notEqual</a:t>
+            </a:r>
+            <a:r>
+              <a:rPr lang="pt-BR" b="0" dirty="0">
+                <a:solidFill>
+                  <a:srgbClr val="000000"/>
+                </a:solidFill>
+                <a:effectLst/>
+                <a:latin typeface="Consolas" panose="020B0609020204030204" pitchFamily="49" charset="0"/>
+              </a:rPr>
+              <a:t>(soma(</a:t>
+            </a:r>
+            <a:r>
+              <a:rPr lang="pt-BR" b="0" dirty="0">
+                <a:solidFill>
+                  <a:srgbClr val="098658"/>
+                </a:solidFill>
+                <a:effectLst/>
+                <a:latin typeface="Consolas" panose="020B0609020204030204" pitchFamily="49" charset="0"/>
+              </a:rPr>
+              <a:t>2</a:t>
+            </a:r>
+            <a:r>
+              <a:rPr lang="pt-BR" b="0" dirty="0">
+                <a:solidFill>
+                  <a:srgbClr val="000000"/>
+                </a:solidFill>
+                <a:effectLst/>
+                <a:latin typeface="Consolas" panose="020B0609020204030204" pitchFamily="49" charset="0"/>
+              </a:rPr>
+              <a:t>, </a:t>
+            </a:r>
+            <a:r>
+              <a:rPr lang="pt-BR" b="0" dirty="0">
+                <a:solidFill>
+                  <a:srgbClr val="098658"/>
+                </a:solidFill>
+                <a:effectLst/>
+                <a:latin typeface="Consolas" panose="020B0609020204030204" pitchFamily="49" charset="0"/>
+              </a:rPr>
+              <a:t>3</a:t>
+            </a:r>
+            <a:r>
+              <a:rPr lang="pt-BR" b="0" dirty="0">
+                <a:solidFill>
+                  <a:srgbClr val="000000"/>
+                </a:solidFill>
+                <a:effectLst/>
+                <a:latin typeface="Consolas" panose="020B0609020204030204" pitchFamily="49" charset="0"/>
+              </a:rPr>
+              <a:t>), </a:t>
+            </a:r>
+            <a:r>
+              <a:rPr lang="pt-BR" b="0" dirty="0">
+                <a:solidFill>
+                  <a:srgbClr val="098658"/>
+                </a:solidFill>
+                <a:effectLst/>
+                <a:latin typeface="Consolas" panose="020B0609020204030204" pitchFamily="49" charset="0"/>
+              </a:rPr>
+              <a:t>15</a:t>
+            </a:r>
+            <a:r>
+              <a:rPr lang="pt-BR" b="0" dirty="0">
+                <a:solidFill>
+                  <a:srgbClr val="000000"/>
+                </a:solidFill>
+                <a:effectLst/>
+                <a:latin typeface="Consolas" panose="020B0609020204030204" pitchFamily="49" charset="0"/>
+              </a:rPr>
+              <a:t>)</a:t>
+            </a:r>
+          </a:p>
+          <a:p>
+            <a:r>
+              <a:rPr lang="pt-BR" b="0" dirty="0">
+                <a:solidFill>
+                  <a:srgbClr val="000000"/>
+                </a:solidFill>
+                <a:effectLst/>
+                <a:latin typeface="Consolas" panose="020B0609020204030204" pitchFamily="49" charset="0"/>
+              </a:rPr>
+              <a:t>    })</a:t>
+            </a:r>
+          </a:p>
+          <a:p>
+            <a:r>
+              <a:rPr lang="pt-BR" b="0" dirty="0">
+                <a:solidFill>
+                  <a:srgbClr val="000000"/>
+                </a:solidFill>
+                <a:effectLst/>
+                <a:latin typeface="Consolas" panose="020B0609020204030204" pitchFamily="49" charset="0"/>
+              </a:rPr>
+              <a:t>})</a:t>
+            </a:r>
+          </a:p>
+        </p:txBody>
+      </p:sp>
+      <p:sp>
+        <p:nvSpPr>
+          <p:cNvPr id="10" name="CaixaDeTexto 9">
+            <a:extLst>
+              <a:ext uri="{FF2B5EF4-FFF2-40B4-BE49-F238E27FC236}">
+                <a16:creationId xmlns:a16="http://schemas.microsoft.com/office/drawing/2014/main" id="{57276A61-CD46-4B1E-ADED-02DA3EDB384B}"/>
+              </a:ext>
+            </a:extLst>
+          </p:cNvPr>
+          <p:cNvSpPr txBox="1"/>
+          <p:nvPr/>
+        </p:nvSpPr>
+        <p:spPr>
+          <a:xfrm>
+            <a:off x="7176120" y="1028366"/>
+            <a:ext cx="2952328" cy="923330"/>
+          </a:xfrm>
+          <a:prstGeom prst="rect">
+            <a:avLst/>
+          </a:prstGeom>
+        </p:spPr>
+        <p:style>
+          <a:lnRef idx="2">
+            <a:schemeClr val="dk1"/>
+          </a:lnRef>
+          <a:fillRef idx="1">
+            <a:schemeClr val="lt1"/>
+          </a:fillRef>
+          <a:effectRef idx="0">
+            <a:schemeClr val="dk1"/>
+          </a:effectRef>
+          <a:fontRef idx="minor">
+            <a:schemeClr val="dk1"/>
+          </a:fontRef>
+        </p:style>
+        <p:txBody>
+          <a:bodyPr wrap="square">
+            <a:spAutoFit/>
+          </a:bodyPr>
+          <a:lstStyle/>
+          <a:p>
+            <a:r>
+              <a:rPr lang="en-US" b="0" dirty="0">
+                <a:solidFill>
+                  <a:srgbClr val="0000FF"/>
+                </a:solidFill>
+                <a:effectLst/>
+                <a:latin typeface="Consolas" panose="020B0609020204030204" pitchFamily="49" charset="0"/>
+              </a:rPr>
+              <a:t>function</a:t>
+            </a:r>
+            <a:r>
+              <a:rPr lang="en-US" b="0" dirty="0">
+                <a:solidFill>
+                  <a:srgbClr val="000000"/>
+                </a:solidFill>
+                <a:effectLst/>
+                <a:latin typeface="Consolas" panose="020B0609020204030204" pitchFamily="49" charset="0"/>
+              </a:rPr>
+              <a:t> soma(a, b) {</a:t>
+            </a:r>
+          </a:p>
+          <a:p>
+            <a:r>
+              <a:rPr lang="en-US" b="0" dirty="0">
+                <a:solidFill>
+                  <a:srgbClr val="000000"/>
+                </a:solidFill>
+                <a:effectLst/>
+                <a:latin typeface="Consolas" panose="020B0609020204030204" pitchFamily="49" charset="0"/>
+              </a:rPr>
+              <a:t>    </a:t>
+            </a:r>
+            <a:r>
+              <a:rPr lang="en-US" b="0" dirty="0">
+                <a:solidFill>
+                  <a:srgbClr val="0000FF"/>
+                </a:solidFill>
+                <a:effectLst/>
+                <a:latin typeface="Consolas" panose="020B0609020204030204" pitchFamily="49" charset="0"/>
+              </a:rPr>
+              <a:t>return</a:t>
+            </a:r>
+            <a:r>
+              <a:rPr lang="en-US" b="0" dirty="0">
+                <a:solidFill>
+                  <a:srgbClr val="000000"/>
+                </a:solidFill>
+                <a:effectLst/>
+                <a:latin typeface="Consolas" panose="020B0609020204030204" pitchFamily="49" charset="0"/>
+              </a:rPr>
+              <a:t> </a:t>
+            </a:r>
+            <a:r>
+              <a:rPr lang="en-US" b="0" dirty="0" err="1">
+                <a:solidFill>
+                  <a:srgbClr val="000000"/>
+                </a:solidFill>
+                <a:effectLst/>
+                <a:latin typeface="Consolas" panose="020B0609020204030204" pitchFamily="49" charset="0"/>
+              </a:rPr>
+              <a:t>a+b</a:t>
+            </a:r>
+            <a:r>
+              <a:rPr lang="en-US" b="0" dirty="0">
+                <a:solidFill>
+                  <a:srgbClr val="000000"/>
+                </a:solidFill>
+                <a:effectLst/>
+                <a:latin typeface="Consolas" panose="020B0609020204030204" pitchFamily="49" charset="0"/>
+              </a:rPr>
+              <a:t>;</a:t>
+            </a:r>
+          </a:p>
+          <a:p>
+            <a:r>
+              <a:rPr lang="en-US" b="0" dirty="0">
+                <a:solidFill>
+                  <a:srgbClr val="000000"/>
+                </a:solidFill>
+                <a:effectLst/>
+                <a:latin typeface="Consolas" panose="020B0609020204030204" pitchFamily="49" charset="0"/>
+              </a:rPr>
+              <a:t>}</a:t>
+            </a:r>
+          </a:p>
+        </p:txBody>
+      </p:sp>
+    </p:spTree>
+    <p:extLst>
+      <p:ext uri="{BB962C8B-B14F-4D97-AF65-F5344CB8AC3E}">
+        <p14:creationId xmlns:p14="http://schemas.microsoft.com/office/powerpoint/2010/main" val="4126847569"/>
+      </p:ext>
+    </p:extLst>
+  </p:cSld>
+  <p:clrMapOvr>
+    <a:masterClrMapping/>
+  </p:clrMapOvr>
+  <p:timing>
+    <p:tnLst>
+      <p:par>
+        <p:cTn id="1" dur="indefinite" restart="never" nodeType="tmRoot">
+          <p:childTnLst>
+            <p:seq concurrent="1" nextAc="seek">
+              <p:cTn id="2" dur="indefinite" nodeType="mainSeq">
+                <p:childTnLst>
+                  <p:par>
+                    <p:cTn id="3" fill="hold">
+                      <p:stCondLst>
+                        <p:cond delay="indefinite"/>
+                      </p:stCondLst>
+                      <p:childTnLst>
+                        <p:par>
+                          <p:cTn id="4" fill="hold">
+                            <p:stCondLst>
+                              <p:cond delay="0"/>
+                            </p:stCondLst>
+                            <p:childTnLst>
+                              <p:par>
+                                <p:cTn id="5" presetID="10" presetClass="entr" presetSubtype="0" fill="hold" nodeType="clickEffect">
+                                  <p:stCondLst>
+                                    <p:cond delay="0"/>
+                                  </p:stCondLst>
+                                  <p:childTnLst>
+                                    <p:set>
+                                      <p:cBhvr>
+                                        <p:cTn id="6" dur="1" fill="hold">
+                                          <p:stCondLst>
+                                            <p:cond delay="0"/>
+                                          </p:stCondLst>
+                                        </p:cTn>
+                                        <p:tgtEl>
+                                          <p:spTgt spid="8">
+                                            <p:txEl>
+                                              <p:pRg st="2" end="2"/>
+                                            </p:txEl>
+                                          </p:spTgt>
+                                        </p:tgtEl>
+                                        <p:attrNameLst>
+                                          <p:attrName>style.visibility</p:attrName>
+                                        </p:attrNameLst>
+                                      </p:cBhvr>
+                                      <p:to>
+                                        <p:strVal val="visible"/>
+                                      </p:to>
+                                    </p:set>
+                                    <p:animEffect transition="in" filter="fade">
+                                      <p:cBhvr>
+                                        <p:cTn id="7" dur="500"/>
+                                        <p:tgtEl>
+                                          <p:spTgt spid="8">
+                                            <p:txEl>
+                                              <p:pRg st="2" end="2"/>
+                                            </p:txEl>
+                                          </p:spTgt>
+                                        </p:tgtEl>
+                                      </p:cBhvr>
+                                    </p:animEffect>
+                                  </p:childTnLst>
+                                </p:cTn>
+                              </p:par>
+                              <p:par>
+                                <p:cTn id="8" presetID="10" presetClass="entr" presetSubtype="0" fill="hold" nodeType="withEffect">
+                                  <p:stCondLst>
+                                    <p:cond delay="0"/>
+                                  </p:stCondLst>
+                                  <p:childTnLst>
+                                    <p:set>
+                                      <p:cBhvr>
+                                        <p:cTn id="9" dur="1" fill="hold">
+                                          <p:stCondLst>
+                                            <p:cond delay="0"/>
+                                          </p:stCondLst>
+                                        </p:cTn>
+                                        <p:tgtEl>
+                                          <p:spTgt spid="8">
+                                            <p:txEl>
+                                              <p:pRg st="3" end="3"/>
+                                            </p:txEl>
+                                          </p:spTgt>
+                                        </p:tgtEl>
+                                        <p:attrNameLst>
+                                          <p:attrName>style.visibility</p:attrName>
+                                        </p:attrNameLst>
+                                      </p:cBhvr>
+                                      <p:to>
+                                        <p:strVal val="visible"/>
+                                      </p:to>
+                                    </p:set>
+                                    <p:animEffect transition="in" filter="fade">
+                                      <p:cBhvr>
+                                        <p:cTn id="10" dur="500"/>
+                                        <p:tgtEl>
+                                          <p:spTgt spid="8">
+                                            <p:txEl>
+                                              <p:pRg st="3" end="3"/>
+                                            </p:txEl>
+                                          </p:spTgt>
+                                        </p:tgtEl>
+                                      </p:cBhvr>
+                                    </p:animEffect>
+                                  </p:childTnLst>
+                                </p:cTn>
+                              </p:par>
+                              <p:par>
+                                <p:cTn id="11" presetID="10" presetClass="entr" presetSubtype="0" fill="hold" nodeType="withEffect">
+                                  <p:stCondLst>
+                                    <p:cond delay="0"/>
+                                  </p:stCondLst>
+                                  <p:childTnLst>
+                                    <p:set>
+                                      <p:cBhvr>
+                                        <p:cTn id="12" dur="1" fill="hold">
+                                          <p:stCondLst>
+                                            <p:cond delay="0"/>
+                                          </p:stCondLst>
+                                        </p:cTn>
+                                        <p:tgtEl>
+                                          <p:spTgt spid="8">
+                                            <p:txEl>
+                                              <p:pRg st="5" end="5"/>
+                                            </p:txEl>
+                                          </p:spTgt>
+                                        </p:tgtEl>
+                                        <p:attrNameLst>
+                                          <p:attrName>style.visibility</p:attrName>
+                                        </p:attrNameLst>
+                                      </p:cBhvr>
+                                      <p:to>
+                                        <p:strVal val="visible"/>
+                                      </p:to>
+                                    </p:set>
+                                    <p:animEffect transition="in" filter="fade">
+                                      <p:cBhvr>
+                                        <p:cTn id="13" dur="500"/>
+                                        <p:tgtEl>
+                                          <p:spTgt spid="8">
+                                            <p:txEl>
+                                              <p:pRg st="5" end="5"/>
+                                            </p:txEl>
+                                          </p:spTgt>
+                                        </p:tgtEl>
+                                      </p:cBhvr>
+                                    </p:animEffect>
+                                  </p:childTnLst>
+                                </p:cTn>
+                              </p:par>
+                            </p:childTnLst>
+                          </p:cTn>
+                        </p:par>
+                      </p:childTnLst>
+                    </p:cTn>
+                  </p:par>
+                  <p:par>
+                    <p:cTn id="14" fill="hold">
+                      <p:stCondLst>
+                        <p:cond delay="indefinite"/>
+                      </p:stCondLst>
+                      <p:childTnLst>
+                        <p:par>
+                          <p:cTn id="15" fill="hold">
+                            <p:stCondLst>
+                              <p:cond delay="0"/>
+                            </p:stCondLst>
+                            <p:childTnLst>
+                              <p:par>
+                                <p:cTn id="16" presetID="10" presetClass="entr" presetSubtype="0" fill="hold" nodeType="clickEffect">
+                                  <p:stCondLst>
+                                    <p:cond delay="0"/>
+                                  </p:stCondLst>
+                                  <p:childTnLst>
+                                    <p:set>
+                                      <p:cBhvr>
+                                        <p:cTn id="17" dur="1" fill="hold">
+                                          <p:stCondLst>
+                                            <p:cond delay="0"/>
+                                          </p:stCondLst>
+                                        </p:cTn>
+                                        <p:tgtEl>
+                                          <p:spTgt spid="8">
+                                            <p:txEl>
+                                              <p:pRg st="4" end="4"/>
+                                            </p:txEl>
+                                          </p:spTgt>
+                                        </p:tgtEl>
+                                        <p:attrNameLst>
+                                          <p:attrName>style.visibility</p:attrName>
+                                        </p:attrNameLst>
+                                      </p:cBhvr>
+                                      <p:to>
+                                        <p:strVal val="visible"/>
+                                      </p:to>
+                                    </p:set>
+                                    <p:animEffect transition="in" filter="fade">
+                                      <p:cBhvr>
+                                        <p:cTn id="18" dur="500"/>
+                                        <p:tgtEl>
+                                          <p:spTgt spid="8">
+                                            <p:txEl>
+                                              <p:pRg st="4" end="4"/>
+                                            </p:txEl>
+                                          </p:spTgt>
+                                        </p:tgtEl>
+                                      </p:cBhvr>
+                                    </p:animEffect>
+                                  </p:childTnLst>
+                                </p:cTn>
+                              </p:par>
+                            </p:childTnLst>
+                          </p:cTn>
+                        </p:par>
+                      </p:childTnLst>
+                    </p:cTn>
+                  </p:par>
+                  <p:par>
+                    <p:cTn id="19" fill="hold">
+                      <p:stCondLst>
+                        <p:cond delay="indefinite"/>
+                      </p:stCondLst>
+                      <p:childTnLst>
+                        <p:par>
+                          <p:cTn id="20" fill="hold">
+                            <p:stCondLst>
+                              <p:cond delay="0"/>
+                            </p:stCondLst>
+                            <p:childTnLst>
+                              <p:par>
+                                <p:cTn id="21" presetID="10" presetClass="entr" presetSubtype="0" fill="hold" nodeType="clickEffect">
+                                  <p:stCondLst>
+                                    <p:cond delay="0"/>
+                                  </p:stCondLst>
+                                  <p:childTnLst>
+                                    <p:set>
+                                      <p:cBhvr>
+                                        <p:cTn id="22" dur="1" fill="hold">
+                                          <p:stCondLst>
+                                            <p:cond delay="0"/>
+                                          </p:stCondLst>
+                                        </p:cTn>
+                                        <p:tgtEl>
+                                          <p:spTgt spid="8">
+                                            <p:txEl>
+                                              <p:pRg st="7" end="7"/>
+                                            </p:txEl>
+                                          </p:spTgt>
+                                        </p:tgtEl>
+                                        <p:attrNameLst>
+                                          <p:attrName>style.visibility</p:attrName>
+                                        </p:attrNameLst>
+                                      </p:cBhvr>
+                                      <p:to>
+                                        <p:strVal val="visible"/>
+                                      </p:to>
+                                    </p:set>
+                                    <p:animEffect transition="in" filter="fade">
+                                      <p:cBhvr>
+                                        <p:cTn id="23" dur="500"/>
+                                        <p:tgtEl>
+                                          <p:spTgt spid="8">
+                                            <p:txEl>
+                                              <p:pRg st="7" end="7"/>
+                                            </p:txEl>
+                                          </p:spTgt>
+                                        </p:tgtEl>
+                                      </p:cBhvr>
+                                    </p:animEffect>
+                                  </p:childTnLst>
+                                </p:cTn>
+                              </p:par>
+                              <p:par>
+                                <p:cTn id="24" presetID="10" presetClass="entr" presetSubtype="0" fill="hold" nodeType="withEffect">
+                                  <p:stCondLst>
+                                    <p:cond delay="0"/>
+                                  </p:stCondLst>
+                                  <p:childTnLst>
+                                    <p:set>
+                                      <p:cBhvr>
+                                        <p:cTn id="25" dur="1" fill="hold">
+                                          <p:stCondLst>
+                                            <p:cond delay="0"/>
+                                          </p:stCondLst>
+                                        </p:cTn>
+                                        <p:tgtEl>
+                                          <p:spTgt spid="8">
+                                            <p:txEl>
+                                              <p:pRg st="8" end="8"/>
+                                            </p:txEl>
+                                          </p:spTgt>
+                                        </p:tgtEl>
+                                        <p:attrNameLst>
+                                          <p:attrName>style.visibility</p:attrName>
+                                        </p:attrNameLst>
+                                      </p:cBhvr>
+                                      <p:to>
+                                        <p:strVal val="visible"/>
+                                      </p:to>
+                                    </p:set>
+                                    <p:animEffect transition="in" filter="fade">
+                                      <p:cBhvr>
+                                        <p:cTn id="26" dur="500"/>
+                                        <p:tgtEl>
+                                          <p:spTgt spid="8">
+                                            <p:txEl>
+                                              <p:pRg st="8" end="8"/>
+                                            </p:txEl>
+                                          </p:spTgt>
+                                        </p:tgtEl>
+                                      </p:cBhvr>
+                                    </p:animEffect>
+                                  </p:childTnLst>
+                                </p:cTn>
+                              </p:par>
+                              <p:par>
+                                <p:cTn id="27" presetID="10" presetClass="entr" presetSubtype="0" fill="hold" nodeType="withEffect">
+                                  <p:stCondLst>
+                                    <p:cond delay="0"/>
+                                  </p:stCondLst>
+                                  <p:childTnLst>
+                                    <p:set>
+                                      <p:cBhvr>
+                                        <p:cTn id="28" dur="1" fill="hold">
+                                          <p:stCondLst>
+                                            <p:cond delay="0"/>
+                                          </p:stCondLst>
+                                        </p:cTn>
+                                        <p:tgtEl>
+                                          <p:spTgt spid="8">
+                                            <p:txEl>
+                                              <p:pRg st="10" end="10"/>
+                                            </p:txEl>
+                                          </p:spTgt>
+                                        </p:tgtEl>
+                                        <p:attrNameLst>
+                                          <p:attrName>style.visibility</p:attrName>
+                                        </p:attrNameLst>
+                                      </p:cBhvr>
+                                      <p:to>
+                                        <p:strVal val="visible"/>
+                                      </p:to>
+                                    </p:set>
+                                    <p:animEffect transition="in" filter="fade">
+                                      <p:cBhvr>
+                                        <p:cTn id="29" dur="500"/>
+                                        <p:tgtEl>
+                                          <p:spTgt spid="8">
+                                            <p:txEl>
+                                              <p:pRg st="10" end="10"/>
+                                            </p:txEl>
+                                          </p:spTgt>
+                                        </p:tgtEl>
+                                      </p:cBhvr>
+                                    </p:animEffect>
+                                  </p:childTnLst>
+                                </p:cTn>
+                              </p:par>
+                            </p:childTnLst>
+                          </p:cTn>
+                        </p:par>
+                      </p:childTnLst>
+                    </p:cTn>
+                  </p:par>
+                  <p:par>
+                    <p:cTn id="30" fill="hold">
+                      <p:stCondLst>
+                        <p:cond delay="indefinite"/>
+                      </p:stCondLst>
+                      <p:childTnLst>
+                        <p:par>
+                          <p:cTn id="31" fill="hold">
+                            <p:stCondLst>
+                              <p:cond delay="0"/>
+                            </p:stCondLst>
+                            <p:childTnLst>
+                              <p:par>
+                                <p:cTn id="32" presetID="10" presetClass="entr" presetSubtype="0" fill="hold" nodeType="clickEffect">
+                                  <p:stCondLst>
+                                    <p:cond delay="0"/>
+                                  </p:stCondLst>
+                                  <p:childTnLst>
+                                    <p:set>
+                                      <p:cBhvr>
+                                        <p:cTn id="33" dur="1" fill="hold">
+                                          <p:stCondLst>
+                                            <p:cond delay="0"/>
+                                          </p:stCondLst>
+                                        </p:cTn>
+                                        <p:tgtEl>
+                                          <p:spTgt spid="8">
+                                            <p:txEl>
+                                              <p:pRg st="9" end="9"/>
+                                            </p:txEl>
+                                          </p:spTgt>
+                                        </p:tgtEl>
+                                        <p:attrNameLst>
+                                          <p:attrName>style.visibility</p:attrName>
+                                        </p:attrNameLst>
+                                      </p:cBhvr>
+                                      <p:to>
+                                        <p:strVal val="visible"/>
+                                      </p:to>
+                                    </p:set>
+                                    <p:animEffect transition="in" filter="fade">
+                                      <p:cBhvr>
+                                        <p:cTn id="34" dur="500"/>
+                                        <p:tgtEl>
+                                          <p:spTgt spid="8">
+                                            <p:txEl>
+                                              <p:pRg st="9" end="9"/>
+                                            </p:txEl>
+                                          </p:spTgt>
+                                        </p:tgtEl>
+                                      </p:cBhvr>
+                                    </p:animEffect>
+                                  </p:childTnLst>
+                                </p:cTn>
+                              </p:par>
+                            </p:childTnLst>
+                          </p:cTn>
+                        </p:par>
+                      </p:childTnLst>
+                    </p:cTn>
+                  </p:par>
+                </p:childTnLst>
+              </p:cTn>
+              <p:prevCondLst>
+                <p:cond evt="onPrev" delay="0">
+                  <p:tgtEl>
+                    <p:sldTgt/>
+                  </p:tgtEl>
+                </p:cond>
+              </p:prevCondLst>
+              <p:nextCondLst>
+                <p:cond evt="onNext" delay="0">
+                  <p:tgtEl>
+                    <p:sldTgt/>
+                  </p:tgtEl>
+                </p:cond>
+              </p:nextCondLst>
+            </p:seq>
+          </p:childTnLst>
+        </p:cTn>
+      </p:par>
+    </p:tnLst>
+  </p:timing>
+</p:sld>
+</file>
+
+<file path=ppt/slides/slide32.xml><?xml version="1.0" encoding="utf-8"?>
+<p:sld xmlns:a="http://schemas.openxmlformats.org/drawingml/2006/main" xmlns:r="http://schemas.openxmlformats.org/officeDocument/2006/relationships" xmlns:p="http://schemas.openxmlformats.org/presentationml/2006/main">
+  <p:cSld>
+    <p:spTree>
+      <p:nvGrpSpPr>
+        <p:cNvPr id="1" name=""/>
+        <p:cNvGrpSpPr/>
+        <p:nvPr/>
+      </p:nvGrpSpPr>
+      <p:grpSpPr>
+        <a:xfrm>
+          <a:off x="0" y="0"/>
+          <a:ext cx="0" cy="0"/>
+          <a:chOff x="0" y="0"/>
+          <a:chExt cx="0" cy="0"/>
+        </a:xfrm>
+      </p:grpSpPr>
+      <p:sp>
+        <p:nvSpPr>
+          <p:cNvPr id="2" name="Título 1"/>
+          <p:cNvSpPr>
+            <a:spLocks noGrp="1"/>
+          </p:cNvSpPr>
+          <p:nvPr>
+            <p:ph type="title"/>
+          </p:nvPr>
+        </p:nvSpPr>
+        <p:spPr/>
+        <p:txBody>
+          <a:bodyPr>
+            <a:normAutofit/>
+          </a:bodyPr>
+          <a:lstStyle/>
+          <a:p>
+            <a:r>
+              <a:rPr lang="pt-BR" dirty="0"/>
+              <a:t>Praticando</a:t>
+            </a:r>
+          </a:p>
+        </p:txBody>
+      </p:sp>
+      <p:sp>
+        <p:nvSpPr>
+          <p:cNvPr id="12" name="Espaço Reservado para Conteúdo 2">
+            <a:extLst>
+              <a:ext uri="{FF2B5EF4-FFF2-40B4-BE49-F238E27FC236}">
+                <a16:creationId xmlns:a16="http://schemas.microsoft.com/office/drawing/2014/main" id="{41F898C3-1FE6-48FD-A402-B6B6CA7FD321}"/>
+              </a:ext>
+            </a:extLst>
+          </p:cNvPr>
+          <p:cNvSpPr txBox="1">
+            <a:spLocks/>
+          </p:cNvSpPr>
+          <p:nvPr/>
+        </p:nvSpPr>
+        <p:spPr>
+          <a:xfrm>
+            <a:off x="589458" y="2114061"/>
+            <a:ext cx="10972799" cy="3691203"/>
+          </a:xfrm>
+          <a:prstGeom prst="rect">
+            <a:avLst/>
+          </a:prstGeom>
+        </p:spPr>
+        <p:txBody>
+          <a:bodyPr vert="horz">
+            <a:normAutofit/>
+          </a:bodyPr>
+          <a:lstStyle>
+            <a:lvl1pPr marL="365760" indent="-256032" algn="l" rtl="0" eaLnBrk="1" latinLnBrk="0" hangingPunct="1">
+              <a:spcBef>
+                <a:spcPts val="300"/>
+              </a:spcBef>
+              <a:buClr>
+                <a:schemeClr val="accent3"/>
+              </a:buClr>
+              <a:buFont typeface="Georgia"/>
+              <a:buChar char="•"/>
+              <a:defRPr kumimoji="0" sz="2800" kern="1200">
+                <a:solidFill>
+                  <a:schemeClr val="tx1"/>
+                </a:solidFill>
+                <a:latin typeface="+mn-lt"/>
+                <a:ea typeface="+mn-ea"/>
+                <a:cs typeface="+mn-cs"/>
+              </a:defRPr>
+            </a:lvl1pPr>
+            <a:lvl2pPr marL="658368" indent="-246888" algn="l" rtl="0" eaLnBrk="1" latinLnBrk="0" hangingPunct="1">
+              <a:spcBef>
+                <a:spcPts val="300"/>
+              </a:spcBef>
+              <a:buClr>
+                <a:schemeClr val="accent2"/>
+              </a:buClr>
+              <a:buFont typeface="Georgia"/>
+              <a:buChar char="▫"/>
+              <a:defRPr kumimoji="0" sz="2600" kern="1200">
+                <a:solidFill>
+                  <a:schemeClr val="accent2"/>
+                </a:solidFill>
+                <a:latin typeface="+mn-lt"/>
+                <a:ea typeface="+mn-ea"/>
+                <a:cs typeface="+mn-cs"/>
+              </a:defRPr>
+            </a:lvl2pPr>
+            <a:lvl3pPr marL="923544" indent="-219456" algn="l" rtl="0" eaLnBrk="1" latinLnBrk="0" hangingPunct="1">
+              <a:spcBef>
+                <a:spcPts val="300"/>
+              </a:spcBef>
+              <a:buClr>
+                <a:schemeClr val="accent1"/>
+              </a:buClr>
+              <a:buFont typeface="Wingdings 2"/>
+              <a:buChar char=""/>
+              <a:defRPr kumimoji="0" sz="2400" kern="1200">
+                <a:solidFill>
+                  <a:schemeClr val="accent1"/>
+                </a:solidFill>
+                <a:latin typeface="+mn-lt"/>
+                <a:ea typeface="+mn-ea"/>
+                <a:cs typeface="+mn-cs"/>
+              </a:defRPr>
+            </a:lvl3pPr>
+            <a:lvl4pPr marL="1179576" indent="-201168" algn="l" rtl="0" eaLnBrk="1" latinLnBrk="0" hangingPunct="1">
+              <a:spcBef>
+                <a:spcPts val="300"/>
+              </a:spcBef>
+              <a:buClr>
+                <a:schemeClr val="accent1"/>
+              </a:buClr>
+              <a:buFont typeface="Wingdings 2"/>
+              <a:buChar char=""/>
+              <a:defRPr kumimoji="0" sz="2200" kern="1200">
+                <a:solidFill>
+                  <a:schemeClr val="accent1"/>
+                </a:solidFill>
+                <a:latin typeface="+mn-lt"/>
+                <a:ea typeface="+mn-ea"/>
+                <a:cs typeface="+mn-cs"/>
+              </a:defRPr>
+            </a:lvl4pPr>
+            <a:lvl5pPr marL="1389888" indent="-182880" algn="l" rtl="0" eaLnBrk="1" latinLnBrk="0" hangingPunct="1">
+              <a:spcBef>
+                <a:spcPts val="300"/>
+              </a:spcBef>
+              <a:buClr>
+                <a:schemeClr val="accent3"/>
+              </a:buClr>
+              <a:buFont typeface="Georgia"/>
+              <a:buChar char="▫"/>
+              <a:defRPr kumimoji="0" sz="2000" kern="1200">
+                <a:solidFill>
+                  <a:schemeClr val="accent3"/>
+                </a:solidFill>
+                <a:latin typeface="+mn-lt"/>
+                <a:ea typeface="+mn-ea"/>
+                <a:cs typeface="+mn-cs"/>
+              </a:defRPr>
+            </a:lvl5pPr>
+            <a:lvl6pPr marL="1609344" indent="-182880" algn="l" rtl="0" eaLnBrk="1" latinLnBrk="0" hangingPunct="1">
+              <a:spcBef>
+                <a:spcPts val="300"/>
+              </a:spcBef>
+              <a:buClr>
+                <a:schemeClr val="accent3"/>
+              </a:buClr>
+              <a:buFont typeface="Georgia"/>
+              <a:buChar char="▫"/>
+              <a:defRPr kumimoji="0" sz="1800" kern="1200">
+                <a:solidFill>
+                  <a:schemeClr val="accent3"/>
+                </a:solidFill>
+                <a:latin typeface="+mn-lt"/>
+                <a:ea typeface="+mn-ea"/>
+                <a:cs typeface="+mn-cs"/>
+              </a:defRPr>
+            </a:lvl6pPr>
+            <a:lvl7pPr marL="1828800" indent="-182880" algn="l" rtl="0" eaLnBrk="1" latinLnBrk="0" hangingPunct="1">
+              <a:spcBef>
+                <a:spcPts val="300"/>
+              </a:spcBef>
+              <a:buClr>
+                <a:schemeClr val="accent3"/>
+              </a:buClr>
+              <a:buFont typeface="Georgia"/>
+              <a:buChar char="▫"/>
+              <a:defRPr kumimoji="0" sz="1600" kern="1200">
+                <a:solidFill>
+                  <a:schemeClr val="accent3"/>
+                </a:solidFill>
+                <a:latin typeface="+mn-lt"/>
+                <a:ea typeface="+mn-ea"/>
+                <a:cs typeface="+mn-cs"/>
+              </a:defRPr>
+            </a:lvl7pPr>
+            <a:lvl8pPr marL="2029968" indent="-182880" algn="l" rtl="0" eaLnBrk="1" latinLnBrk="0" hangingPunct="1">
+              <a:spcBef>
+                <a:spcPts val="300"/>
+              </a:spcBef>
+              <a:buClr>
+                <a:schemeClr val="accent3"/>
+              </a:buClr>
+              <a:buFont typeface="Georgia"/>
+              <a:buChar char="◦"/>
+              <a:defRPr kumimoji="0" sz="1500" kern="1200">
+                <a:solidFill>
+                  <a:schemeClr val="accent3"/>
+                </a:solidFill>
+                <a:latin typeface="+mn-lt"/>
+                <a:ea typeface="+mn-ea"/>
+                <a:cs typeface="+mn-cs"/>
+              </a:defRPr>
+            </a:lvl8pPr>
+            <a:lvl9pPr marL="2240280" indent="-182880" algn="l" rtl="0" eaLnBrk="1" latinLnBrk="0" hangingPunct="1">
+              <a:spcBef>
+                <a:spcPts val="300"/>
+              </a:spcBef>
+              <a:buClr>
+                <a:schemeClr val="accent3"/>
+              </a:buClr>
+              <a:buFont typeface="Georgia"/>
+              <a:buChar char="◦"/>
+              <a:defRPr kumimoji="0" sz="1400" kern="1200" baseline="0">
+                <a:solidFill>
+                  <a:schemeClr val="accent3"/>
+                </a:solidFill>
+                <a:latin typeface="+mn-lt"/>
+                <a:ea typeface="+mn-ea"/>
+                <a:cs typeface="+mn-cs"/>
+              </a:defRPr>
+            </a:lvl9pPr>
+          </a:lstStyle>
+          <a:p>
+            <a:pPr algn="just"/>
+            <a:r>
+              <a:rPr lang="pt-BR" sz="1800" dirty="0"/>
+              <a:t>Crie um arquivo de teste que valide se o login foi realizado com sucesso ou se falha com sucesso também caso dados sejam inseridos de forma errada!</a:t>
+            </a:r>
+          </a:p>
+          <a:p>
+            <a:pPr algn="just"/>
+            <a:endParaRPr lang="pt-BR" sz="1800" u="sng" dirty="0"/>
+          </a:p>
+          <a:p>
+            <a:pPr algn="just"/>
+            <a:r>
+              <a:rPr lang="pt-BR" sz="1800" dirty="0"/>
+              <a:t>Dica, use a URL para saber se o login foi realizado com sucesso:</a:t>
+            </a:r>
+          </a:p>
+          <a:p>
+            <a:pPr algn="just"/>
+            <a:endParaRPr lang="pt-BR" sz="1800" u="sng" dirty="0"/>
+          </a:p>
+          <a:p>
+            <a:pPr marL="109728" indent="0" algn="just">
+              <a:buFont typeface="Georgia"/>
+              <a:buNone/>
+            </a:pPr>
+            <a:endParaRPr lang="pt-BR" sz="1800" dirty="0"/>
+          </a:p>
+        </p:txBody>
+      </p:sp>
+      <p:sp>
+        <p:nvSpPr>
+          <p:cNvPr id="7" name="CaixaDeTexto 6">
+            <a:extLst>
+              <a:ext uri="{FF2B5EF4-FFF2-40B4-BE49-F238E27FC236}">
+                <a16:creationId xmlns:a16="http://schemas.microsoft.com/office/drawing/2014/main" id="{798F4BCD-76EB-4817-AE4E-813C6ABE1C7A}"/>
+              </a:ext>
+            </a:extLst>
+          </p:cNvPr>
+          <p:cNvSpPr txBox="1"/>
+          <p:nvPr/>
+        </p:nvSpPr>
+        <p:spPr>
+          <a:xfrm>
+            <a:off x="2927648" y="3413001"/>
+            <a:ext cx="5544616" cy="369332"/>
+          </a:xfrm>
+          <a:prstGeom prst="rect">
+            <a:avLst/>
+          </a:prstGeom>
+          <a:noFill/>
+        </p:spPr>
+        <p:txBody>
+          <a:bodyPr wrap="square">
+            <a:spAutoFit/>
+          </a:bodyPr>
+          <a:lstStyle/>
+          <a:p>
+            <a:r>
+              <a:rPr lang="pt-BR" b="0" dirty="0" err="1">
+                <a:solidFill>
+                  <a:srgbClr val="0000FF"/>
+                </a:solidFill>
+                <a:effectLst/>
+                <a:latin typeface="Consolas" panose="020B0609020204030204" pitchFamily="49" charset="0"/>
+              </a:rPr>
+              <a:t>const</a:t>
+            </a:r>
+            <a:r>
+              <a:rPr lang="pt-BR" b="0" dirty="0">
+                <a:solidFill>
+                  <a:srgbClr val="000000"/>
+                </a:solidFill>
+                <a:effectLst/>
+                <a:latin typeface="Consolas" panose="020B0609020204030204" pitchFamily="49" charset="0"/>
+              </a:rPr>
+              <a:t> </a:t>
+            </a:r>
+            <a:r>
+              <a:rPr lang="pt-BR" b="0" dirty="0" err="1">
+                <a:solidFill>
+                  <a:srgbClr val="000000"/>
+                </a:solidFill>
+                <a:effectLst/>
+                <a:latin typeface="Consolas" panose="020B0609020204030204" pitchFamily="49" charset="0"/>
+              </a:rPr>
+              <a:t>url</a:t>
+            </a:r>
+            <a:r>
+              <a:rPr lang="pt-BR" b="0" dirty="0">
+                <a:solidFill>
+                  <a:srgbClr val="000000"/>
+                </a:solidFill>
+                <a:effectLst/>
+                <a:latin typeface="Consolas" panose="020B0609020204030204" pitchFamily="49" charset="0"/>
+              </a:rPr>
+              <a:t> = </a:t>
+            </a:r>
+            <a:r>
+              <a:rPr lang="pt-BR" b="0" dirty="0" err="1">
+                <a:solidFill>
+                  <a:srgbClr val="0000FF"/>
+                </a:solidFill>
+                <a:effectLst/>
+                <a:latin typeface="Consolas" panose="020B0609020204030204" pitchFamily="49" charset="0"/>
+              </a:rPr>
+              <a:t>await</a:t>
+            </a:r>
+            <a:r>
+              <a:rPr lang="pt-BR" b="0" dirty="0">
+                <a:solidFill>
+                  <a:srgbClr val="000000"/>
+                </a:solidFill>
+                <a:effectLst/>
+                <a:latin typeface="Consolas" panose="020B0609020204030204" pitchFamily="49" charset="0"/>
+              </a:rPr>
+              <a:t> </a:t>
+            </a:r>
+            <a:r>
+              <a:rPr lang="pt-BR" b="0" dirty="0" err="1">
+                <a:solidFill>
+                  <a:srgbClr val="000000"/>
+                </a:solidFill>
+                <a:effectLst/>
+                <a:latin typeface="Consolas" panose="020B0609020204030204" pitchFamily="49" charset="0"/>
+              </a:rPr>
+              <a:t>driver.getCurrentUrl</a:t>
+            </a:r>
+            <a:r>
+              <a:rPr lang="pt-BR" b="0" dirty="0">
+                <a:solidFill>
+                  <a:srgbClr val="000000"/>
+                </a:solidFill>
+                <a:effectLst/>
+                <a:latin typeface="Consolas" panose="020B0609020204030204" pitchFamily="49" charset="0"/>
+              </a:rPr>
+              <a:t>();</a:t>
+            </a:r>
+          </a:p>
+        </p:txBody>
+      </p:sp>
+    </p:spTree>
+    <p:extLst>
+      <p:ext uri="{BB962C8B-B14F-4D97-AF65-F5344CB8AC3E}">
+        <p14:creationId xmlns:p14="http://schemas.microsoft.com/office/powerpoint/2010/main" val="844678994"/>
+      </p:ext>
+    </p:extLst>
+  </p:cSld>
+  <p:clrMapOvr>
+    <a:masterClrMapping/>
+  </p:clrMapOvr>
+</p:sld>
+</file>
+
+<file path=ppt/slides/slide33.xml><?xml version="1.0" encoding="utf-8"?>
+<p:sld xmlns:a="http://schemas.openxmlformats.org/drawingml/2006/main" xmlns:r="http://schemas.openxmlformats.org/officeDocument/2006/relationships" xmlns:p="http://schemas.openxmlformats.org/presentationml/2006/main">
+  <p:cSld>
+    <p:spTree>
+      <p:nvGrpSpPr>
+        <p:cNvPr id="1" name=""/>
+        <p:cNvGrpSpPr/>
+        <p:nvPr/>
+      </p:nvGrpSpPr>
+      <p:grpSpPr>
+        <a:xfrm>
+          <a:off x="0" y="0"/>
+          <a:ext cx="0" cy="0"/>
+          <a:chOff x="0" y="0"/>
+          <a:chExt cx="0" cy="0"/>
+        </a:xfrm>
+      </p:grpSpPr>
+      <p:sp>
+        <p:nvSpPr>
+          <p:cNvPr id="2" name="Título 1"/>
+          <p:cNvSpPr>
+            <a:spLocks noGrp="1"/>
+          </p:cNvSpPr>
+          <p:nvPr>
+            <p:ph type="title"/>
+          </p:nvPr>
+        </p:nvSpPr>
+        <p:spPr/>
+        <p:txBody>
+          <a:bodyPr>
+            <a:normAutofit/>
+          </a:bodyPr>
+          <a:lstStyle/>
+          <a:p>
+            <a:r>
+              <a:rPr lang="pt-BR" dirty="0"/>
+              <a:t>Praticando</a:t>
+            </a:r>
+          </a:p>
+        </p:txBody>
+      </p:sp>
+      <p:sp>
+        <p:nvSpPr>
+          <p:cNvPr id="12" name="Espaço Reservado para Conteúdo 2">
+            <a:extLst>
+              <a:ext uri="{FF2B5EF4-FFF2-40B4-BE49-F238E27FC236}">
+                <a16:creationId xmlns:a16="http://schemas.microsoft.com/office/drawing/2014/main" id="{41F898C3-1FE6-48FD-A402-B6B6CA7FD321}"/>
+              </a:ext>
+            </a:extLst>
+          </p:cNvPr>
+          <p:cNvSpPr txBox="1">
+            <a:spLocks/>
+          </p:cNvSpPr>
+          <p:nvPr/>
+        </p:nvSpPr>
+        <p:spPr>
+          <a:xfrm>
+            <a:off x="609601" y="2123320"/>
+            <a:ext cx="10972799" cy="3691203"/>
+          </a:xfrm>
+          <a:prstGeom prst="rect">
+            <a:avLst/>
+          </a:prstGeom>
+        </p:spPr>
+        <p:txBody>
+          <a:bodyPr vert="horz">
+            <a:normAutofit/>
+          </a:bodyPr>
+          <a:lstStyle>
+            <a:lvl1pPr marL="365760" indent="-256032" algn="l" rtl="0" eaLnBrk="1" latinLnBrk="0" hangingPunct="1">
+              <a:spcBef>
+                <a:spcPts val="300"/>
+              </a:spcBef>
+              <a:buClr>
+                <a:schemeClr val="accent3"/>
+              </a:buClr>
+              <a:buFont typeface="Georgia"/>
+              <a:buChar char="•"/>
+              <a:defRPr kumimoji="0" sz="2800" kern="1200">
+                <a:solidFill>
+                  <a:schemeClr val="tx1"/>
+                </a:solidFill>
+                <a:latin typeface="+mn-lt"/>
+                <a:ea typeface="+mn-ea"/>
+                <a:cs typeface="+mn-cs"/>
+              </a:defRPr>
+            </a:lvl1pPr>
+            <a:lvl2pPr marL="658368" indent="-246888" algn="l" rtl="0" eaLnBrk="1" latinLnBrk="0" hangingPunct="1">
+              <a:spcBef>
+                <a:spcPts val="300"/>
+              </a:spcBef>
+              <a:buClr>
+                <a:schemeClr val="accent2"/>
+              </a:buClr>
+              <a:buFont typeface="Georgia"/>
+              <a:buChar char="▫"/>
+              <a:defRPr kumimoji="0" sz="2600" kern="1200">
+                <a:solidFill>
+                  <a:schemeClr val="accent2"/>
+                </a:solidFill>
+                <a:latin typeface="+mn-lt"/>
+                <a:ea typeface="+mn-ea"/>
+                <a:cs typeface="+mn-cs"/>
+              </a:defRPr>
+            </a:lvl2pPr>
+            <a:lvl3pPr marL="923544" indent="-219456" algn="l" rtl="0" eaLnBrk="1" latinLnBrk="0" hangingPunct="1">
+              <a:spcBef>
+                <a:spcPts val="300"/>
+              </a:spcBef>
+              <a:buClr>
+                <a:schemeClr val="accent1"/>
+              </a:buClr>
+              <a:buFont typeface="Wingdings 2"/>
+              <a:buChar char=""/>
+              <a:defRPr kumimoji="0" sz="2400" kern="1200">
+                <a:solidFill>
+                  <a:schemeClr val="accent1"/>
+                </a:solidFill>
+                <a:latin typeface="+mn-lt"/>
+                <a:ea typeface="+mn-ea"/>
+                <a:cs typeface="+mn-cs"/>
+              </a:defRPr>
+            </a:lvl3pPr>
+            <a:lvl4pPr marL="1179576" indent="-201168" algn="l" rtl="0" eaLnBrk="1" latinLnBrk="0" hangingPunct="1">
+              <a:spcBef>
+                <a:spcPts val="300"/>
+              </a:spcBef>
+              <a:buClr>
+                <a:schemeClr val="accent1"/>
+              </a:buClr>
+              <a:buFont typeface="Wingdings 2"/>
+              <a:buChar char=""/>
+              <a:defRPr kumimoji="0" sz="2200" kern="1200">
+                <a:solidFill>
+                  <a:schemeClr val="accent1"/>
+                </a:solidFill>
+                <a:latin typeface="+mn-lt"/>
+                <a:ea typeface="+mn-ea"/>
+                <a:cs typeface="+mn-cs"/>
+              </a:defRPr>
+            </a:lvl4pPr>
+            <a:lvl5pPr marL="1389888" indent="-182880" algn="l" rtl="0" eaLnBrk="1" latinLnBrk="0" hangingPunct="1">
+              <a:spcBef>
+                <a:spcPts val="300"/>
+              </a:spcBef>
+              <a:buClr>
+                <a:schemeClr val="accent3"/>
+              </a:buClr>
+              <a:buFont typeface="Georgia"/>
+              <a:buChar char="▫"/>
+              <a:defRPr kumimoji="0" sz="2000" kern="1200">
+                <a:solidFill>
+                  <a:schemeClr val="accent3"/>
+                </a:solidFill>
+                <a:latin typeface="+mn-lt"/>
+                <a:ea typeface="+mn-ea"/>
+                <a:cs typeface="+mn-cs"/>
+              </a:defRPr>
+            </a:lvl5pPr>
+            <a:lvl6pPr marL="1609344" indent="-182880" algn="l" rtl="0" eaLnBrk="1" latinLnBrk="0" hangingPunct="1">
+              <a:spcBef>
+                <a:spcPts val="300"/>
+              </a:spcBef>
+              <a:buClr>
+                <a:schemeClr val="accent3"/>
+              </a:buClr>
+              <a:buFont typeface="Georgia"/>
+              <a:buChar char="▫"/>
+              <a:defRPr kumimoji="0" sz="1800" kern="1200">
+                <a:solidFill>
+                  <a:schemeClr val="accent3"/>
+                </a:solidFill>
+                <a:latin typeface="+mn-lt"/>
+                <a:ea typeface="+mn-ea"/>
+                <a:cs typeface="+mn-cs"/>
+              </a:defRPr>
+            </a:lvl6pPr>
+            <a:lvl7pPr marL="1828800" indent="-182880" algn="l" rtl="0" eaLnBrk="1" latinLnBrk="0" hangingPunct="1">
+              <a:spcBef>
+                <a:spcPts val="300"/>
+              </a:spcBef>
+              <a:buClr>
+                <a:schemeClr val="accent3"/>
+              </a:buClr>
+              <a:buFont typeface="Georgia"/>
+              <a:buChar char="▫"/>
+              <a:defRPr kumimoji="0" sz="1600" kern="1200">
+                <a:solidFill>
+                  <a:schemeClr val="accent3"/>
+                </a:solidFill>
+                <a:latin typeface="+mn-lt"/>
+                <a:ea typeface="+mn-ea"/>
+                <a:cs typeface="+mn-cs"/>
+              </a:defRPr>
+            </a:lvl7pPr>
+            <a:lvl8pPr marL="2029968" indent="-182880" algn="l" rtl="0" eaLnBrk="1" latinLnBrk="0" hangingPunct="1">
+              <a:spcBef>
+                <a:spcPts val="300"/>
+              </a:spcBef>
+              <a:buClr>
+                <a:schemeClr val="accent3"/>
+              </a:buClr>
+              <a:buFont typeface="Georgia"/>
+              <a:buChar char="◦"/>
+              <a:defRPr kumimoji="0" sz="1500" kern="1200">
+                <a:solidFill>
+                  <a:schemeClr val="accent3"/>
+                </a:solidFill>
+                <a:latin typeface="+mn-lt"/>
+                <a:ea typeface="+mn-ea"/>
+                <a:cs typeface="+mn-cs"/>
+              </a:defRPr>
+            </a:lvl8pPr>
+            <a:lvl9pPr marL="2240280" indent="-182880" algn="l" rtl="0" eaLnBrk="1" latinLnBrk="0" hangingPunct="1">
+              <a:spcBef>
+                <a:spcPts val="300"/>
+              </a:spcBef>
+              <a:buClr>
+                <a:schemeClr val="accent3"/>
+              </a:buClr>
+              <a:buFont typeface="Georgia"/>
+              <a:buChar char="◦"/>
+              <a:defRPr kumimoji="0" sz="1400" kern="1200" baseline="0">
+                <a:solidFill>
+                  <a:schemeClr val="accent3"/>
+                </a:solidFill>
+                <a:latin typeface="+mn-lt"/>
+                <a:ea typeface="+mn-ea"/>
+                <a:cs typeface="+mn-cs"/>
+              </a:defRPr>
+            </a:lvl9pPr>
+          </a:lstStyle>
+          <a:p>
+            <a:pPr algn="just"/>
+            <a:r>
+              <a:rPr lang="pt-BR" sz="1800" dirty="0"/>
+              <a:t>Código:</a:t>
+            </a:r>
+          </a:p>
+          <a:p>
+            <a:pPr algn="just"/>
+            <a:endParaRPr lang="pt-BR" sz="1800" u="sng" dirty="0"/>
+          </a:p>
+          <a:p>
+            <a:pPr marL="109728" indent="0" algn="just">
+              <a:buFont typeface="Georgia"/>
+              <a:buNone/>
+            </a:pPr>
+            <a:endParaRPr lang="pt-BR" sz="1800" dirty="0"/>
+          </a:p>
+        </p:txBody>
+      </p:sp>
+      <p:sp>
+        <p:nvSpPr>
+          <p:cNvPr id="6" name="CaixaDeTexto 5">
+            <a:extLst>
+              <a:ext uri="{FF2B5EF4-FFF2-40B4-BE49-F238E27FC236}">
+                <a16:creationId xmlns:a16="http://schemas.microsoft.com/office/drawing/2014/main" id="{37405658-F246-417C-AF29-CB39520FD5D3}"/>
+              </a:ext>
+            </a:extLst>
+          </p:cNvPr>
+          <p:cNvSpPr txBox="1"/>
+          <p:nvPr/>
+        </p:nvSpPr>
+        <p:spPr>
+          <a:xfrm>
+            <a:off x="191345" y="404664"/>
+            <a:ext cx="10972800" cy="6340197"/>
+          </a:xfrm>
+          <a:prstGeom prst="rect">
+            <a:avLst/>
+          </a:prstGeom>
+        </p:spPr>
+        <p:style>
+          <a:lnRef idx="2">
+            <a:schemeClr val="dk1"/>
+          </a:lnRef>
+          <a:fillRef idx="1">
+            <a:schemeClr val="lt1"/>
+          </a:fillRef>
+          <a:effectRef idx="0">
+            <a:schemeClr val="dk1"/>
+          </a:effectRef>
+          <a:fontRef idx="minor">
+            <a:schemeClr val="dk1"/>
+          </a:fontRef>
+        </p:style>
+        <p:txBody>
+          <a:bodyPr wrap="square">
+            <a:spAutoFit/>
+          </a:bodyPr>
+          <a:lstStyle/>
+          <a:p>
+            <a:r>
+              <a:rPr lang="pt-BR" sz="1400" b="0" dirty="0" err="1">
+                <a:solidFill>
+                  <a:srgbClr val="0033CC"/>
+                </a:solidFill>
+                <a:effectLst/>
+                <a:latin typeface="Consolas" panose="020B0609020204030204" pitchFamily="49" charset="0"/>
+              </a:rPr>
+              <a:t>const</a:t>
+            </a:r>
+            <a:r>
+              <a:rPr lang="pt-BR" sz="1400" b="0" dirty="0">
+                <a:solidFill>
+                  <a:srgbClr val="000000"/>
+                </a:solidFill>
+                <a:effectLst/>
+                <a:latin typeface="Consolas" panose="020B0609020204030204" pitchFamily="49" charset="0"/>
+              </a:rPr>
+              <a:t> { </a:t>
+            </a:r>
+            <a:r>
+              <a:rPr lang="pt-BR" sz="1400" b="0" dirty="0" err="1">
+                <a:solidFill>
+                  <a:srgbClr val="000000"/>
+                </a:solidFill>
+                <a:effectLst/>
+                <a:latin typeface="Consolas" panose="020B0609020204030204" pitchFamily="49" charset="0"/>
+              </a:rPr>
+              <a:t>Builder</a:t>
+            </a:r>
+            <a:r>
+              <a:rPr lang="pt-BR" sz="1400" b="0" dirty="0">
+                <a:solidFill>
+                  <a:srgbClr val="000000"/>
+                </a:solidFill>
+                <a:effectLst/>
+                <a:latin typeface="Consolas" panose="020B0609020204030204" pitchFamily="49" charset="0"/>
+              </a:rPr>
+              <a:t>, </a:t>
+            </a:r>
+            <a:r>
+              <a:rPr lang="pt-BR" sz="1400" b="0" dirty="0" err="1">
+                <a:solidFill>
+                  <a:srgbClr val="000000"/>
+                </a:solidFill>
+                <a:effectLst/>
+                <a:latin typeface="Consolas" panose="020B0609020204030204" pitchFamily="49" charset="0"/>
+              </a:rPr>
+              <a:t>By</a:t>
+            </a:r>
+            <a:r>
+              <a:rPr lang="pt-BR" sz="1400" b="0" dirty="0">
+                <a:solidFill>
+                  <a:srgbClr val="000000"/>
+                </a:solidFill>
+                <a:effectLst/>
+                <a:latin typeface="Consolas" panose="020B0609020204030204" pitchFamily="49" charset="0"/>
+              </a:rPr>
+              <a:t> } = require(</a:t>
+            </a:r>
+            <a:r>
+              <a:rPr lang="pt-BR" sz="1400" b="0" dirty="0">
+                <a:solidFill>
+                  <a:srgbClr val="FF0000"/>
+                </a:solidFill>
+                <a:effectLst/>
+                <a:latin typeface="Consolas" panose="020B0609020204030204" pitchFamily="49" charset="0"/>
+              </a:rPr>
+              <a:t>'</a:t>
+            </a:r>
+            <a:r>
+              <a:rPr lang="pt-BR" sz="1400" b="0" dirty="0" err="1">
+                <a:solidFill>
+                  <a:srgbClr val="FF0000"/>
+                </a:solidFill>
+                <a:effectLst/>
+                <a:latin typeface="Consolas" panose="020B0609020204030204" pitchFamily="49" charset="0"/>
+              </a:rPr>
+              <a:t>selenium-webdriver</a:t>
+            </a:r>
+            <a:r>
+              <a:rPr lang="pt-BR" sz="1400" b="0" dirty="0">
+                <a:solidFill>
+                  <a:srgbClr val="FF0000"/>
+                </a:solidFill>
+                <a:effectLst/>
+                <a:latin typeface="Consolas" panose="020B0609020204030204" pitchFamily="49" charset="0"/>
+              </a:rPr>
+              <a:t>'</a:t>
+            </a:r>
+            <a:r>
+              <a:rPr lang="pt-BR" sz="1400" b="0" dirty="0">
+                <a:solidFill>
+                  <a:srgbClr val="000000"/>
+                </a:solidFill>
+                <a:effectLst/>
+                <a:latin typeface="Consolas" panose="020B0609020204030204" pitchFamily="49" charset="0"/>
+              </a:rPr>
+              <a:t>);</a:t>
+            </a:r>
+          </a:p>
+          <a:p>
+            <a:r>
+              <a:rPr lang="pt-BR" sz="1400" b="0" dirty="0" err="1">
+                <a:solidFill>
+                  <a:srgbClr val="0033CC"/>
+                </a:solidFill>
+                <a:effectLst/>
+                <a:latin typeface="Consolas" panose="020B0609020204030204" pitchFamily="49" charset="0"/>
+              </a:rPr>
+              <a:t>const</a:t>
+            </a:r>
+            <a:r>
+              <a:rPr lang="pt-BR" sz="1400" b="0" dirty="0">
+                <a:solidFill>
+                  <a:srgbClr val="000000"/>
+                </a:solidFill>
+                <a:effectLst/>
+                <a:latin typeface="Consolas" panose="020B0609020204030204" pitchFamily="49" charset="0"/>
+              </a:rPr>
+              <a:t> </a:t>
+            </a:r>
+            <a:r>
+              <a:rPr lang="pt-BR" sz="1400" b="0" dirty="0" err="1">
+                <a:solidFill>
+                  <a:srgbClr val="000000"/>
+                </a:solidFill>
+                <a:effectLst/>
+                <a:latin typeface="Consolas" panose="020B0609020204030204" pitchFamily="49" charset="0"/>
+              </a:rPr>
+              <a:t>assert</a:t>
+            </a:r>
+            <a:r>
+              <a:rPr lang="pt-BR" sz="1400" b="0" dirty="0">
+                <a:solidFill>
+                  <a:srgbClr val="000000"/>
+                </a:solidFill>
+                <a:effectLst/>
+                <a:latin typeface="Consolas" panose="020B0609020204030204" pitchFamily="49" charset="0"/>
+              </a:rPr>
+              <a:t> = require(</a:t>
+            </a:r>
+            <a:r>
+              <a:rPr lang="pt-BR" sz="1400" b="0" dirty="0">
+                <a:solidFill>
+                  <a:srgbClr val="FF0000"/>
+                </a:solidFill>
+                <a:effectLst/>
+                <a:latin typeface="Consolas" panose="020B0609020204030204" pitchFamily="49" charset="0"/>
+              </a:rPr>
+              <a:t>'</a:t>
+            </a:r>
+            <a:r>
+              <a:rPr lang="pt-BR" sz="1400" b="0" dirty="0" err="1">
+                <a:solidFill>
+                  <a:srgbClr val="FF0000"/>
+                </a:solidFill>
+                <a:effectLst/>
+                <a:latin typeface="Consolas" panose="020B0609020204030204" pitchFamily="49" charset="0"/>
+              </a:rPr>
+              <a:t>assert</a:t>
+            </a:r>
+            <a:r>
+              <a:rPr lang="pt-BR" sz="1400" b="0" dirty="0">
+                <a:solidFill>
+                  <a:srgbClr val="FF0000"/>
+                </a:solidFill>
+                <a:effectLst/>
+                <a:latin typeface="Consolas" panose="020B0609020204030204" pitchFamily="49" charset="0"/>
+              </a:rPr>
+              <a:t>'</a:t>
+            </a:r>
+            <a:r>
+              <a:rPr lang="pt-BR" sz="1400" b="0" dirty="0">
+                <a:solidFill>
+                  <a:srgbClr val="000000"/>
+                </a:solidFill>
+                <a:effectLst/>
+                <a:latin typeface="Consolas" panose="020B0609020204030204" pitchFamily="49" charset="0"/>
+              </a:rPr>
+              <a:t>);</a:t>
+            </a:r>
+          </a:p>
+          <a:p>
+            <a:r>
+              <a:rPr lang="pt-BR" sz="1400" b="0" dirty="0" err="1">
+                <a:solidFill>
+                  <a:srgbClr val="000000"/>
+                </a:solidFill>
+                <a:effectLst/>
+                <a:latin typeface="Consolas" panose="020B0609020204030204" pitchFamily="49" charset="0"/>
+              </a:rPr>
+              <a:t>describe</a:t>
+            </a:r>
+            <a:r>
+              <a:rPr lang="pt-BR" sz="1400" b="0" dirty="0">
+                <a:solidFill>
+                  <a:srgbClr val="000000"/>
+                </a:solidFill>
+                <a:effectLst/>
+                <a:latin typeface="Consolas" panose="020B0609020204030204" pitchFamily="49" charset="0"/>
+              </a:rPr>
+              <a:t>('login', () </a:t>
+            </a:r>
+            <a:r>
+              <a:rPr lang="pt-BR" sz="1400" b="0" dirty="0">
+                <a:solidFill>
+                  <a:srgbClr val="0033CC"/>
+                </a:solidFill>
+                <a:effectLst/>
+                <a:latin typeface="Consolas" panose="020B0609020204030204" pitchFamily="49" charset="0"/>
+              </a:rPr>
+              <a:t>=&gt;</a:t>
+            </a:r>
+            <a:r>
+              <a:rPr lang="pt-BR" sz="1400" b="0" dirty="0">
+                <a:solidFill>
+                  <a:srgbClr val="000000"/>
+                </a:solidFill>
+                <a:effectLst/>
+                <a:latin typeface="Consolas" panose="020B0609020204030204" pitchFamily="49" charset="0"/>
+              </a:rPr>
+              <a:t> {</a:t>
+            </a:r>
+          </a:p>
+          <a:p>
+            <a:r>
+              <a:rPr lang="pt-BR" sz="1400" b="0" dirty="0">
+                <a:solidFill>
+                  <a:srgbClr val="000000"/>
+                </a:solidFill>
+                <a:effectLst/>
+                <a:latin typeface="Consolas" panose="020B0609020204030204" pitchFamily="49" charset="0"/>
+              </a:rPr>
+              <a:t>  it(</a:t>
+            </a:r>
+            <a:r>
+              <a:rPr lang="pt-BR" sz="1400" b="0" dirty="0">
+                <a:solidFill>
+                  <a:srgbClr val="FF0000"/>
+                </a:solidFill>
+                <a:effectLst/>
+                <a:latin typeface="Consolas" panose="020B0609020204030204" pitchFamily="49" charset="0"/>
+              </a:rPr>
+              <a:t>'logado com sucesso'</a:t>
+            </a:r>
+            <a:r>
+              <a:rPr lang="pt-BR" sz="1400" b="0" dirty="0">
+                <a:solidFill>
+                  <a:srgbClr val="000000"/>
+                </a:solidFill>
+                <a:effectLst/>
+                <a:latin typeface="Consolas" panose="020B0609020204030204" pitchFamily="49" charset="0"/>
+              </a:rPr>
+              <a:t>, </a:t>
+            </a:r>
+            <a:r>
+              <a:rPr lang="pt-BR" sz="1400" b="0" dirty="0" err="1">
+                <a:solidFill>
+                  <a:srgbClr val="0033CC"/>
+                </a:solidFill>
+                <a:effectLst/>
+                <a:latin typeface="Consolas" panose="020B0609020204030204" pitchFamily="49" charset="0"/>
+              </a:rPr>
+              <a:t>async</a:t>
+            </a:r>
+            <a:r>
+              <a:rPr lang="pt-BR" sz="1400" b="0" dirty="0">
+                <a:solidFill>
+                  <a:srgbClr val="000000"/>
+                </a:solidFill>
+                <a:effectLst/>
+                <a:latin typeface="Consolas" panose="020B0609020204030204" pitchFamily="49" charset="0"/>
+              </a:rPr>
+              <a:t> () </a:t>
+            </a:r>
+            <a:r>
+              <a:rPr lang="pt-BR" sz="1400" b="0" dirty="0">
+                <a:solidFill>
+                  <a:srgbClr val="0033CC"/>
+                </a:solidFill>
+                <a:effectLst/>
+                <a:latin typeface="Consolas" panose="020B0609020204030204" pitchFamily="49" charset="0"/>
+              </a:rPr>
+              <a:t>=&gt;</a:t>
+            </a:r>
+            <a:r>
+              <a:rPr lang="pt-BR" sz="1400" b="0" dirty="0">
+                <a:solidFill>
+                  <a:srgbClr val="000000"/>
+                </a:solidFill>
+                <a:effectLst/>
+                <a:latin typeface="Consolas" panose="020B0609020204030204" pitchFamily="49" charset="0"/>
+              </a:rPr>
+              <a:t> {</a:t>
+            </a:r>
+          </a:p>
+          <a:p>
+            <a:r>
+              <a:rPr lang="pt-BR" sz="1400" b="0" dirty="0">
+                <a:solidFill>
+                  <a:srgbClr val="000000"/>
+                </a:solidFill>
+                <a:effectLst/>
+                <a:latin typeface="Consolas" panose="020B0609020204030204" pitchFamily="49" charset="0"/>
+              </a:rPr>
+              <a:t>    </a:t>
+            </a:r>
+            <a:r>
+              <a:rPr lang="pt-BR" sz="1400" b="0" dirty="0" err="1">
+                <a:solidFill>
+                  <a:srgbClr val="000000"/>
+                </a:solidFill>
+                <a:effectLst/>
+                <a:latin typeface="Consolas" panose="020B0609020204030204" pitchFamily="49" charset="0"/>
+              </a:rPr>
+              <a:t>const</a:t>
+            </a:r>
+            <a:r>
+              <a:rPr lang="pt-BR" sz="1400" b="0" dirty="0">
+                <a:solidFill>
+                  <a:srgbClr val="000000"/>
+                </a:solidFill>
+                <a:effectLst/>
+                <a:latin typeface="Consolas" panose="020B0609020204030204" pitchFamily="49" charset="0"/>
+              </a:rPr>
+              <a:t> driver = </a:t>
+            </a:r>
+            <a:r>
+              <a:rPr lang="pt-BR" sz="1400" b="0" dirty="0" err="1">
+                <a:solidFill>
+                  <a:srgbClr val="0033CC"/>
+                </a:solidFill>
+                <a:effectLst/>
+                <a:latin typeface="Consolas" panose="020B0609020204030204" pitchFamily="49" charset="0"/>
+              </a:rPr>
+              <a:t>await</a:t>
+            </a:r>
+            <a:r>
+              <a:rPr lang="pt-BR" sz="1400" b="0" dirty="0">
+                <a:solidFill>
+                  <a:srgbClr val="000000"/>
+                </a:solidFill>
+                <a:effectLst/>
+                <a:latin typeface="Consolas" panose="020B0609020204030204" pitchFamily="49" charset="0"/>
+              </a:rPr>
+              <a:t> </a:t>
+            </a:r>
+            <a:r>
+              <a:rPr lang="pt-BR" sz="1400" b="0" dirty="0">
+                <a:solidFill>
+                  <a:srgbClr val="0033CC"/>
+                </a:solidFill>
+                <a:effectLst/>
+                <a:latin typeface="Consolas" panose="020B0609020204030204" pitchFamily="49" charset="0"/>
+              </a:rPr>
+              <a:t>new</a:t>
+            </a:r>
+            <a:r>
+              <a:rPr lang="pt-BR" sz="1400" b="0" dirty="0">
+                <a:solidFill>
+                  <a:srgbClr val="000000"/>
+                </a:solidFill>
+                <a:effectLst/>
+                <a:latin typeface="Consolas" panose="020B0609020204030204" pitchFamily="49" charset="0"/>
+              </a:rPr>
+              <a:t> </a:t>
+            </a:r>
+            <a:r>
+              <a:rPr lang="pt-BR" sz="1400" b="0" dirty="0" err="1">
+                <a:solidFill>
+                  <a:srgbClr val="000000"/>
+                </a:solidFill>
+                <a:effectLst/>
+                <a:latin typeface="Consolas" panose="020B0609020204030204" pitchFamily="49" charset="0"/>
+              </a:rPr>
+              <a:t>Builder</a:t>
+            </a:r>
+            <a:r>
+              <a:rPr lang="pt-BR" sz="1400" b="0" dirty="0">
+                <a:solidFill>
+                  <a:srgbClr val="000000"/>
+                </a:solidFill>
+                <a:effectLst/>
+                <a:latin typeface="Consolas" panose="020B0609020204030204" pitchFamily="49" charset="0"/>
+              </a:rPr>
+              <a:t>().</a:t>
+            </a:r>
+            <a:r>
+              <a:rPr lang="pt-BR" sz="1400" b="0" dirty="0" err="1">
+                <a:solidFill>
+                  <a:srgbClr val="000000"/>
+                </a:solidFill>
+                <a:effectLst/>
+                <a:latin typeface="Consolas" panose="020B0609020204030204" pitchFamily="49" charset="0"/>
+              </a:rPr>
+              <a:t>forBrowser</a:t>
+            </a:r>
+            <a:r>
+              <a:rPr lang="pt-BR" sz="1400" b="0" dirty="0">
+                <a:solidFill>
+                  <a:srgbClr val="000000"/>
+                </a:solidFill>
+                <a:effectLst/>
+                <a:latin typeface="Consolas" panose="020B0609020204030204" pitchFamily="49" charset="0"/>
+              </a:rPr>
+              <a:t>(</a:t>
+            </a:r>
+            <a:r>
+              <a:rPr lang="pt-BR" sz="1400" b="0" dirty="0">
+                <a:solidFill>
+                  <a:srgbClr val="FF0000"/>
+                </a:solidFill>
+                <a:effectLst/>
+                <a:latin typeface="Consolas" panose="020B0609020204030204" pitchFamily="49" charset="0"/>
+              </a:rPr>
+              <a:t>'</a:t>
+            </a:r>
+            <a:r>
+              <a:rPr lang="pt-BR" sz="1400" b="0" dirty="0" err="1">
+                <a:solidFill>
+                  <a:srgbClr val="FF0000"/>
+                </a:solidFill>
+                <a:effectLst/>
+                <a:latin typeface="Consolas" panose="020B0609020204030204" pitchFamily="49" charset="0"/>
+              </a:rPr>
+              <a:t>chrome</a:t>
+            </a:r>
+            <a:r>
+              <a:rPr lang="pt-BR" sz="1400" b="0" dirty="0">
+                <a:solidFill>
+                  <a:srgbClr val="FF0000"/>
+                </a:solidFill>
+                <a:effectLst/>
+                <a:latin typeface="Consolas" panose="020B0609020204030204" pitchFamily="49" charset="0"/>
+              </a:rPr>
+              <a:t>'</a:t>
+            </a:r>
+            <a:r>
+              <a:rPr lang="pt-BR" sz="1400" b="0" dirty="0">
+                <a:solidFill>
+                  <a:srgbClr val="000000"/>
+                </a:solidFill>
+                <a:effectLst/>
+                <a:latin typeface="Consolas" panose="020B0609020204030204" pitchFamily="49" charset="0"/>
+              </a:rPr>
+              <a:t>).build();</a:t>
+            </a:r>
+          </a:p>
+          <a:p>
+            <a:r>
+              <a:rPr lang="pt-BR" sz="1400" b="0" dirty="0">
+                <a:solidFill>
+                  <a:srgbClr val="000000"/>
+                </a:solidFill>
+                <a:effectLst/>
+                <a:latin typeface="Consolas" panose="020B0609020204030204" pitchFamily="49" charset="0"/>
+              </a:rPr>
+              <a:t>    </a:t>
+            </a:r>
+            <a:r>
+              <a:rPr lang="pt-BR" sz="1400" b="0" dirty="0" err="1">
+                <a:solidFill>
+                  <a:srgbClr val="0033CC"/>
+                </a:solidFill>
+                <a:effectLst/>
+                <a:latin typeface="Consolas" panose="020B0609020204030204" pitchFamily="49" charset="0"/>
+              </a:rPr>
+              <a:t>await</a:t>
+            </a:r>
+            <a:r>
+              <a:rPr lang="pt-BR" sz="1400" b="0" dirty="0">
+                <a:solidFill>
+                  <a:srgbClr val="000000"/>
+                </a:solidFill>
+                <a:effectLst/>
+                <a:latin typeface="Consolas" panose="020B0609020204030204" pitchFamily="49" charset="0"/>
+              </a:rPr>
+              <a:t> </a:t>
+            </a:r>
+            <a:r>
+              <a:rPr lang="pt-BR" sz="1400" b="0" dirty="0" err="1">
+                <a:solidFill>
+                  <a:srgbClr val="000000"/>
+                </a:solidFill>
+                <a:effectLst/>
+                <a:latin typeface="Consolas" panose="020B0609020204030204" pitchFamily="49" charset="0"/>
+              </a:rPr>
+              <a:t>driver.get</a:t>
+            </a:r>
+            <a:r>
+              <a:rPr lang="pt-BR" sz="1400" b="0" dirty="0">
+                <a:solidFill>
+                  <a:srgbClr val="000000"/>
+                </a:solidFill>
+                <a:effectLst/>
+                <a:latin typeface="Consolas" panose="020B0609020204030204" pitchFamily="49" charset="0"/>
+              </a:rPr>
+              <a:t>(</a:t>
+            </a:r>
+            <a:r>
+              <a:rPr lang="pt-BR" sz="1400" b="0" dirty="0">
+                <a:solidFill>
+                  <a:srgbClr val="FF0000"/>
+                </a:solidFill>
+                <a:effectLst/>
+                <a:latin typeface="Consolas" panose="020B0609020204030204" pitchFamily="49" charset="0"/>
+              </a:rPr>
+              <a:t>'http://selenium.cwg.services</a:t>
+            </a:r>
+            <a:r>
+              <a:rPr lang="pt-BR" sz="1400" b="0" dirty="0">
+                <a:solidFill>
+                  <a:srgbClr val="000000"/>
+                </a:solidFill>
+                <a:effectLst/>
+                <a:latin typeface="Consolas" panose="020B0609020204030204" pitchFamily="49" charset="0"/>
+              </a:rPr>
+              <a:t>');</a:t>
+            </a:r>
+          </a:p>
+          <a:p>
+            <a:r>
+              <a:rPr lang="pt-BR" sz="1400" b="0" dirty="0">
+                <a:solidFill>
+                  <a:srgbClr val="000000"/>
+                </a:solidFill>
+                <a:effectLst/>
+                <a:latin typeface="Consolas" panose="020B0609020204030204" pitchFamily="49" charset="0"/>
+              </a:rPr>
+              <a:t>    </a:t>
+            </a:r>
+            <a:r>
+              <a:rPr lang="pt-BR" sz="1400" b="0" dirty="0">
+                <a:solidFill>
+                  <a:srgbClr val="00B400"/>
+                </a:solidFill>
+                <a:effectLst/>
+                <a:latin typeface="Consolas" panose="020B0609020204030204" pitchFamily="49" charset="0"/>
+              </a:rPr>
+              <a:t>//Login</a:t>
+            </a:r>
+          </a:p>
+          <a:p>
+            <a:r>
+              <a:rPr lang="pt-BR" sz="1400" b="0" dirty="0">
+                <a:solidFill>
+                  <a:srgbClr val="000000"/>
+                </a:solidFill>
+                <a:effectLst/>
+                <a:latin typeface="Consolas" panose="020B0609020204030204" pitchFamily="49" charset="0"/>
+              </a:rPr>
+              <a:t>    </a:t>
+            </a:r>
+            <a:r>
+              <a:rPr lang="pt-BR" sz="1400" b="0" dirty="0" err="1">
+                <a:solidFill>
+                  <a:srgbClr val="0033CC"/>
+                </a:solidFill>
+                <a:effectLst/>
+                <a:latin typeface="Consolas" panose="020B0609020204030204" pitchFamily="49" charset="0"/>
+              </a:rPr>
+              <a:t>await</a:t>
+            </a:r>
+            <a:r>
+              <a:rPr lang="pt-BR" sz="1400" b="0" dirty="0">
+                <a:solidFill>
+                  <a:srgbClr val="000000"/>
+                </a:solidFill>
+                <a:effectLst/>
+                <a:latin typeface="Consolas" panose="020B0609020204030204" pitchFamily="49" charset="0"/>
+              </a:rPr>
+              <a:t> </a:t>
+            </a:r>
+            <a:r>
+              <a:rPr lang="pt-BR" sz="1400" b="0" dirty="0" err="1">
+                <a:solidFill>
+                  <a:srgbClr val="000000"/>
+                </a:solidFill>
+                <a:effectLst/>
+                <a:latin typeface="Consolas" panose="020B0609020204030204" pitchFamily="49" charset="0"/>
+              </a:rPr>
+              <a:t>driver.findElement</a:t>
+            </a:r>
+            <a:r>
+              <a:rPr lang="pt-BR" sz="1400" b="0" dirty="0">
+                <a:solidFill>
+                  <a:srgbClr val="000000"/>
+                </a:solidFill>
+                <a:effectLst/>
+                <a:latin typeface="Consolas" panose="020B0609020204030204" pitchFamily="49" charset="0"/>
+              </a:rPr>
+              <a:t>(By.id(</a:t>
+            </a:r>
+            <a:r>
+              <a:rPr lang="pt-BR" sz="1400" b="0" dirty="0">
+                <a:solidFill>
+                  <a:srgbClr val="FF0000"/>
+                </a:solidFill>
+                <a:effectLst/>
+                <a:latin typeface="Consolas" panose="020B0609020204030204" pitchFamily="49" charset="0"/>
+              </a:rPr>
+              <a:t>'input-</a:t>
+            </a:r>
+            <a:r>
+              <a:rPr lang="pt-BR" sz="1400" b="0" dirty="0" err="1">
+                <a:solidFill>
+                  <a:srgbClr val="FF0000"/>
+                </a:solidFill>
+                <a:effectLst/>
+                <a:latin typeface="Consolas" panose="020B0609020204030204" pitchFamily="49" charset="0"/>
+              </a:rPr>
+              <a:t>email</a:t>
+            </a:r>
+            <a:r>
+              <a:rPr lang="pt-BR" sz="1400" b="0" dirty="0">
+                <a:solidFill>
+                  <a:srgbClr val="FF0000"/>
+                </a:solidFill>
+                <a:effectLst/>
+                <a:latin typeface="Consolas" panose="020B0609020204030204" pitchFamily="49" charset="0"/>
+              </a:rPr>
+              <a:t>'</a:t>
+            </a:r>
+            <a:r>
+              <a:rPr lang="pt-BR" sz="1400" b="0" dirty="0">
+                <a:solidFill>
+                  <a:srgbClr val="000000"/>
+                </a:solidFill>
+                <a:effectLst/>
+                <a:latin typeface="Consolas" panose="020B0609020204030204" pitchFamily="49" charset="0"/>
+              </a:rPr>
+              <a:t>)).</a:t>
+            </a:r>
+            <a:r>
+              <a:rPr lang="pt-BR" sz="1400" b="0" dirty="0" err="1">
+                <a:solidFill>
+                  <a:srgbClr val="000000"/>
+                </a:solidFill>
+                <a:effectLst/>
+                <a:latin typeface="Consolas" panose="020B0609020204030204" pitchFamily="49" charset="0"/>
+              </a:rPr>
+              <a:t>sendKeys</a:t>
+            </a:r>
+            <a:r>
+              <a:rPr lang="pt-BR" sz="1400" b="0" dirty="0">
+                <a:solidFill>
+                  <a:srgbClr val="000000"/>
+                </a:solidFill>
+                <a:effectLst/>
+                <a:latin typeface="Consolas" panose="020B0609020204030204" pitchFamily="49" charset="0"/>
+              </a:rPr>
+              <a:t>(</a:t>
+            </a:r>
+            <a:r>
+              <a:rPr lang="pt-BR" sz="1400" b="0" dirty="0">
+                <a:solidFill>
+                  <a:srgbClr val="FF0000"/>
+                </a:solidFill>
+                <a:effectLst/>
+                <a:latin typeface="Consolas" panose="020B0609020204030204" pitchFamily="49" charset="0"/>
+              </a:rPr>
+              <a:t>'teste@teste.com</a:t>
+            </a:r>
+            <a:r>
+              <a:rPr lang="pt-BR" sz="1400" b="0" dirty="0">
+                <a:solidFill>
+                  <a:srgbClr val="000000"/>
+                </a:solidFill>
+                <a:effectLst/>
+                <a:latin typeface="Consolas" panose="020B0609020204030204" pitchFamily="49" charset="0"/>
+              </a:rPr>
+              <a:t>');</a:t>
+            </a:r>
+          </a:p>
+          <a:p>
+            <a:r>
+              <a:rPr lang="pt-BR" sz="1400" b="0" dirty="0">
+                <a:solidFill>
+                  <a:srgbClr val="000000"/>
+                </a:solidFill>
+                <a:effectLst/>
+                <a:latin typeface="Consolas" panose="020B0609020204030204" pitchFamily="49" charset="0"/>
+              </a:rPr>
+              <a:t>    </a:t>
+            </a:r>
+            <a:r>
+              <a:rPr lang="pt-BR" sz="1400" b="0" dirty="0" err="1">
+                <a:solidFill>
+                  <a:srgbClr val="0033CC"/>
+                </a:solidFill>
+                <a:effectLst/>
+                <a:latin typeface="Consolas" panose="020B0609020204030204" pitchFamily="49" charset="0"/>
+              </a:rPr>
+              <a:t>await</a:t>
+            </a:r>
+            <a:r>
+              <a:rPr lang="pt-BR" sz="1400" b="0" dirty="0">
+                <a:solidFill>
+                  <a:srgbClr val="000000"/>
+                </a:solidFill>
+                <a:effectLst/>
+                <a:latin typeface="Consolas" panose="020B0609020204030204" pitchFamily="49" charset="0"/>
+              </a:rPr>
+              <a:t> </a:t>
+            </a:r>
+            <a:r>
+              <a:rPr lang="pt-BR" sz="1400" b="0" dirty="0" err="1">
+                <a:solidFill>
+                  <a:srgbClr val="000000"/>
+                </a:solidFill>
+                <a:effectLst/>
+                <a:latin typeface="Consolas" panose="020B0609020204030204" pitchFamily="49" charset="0"/>
+              </a:rPr>
+              <a:t>driver.findElement</a:t>
+            </a:r>
+            <a:r>
+              <a:rPr lang="pt-BR" sz="1400" b="0" dirty="0">
+                <a:solidFill>
+                  <a:srgbClr val="000000"/>
+                </a:solidFill>
+                <a:effectLst/>
+                <a:latin typeface="Consolas" panose="020B0609020204030204" pitchFamily="49" charset="0"/>
+              </a:rPr>
+              <a:t>(By.id('</a:t>
+            </a:r>
+            <a:r>
+              <a:rPr lang="pt-BR" sz="1400" b="0" dirty="0">
+                <a:solidFill>
+                  <a:srgbClr val="FF0000"/>
+                </a:solidFill>
+                <a:effectLst/>
+                <a:latin typeface="Consolas" panose="020B0609020204030204" pitchFamily="49" charset="0"/>
+              </a:rPr>
+              <a:t>input-</a:t>
+            </a:r>
+            <a:r>
+              <a:rPr lang="pt-BR" sz="1400" b="0" dirty="0" err="1">
+                <a:solidFill>
+                  <a:srgbClr val="FF0000"/>
+                </a:solidFill>
+                <a:effectLst/>
+                <a:latin typeface="Consolas" panose="020B0609020204030204" pitchFamily="49" charset="0"/>
+              </a:rPr>
+              <a:t>password</a:t>
+            </a:r>
+            <a:r>
+              <a:rPr lang="pt-BR" sz="1400" b="0" dirty="0">
+                <a:solidFill>
+                  <a:srgbClr val="FF0000"/>
+                </a:solidFill>
+                <a:effectLst/>
+                <a:latin typeface="Consolas" panose="020B0609020204030204" pitchFamily="49" charset="0"/>
+              </a:rPr>
+              <a:t>'</a:t>
+            </a:r>
+            <a:r>
+              <a:rPr lang="pt-BR" sz="1400" b="0" dirty="0">
+                <a:solidFill>
+                  <a:srgbClr val="000000"/>
+                </a:solidFill>
+                <a:effectLst/>
+                <a:latin typeface="Consolas" panose="020B0609020204030204" pitchFamily="49" charset="0"/>
+              </a:rPr>
+              <a:t>)).</a:t>
+            </a:r>
+            <a:r>
+              <a:rPr lang="pt-BR" sz="1400" b="0" dirty="0" err="1">
+                <a:solidFill>
+                  <a:srgbClr val="000000"/>
+                </a:solidFill>
+                <a:effectLst/>
+                <a:latin typeface="Consolas" panose="020B0609020204030204" pitchFamily="49" charset="0"/>
+              </a:rPr>
+              <a:t>sendKeys</a:t>
+            </a:r>
+            <a:r>
+              <a:rPr lang="pt-BR" sz="1400" b="0" dirty="0">
+                <a:solidFill>
+                  <a:srgbClr val="000000"/>
+                </a:solidFill>
+                <a:effectLst/>
+                <a:latin typeface="Consolas" panose="020B0609020204030204" pitchFamily="49" charset="0"/>
+              </a:rPr>
+              <a:t>(</a:t>
+            </a:r>
+            <a:r>
+              <a:rPr lang="pt-BR" sz="1400" b="0" dirty="0">
+                <a:solidFill>
+                  <a:srgbClr val="FF0000"/>
+                </a:solidFill>
+                <a:effectLst/>
+                <a:latin typeface="Consolas" panose="020B0609020204030204" pitchFamily="49" charset="0"/>
+              </a:rPr>
+              <a:t>'123456'</a:t>
+            </a:r>
+            <a:r>
+              <a:rPr lang="pt-BR" sz="1400" b="0" dirty="0">
+                <a:solidFill>
+                  <a:srgbClr val="000000"/>
+                </a:solidFill>
+                <a:effectLst/>
+                <a:latin typeface="Consolas" panose="020B0609020204030204" pitchFamily="49" charset="0"/>
+              </a:rPr>
+              <a:t>);</a:t>
+            </a:r>
+          </a:p>
+          <a:p>
+            <a:r>
+              <a:rPr lang="pt-BR" sz="1400" b="0" dirty="0">
+                <a:solidFill>
+                  <a:srgbClr val="000000"/>
+                </a:solidFill>
+                <a:effectLst/>
+                <a:latin typeface="Consolas" panose="020B0609020204030204" pitchFamily="49" charset="0"/>
+              </a:rPr>
+              <a:t>    </a:t>
+            </a:r>
+            <a:r>
+              <a:rPr lang="pt-BR" sz="1400" b="0" dirty="0" err="1">
+                <a:solidFill>
+                  <a:srgbClr val="0033CC"/>
+                </a:solidFill>
+                <a:effectLst/>
+                <a:latin typeface="Consolas" panose="020B0609020204030204" pitchFamily="49" charset="0"/>
+              </a:rPr>
+              <a:t>await</a:t>
+            </a:r>
+            <a:r>
+              <a:rPr lang="pt-BR" sz="1400" b="0" dirty="0">
+                <a:solidFill>
+                  <a:srgbClr val="000000"/>
+                </a:solidFill>
+                <a:effectLst/>
+                <a:latin typeface="Consolas" panose="020B0609020204030204" pitchFamily="49" charset="0"/>
+              </a:rPr>
+              <a:t> </a:t>
+            </a:r>
+            <a:r>
+              <a:rPr lang="pt-BR" sz="1400" b="0" dirty="0" err="1">
+                <a:solidFill>
+                  <a:srgbClr val="000000"/>
+                </a:solidFill>
+                <a:effectLst/>
+                <a:latin typeface="Consolas" panose="020B0609020204030204" pitchFamily="49" charset="0"/>
+              </a:rPr>
+              <a:t>driver.findElement</a:t>
+            </a:r>
+            <a:r>
+              <a:rPr lang="pt-BR" sz="1400" b="0" dirty="0">
+                <a:solidFill>
+                  <a:srgbClr val="000000"/>
+                </a:solidFill>
+                <a:effectLst/>
+                <a:latin typeface="Consolas" panose="020B0609020204030204" pitchFamily="49" charset="0"/>
+              </a:rPr>
+              <a:t>(By.id(</a:t>
+            </a:r>
+            <a:r>
+              <a:rPr lang="pt-BR" sz="1400" b="0" dirty="0">
+                <a:solidFill>
+                  <a:srgbClr val="FF0000"/>
+                </a:solidFill>
+                <a:effectLst/>
+                <a:latin typeface="Consolas" panose="020B0609020204030204" pitchFamily="49" charset="0"/>
+              </a:rPr>
+              <a:t>'</a:t>
+            </a:r>
+            <a:r>
+              <a:rPr lang="pt-BR" sz="1400" b="0" dirty="0" err="1">
+                <a:solidFill>
+                  <a:srgbClr val="FF0000"/>
+                </a:solidFill>
+                <a:effectLst/>
+                <a:latin typeface="Consolas" panose="020B0609020204030204" pitchFamily="49" charset="0"/>
+              </a:rPr>
+              <a:t>btn</a:t>
+            </a:r>
+            <a:r>
+              <a:rPr lang="pt-BR" sz="1400" b="0" dirty="0">
+                <a:solidFill>
+                  <a:srgbClr val="FF0000"/>
+                </a:solidFill>
+                <a:effectLst/>
+                <a:latin typeface="Consolas" panose="020B0609020204030204" pitchFamily="49" charset="0"/>
+              </a:rPr>
+              <a:t>-login'</a:t>
+            </a:r>
+            <a:r>
+              <a:rPr lang="pt-BR" sz="1400" b="0" dirty="0">
+                <a:solidFill>
+                  <a:srgbClr val="000000"/>
+                </a:solidFill>
+                <a:effectLst/>
+                <a:latin typeface="Consolas" panose="020B0609020204030204" pitchFamily="49" charset="0"/>
+              </a:rPr>
+              <a:t>)).click();</a:t>
+            </a:r>
+          </a:p>
+          <a:p>
+            <a:r>
+              <a:rPr lang="pt-BR" sz="1400" b="0" dirty="0">
+                <a:solidFill>
+                  <a:srgbClr val="000000"/>
+                </a:solidFill>
+                <a:effectLst/>
+                <a:latin typeface="Consolas" panose="020B0609020204030204" pitchFamily="49" charset="0"/>
+              </a:rPr>
+              <a:t>    </a:t>
+            </a:r>
+            <a:r>
+              <a:rPr lang="pt-BR" sz="1400" b="0" dirty="0" err="1">
+                <a:solidFill>
+                  <a:srgbClr val="0033CC"/>
+                </a:solidFill>
+                <a:effectLst/>
+                <a:latin typeface="Consolas" panose="020B0609020204030204" pitchFamily="49" charset="0"/>
+              </a:rPr>
+              <a:t>const</a:t>
+            </a:r>
+            <a:r>
+              <a:rPr lang="pt-BR" sz="1400" b="0" dirty="0">
+                <a:solidFill>
+                  <a:srgbClr val="000000"/>
+                </a:solidFill>
+                <a:effectLst/>
+                <a:latin typeface="Consolas" panose="020B0609020204030204" pitchFamily="49" charset="0"/>
+              </a:rPr>
+              <a:t> </a:t>
+            </a:r>
+            <a:r>
+              <a:rPr lang="pt-BR" sz="1400" b="0" dirty="0" err="1">
+                <a:solidFill>
+                  <a:srgbClr val="000000"/>
+                </a:solidFill>
+                <a:effectLst/>
+                <a:latin typeface="Consolas" panose="020B0609020204030204" pitchFamily="49" charset="0"/>
+              </a:rPr>
+              <a:t>url</a:t>
+            </a:r>
+            <a:r>
+              <a:rPr lang="pt-BR" sz="1400" b="0" dirty="0">
+                <a:solidFill>
+                  <a:srgbClr val="000000"/>
+                </a:solidFill>
+                <a:effectLst/>
+                <a:latin typeface="Consolas" panose="020B0609020204030204" pitchFamily="49" charset="0"/>
+              </a:rPr>
+              <a:t> = </a:t>
+            </a:r>
+            <a:r>
+              <a:rPr lang="pt-BR" sz="1400" b="0" dirty="0" err="1">
+                <a:solidFill>
+                  <a:srgbClr val="0033CC"/>
+                </a:solidFill>
+                <a:effectLst/>
+                <a:latin typeface="Consolas" panose="020B0609020204030204" pitchFamily="49" charset="0"/>
+              </a:rPr>
+              <a:t>await</a:t>
+            </a:r>
+            <a:r>
+              <a:rPr lang="pt-BR" sz="1400" b="0" dirty="0">
+                <a:solidFill>
+                  <a:srgbClr val="000000"/>
+                </a:solidFill>
+                <a:effectLst/>
+                <a:latin typeface="Consolas" panose="020B0609020204030204" pitchFamily="49" charset="0"/>
+              </a:rPr>
+              <a:t> </a:t>
+            </a:r>
+            <a:r>
+              <a:rPr lang="pt-BR" sz="1400" b="0" dirty="0" err="1">
+                <a:solidFill>
+                  <a:srgbClr val="000000"/>
+                </a:solidFill>
+                <a:effectLst/>
+                <a:latin typeface="Consolas" panose="020B0609020204030204" pitchFamily="49" charset="0"/>
+              </a:rPr>
+              <a:t>driver.getCurrentUrl</a:t>
+            </a:r>
+            <a:r>
+              <a:rPr lang="pt-BR" sz="1400" b="0" dirty="0">
+                <a:solidFill>
+                  <a:srgbClr val="000000"/>
+                </a:solidFill>
+                <a:effectLst/>
+                <a:latin typeface="Consolas" panose="020B0609020204030204" pitchFamily="49" charset="0"/>
+              </a:rPr>
+              <a:t>();</a:t>
+            </a:r>
+          </a:p>
+          <a:p>
+            <a:r>
+              <a:rPr lang="pt-BR" sz="1400" b="0" dirty="0">
+                <a:solidFill>
+                  <a:srgbClr val="000000"/>
+                </a:solidFill>
+                <a:effectLst/>
+                <a:latin typeface="Consolas" panose="020B0609020204030204" pitchFamily="49" charset="0"/>
+              </a:rPr>
+              <a:t>    </a:t>
+            </a:r>
+            <a:r>
+              <a:rPr lang="pt-BR" sz="1400" b="0" dirty="0" err="1">
+                <a:solidFill>
+                  <a:srgbClr val="0033CC"/>
+                </a:solidFill>
+                <a:effectLst/>
+                <a:latin typeface="Consolas" panose="020B0609020204030204" pitchFamily="49" charset="0"/>
+              </a:rPr>
+              <a:t>assert</a:t>
+            </a:r>
+            <a:r>
+              <a:rPr lang="pt-BR" sz="1400" b="0" dirty="0" err="1">
+                <a:solidFill>
+                  <a:srgbClr val="000000"/>
+                </a:solidFill>
+                <a:effectLst/>
+                <a:latin typeface="Consolas" panose="020B0609020204030204" pitchFamily="49" charset="0"/>
+              </a:rPr>
+              <a:t>.equal</a:t>
+            </a:r>
+            <a:r>
+              <a:rPr lang="pt-BR" sz="1400" b="0" dirty="0">
+                <a:solidFill>
+                  <a:srgbClr val="000000"/>
+                </a:solidFill>
+                <a:effectLst/>
+                <a:latin typeface="Consolas" panose="020B0609020204030204" pitchFamily="49" charset="0"/>
+              </a:rPr>
+              <a:t>(</a:t>
+            </a:r>
+            <a:r>
+              <a:rPr lang="pt-BR" sz="1400" b="0" dirty="0" err="1">
+                <a:solidFill>
+                  <a:srgbClr val="000000"/>
+                </a:solidFill>
+                <a:effectLst/>
+                <a:latin typeface="Consolas" panose="020B0609020204030204" pitchFamily="49" charset="0"/>
+              </a:rPr>
+              <a:t>url</a:t>
+            </a:r>
+            <a:r>
+              <a:rPr lang="pt-BR" sz="1400" b="0" dirty="0">
+                <a:solidFill>
+                  <a:srgbClr val="000000"/>
+                </a:solidFill>
+                <a:effectLst/>
+                <a:latin typeface="Consolas" panose="020B0609020204030204" pitchFamily="49" charset="0"/>
+              </a:rPr>
+              <a:t>, 'http://selenium.cwg.services/home');</a:t>
+            </a:r>
+          </a:p>
+          <a:p>
+            <a:r>
+              <a:rPr lang="pt-BR" sz="1400" b="0" dirty="0">
+                <a:solidFill>
+                  <a:srgbClr val="000000"/>
+                </a:solidFill>
+                <a:effectLst/>
+                <a:latin typeface="Consolas" panose="020B0609020204030204" pitchFamily="49" charset="0"/>
+              </a:rPr>
+              <a:t>    </a:t>
+            </a:r>
+            <a:r>
+              <a:rPr lang="pt-BR" sz="1400" b="0" dirty="0" err="1">
+                <a:solidFill>
+                  <a:srgbClr val="0033CC"/>
+                </a:solidFill>
+                <a:effectLst/>
+                <a:latin typeface="Consolas" panose="020B0609020204030204" pitchFamily="49" charset="0"/>
+              </a:rPr>
+              <a:t>await</a:t>
+            </a:r>
+            <a:r>
+              <a:rPr lang="pt-BR" sz="1400" b="0" dirty="0">
+                <a:solidFill>
+                  <a:srgbClr val="000000"/>
+                </a:solidFill>
+                <a:effectLst/>
+                <a:latin typeface="Consolas" panose="020B0609020204030204" pitchFamily="49" charset="0"/>
+              </a:rPr>
+              <a:t> </a:t>
+            </a:r>
+            <a:r>
+              <a:rPr lang="pt-BR" sz="1400" b="0" dirty="0" err="1">
+                <a:solidFill>
+                  <a:srgbClr val="000000"/>
+                </a:solidFill>
+                <a:effectLst/>
+                <a:latin typeface="Consolas" panose="020B0609020204030204" pitchFamily="49" charset="0"/>
+              </a:rPr>
+              <a:t>driver.quit</a:t>
+            </a:r>
+            <a:r>
+              <a:rPr lang="pt-BR" sz="1400" b="0" dirty="0">
+                <a:solidFill>
+                  <a:srgbClr val="000000"/>
+                </a:solidFill>
+                <a:effectLst/>
+                <a:latin typeface="Consolas" panose="020B0609020204030204" pitchFamily="49" charset="0"/>
+              </a:rPr>
+              <a:t>();</a:t>
+            </a:r>
+          </a:p>
+          <a:p>
+            <a:r>
+              <a:rPr lang="pt-BR" sz="1400" b="0" dirty="0">
+                <a:solidFill>
+                  <a:srgbClr val="000000"/>
+                </a:solidFill>
+                <a:effectLst/>
+                <a:latin typeface="Consolas" panose="020B0609020204030204" pitchFamily="49" charset="0"/>
+              </a:rPr>
+              <a:t>  })</a:t>
+            </a:r>
+          </a:p>
+          <a:p>
+            <a:r>
+              <a:rPr lang="pt-BR" sz="1400" b="0" dirty="0">
+                <a:solidFill>
+                  <a:srgbClr val="000000"/>
+                </a:solidFill>
+                <a:effectLst/>
+                <a:latin typeface="Consolas" panose="020B0609020204030204" pitchFamily="49" charset="0"/>
+              </a:rPr>
+              <a:t>  it (</a:t>
+            </a:r>
+            <a:r>
+              <a:rPr lang="pt-BR" sz="1400" b="0" dirty="0">
+                <a:solidFill>
+                  <a:srgbClr val="FF0000"/>
+                </a:solidFill>
+                <a:effectLst/>
+                <a:latin typeface="Consolas" panose="020B0609020204030204" pitchFamily="49" charset="0"/>
+              </a:rPr>
+              <a:t>'falha ao </a:t>
+            </a:r>
+            <a:r>
+              <a:rPr lang="pt-BR" sz="1400" b="0" dirty="0" err="1">
+                <a:solidFill>
+                  <a:srgbClr val="FF0000"/>
+                </a:solidFill>
+                <a:effectLst/>
+                <a:latin typeface="Consolas" panose="020B0609020204030204" pitchFamily="49" charset="0"/>
+              </a:rPr>
+              <a:t>logar</a:t>
+            </a:r>
+            <a:r>
+              <a:rPr lang="pt-BR" sz="1400" b="0" dirty="0">
+                <a:solidFill>
+                  <a:srgbClr val="FF0000"/>
+                </a:solidFill>
+                <a:effectLst/>
+                <a:latin typeface="Consolas" panose="020B0609020204030204" pitchFamily="49" charset="0"/>
+              </a:rPr>
+              <a:t>'</a:t>
+            </a:r>
+            <a:r>
+              <a:rPr lang="pt-BR" sz="1400" b="0" dirty="0">
+                <a:solidFill>
+                  <a:srgbClr val="000000"/>
+                </a:solidFill>
+                <a:effectLst/>
+                <a:latin typeface="Consolas" panose="020B0609020204030204" pitchFamily="49" charset="0"/>
+              </a:rPr>
+              <a:t>, </a:t>
+            </a:r>
+            <a:r>
+              <a:rPr lang="pt-BR" sz="1400" b="0" dirty="0" err="1">
+                <a:solidFill>
+                  <a:srgbClr val="0033CC"/>
+                </a:solidFill>
+                <a:effectLst/>
+                <a:latin typeface="Consolas" panose="020B0609020204030204" pitchFamily="49" charset="0"/>
+              </a:rPr>
+              <a:t>async</a:t>
+            </a:r>
+            <a:r>
+              <a:rPr lang="pt-BR" sz="1400" b="0" dirty="0">
+                <a:solidFill>
+                  <a:srgbClr val="000000"/>
+                </a:solidFill>
+                <a:effectLst/>
+                <a:latin typeface="Consolas" panose="020B0609020204030204" pitchFamily="49" charset="0"/>
+              </a:rPr>
+              <a:t> () </a:t>
+            </a:r>
+            <a:r>
+              <a:rPr lang="pt-BR" sz="1400" b="0" dirty="0">
+                <a:solidFill>
+                  <a:srgbClr val="0033CC"/>
+                </a:solidFill>
+                <a:effectLst/>
+                <a:latin typeface="Consolas" panose="020B0609020204030204" pitchFamily="49" charset="0"/>
+              </a:rPr>
+              <a:t>=&gt;</a:t>
+            </a:r>
+            <a:r>
+              <a:rPr lang="pt-BR" sz="1400" b="0" dirty="0">
+                <a:solidFill>
+                  <a:srgbClr val="000000"/>
+                </a:solidFill>
+                <a:effectLst/>
+                <a:latin typeface="Consolas" panose="020B0609020204030204" pitchFamily="49" charset="0"/>
+              </a:rPr>
+              <a:t> {</a:t>
+            </a:r>
+          </a:p>
+          <a:p>
+            <a:r>
+              <a:rPr lang="pt-BR" sz="1400" b="0" dirty="0">
+                <a:solidFill>
+                  <a:srgbClr val="000000"/>
+                </a:solidFill>
+                <a:effectLst/>
+                <a:latin typeface="Consolas" panose="020B0609020204030204" pitchFamily="49" charset="0"/>
+              </a:rPr>
+              <a:t>    </a:t>
+            </a:r>
+            <a:r>
+              <a:rPr lang="pt-BR" sz="1400" b="0" dirty="0" err="1">
+                <a:solidFill>
+                  <a:srgbClr val="0033CC"/>
+                </a:solidFill>
+                <a:effectLst/>
+                <a:latin typeface="Consolas" panose="020B0609020204030204" pitchFamily="49" charset="0"/>
+              </a:rPr>
+              <a:t>const</a:t>
+            </a:r>
+            <a:r>
+              <a:rPr lang="pt-BR" sz="1400" b="0" dirty="0">
+                <a:solidFill>
+                  <a:srgbClr val="000000"/>
+                </a:solidFill>
+                <a:effectLst/>
+                <a:latin typeface="Consolas" panose="020B0609020204030204" pitchFamily="49" charset="0"/>
+              </a:rPr>
+              <a:t> driver = </a:t>
+            </a:r>
+            <a:r>
+              <a:rPr lang="pt-BR" sz="1400" b="0" dirty="0" err="1">
+                <a:solidFill>
+                  <a:srgbClr val="0033CC"/>
+                </a:solidFill>
+                <a:effectLst/>
+                <a:latin typeface="Consolas" panose="020B0609020204030204" pitchFamily="49" charset="0"/>
+              </a:rPr>
+              <a:t>await</a:t>
+            </a:r>
+            <a:r>
+              <a:rPr lang="pt-BR" sz="1400" b="0" dirty="0">
+                <a:solidFill>
+                  <a:srgbClr val="000000"/>
+                </a:solidFill>
+                <a:effectLst/>
+                <a:latin typeface="Consolas" panose="020B0609020204030204" pitchFamily="49" charset="0"/>
+              </a:rPr>
+              <a:t> </a:t>
+            </a:r>
+            <a:r>
+              <a:rPr lang="pt-BR" sz="1400" b="0" dirty="0">
+                <a:solidFill>
+                  <a:srgbClr val="0033CC"/>
+                </a:solidFill>
+                <a:effectLst/>
+                <a:latin typeface="Consolas" panose="020B0609020204030204" pitchFamily="49" charset="0"/>
+              </a:rPr>
+              <a:t>new</a:t>
+            </a:r>
+            <a:r>
+              <a:rPr lang="pt-BR" sz="1400" b="0" dirty="0">
+                <a:solidFill>
+                  <a:srgbClr val="000000"/>
+                </a:solidFill>
+                <a:effectLst/>
+                <a:latin typeface="Consolas" panose="020B0609020204030204" pitchFamily="49" charset="0"/>
+              </a:rPr>
+              <a:t> </a:t>
+            </a:r>
+            <a:r>
+              <a:rPr lang="pt-BR" sz="1400" b="0" dirty="0" err="1">
+                <a:solidFill>
+                  <a:srgbClr val="000000"/>
+                </a:solidFill>
+                <a:effectLst/>
+                <a:latin typeface="Consolas" panose="020B0609020204030204" pitchFamily="49" charset="0"/>
+              </a:rPr>
+              <a:t>Builder</a:t>
+            </a:r>
+            <a:r>
+              <a:rPr lang="pt-BR" sz="1400" b="0" dirty="0">
+                <a:solidFill>
+                  <a:srgbClr val="000000"/>
+                </a:solidFill>
+                <a:effectLst/>
+                <a:latin typeface="Consolas" panose="020B0609020204030204" pitchFamily="49" charset="0"/>
+              </a:rPr>
+              <a:t>().</a:t>
+            </a:r>
+            <a:r>
+              <a:rPr lang="pt-BR" sz="1400" b="0" dirty="0" err="1">
+                <a:solidFill>
+                  <a:srgbClr val="000000"/>
+                </a:solidFill>
+                <a:effectLst/>
+                <a:latin typeface="Consolas" panose="020B0609020204030204" pitchFamily="49" charset="0"/>
+              </a:rPr>
+              <a:t>forBrowser</a:t>
+            </a:r>
+            <a:r>
+              <a:rPr lang="pt-BR" sz="1400" b="0" dirty="0">
+                <a:solidFill>
+                  <a:srgbClr val="000000"/>
+                </a:solidFill>
+                <a:effectLst/>
+                <a:latin typeface="Consolas" panose="020B0609020204030204" pitchFamily="49" charset="0"/>
+              </a:rPr>
+              <a:t>(</a:t>
+            </a:r>
+            <a:r>
+              <a:rPr lang="pt-BR" sz="1400" b="0" dirty="0">
+                <a:solidFill>
+                  <a:srgbClr val="FF0000"/>
+                </a:solidFill>
+                <a:effectLst/>
+                <a:latin typeface="Consolas" panose="020B0609020204030204" pitchFamily="49" charset="0"/>
+              </a:rPr>
+              <a:t>'</a:t>
+            </a:r>
+            <a:r>
+              <a:rPr lang="pt-BR" sz="1400" b="0" dirty="0" err="1">
+                <a:solidFill>
+                  <a:srgbClr val="FF0000"/>
+                </a:solidFill>
+                <a:effectLst/>
+                <a:latin typeface="Consolas" panose="020B0609020204030204" pitchFamily="49" charset="0"/>
+              </a:rPr>
+              <a:t>chrome</a:t>
+            </a:r>
+            <a:r>
+              <a:rPr lang="pt-BR" sz="1400" b="0" dirty="0">
+                <a:solidFill>
+                  <a:srgbClr val="FF0000"/>
+                </a:solidFill>
+                <a:effectLst/>
+                <a:latin typeface="Consolas" panose="020B0609020204030204" pitchFamily="49" charset="0"/>
+              </a:rPr>
+              <a:t>'</a:t>
+            </a:r>
+            <a:r>
+              <a:rPr lang="pt-BR" sz="1400" b="0" dirty="0">
+                <a:solidFill>
+                  <a:srgbClr val="000000"/>
+                </a:solidFill>
+                <a:effectLst/>
+                <a:latin typeface="Consolas" panose="020B0609020204030204" pitchFamily="49" charset="0"/>
+              </a:rPr>
+              <a:t>).build();</a:t>
+            </a:r>
+          </a:p>
+          <a:p>
+            <a:r>
+              <a:rPr lang="pt-BR" sz="1400" b="0" dirty="0">
+                <a:solidFill>
+                  <a:srgbClr val="000000"/>
+                </a:solidFill>
+                <a:effectLst/>
+                <a:latin typeface="Consolas" panose="020B0609020204030204" pitchFamily="49" charset="0"/>
+              </a:rPr>
+              <a:t>    </a:t>
+            </a:r>
+            <a:r>
+              <a:rPr lang="pt-BR" sz="1400" b="0" dirty="0" err="1">
+                <a:solidFill>
+                  <a:srgbClr val="0033CC"/>
+                </a:solidFill>
+                <a:effectLst/>
+                <a:latin typeface="Consolas" panose="020B0609020204030204" pitchFamily="49" charset="0"/>
+              </a:rPr>
+              <a:t>await</a:t>
+            </a:r>
+            <a:r>
+              <a:rPr lang="pt-BR" sz="1400" b="0" dirty="0">
+                <a:solidFill>
+                  <a:srgbClr val="000000"/>
+                </a:solidFill>
+                <a:effectLst/>
+                <a:latin typeface="Consolas" panose="020B0609020204030204" pitchFamily="49" charset="0"/>
+              </a:rPr>
+              <a:t> </a:t>
+            </a:r>
+            <a:r>
+              <a:rPr lang="pt-BR" sz="1400" b="0" dirty="0" err="1">
+                <a:solidFill>
+                  <a:srgbClr val="000000"/>
+                </a:solidFill>
+                <a:effectLst/>
+                <a:latin typeface="Consolas" panose="020B0609020204030204" pitchFamily="49" charset="0"/>
+              </a:rPr>
+              <a:t>driver.get</a:t>
+            </a:r>
+            <a:r>
+              <a:rPr lang="pt-BR" sz="1400" b="0" dirty="0">
+                <a:solidFill>
+                  <a:srgbClr val="000000"/>
+                </a:solidFill>
+                <a:effectLst/>
+                <a:latin typeface="Consolas" panose="020B0609020204030204" pitchFamily="49" charset="0"/>
+              </a:rPr>
+              <a:t>(</a:t>
+            </a:r>
+            <a:r>
+              <a:rPr lang="pt-BR" sz="1400" b="0" dirty="0">
+                <a:solidFill>
+                  <a:srgbClr val="FF0000"/>
+                </a:solidFill>
+                <a:effectLst/>
+                <a:latin typeface="Consolas" panose="020B0609020204030204" pitchFamily="49" charset="0"/>
+              </a:rPr>
+              <a:t>'http://selenium.cwg.services</a:t>
+            </a:r>
+            <a:r>
+              <a:rPr lang="pt-BR" sz="1400" b="0" dirty="0">
+                <a:solidFill>
+                  <a:srgbClr val="000000"/>
+                </a:solidFill>
+                <a:effectLst/>
+                <a:latin typeface="Consolas" panose="020B0609020204030204" pitchFamily="49" charset="0"/>
+              </a:rPr>
+              <a:t>');</a:t>
+            </a:r>
+          </a:p>
+          <a:p>
+            <a:r>
+              <a:rPr lang="pt-BR" sz="1400" b="0" dirty="0">
+                <a:solidFill>
+                  <a:srgbClr val="000000"/>
+                </a:solidFill>
+                <a:effectLst/>
+                <a:latin typeface="Consolas" panose="020B0609020204030204" pitchFamily="49" charset="0"/>
+              </a:rPr>
+              <a:t>    </a:t>
+            </a:r>
+            <a:r>
+              <a:rPr lang="pt-BR" sz="1400" b="0" dirty="0">
+                <a:solidFill>
+                  <a:srgbClr val="00B400"/>
+                </a:solidFill>
+                <a:effectLst/>
+                <a:latin typeface="Consolas" panose="020B0609020204030204" pitchFamily="49" charset="0"/>
+              </a:rPr>
+              <a:t>//Login</a:t>
+            </a:r>
+          </a:p>
+          <a:p>
+            <a:r>
+              <a:rPr lang="pt-BR" sz="1400" b="0" dirty="0">
+                <a:solidFill>
+                  <a:srgbClr val="000000"/>
+                </a:solidFill>
+                <a:effectLst/>
+                <a:latin typeface="Consolas" panose="020B0609020204030204" pitchFamily="49" charset="0"/>
+              </a:rPr>
+              <a:t>    </a:t>
+            </a:r>
+            <a:r>
+              <a:rPr lang="pt-BR" sz="1400" b="0" dirty="0" err="1">
+                <a:solidFill>
+                  <a:srgbClr val="0033CC"/>
+                </a:solidFill>
+                <a:effectLst/>
+                <a:latin typeface="Consolas" panose="020B0609020204030204" pitchFamily="49" charset="0"/>
+              </a:rPr>
+              <a:t>await</a:t>
+            </a:r>
+            <a:r>
+              <a:rPr lang="pt-BR" sz="1400" b="0" dirty="0">
+                <a:solidFill>
+                  <a:srgbClr val="000000"/>
+                </a:solidFill>
+                <a:effectLst/>
+                <a:latin typeface="Consolas" panose="020B0609020204030204" pitchFamily="49" charset="0"/>
+              </a:rPr>
+              <a:t> </a:t>
+            </a:r>
+            <a:r>
+              <a:rPr lang="pt-BR" sz="1400" b="0" dirty="0" err="1">
+                <a:solidFill>
+                  <a:srgbClr val="000000"/>
+                </a:solidFill>
+                <a:effectLst/>
+                <a:latin typeface="Consolas" panose="020B0609020204030204" pitchFamily="49" charset="0"/>
+              </a:rPr>
+              <a:t>driver.findElement</a:t>
+            </a:r>
+            <a:r>
+              <a:rPr lang="pt-BR" sz="1400" b="0" dirty="0">
+                <a:solidFill>
+                  <a:srgbClr val="000000"/>
+                </a:solidFill>
+                <a:effectLst/>
+                <a:latin typeface="Consolas" panose="020B0609020204030204" pitchFamily="49" charset="0"/>
+              </a:rPr>
+              <a:t>(By.id(</a:t>
+            </a:r>
+            <a:r>
+              <a:rPr lang="pt-BR" sz="1400" b="0" dirty="0">
+                <a:solidFill>
+                  <a:srgbClr val="FF0000"/>
+                </a:solidFill>
+                <a:effectLst/>
+                <a:latin typeface="Consolas" panose="020B0609020204030204" pitchFamily="49" charset="0"/>
+              </a:rPr>
+              <a:t>'input-</a:t>
+            </a:r>
+            <a:r>
+              <a:rPr lang="pt-BR" sz="1400" b="0" dirty="0" err="1">
+                <a:solidFill>
+                  <a:srgbClr val="FF0000"/>
+                </a:solidFill>
+                <a:effectLst/>
+                <a:latin typeface="Consolas" panose="020B0609020204030204" pitchFamily="49" charset="0"/>
+              </a:rPr>
+              <a:t>email</a:t>
+            </a:r>
+            <a:r>
+              <a:rPr lang="pt-BR" sz="1400" b="0" dirty="0">
+                <a:solidFill>
+                  <a:srgbClr val="FF0000"/>
+                </a:solidFill>
+                <a:effectLst/>
+                <a:latin typeface="Consolas" panose="020B0609020204030204" pitchFamily="49" charset="0"/>
+              </a:rPr>
+              <a:t>'</a:t>
+            </a:r>
+            <a:r>
+              <a:rPr lang="pt-BR" sz="1400" b="0" dirty="0">
+                <a:solidFill>
+                  <a:srgbClr val="000000"/>
+                </a:solidFill>
+                <a:effectLst/>
+                <a:latin typeface="Consolas" panose="020B0609020204030204" pitchFamily="49" charset="0"/>
+              </a:rPr>
+              <a:t>)).</a:t>
+            </a:r>
+            <a:r>
+              <a:rPr lang="pt-BR" sz="1400" b="0" dirty="0" err="1">
+                <a:solidFill>
+                  <a:srgbClr val="000000"/>
+                </a:solidFill>
+                <a:effectLst/>
+                <a:latin typeface="Consolas" panose="020B0609020204030204" pitchFamily="49" charset="0"/>
+              </a:rPr>
+              <a:t>sendKeys</a:t>
+            </a:r>
+            <a:r>
+              <a:rPr lang="pt-BR" sz="1400" b="0" dirty="0">
+                <a:solidFill>
+                  <a:srgbClr val="000000"/>
+                </a:solidFill>
+                <a:effectLst/>
+                <a:latin typeface="Consolas" panose="020B0609020204030204" pitchFamily="49" charset="0"/>
+              </a:rPr>
+              <a:t>(</a:t>
+            </a:r>
+            <a:r>
+              <a:rPr lang="pt-BR" sz="1400" b="0" dirty="0">
+                <a:solidFill>
+                  <a:srgbClr val="FF0000"/>
+                </a:solidFill>
+                <a:effectLst/>
+                <a:latin typeface="Consolas" panose="020B0609020204030204" pitchFamily="49" charset="0"/>
+              </a:rPr>
+              <a:t>'teste@teste.com</a:t>
+            </a:r>
+            <a:r>
+              <a:rPr lang="pt-BR" sz="1400" b="0" dirty="0">
+                <a:solidFill>
+                  <a:srgbClr val="000000"/>
+                </a:solidFill>
+                <a:effectLst/>
+                <a:latin typeface="Consolas" panose="020B0609020204030204" pitchFamily="49" charset="0"/>
+              </a:rPr>
+              <a:t>');</a:t>
+            </a:r>
+          </a:p>
+          <a:p>
+            <a:r>
+              <a:rPr lang="pt-BR" sz="1400" b="0" dirty="0">
+                <a:solidFill>
+                  <a:srgbClr val="000000"/>
+                </a:solidFill>
+                <a:effectLst/>
+                <a:latin typeface="Consolas" panose="020B0609020204030204" pitchFamily="49" charset="0"/>
+              </a:rPr>
+              <a:t>    </a:t>
+            </a:r>
+            <a:r>
+              <a:rPr lang="pt-BR" sz="1400" b="0" dirty="0" err="1">
+                <a:solidFill>
+                  <a:srgbClr val="0033CC"/>
+                </a:solidFill>
+                <a:effectLst/>
+                <a:latin typeface="Consolas" panose="020B0609020204030204" pitchFamily="49" charset="0"/>
+              </a:rPr>
+              <a:t>await</a:t>
+            </a:r>
+            <a:r>
+              <a:rPr lang="pt-BR" sz="1400" b="0" dirty="0">
+                <a:solidFill>
+                  <a:srgbClr val="000000"/>
+                </a:solidFill>
+                <a:effectLst/>
+                <a:latin typeface="Consolas" panose="020B0609020204030204" pitchFamily="49" charset="0"/>
+              </a:rPr>
+              <a:t> </a:t>
+            </a:r>
+            <a:r>
+              <a:rPr lang="pt-BR" sz="1400" b="0" dirty="0" err="1">
+                <a:solidFill>
+                  <a:srgbClr val="000000"/>
+                </a:solidFill>
+                <a:effectLst/>
+                <a:latin typeface="Consolas" panose="020B0609020204030204" pitchFamily="49" charset="0"/>
+              </a:rPr>
+              <a:t>driver.findElement</a:t>
+            </a:r>
+            <a:r>
+              <a:rPr lang="pt-BR" sz="1400" b="0" dirty="0">
+                <a:solidFill>
+                  <a:srgbClr val="000000"/>
+                </a:solidFill>
+                <a:effectLst/>
+                <a:latin typeface="Consolas" panose="020B0609020204030204" pitchFamily="49" charset="0"/>
+              </a:rPr>
+              <a:t>(By.id(</a:t>
+            </a:r>
+            <a:r>
+              <a:rPr lang="pt-BR" sz="1400" b="0" dirty="0">
+                <a:solidFill>
+                  <a:srgbClr val="FF0000"/>
+                </a:solidFill>
+                <a:effectLst/>
+                <a:latin typeface="Consolas" panose="020B0609020204030204" pitchFamily="49" charset="0"/>
+              </a:rPr>
+              <a:t>'input-</a:t>
+            </a:r>
+            <a:r>
+              <a:rPr lang="pt-BR" sz="1400" b="0" dirty="0" err="1">
+                <a:solidFill>
+                  <a:srgbClr val="FF0000"/>
+                </a:solidFill>
+                <a:effectLst/>
+                <a:latin typeface="Consolas" panose="020B0609020204030204" pitchFamily="49" charset="0"/>
+              </a:rPr>
+              <a:t>password</a:t>
+            </a:r>
+            <a:r>
+              <a:rPr lang="pt-BR" sz="1400" b="0" dirty="0">
+                <a:solidFill>
+                  <a:srgbClr val="FF0000"/>
+                </a:solidFill>
+                <a:effectLst/>
+                <a:latin typeface="Consolas" panose="020B0609020204030204" pitchFamily="49" charset="0"/>
+              </a:rPr>
+              <a:t>'</a:t>
+            </a:r>
+            <a:r>
+              <a:rPr lang="pt-BR" sz="1400" b="0" dirty="0">
+                <a:solidFill>
+                  <a:srgbClr val="000000"/>
+                </a:solidFill>
+                <a:effectLst/>
+                <a:latin typeface="Consolas" panose="020B0609020204030204" pitchFamily="49" charset="0"/>
+              </a:rPr>
+              <a:t>)).</a:t>
+            </a:r>
+            <a:r>
+              <a:rPr lang="pt-BR" sz="1400" b="0" dirty="0" err="1">
+                <a:solidFill>
+                  <a:srgbClr val="000000"/>
+                </a:solidFill>
+                <a:effectLst/>
+                <a:latin typeface="Consolas" panose="020B0609020204030204" pitchFamily="49" charset="0"/>
+              </a:rPr>
+              <a:t>sendKeys</a:t>
+            </a:r>
+            <a:r>
+              <a:rPr lang="pt-BR" sz="1400" b="0" dirty="0">
+                <a:solidFill>
+                  <a:srgbClr val="000000"/>
+                </a:solidFill>
+                <a:effectLst/>
+                <a:latin typeface="Consolas" panose="020B0609020204030204" pitchFamily="49" charset="0"/>
+              </a:rPr>
+              <a:t>(</a:t>
+            </a:r>
+            <a:r>
+              <a:rPr lang="pt-BR" sz="1400" b="0" dirty="0">
+                <a:solidFill>
+                  <a:srgbClr val="FF0000"/>
+                </a:solidFill>
+                <a:effectLst/>
+                <a:latin typeface="Consolas" panose="020B0609020204030204" pitchFamily="49" charset="0"/>
+              </a:rPr>
+              <a:t>'1111111111'</a:t>
+            </a:r>
+            <a:r>
+              <a:rPr lang="pt-BR" sz="1400" b="0" dirty="0">
+                <a:solidFill>
+                  <a:srgbClr val="000000"/>
+                </a:solidFill>
+                <a:effectLst/>
+                <a:latin typeface="Consolas" panose="020B0609020204030204" pitchFamily="49" charset="0"/>
+              </a:rPr>
+              <a:t>);</a:t>
+            </a:r>
+          </a:p>
+          <a:p>
+            <a:r>
+              <a:rPr lang="pt-BR" sz="1400" b="0" dirty="0">
+                <a:solidFill>
+                  <a:srgbClr val="000000"/>
+                </a:solidFill>
+                <a:effectLst/>
+                <a:latin typeface="Consolas" panose="020B0609020204030204" pitchFamily="49" charset="0"/>
+              </a:rPr>
+              <a:t>    </a:t>
+            </a:r>
+            <a:r>
+              <a:rPr lang="pt-BR" sz="1400" b="0" dirty="0" err="1">
+                <a:solidFill>
+                  <a:srgbClr val="0033CC"/>
+                </a:solidFill>
+                <a:effectLst/>
+                <a:latin typeface="Consolas" panose="020B0609020204030204" pitchFamily="49" charset="0"/>
+              </a:rPr>
+              <a:t>await</a:t>
+            </a:r>
+            <a:r>
+              <a:rPr lang="pt-BR" sz="1400" b="0" dirty="0">
+                <a:solidFill>
+                  <a:srgbClr val="000000"/>
+                </a:solidFill>
+                <a:effectLst/>
+                <a:latin typeface="Consolas" panose="020B0609020204030204" pitchFamily="49" charset="0"/>
+              </a:rPr>
+              <a:t> </a:t>
+            </a:r>
+            <a:r>
+              <a:rPr lang="pt-BR" sz="1400" b="0" dirty="0" err="1">
+                <a:solidFill>
+                  <a:srgbClr val="000000"/>
+                </a:solidFill>
+                <a:effectLst/>
+                <a:latin typeface="Consolas" panose="020B0609020204030204" pitchFamily="49" charset="0"/>
+              </a:rPr>
+              <a:t>driver.findElement</a:t>
+            </a:r>
+            <a:r>
+              <a:rPr lang="pt-BR" sz="1400" b="0" dirty="0">
+                <a:solidFill>
+                  <a:srgbClr val="000000"/>
+                </a:solidFill>
+                <a:effectLst/>
+                <a:latin typeface="Consolas" panose="020B0609020204030204" pitchFamily="49" charset="0"/>
+              </a:rPr>
+              <a:t>(By.id(</a:t>
+            </a:r>
+            <a:r>
+              <a:rPr lang="pt-BR" sz="1400" b="0" dirty="0">
+                <a:solidFill>
+                  <a:srgbClr val="FF0000"/>
+                </a:solidFill>
+                <a:effectLst/>
+                <a:latin typeface="Consolas" panose="020B0609020204030204" pitchFamily="49" charset="0"/>
+              </a:rPr>
+              <a:t>'</a:t>
+            </a:r>
+            <a:r>
+              <a:rPr lang="pt-BR" sz="1400" b="0" dirty="0" err="1">
+                <a:solidFill>
+                  <a:srgbClr val="FF0000"/>
+                </a:solidFill>
+                <a:effectLst/>
+                <a:latin typeface="Consolas" panose="020B0609020204030204" pitchFamily="49" charset="0"/>
+              </a:rPr>
+              <a:t>btn</a:t>
+            </a:r>
+            <a:r>
+              <a:rPr lang="pt-BR" sz="1400" b="0" dirty="0">
+                <a:solidFill>
+                  <a:srgbClr val="FF0000"/>
+                </a:solidFill>
+                <a:effectLst/>
+                <a:latin typeface="Consolas" panose="020B0609020204030204" pitchFamily="49" charset="0"/>
+              </a:rPr>
+              <a:t>-login'</a:t>
+            </a:r>
+            <a:r>
+              <a:rPr lang="pt-BR" sz="1400" b="0" dirty="0">
+                <a:solidFill>
+                  <a:srgbClr val="000000"/>
+                </a:solidFill>
+                <a:effectLst/>
+                <a:latin typeface="Consolas" panose="020B0609020204030204" pitchFamily="49" charset="0"/>
+              </a:rPr>
+              <a:t>)).click();</a:t>
+            </a:r>
+          </a:p>
+          <a:p>
+            <a:r>
+              <a:rPr lang="pt-BR" sz="1400" b="0" dirty="0">
+                <a:solidFill>
+                  <a:srgbClr val="000000"/>
+                </a:solidFill>
+                <a:effectLst/>
+                <a:latin typeface="Consolas" panose="020B0609020204030204" pitchFamily="49" charset="0"/>
+              </a:rPr>
+              <a:t>    </a:t>
+            </a:r>
+            <a:r>
+              <a:rPr lang="pt-BR" sz="1400" b="0" dirty="0" err="1">
+                <a:solidFill>
+                  <a:srgbClr val="0033CC"/>
+                </a:solidFill>
+                <a:effectLst/>
+                <a:latin typeface="Consolas" panose="020B0609020204030204" pitchFamily="49" charset="0"/>
+              </a:rPr>
+              <a:t>try</a:t>
+            </a:r>
+            <a:r>
+              <a:rPr lang="pt-BR" sz="1400" b="0" dirty="0">
+                <a:solidFill>
+                  <a:srgbClr val="000000"/>
+                </a:solidFill>
+                <a:effectLst/>
+                <a:latin typeface="Consolas" panose="020B0609020204030204" pitchFamily="49" charset="0"/>
+              </a:rPr>
+              <a:t> {</a:t>
+            </a:r>
+          </a:p>
+          <a:p>
+            <a:r>
+              <a:rPr lang="pt-BR" sz="1400" b="0" dirty="0">
+                <a:solidFill>
+                  <a:srgbClr val="000000"/>
+                </a:solidFill>
+                <a:effectLst/>
+                <a:latin typeface="Consolas" panose="020B0609020204030204" pitchFamily="49" charset="0"/>
+              </a:rPr>
+              <a:t>      </a:t>
+            </a:r>
+            <a:r>
+              <a:rPr lang="pt-BR" sz="1400" b="0" dirty="0" err="1">
+                <a:solidFill>
+                  <a:srgbClr val="000000"/>
+                </a:solidFill>
+                <a:effectLst/>
+                <a:latin typeface="Consolas" panose="020B0609020204030204" pitchFamily="49" charset="0"/>
+              </a:rPr>
+              <a:t>const</a:t>
+            </a:r>
+            <a:r>
+              <a:rPr lang="pt-BR" sz="1400" b="0" dirty="0">
+                <a:solidFill>
+                  <a:srgbClr val="000000"/>
+                </a:solidFill>
+                <a:effectLst/>
+                <a:latin typeface="Consolas" panose="020B0609020204030204" pitchFamily="49" charset="0"/>
+              </a:rPr>
+              <a:t> </a:t>
+            </a:r>
+            <a:r>
+              <a:rPr lang="pt-BR" sz="1400" b="0" dirty="0" err="1">
+                <a:solidFill>
+                  <a:srgbClr val="000000"/>
+                </a:solidFill>
+                <a:effectLst/>
+                <a:latin typeface="Consolas" panose="020B0609020204030204" pitchFamily="49" charset="0"/>
+              </a:rPr>
+              <a:t>error</a:t>
+            </a:r>
+            <a:r>
+              <a:rPr lang="pt-BR" sz="1400" b="0" dirty="0">
+                <a:solidFill>
+                  <a:srgbClr val="000000"/>
+                </a:solidFill>
+                <a:effectLst/>
+                <a:latin typeface="Consolas" panose="020B0609020204030204" pitchFamily="49" charset="0"/>
+              </a:rPr>
+              <a:t> = </a:t>
+            </a:r>
+            <a:r>
+              <a:rPr lang="pt-BR" sz="1400" b="0" dirty="0" err="1">
+                <a:solidFill>
+                  <a:srgbClr val="0033CC"/>
+                </a:solidFill>
+                <a:effectLst/>
+                <a:latin typeface="Consolas" panose="020B0609020204030204" pitchFamily="49" charset="0"/>
+              </a:rPr>
+              <a:t>await</a:t>
+            </a:r>
+            <a:r>
+              <a:rPr lang="pt-BR" sz="1400" b="0" dirty="0">
+                <a:solidFill>
+                  <a:srgbClr val="000000"/>
+                </a:solidFill>
+                <a:effectLst/>
+                <a:latin typeface="Consolas" panose="020B0609020204030204" pitchFamily="49" charset="0"/>
+              </a:rPr>
+              <a:t> </a:t>
+            </a:r>
+            <a:r>
+              <a:rPr lang="pt-BR" sz="1400" b="0" dirty="0" err="1">
+                <a:solidFill>
+                  <a:srgbClr val="000000"/>
+                </a:solidFill>
+                <a:effectLst/>
+                <a:latin typeface="Consolas" panose="020B0609020204030204" pitchFamily="49" charset="0"/>
+              </a:rPr>
+              <a:t>driver.findElement</a:t>
+            </a:r>
+            <a:r>
+              <a:rPr lang="pt-BR" sz="1400" b="0" dirty="0">
+                <a:solidFill>
+                  <a:srgbClr val="000000"/>
+                </a:solidFill>
+                <a:effectLst/>
+                <a:latin typeface="Consolas" panose="020B0609020204030204" pitchFamily="49" charset="0"/>
+              </a:rPr>
+              <a:t>(</a:t>
+            </a:r>
+            <a:r>
+              <a:rPr lang="pt-BR" sz="1400" b="0" dirty="0" err="1">
+                <a:solidFill>
+                  <a:srgbClr val="000000"/>
+                </a:solidFill>
+                <a:effectLst/>
+                <a:latin typeface="Consolas" panose="020B0609020204030204" pitchFamily="49" charset="0"/>
+              </a:rPr>
+              <a:t>By.xpath</a:t>
+            </a:r>
+            <a:r>
+              <a:rPr lang="pt-BR" sz="1400" b="0" dirty="0">
+                <a:solidFill>
+                  <a:srgbClr val="FF0000"/>
+                </a:solidFill>
+                <a:effectLst/>
+                <a:latin typeface="Consolas" panose="020B0609020204030204" pitchFamily="49" charset="0"/>
+              </a:rPr>
+              <a:t>('//*[@id="root"]/div/div/div/div[2]/p</a:t>
+            </a:r>
+            <a:r>
+              <a:rPr lang="pt-BR" sz="1400" b="0" dirty="0">
+                <a:solidFill>
+                  <a:srgbClr val="000000"/>
+                </a:solidFill>
+                <a:effectLst/>
+                <a:latin typeface="Consolas" panose="020B0609020204030204" pitchFamily="49" charset="0"/>
+              </a:rPr>
+              <a:t>'));</a:t>
+            </a:r>
+          </a:p>
+          <a:p>
+            <a:r>
+              <a:rPr lang="pt-BR" sz="1400" b="0" dirty="0">
+                <a:solidFill>
+                  <a:srgbClr val="000000"/>
+                </a:solidFill>
+                <a:effectLst/>
+                <a:latin typeface="Consolas" panose="020B0609020204030204" pitchFamily="49" charset="0"/>
+              </a:rPr>
+              <a:t>    } </a:t>
+            </a:r>
+            <a:r>
+              <a:rPr lang="pt-BR" sz="1400" b="0" dirty="0">
+                <a:solidFill>
+                  <a:srgbClr val="0033CC"/>
+                </a:solidFill>
+                <a:effectLst/>
+                <a:latin typeface="Consolas" panose="020B0609020204030204" pitchFamily="49" charset="0"/>
+              </a:rPr>
+              <a:t>catch</a:t>
+            </a:r>
+            <a:r>
+              <a:rPr lang="pt-BR" sz="1400" b="0" dirty="0">
+                <a:solidFill>
+                  <a:srgbClr val="000000"/>
+                </a:solidFill>
+                <a:effectLst/>
+                <a:latin typeface="Consolas" panose="020B0609020204030204" pitchFamily="49" charset="0"/>
+              </a:rPr>
+              <a:t>(erro) {</a:t>
+            </a:r>
+          </a:p>
+          <a:p>
+            <a:r>
+              <a:rPr lang="pt-BR" sz="1400" b="0" dirty="0">
+                <a:solidFill>
+                  <a:srgbClr val="000000"/>
+                </a:solidFill>
+                <a:effectLst/>
+                <a:latin typeface="Consolas" panose="020B0609020204030204" pitchFamily="49" charset="0"/>
+              </a:rPr>
+              <a:t>      </a:t>
+            </a:r>
+            <a:r>
+              <a:rPr lang="pt-BR" sz="1400" b="0" dirty="0" err="1">
+                <a:solidFill>
+                  <a:srgbClr val="000000"/>
+                </a:solidFill>
+                <a:effectLst/>
+                <a:latin typeface="Consolas" panose="020B0609020204030204" pitchFamily="49" charset="0"/>
+              </a:rPr>
+              <a:t>assert.fail</a:t>
+            </a:r>
+            <a:r>
+              <a:rPr lang="pt-BR" sz="1400" b="0" dirty="0">
+                <a:solidFill>
+                  <a:srgbClr val="000000"/>
+                </a:solidFill>
+                <a:effectLst/>
+                <a:latin typeface="Consolas" panose="020B0609020204030204" pitchFamily="49" charset="0"/>
+              </a:rPr>
+              <a:t>(</a:t>
+            </a:r>
+            <a:r>
+              <a:rPr lang="pt-BR" sz="1400" b="0" dirty="0">
+                <a:solidFill>
+                  <a:srgbClr val="FF0000"/>
+                </a:solidFill>
+                <a:effectLst/>
+                <a:latin typeface="Consolas" panose="020B0609020204030204" pitchFamily="49" charset="0"/>
+              </a:rPr>
+              <a:t>'Não encontrou opção'</a:t>
+            </a:r>
+            <a:r>
+              <a:rPr lang="pt-BR" sz="1400" b="0" dirty="0">
+                <a:solidFill>
+                  <a:srgbClr val="000000"/>
+                </a:solidFill>
+                <a:effectLst/>
+                <a:latin typeface="Consolas" panose="020B0609020204030204" pitchFamily="49" charset="0"/>
+              </a:rPr>
+              <a:t>)</a:t>
+            </a:r>
+          </a:p>
+          <a:p>
+            <a:r>
+              <a:rPr lang="pt-BR" sz="1400" b="0" dirty="0">
+                <a:solidFill>
+                  <a:srgbClr val="000000"/>
+                </a:solidFill>
+                <a:effectLst/>
+                <a:latin typeface="Consolas" panose="020B0609020204030204" pitchFamily="49" charset="0"/>
+              </a:rPr>
+              <a:t>    }</a:t>
+            </a:r>
+          </a:p>
+          <a:p>
+            <a:r>
+              <a:rPr lang="pt-BR" sz="1400" b="0" dirty="0">
+                <a:solidFill>
+                  <a:srgbClr val="000000"/>
+                </a:solidFill>
+                <a:effectLst/>
+                <a:latin typeface="Consolas" panose="020B0609020204030204" pitchFamily="49" charset="0"/>
+              </a:rPr>
+              <a:t>    </a:t>
+            </a:r>
+            <a:r>
+              <a:rPr lang="pt-BR" sz="1400" b="0" dirty="0" err="1">
+                <a:solidFill>
+                  <a:srgbClr val="0033CC"/>
+                </a:solidFill>
+                <a:effectLst/>
+                <a:latin typeface="Consolas" panose="020B0609020204030204" pitchFamily="49" charset="0"/>
+              </a:rPr>
+              <a:t>await</a:t>
+            </a:r>
+            <a:r>
+              <a:rPr lang="pt-BR" sz="1400" b="0" dirty="0">
+                <a:solidFill>
+                  <a:srgbClr val="000000"/>
+                </a:solidFill>
+                <a:effectLst/>
+                <a:latin typeface="Consolas" panose="020B0609020204030204" pitchFamily="49" charset="0"/>
+              </a:rPr>
+              <a:t> </a:t>
+            </a:r>
+            <a:r>
+              <a:rPr lang="pt-BR" sz="1400" b="0" dirty="0" err="1">
+                <a:solidFill>
+                  <a:srgbClr val="000000"/>
+                </a:solidFill>
+                <a:effectLst/>
+                <a:latin typeface="Consolas" panose="020B0609020204030204" pitchFamily="49" charset="0"/>
+              </a:rPr>
+              <a:t>driver.quit</a:t>
+            </a:r>
+            <a:r>
+              <a:rPr lang="pt-BR" sz="1400" b="0" dirty="0">
+                <a:solidFill>
+                  <a:srgbClr val="000000"/>
+                </a:solidFill>
+                <a:effectLst/>
+                <a:latin typeface="Consolas" panose="020B0609020204030204" pitchFamily="49" charset="0"/>
+              </a:rPr>
+              <a:t>();</a:t>
+            </a:r>
+          </a:p>
+          <a:p>
+            <a:r>
+              <a:rPr lang="pt-BR" sz="1400" b="0" dirty="0">
+                <a:solidFill>
+                  <a:srgbClr val="000000"/>
+                </a:solidFill>
+                <a:effectLst/>
+                <a:latin typeface="Consolas" panose="020B0609020204030204" pitchFamily="49" charset="0"/>
+              </a:rPr>
+              <a:t>  })</a:t>
+            </a:r>
+          </a:p>
+          <a:p>
+            <a:r>
+              <a:rPr lang="pt-BR" sz="1400" b="0" dirty="0">
+                <a:solidFill>
+                  <a:srgbClr val="000000"/>
+                </a:solidFill>
+                <a:effectLst/>
+                <a:latin typeface="Consolas" panose="020B0609020204030204" pitchFamily="49" charset="0"/>
+              </a:rPr>
+              <a:t>})</a:t>
+            </a:r>
+          </a:p>
+        </p:txBody>
+      </p:sp>
+    </p:spTree>
+    <p:extLst>
+      <p:ext uri="{BB962C8B-B14F-4D97-AF65-F5344CB8AC3E}">
+        <p14:creationId xmlns:p14="http://schemas.microsoft.com/office/powerpoint/2010/main" val="656736255"/>
+      </p:ext>
+    </p:extLst>
+  </p:cSld>
+  <p:clrMapOvr>
+    <a:masterClrMapping/>
+  </p:clrMapOvr>
+  <p:timing>
+    <p:tnLst>
+      <p:par>
+        <p:cTn id="1" dur="indefinite" restart="never" nodeType="tmRoot">
+          <p:childTnLst>
+            <p:seq concurrent="1" nextAc="seek">
+              <p:cTn id="2" dur="indefinite" nodeType="mainSeq">
+                <p:childTnLst>
+                  <p:par>
+                    <p:cTn id="3" fill="hold">
+                      <p:stCondLst>
+                        <p:cond delay="indefinite"/>
+                      </p:stCondLst>
+                      <p:childTnLst>
+                        <p:par>
+                          <p:cTn id="4" fill="hold">
+                            <p:stCondLst>
+                              <p:cond delay="0"/>
+                            </p:stCondLst>
+                            <p:childTnLst>
+                              <p:par>
+                                <p:cTn id="5" presetID="10" presetClass="entr" presetSubtype="0" fill="hold" grpId="0" nodeType="clickEffect">
+                                  <p:stCondLst>
+                                    <p:cond delay="0"/>
+                                  </p:stCondLst>
+                                  <p:childTnLst>
+                                    <p:set>
+                                      <p:cBhvr>
+                                        <p:cTn id="6" dur="1" fill="hold">
+                                          <p:stCondLst>
+                                            <p:cond delay="0"/>
+                                          </p:stCondLst>
+                                        </p:cTn>
+                                        <p:tgtEl>
+                                          <p:spTgt spid="6"/>
+                                        </p:tgtEl>
+                                        <p:attrNameLst>
+                                          <p:attrName>style.visibility</p:attrName>
+                                        </p:attrNameLst>
+                                      </p:cBhvr>
+                                      <p:to>
+                                        <p:strVal val="visible"/>
+                                      </p:to>
+                                    </p:set>
+                                    <p:animEffect transition="in" filter="fade">
+                                      <p:cBhvr>
+                                        <p:cTn id="7" dur="500"/>
+                                        <p:tgtEl>
+                                          <p:spTgt spid="6"/>
+                                        </p:tgtEl>
+                                      </p:cBhvr>
+                                    </p:animEffect>
+                                  </p:childTnLst>
+                                </p:cTn>
+                              </p:par>
+                            </p:childTnLst>
+                          </p:cTn>
+                        </p:par>
+                      </p:childTnLst>
+                    </p:cTn>
+                  </p:par>
+                </p:childTnLst>
+              </p:cTn>
+              <p:prevCondLst>
+                <p:cond evt="onPrev" delay="0">
+                  <p:tgtEl>
+                    <p:sldTgt/>
+                  </p:tgtEl>
+                </p:cond>
+              </p:prevCondLst>
+              <p:nextCondLst>
+                <p:cond evt="onNext" delay="0">
+                  <p:tgtEl>
+                    <p:sldTgt/>
+                  </p:tgtEl>
+                </p:cond>
+              </p:nextCondLst>
+            </p:seq>
+          </p:childTnLst>
+        </p:cTn>
+      </p:par>
+    </p:tnLst>
+    <p:bldLst>
+      <p:bldP spid="6" grpId="0" animBg="1"/>
+    </p:bldLst>
   </p:timing>
 </p:sld>
 </file>

--- a/Teste - Selenium e Mocha.pptx
+++ b/Teste - Selenium e Mocha.pptx
@@ -5,7 +5,7 @@
     <p:sldMasterId id="2147483708" r:id="rId1"/>
   </p:sldMasterIdLst>
   <p:notesMasterIdLst>
-    <p:notesMasterId r:id="rId35"/>
+    <p:notesMasterId r:id="rId37"/>
   </p:notesMasterIdLst>
   <p:sldIdLst>
     <p:sldId id="256" r:id="rId2"/>
@@ -41,6 +41,8 @@
     <p:sldId id="363" r:id="rId32"/>
     <p:sldId id="365" r:id="rId33"/>
     <p:sldId id="366" r:id="rId34"/>
+    <p:sldId id="367" r:id="rId35"/>
+    <p:sldId id="368" r:id="rId36"/>
   </p:sldIdLst>
   <p:sldSz cx="12192000" cy="6858000"/>
   <p:notesSz cx="6858000" cy="9144000"/>
@@ -240,7 +242,7 @@
           <a:p>
             <a:fld id="{226D3656-EA78-4A3D-A35D-27369261C465}" type="datetimeFigureOut">
               <a:rPr lang="pt-BR" smtClean="0"/>
-              <a:t>25/10/2021</a:t>
+              <a:t>01/11/2021</a:t>
             </a:fld>
             <a:endParaRPr lang="pt-BR"/>
           </a:p>
@@ -1249,7 +1251,7 @@
           <a:p>
             <a:fld id="{2E700DB3-DBF0-4086-B675-117E7A9610B8}" type="datetimeFigureOut">
               <a:rPr lang="pt-BR" smtClean="0"/>
-              <a:t>25/10/2021</a:t>
+              <a:t>01/11/2021</a:t>
             </a:fld>
             <a:endParaRPr lang="pt-BR"/>
           </a:p>
@@ -1432,7 +1434,7 @@
           <a:p>
             <a:fld id="{2E700DB3-DBF0-4086-B675-117E7A9610B8}" type="datetimeFigureOut">
               <a:rPr lang="pt-BR" smtClean="0"/>
-              <a:t>25/10/2021</a:t>
+              <a:t>01/11/2021</a:t>
             </a:fld>
             <a:endParaRPr lang="pt-BR"/>
           </a:p>
@@ -1607,7 +1609,7 @@
           <a:p>
             <a:fld id="{2E700DB3-DBF0-4086-B675-117E7A9610B8}" type="datetimeFigureOut">
               <a:rPr lang="pt-BR" smtClean="0"/>
-              <a:t>25/10/2021</a:t>
+              <a:t>01/11/2021</a:t>
             </a:fld>
             <a:endParaRPr lang="pt-BR"/>
           </a:p>
@@ -1772,7 +1774,7 @@
           <a:p>
             <a:fld id="{2E700DB3-DBF0-4086-B675-117E7A9610B8}" type="datetimeFigureOut">
               <a:rPr lang="pt-BR" smtClean="0"/>
-              <a:t>25/10/2021</a:t>
+              <a:t>01/11/2021</a:t>
             </a:fld>
             <a:endParaRPr lang="pt-BR"/>
           </a:p>
@@ -1993,7 +1995,7 @@
           <a:p>
             <a:fld id="{2E700DB3-DBF0-4086-B675-117E7A9610B8}" type="datetimeFigureOut">
               <a:rPr lang="pt-BR" smtClean="0"/>
-              <a:t>25/10/2021</a:t>
+              <a:t>01/11/2021</a:t>
             </a:fld>
             <a:endParaRPr lang="pt-BR"/>
           </a:p>
@@ -2252,7 +2254,7 @@
           <a:p>
             <a:fld id="{2E700DB3-DBF0-4086-B675-117E7A9610B8}" type="datetimeFigureOut">
               <a:rPr lang="pt-BR" smtClean="0"/>
-              <a:t>25/10/2021</a:t>
+              <a:t>01/11/2021</a:t>
             </a:fld>
             <a:endParaRPr lang="pt-BR"/>
           </a:p>
@@ -2656,7 +2658,7 @@
           <a:p>
             <a:fld id="{2E700DB3-DBF0-4086-B675-117E7A9610B8}" type="datetimeFigureOut">
               <a:rPr lang="pt-BR" smtClean="0"/>
-              <a:t>25/10/2021</a:t>
+              <a:t>01/11/2021</a:t>
             </a:fld>
             <a:endParaRPr lang="pt-BR"/>
           </a:p>
@@ -2787,7 +2789,7 @@
           <a:p>
             <a:fld id="{2E700DB3-DBF0-4086-B675-117E7A9610B8}" type="datetimeFigureOut">
               <a:rPr lang="pt-BR" smtClean="0"/>
-              <a:t>25/10/2021</a:t>
+              <a:t>01/11/2021</a:t>
             </a:fld>
             <a:endParaRPr lang="pt-BR"/>
           </a:p>
@@ -2887,7 +2889,7 @@
           <a:p>
             <a:fld id="{2E700DB3-DBF0-4086-B675-117E7A9610B8}" type="datetimeFigureOut">
               <a:rPr lang="pt-BR" smtClean="0"/>
-              <a:t>25/10/2021</a:t>
+              <a:t>01/11/2021</a:t>
             </a:fld>
             <a:endParaRPr lang="pt-BR"/>
           </a:p>
@@ -3132,7 +3134,7 @@
           <a:p>
             <a:fld id="{2E700DB3-DBF0-4086-B675-117E7A9610B8}" type="datetimeFigureOut">
               <a:rPr lang="pt-BR" smtClean="0"/>
-              <a:t>25/10/2021</a:t>
+              <a:t>01/11/2021</a:t>
             </a:fld>
             <a:endParaRPr lang="pt-BR"/>
           </a:p>
@@ -3376,7 +3378,7 @@
           <a:p>
             <a:fld id="{2E700DB3-DBF0-4086-B675-117E7A9610B8}" type="datetimeFigureOut">
               <a:rPr lang="pt-BR" smtClean="0"/>
-              <a:t>25/10/2021</a:t>
+              <a:t>01/11/2021</a:t>
             </a:fld>
             <a:endParaRPr lang="pt-BR"/>
           </a:p>
@@ -4200,7 +4202,7 @@
           <a:p>
             <a:fld id="{2E700DB3-DBF0-4086-B675-117E7A9610B8}" type="datetimeFigureOut">
               <a:rPr lang="pt-BR" smtClean="0"/>
-              <a:t>25/10/2021</a:t>
+              <a:t>01/11/2021</a:t>
             </a:fld>
             <a:endParaRPr lang="pt-BR"/>
           </a:p>
@@ -25737,6 +25739,1479 @@
 </p:sld>
 </file>
 
+<file path=ppt/slides/slide34.xml><?xml version="1.0" encoding="utf-8"?>
+<p:sld xmlns:a="http://schemas.openxmlformats.org/drawingml/2006/main" xmlns:r="http://schemas.openxmlformats.org/officeDocument/2006/relationships" xmlns:p="http://schemas.openxmlformats.org/presentationml/2006/main">
+  <p:cSld>
+    <p:spTree>
+      <p:nvGrpSpPr>
+        <p:cNvPr id="1" name=""/>
+        <p:cNvGrpSpPr/>
+        <p:nvPr/>
+      </p:nvGrpSpPr>
+      <p:grpSpPr>
+        <a:xfrm>
+          <a:off x="0" y="0"/>
+          <a:ext cx="0" cy="0"/>
+          <a:chOff x="0" y="0"/>
+          <a:chExt cx="0" cy="0"/>
+        </a:xfrm>
+      </p:grpSpPr>
+      <p:sp>
+        <p:nvSpPr>
+          <p:cNvPr id="2" name="Título 1"/>
+          <p:cNvSpPr>
+            <a:spLocks noGrp="1"/>
+          </p:cNvSpPr>
+          <p:nvPr>
+            <p:ph type="title"/>
+          </p:nvPr>
+        </p:nvSpPr>
+        <p:spPr>
+          <a:xfrm>
+            <a:off x="1981200" y="1143000"/>
+            <a:ext cx="8229600" cy="5022304"/>
+          </a:xfrm>
+        </p:spPr>
+        <p:txBody>
+          <a:bodyPr>
+            <a:normAutofit/>
+          </a:bodyPr>
+          <a:lstStyle/>
+          <a:p>
+            <a:pPr algn="ctr"/>
+            <a:r>
+              <a:rPr lang="pt-BR" sz="6000" dirty="0"/>
+              <a:t>Bolsa do </a:t>
+            </a:r>
+            <a:r>
+              <a:rPr lang="pt-BR" sz="6000" dirty="0" err="1"/>
+              <a:t>Nanodegree</a:t>
+            </a:r>
+            <a:endParaRPr lang="pt-BR" sz="6000" dirty="0"/>
+          </a:p>
+        </p:txBody>
+      </p:sp>
+    </p:spTree>
+    <p:extLst>
+      <p:ext uri="{BB962C8B-B14F-4D97-AF65-F5344CB8AC3E}">
+        <p14:creationId xmlns:p14="http://schemas.microsoft.com/office/powerpoint/2010/main" val="3893095193"/>
+      </p:ext>
+    </p:extLst>
+  </p:cSld>
+  <p:clrMapOvr>
+    <a:masterClrMapping/>
+  </p:clrMapOvr>
+</p:sld>
+</file>
+
+<file path=ppt/slides/slide35.xml><?xml version="1.0" encoding="utf-8"?>
+<p:sld xmlns:a="http://schemas.openxmlformats.org/drawingml/2006/main" xmlns:r="http://schemas.openxmlformats.org/officeDocument/2006/relationships" xmlns:p="http://schemas.openxmlformats.org/presentationml/2006/main">
+  <p:cSld>
+    <p:spTree>
+      <p:nvGrpSpPr>
+        <p:cNvPr id="1" name=""/>
+        <p:cNvGrpSpPr/>
+        <p:nvPr/>
+      </p:nvGrpSpPr>
+      <p:grpSpPr>
+        <a:xfrm>
+          <a:off x="0" y="0"/>
+          <a:ext cx="0" cy="0"/>
+          <a:chOff x="0" y="0"/>
+          <a:chExt cx="0" cy="0"/>
+        </a:xfrm>
+      </p:grpSpPr>
+      <p:sp>
+        <p:nvSpPr>
+          <p:cNvPr id="2" name="Título 1"/>
+          <p:cNvSpPr>
+            <a:spLocks noGrp="1"/>
+          </p:cNvSpPr>
+          <p:nvPr>
+            <p:ph type="title"/>
+          </p:nvPr>
+        </p:nvSpPr>
+        <p:spPr/>
+        <p:txBody>
+          <a:bodyPr>
+            <a:normAutofit/>
+          </a:bodyPr>
+          <a:lstStyle/>
+          <a:p>
+            <a:r>
+              <a:rPr lang="pt-BR" dirty="0"/>
+              <a:t>Bolsa - Desafio</a:t>
+            </a:r>
+          </a:p>
+        </p:txBody>
+      </p:sp>
+      <p:sp>
+        <p:nvSpPr>
+          <p:cNvPr id="12" name="Espaço Reservado para Conteúdo 2">
+            <a:extLst>
+              <a:ext uri="{FF2B5EF4-FFF2-40B4-BE49-F238E27FC236}">
+                <a16:creationId xmlns:a16="http://schemas.microsoft.com/office/drawing/2014/main" id="{41F898C3-1FE6-48FD-A402-B6B6CA7FD321}"/>
+              </a:ext>
+            </a:extLst>
+          </p:cNvPr>
+          <p:cNvSpPr txBox="1">
+            <a:spLocks/>
+          </p:cNvSpPr>
+          <p:nvPr/>
+        </p:nvSpPr>
+        <p:spPr>
+          <a:xfrm>
+            <a:off x="609601" y="2123320"/>
+            <a:ext cx="10972799" cy="3691203"/>
+          </a:xfrm>
+          <a:prstGeom prst="rect">
+            <a:avLst/>
+          </a:prstGeom>
+        </p:spPr>
+        <p:txBody>
+          <a:bodyPr vert="horz">
+            <a:normAutofit/>
+          </a:bodyPr>
+          <a:lstStyle>
+            <a:lvl1pPr marL="365760" indent="-256032" algn="l" rtl="0" eaLnBrk="1" latinLnBrk="0" hangingPunct="1">
+              <a:spcBef>
+                <a:spcPts val="300"/>
+              </a:spcBef>
+              <a:buClr>
+                <a:schemeClr val="accent3"/>
+              </a:buClr>
+              <a:buFont typeface="Georgia"/>
+              <a:buChar char="•"/>
+              <a:defRPr kumimoji="0" sz="2800" kern="1200">
+                <a:solidFill>
+                  <a:schemeClr val="tx1"/>
+                </a:solidFill>
+                <a:latin typeface="+mn-lt"/>
+                <a:ea typeface="+mn-ea"/>
+                <a:cs typeface="+mn-cs"/>
+              </a:defRPr>
+            </a:lvl1pPr>
+            <a:lvl2pPr marL="658368" indent="-246888" algn="l" rtl="0" eaLnBrk="1" latinLnBrk="0" hangingPunct="1">
+              <a:spcBef>
+                <a:spcPts val="300"/>
+              </a:spcBef>
+              <a:buClr>
+                <a:schemeClr val="accent2"/>
+              </a:buClr>
+              <a:buFont typeface="Georgia"/>
+              <a:buChar char="▫"/>
+              <a:defRPr kumimoji="0" sz="2600" kern="1200">
+                <a:solidFill>
+                  <a:schemeClr val="accent2"/>
+                </a:solidFill>
+                <a:latin typeface="+mn-lt"/>
+                <a:ea typeface="+mn-ea"/>
+                <a:cs typeface="+mn-cs"/>
+              </a:defRPr>
+            </a:lvl2pPr>
+            <a:lvl3pPr marL="923544" indent="-219456" algn="l" rtl="0" eaLnBrk="1" latinLnBrk="0" hangingPunct="1">
+              <a:spcBef>
+                <a:spcPts val="300"/>
+              </a:spcBef>
+              <a:buClr>
+                <a:schemeClr val="accent1"/>
+              </a:buClr>
+              <a:buFont typeface="Wingdings 2"/>
+              <a:buChar char=""/>
+              <a:defRPr kumimoji="0" sz="2400" kern="1200">
+                <a:solidFill>
+                  <a:schemeClr val="accent1"/>
+                </a:solidFill>
+                <a:latin typeface="+mn-lt"/>
+                <a:ea typeface="+mn-ea"/>
+                <a:cs typeface="+mn-cs"/>
+              </a:defRPr>
+            </a:lvl3pPr>
+            <a:lvl4pPr marL="1179576" indent="-201168" algn="l" rtl="0" eaLnBrk="1" latinLnBrk="0" hangingPunct="1">
+              <a:spcBef>
+                <a:spcPts val="300"/>
+              </a:spcBef>
+              <a:buClr>
+                <a:schemeClr val="accent1"/>
+              </a:buClr>
+              <a:buFont typeface="Wingdings 2"/>
+              <a:buChar char=""/>
+              <a:defRPr kumimoji="0" sz="2200" kern="1200">
+                <a:solidFill>
+                  <a:schemeClr val="accent1"/>
+                </a:solidFill>
+                <a:latin typeface="+mn-lt"/>
+                <a:ea typeface="+mn-ea"/>
+                <a:cs typeface="+mn-cs"/>
+              </a:defRPr>
+            </a:lvl4pPr>
+            <a:lvl5pPr marL="1389888" indent="-182880" algn="l" rtl="0" eaLnBrk="1" latinLnBrk="0" hangingPunct="1">
+              <a:spcBef>
+                <a:spcPts val="300"/>
+              </a:spcBef>
+              <a:buClr>
+                <a:schemeClr val="accent3"/>
+              </a:buClr>
+              <a:buFont typeface="Georgia"/>
+              <a:buChar char="▫"/>
+              <a:defRPr kumimoji="0" sz="2000" kern="1200">
+                <a:solidFill>
+                  <a:schemeClr val="accent3"/>
+                </a:solidFill>
+                <a:latin typeface="+mn-lt"/>
+                <a:ea typeface="+mn-ea"/>
+                <a:cs typeface="+mn-cs"/>
+              </a:defRPr>
+            </a:lvl5pPr>
+            <a:lvl6pPr marL="1609344" indent="-182880" algn="l" rtl="0" eaLnBrk="1" latinLnBrk="0" hangingPunct="1">
+              <a:spcBef>
+                <a:spcPts val="300"/>
+              </a:spcBef>
+              <a:buClr>
+                <a:schemeClr val="accent3"/>
+              </a:buClr>
+              <a:buFont typeface="Georgia"/>
+              <a:buChar char="▫"/>
+              <a:defRPr kumimoji="0" sz="1800" kern="1200">
+                <a:solidFill>
+                  <a:schemeClr val="accent3"/>
+                </a:solidFill>
+                <a:latin typeface="+mn-lt"/>
+                <a:ea typeface="+mn-ea"/>
+                <a:cs typeface="+mn-cs"/>
+              </a:defRPr>
+            </a:lvl6pPr>
+            <a:lvl7pPr marL="1828800" indent="-182880" algn="l" rtl="0" eaLnBrk="1" latinLnBrk="0" hangingPunct="1">
+              <a:spcBef>
+                <a:spcPts val="300"/>
+              </a:spcBef>
+              <a:buClr>
+                <a:schemeClr val="accent3"/>
+              </a:buClr>
+              <a:buFont typeface="Georgia"/>
+              <a:buChar char="▫"/>
+              <a:defRPr kumimoji="0" sz="1600" kern="1200">
+                <a:solidFill>
+                  <a:schemeClr val="accent3"/>
+                </a:solidFill>
+                <a:latin typeface="+mn-lt"/>
+                <a:ea typeface="+mn-ea"/>
+                <a:cs typeface="+mn-cs"/>
+              </a:defRPr>
+            </a:lvl7pPr>
+            <a:lvl8pPr marL="2029968" indent="-182880" algn="l" rtl="0" eaLnBrk="1" latinLnBrk="0" hangingPunct="1">
+              <a:spcBef>
+                <a:spcPts val="300"/>
+              </a:spcBef>
+              <a:buClr>
+                <a:schemeClr val="accent3"/>
+              </a:buClr>
+              <a:buFont typeface="Georgia"/>
+              <a:buChar char="◦"/>
+              <a:defRPr kumimoji="0" sz="1500" kern="1200">
+                <a:solidFill>
+                  <a:schemeClr val="accent3"/>
+                </a:solidFill>
+                <a:latin typeface="+mn-lt"/>
+                <a:ea typeface="+mn-ea"/>
+                <a:cs typeface="+mn-cs"/>
+              </a:defRPr>
+            </a:lvl8pPr>
+            <a:lvl9pPr marL="2240280" indent="-182880" algn="l" rtl="0" eaLnBrk="1" latinLnBrk="0" hangingPunct="1">
+              <a:spcBef>
+                <a:spcPts val="300"/>
+              </a:spcBef>
+              <a:buClr>
+                <a:schemeClr val="accent3"/>
+              </a:buClr>
+              <a:buFont typeface="Georgia"/>
+              <a:buChar char="◦"/>
+              <a:defRPr kumimoji="0" sz="1400" kern="1200" baseline="0">
+                <a:solidFill>
+                  <a:schemeClr val="accent3"/>
+                </a:solidFill>
+                <a:latin typeface="+mn-lt"/>
+                <a:ea typeface="+mn-ea"/>
+                <a:cs typeface="+mn-cs"/>
+              </a:defRPr>
+            </a:lvl9pPr>
+          </a:lstStyle>
+          <a:p>
+            <a:pPr algn="just"/>
+            <a:r>
+              <a:rPr lang="pt-BR" sz="1600" dirty="0"/>
+              <a:t>Enviar meu E-mail para </a:t>
+            </a:r>
+            <a:r>
+              <a:rPr lang="pt-BR" sz="1600" dirty="0">
+                <a:hlinkClick r:id="rId2"/>
+              </a:rPr>
+              <a:t>carloswgama@gmail.com</a:t>
+            </a:r>
+            <a:r>
+              <a:rPr lang="pt-BR" sz="1600" dirty="0"/>
+              <a:t> até </a:t>
+            </a:r>
+            <a:r>
+              <a:rPr lang="pt-BR" sz="1600" u="sng" dirty="0"/>
+              <a:t>05/11 (Sexta)</a:t>
+            </a:r>
+            <a:r>
+              <a:rPr lang="pt-BR" sz="1600" dirty="0"/>
+              <a:t>: </a:t>
+            </a:r>
+          </a:p>
+          <a:p>
+            <a:pPr lvl="1" algn="just"/>
+            <a:r>
+              <a:rPr lang="pt-BR" sz="1600" dirty="0"/>
+              <a:t>Assunto: BOLSA – NANODEGREE – OVERSTACK</a:t>
+            </a:r>
+          </a:p>
+          <a:p>
+            <a:pPr lvl="1" algn="just"/>
+            <a:r>
+              <a:rPr lang="pt-BR" sz="1600" dirty="0"/>
+              <a:t>Corpo: </a:t>
+            </a:r>
+          </a:p>
+          <a:p>
+            <a:pPr lvl="2" algn="just"/>
+            <a:r>
+              <a:rPr lang="pt-BR" sz="1600" dirty="0"/>
+              <a:t>Seu nome completo</a:t>
+            </a:r>
+          </a:p>
+          <a:p>
+            <a:pPr lvl="2" algn="just"/>
+            <a:r>
+              <a:rPr lang="pt-BR" sz="1600" dirty="0"/>
+              <a:t>Projeto no </a:t>
+            </a:r>
+            <a:r>
+              <a:rPr lang="pt-BR" sz="1600" dirty="0" err="1"/>
+              <a:t>Github</a:t>
+            </a:r>
+            <a:r>
+              <a:rPr lang="pt-BR" sz="1600" dirty="0"/>
+              <a:t> (de forma pública) contendo:</a:t>
+            </a:r>
+          </a:p>
+          <a:p>
+            <a:pPr lvl="3" algn="just"/>
+            <a:r>
+              <a:rPr lang="pt-BR" sz="1600" dirty="0"/>
+              <a:t>Validação do Login</a:t>
+            </a:r>
+          </a:p>
+          <a:p>
+            <a:pPr lvl="3" algn="just"/>
+            <a:r>
+              <a:rPr lang="pt-BR" sz="1600" dirty="0"/>
+              <a:t>Validação da Busca</a:t>
+            </a:r>
+          </a:p>
+          <a:p>
+            <a:pPr lvl="3" algn="just"/>
+            <a:r>
+              <a:rPr lang="pt-BR" sz="1600" dirty="0"/>
+              <a:t>Validação se o produto foi adicionado no carrinho de compras</a:t>
+            </a:r>
+          </a:p>
+          <a:p>
+            <a:pPr lvl="3" algn="just"/>
+            <a:endParaRPr lang="pt-BR" sz="1600" dirty="0"/>
+          </a:p>
+          <a:p>
+            <a:pPr algn="just"/>
+            <a:r>
+              <a:rPr lang="pt-BR" sz="1600" dirty="0"/>
+              <a:t>Para o desenvolvimento podem baixar o projeto com o comando abaixo:</a:t>
+            </a:r>
+          </a:p>
+          <a:p>
+            <a:pPr algn="just"/>
+            <a:endParaRPr lang="pt-BR" sz="1600" u="sng" dirty="0"/>
+          </a:p>
+          <a:p>
+            <a:pPr marL="109728" indent="0" algn="just">
+              <a:buFont typeface="Georgia"/>
+              <a:buNone/>
+            </a:pPr>
+            <a:endParaRPr lang="pt-BR" sz="1800" dirty="0"/>
+          </a:p>
+        </p:txBody>
+      </p:sp>
+      <p:sp>
+        <p:nvSpPr>
+          <p:cNvPr id="7" name="CaixaDeTexto 6">
+            <a:extLst>
+              <a:ext uri="{FF2B5EF4-FFF2-40B4-BE49-F238E27FC236}">
+                <a16:creationId xmlns:a16="http://schemas.microsoft.com/office/drawing/2014/main" id="{7BA75891-0F88-4368-ABBD-664F5B5E1070}"/>
+              </a:ext>
+            </a:extLst>
+          </p:cNvPr>
+          <p:cNvSpPr txBox="1"/>
+          <p:nvPr/>
+        </p:nvSpPr>
+        <p:spPr>
+          <a:xfrm>
+            <a:off x="8760296" y="764704"/>
+            <a:ext cx="1656184" cy="1200329"/>
+          </a:xfrm>
+          <a:custGeom>
+            <a:avLst/>
+            <a:gdLst>
+              <a:gd name="connsiteX0" fmla="*/ 0 w 1656184"/>
+              <a:gd name="connsiteY0" fmla="*/ 0 h 1200329"/>
+              <a:gd name="connsiteX1" fmla="*/ 568623 w 1656184"/>
+              <a:gd name="connsiteY1" fmla="*/ 0 h 1200329"/>
+              <a:gd name="connsiteX2" fmla="*/ 1070999 w 1656184"/>
+              <a:gd name="connsiteY2" fmla="*/ 0 h 1200329"/>
+              <a:gd name="connsiteX3" fmla="*/ 1656184 w 1656184"/>
+              <a:gd name="connsiteY3" fmla="*/ 0 h 1200329"/>
+              <a:gd name="connsiteX4" fmla="*/ 1656184 w 1656184"/>
+              <a:gd name="connsiteY4" fmla="*/ 388106 h 1200329"/>
+              <a:gd name="connsiteX5" fmla="*/ 1656184 w 1656184"/>
+              <a:gd name="connsiteY5" fmla="*/ 800219 h 1200329"/>
+              <a:gd name="connsiteX6" fmla="*/ 1656184 w 1656184"/>
+              <a:gd name="connsiteY6" fmla="*/ 1200329 h 1200329"/>
+              <a:gd name="connsiteX7" fmla="*/ 1120685 w 1656184"/>
+              <a:gd name="connsiteY7" fmla="*/ 1200329 h 1200329"/>
+              <a:gd name="connsiteX8" fmla="*/ 601747 w 1656184"/>
+              <a:gd name="connsiteY8" fmla="*/ 1200329 h 1200329"/>
+              <a:gd name="connsiteX9" fmla="*/ 0 w 1656184"/>
+              <a:gd name="connsiteY9" fmla="*/ 1200329 h 1200329"/>
+              <a:gd name="connsiteX10" fmla="*/ 0 w 1656184"/>
+              <a:gd name="connsiteY10" fmla="*/ 776213 h 1200329"/>
+              <a:gd name="connsiteX11" fmla="*/ 0 w 1656184"/>
+              <a:gd name="connsiteY11" fmla="*/ 376103 h 1200329"/>
+              <a:gd name="connsiteX12" fmla="*/ 0 w 1656184"/>
+              <a:gd name="connsiteY12" fmla="*/ 0 h 1200329"/>
+            </a:gdLst>
+            <a:ahLst/>
+            <a:cxnLst>
+              <a:cxn ang="0">
+                <a:pos x="connsiteX0" y="connsiteY0"/>
+              </a:cxn>
+              <a:cxn ang="0">
+                <a:pos x="connsiteX1" y="connsiteY1"/>
+              </a:cxn>
+              <a:cxn ang="0">
+                <a:pos x="connsiteX2" y="connsiteY2"/>
+              </a:cxn>
+              <a:cxn ang="0">
+                <a:pos x="connsiteX3" y="connsiteY3"/>
+              </a:cxn>
+              <a:cxn ang="0">
+                <a:pos x="connsiteX4" y="connsiteY4"/>
+              </a:cxn>
+              <a:cxn ang="0">
+                <a:pos x="connsiteX5" y="connsiteY5"/>
+              </a:cxn>
+              <a:cxn ang="0">
+                <a:pos x="connsiteX6" y="connsiteY6"/>
+              </a:cxn>
+              <a:cxn ang="0">
+                <a:pos x="connsiteX7" y="connsiteY7"/>
+              </a:cxn>
+              <a:cxn ang="0">
+                <a:pos x="connsiteX8" y="connsiteY8"/>
+              </a:cxn>
+              <a:cxn ang="0">
+                <a:pos x="connsiteX9" y="connsiteY9"/>
+              </a:cxn>
+              <a:cxn ang="0">
+                <a:pos x="connsiteX10" y="connsiteY10"/>
+              </a:cxn>
+              <a:cxn ang="0">
+                <a:pos x="connsiteX11" y="connsiteY11"/>
+              </a:cxn>
+              <a:cxn ang="0">
+                <a:pos x="connsiteX12" y="connsiteY12"/>
+              </a:cxn>
+            </a:cxnLst>
+            <a:rect l="l" t="t" r="r" b="b"/>
+            <a:pathLst>
+              <a:path w="1656184" h="1200329" fill="none" extrusionOk="0">
+                <a:moveTo>
+                  <a:pt x="0" y="0"/>
+                </a:moveTo>
+                <a:cubicBezTo>
+                  <a:pt x="204108" y="-42692"/>
+                  <a:pt x="372117" y="29338"/>
+                  <a:pt x="568623" y="0"/>
+                </a:cubicBezTo>
+                <a:cubicBezTo>
+                  <a:pt x="765129" y="-29338"/>
+                  <a:pt x="872879" y="59844"/>
+                  <a:pt x="1070999" y="0"/>
+                </a:cubicBezTo>
+                <a:cubicBezTo>
+                  <a:pt x="1269119" y="-59844"/>
+                  <a:pt x="1426816" y="6826"/>
+                  <a:pt x="1656184" y="0"/>
+                </a:cubicBezTo>
+                <a:cubicBezTo>
+                  <a:pt x="1691927" y="168523"/>
+                  <a:pt x="1651062" y="283407"/>
+                  <a:pt x="1656184" y="388106"/>
+                </a:cubicBezTo>
+                <a:cubicBezTo>
+                  <a:pt x="1661306" y="492805"/>
+                  <a:pt x="1642159" y="655020"/>
+                  <a:pt x="1656184" y="800219"/>
+                </a:cubicBezTo>
+                <a:cubicBezTo>
+                  <a:pt x="1670209" y="945418"/>
+                  <a:pt x="1617004" y="1054012"/>
+                  <a:pt x="1656184" y="1200329"/>
+                </a:cubicBezTo>
+                <a:cubicBezTo>
+                  <a:pt x="1523250" y="1203821"/>
+                  <a:pt x="1324248" y="1186787"/>
+                  <a:pt x="1120685" y="1200329"/>
+                </a:cubicBezTo>
+                <a:cubicBezTo>
+                  <a:pt x="917122" y="1213871"/>
+                  <a:pt x="710329" y="1182724"/>
+                  <a:pt x="601747" y="1200329"/>
+                </a:cubicBezTo>
+                <a:cubicBezTo>
+                  <a:pt x="493165" y="1217934"/>
+                  <a:pt x="275880" y="1140370"/>
+                  <a:pt x="0" y="1200329"/>
+                </a:cubicBezTo>
+                <a:cubicBezTo>
+                  <a:pt x="-46221" y="1098723"/>
+                  <a:pt x="49639" y="876726"/>
+                  <a:pt x="0" y="776213"/>
+                </a:cubicBezTo>
+                <a:cubicBezTo>
+                  <a:pt x="-49639" y="675700"/>
+                  <a:pt x="14248" y="545577"/>
+                  <a:pt x="0" y="376103"/>
+                </a:cubicBezTo>
+                <a:cubicBezTo>
+                  <a:pt x="-14248" y="206629"/>
+                  <a:pt x="30046" y="119499"/>
+                  <a:pt x="0" y="0"/>
+                </a:cubicBezTo>
+                <a:close/>
+              </a:path>
+              <a:path w="1656184" h="1200329" stroke="0" extrusionOk="0">
+                <a:moveTo>
+                  <a:pt x="0" y="0"/>
+                </a:moveTo>
+                <a:cubicBezTo>
+                  <a:pt x="134319" y="-21796"/>
+                  <a:pt x="365918" y="52130"/>
+                  <a:pt x="502376" y="0"/>
+                </a:cubicBezTo>
+                <a:cubicBezTo>
+                  <a:pt x="638834" y="-52130"/>
+                  <a:pt x="792191" y="27634"/>
+                  <a:pt x="1070999" y="0"/>
+                </a:cubicBezTo>
+                <a:cubicBezTo>
+                  <a:pt x="1349807" y="-27634"/>
+                  <a:pt x="1466269" y="40212"/>
+                  <a:pt x="1656184" y="0"/>
+                </a:cubicBezTo>
+                <a:cubicBezTo>
+                  <a:pt x="1656900" y="108639"/>
+                  <a:pt x="1631170" y="240292"/>
+                  <a:pt x="1656184" y="376103"/>
+                </a:cubicBezTo>
+                <a:cubicBezTo>
+                  <a:pt x="1681198" y="511914"/>
+                  <a:pt x="1630024" y="600660"/>
+                  <a:pt x="1656184" y="764209"/>
+                </a:cubicBezTo>
+                <a:cubicBezTo>
+                  <a:pt x="1682344" y="927758"/>
+                  <a:pt x="1613442" y="1013117"/>
+                  <a:pt x="1656184" y="1200329"/>
+                </a:cubicBezTo>
+                <a:cubicBezTo>
+                  <a:pt x="1544503" y="1252908"/>
+                  <a:pt x="1299936" y="1142400"/>
+                  <a:pt x="1120685" y="1200329"/>
+                </a:cubicBezTo>
+                <a:cubicBezTo>
+                  <a:pt x="941434" y="1258258"/>
+                  <a:pt x="790894" y="1159567"/>
+                  <a:pt x="535499" y="1200329"/>
+                </a:cubicBezTo>
+                <a:cubicBezTo>
+                  <a:pt x="280104" y="1241091"/>
+                  <a:pt x="242759" y="1164188"/>
+                  <a:pt x="0" y="1200329"/>
+                </a:cubicBezTo>
+                <a:cubicBezTo>
+                  <a:pt x="-22001" y="1119377"/>
+                  <a:pt x="4839" y="929116"/>
+                  <a:pt x="0" y="824226"/>
+                </a:cubicBezTo>
+                <a:cubicBezTo>
+                  <a:pt x="-4839" y="719336"/>
+                  <a:pt x="6571" y="615185"/>
+                  <a:pt x="0" y="412113"/>
+                </a:cubicBezTo>
+                <a:cubicBezTo>
+                  <a:pt x="-6571" y="209041"/>
+                  <a:pt x="13688" y="179337"/>
+                  <a:pt x="0" y="0"/>
+                </a:cubicBezTo>
+                <a:close/>
+              </a:path>
+            </a:pathLst>
+          </a:custGeom>
+          <a:ln>
+            <a:extLst>
+              <a:ext uri="{C807C97D-BFC1-408E-A445-0C87EB9F89A2}">
+                <ask:lineSketchStyleProps xmlns:ask="http://schemas.microsoft.com/office/drawing/2018/sketchyshapes" sd="25469283">
+                  <a:prstGeom prst="rect">
+                    <a:avLst/>
+                  </a:prstGeom>
+                  <ask:type>
+                    <ask:lineSketchScribble/>
+                  </ask:type>
+                </ask:lineSketchStyleProps>
+              </a:ext>
+            </a:extLst>
+          </a:ln>
+        </p:spPr>
+        <p:style>
+          <a:lnRef idx="2">
+            <a:schemeClr val="dk1"/>
+          </a:lnRef>
+          <a:fillRef idx="1">
+            <a:schemeClr val="lt1"/>
+          </a:fillRef>
+          <a:effectRef idx="0">
+            <a:schemeClr val="dk1"/>
+          </a:effectRef>
+          <a:fontRef idx="minor">
+            <a:schemeClr val="dk1"/>
+          </a:fontRef>
+        </p:style>
+        <p:txBody>
+          <a:bodyPr wrap="square">
+            <a:spAutoFit/>
+          </a:bodyPr>
+          <a:lstStyle/>
+          <a:p>
+            <a:r>
+              <a:rPr lang="pt-BR" dirty="0"/>
+              <a:t>10 Bolsas:</a:t>
+            </a:r>
+          </a:p>
+          <a:p>
+            <a:r>
+              <a:rPr lang="pt-BR" dirty="0"/>
+              <a:t>- 3 de 100% </a:t>
+            </a:r>
+          </a:p>
+          <a:p>
+            <a:r>
+              <a:rPr lang="pt-BR" dirty="0"/>
+              <a:t>- 3 de 90% </a:t>
+            </a:r>
+          </a:p>
+          <a:p>
+            <a:r>
+              <a:rPr lang="pt-BR" dirty="0"/>
+              <a:t>- 4 de 80%</a:t>
+            </a:r>
+          </a:p>
+        </p:txBody>
+      </p:sp>
+      <p:sp>
+        <p:nvSpPr>
+          <p:cNvPr id="8" name="CaixaDeTexto 7">
+            <a:extLst>
+              <a:ext uri="{FF2B5EF4-FFF2-40B4-BE49-F238E27FC236}">
+                <a16:creationId xmlns:a16="http://schemas.microsoft.com/office/drawing/2014/main" id="{E9FDC28E-5468-469F-BBFA-42BB9D71B00B}"/>
+              </a:ext>
+            </a:extLst>
+          </p:cNvPr>
+          <p:cNvSpPr txBox="1"/>
+          <p:nvPr/>
+        </p:nvSpPr>
+        <p:spPr>
+          <a:xfrm>
+            <a:off x="4367808" y="822343"/>
+            <a:ext cx="4680520" cy="646331"/>
+          </a:xfrm>
+          <a:prstGeom prst="rect">
+            <a:avLst/>
+          </a:prstGeom>
+          <a:noFill/>
+        </p:spPr>
+        <p:txBody>
+          <a:bodyPr wrap="square">
+            <a:spAutoFit/>
+          </a:bodyPr>
+          <a:lstStyle/>
+          <a:p>
+            <a:pPr algn="just"/>
+            <a:r>
+              <a:rPr lang="pt-BR" sz="1800" dirty="0"/>
+              <a:t>Bolsa </a:t>
+            </a:r>
+            <a:r>
+              <a:rPr lang="pt-BR" sz="1800" dirty="0" err="1"/>
+              <a:t>Nanodegree</a:t>
+            </a:r>
+            <a:r>
+              <a:rPr lang="pt-BR" sz="1800" dirty="0"/>
+              <a:t>:</a:t>
+            </a:r>
+          </a:p>
+          <a:p>
+            <a:pPr algn="just"/>
+            <a:r>
+              <a:rPr lang="pt-BR" sz="1800" dirty="0"/>
+              <a:t> </a:t>
+            </a:r>
+            <a:r>
+              <a:rPr lang="pt-BR" sz="1800" dirty="0">
+                <a:hlinkClick r:id="rId3"/>
+              </a:rPr>
+              <a:t>https://programacao.overstack.com.br/</a:t>
+            </a:r>
+            <a:endParaRPr lang="pt-BR" sz="1800" dirty="0"/>
+          </a:p>
+        </p:txBody>
+      </p:sp>
+      <p:sp>
+        <p:nvSpPr>
+          <p:cNvPr id="9" name="CaixaDeTexto 8">
+            <a:extLst>
+              <a:ext uri="{FF2B5EF4-FFF2-40B4-BE49-F238E27FC236}">
+                <a16:creationId xmlns:a16="http://schemas.microsoft.com/office/drawing/2014/main" id="{E365FBF1-3891-4710-81A8-92255BE7EBE3}"/>
+              </a:ext>
+            </a:extLst>
+          </p:cNvPr>
+          <p:cNvSpPr txBox="1"/>
+          <p:nvPr/>
+        </p:nvSpPr>
+        <p:spPr>
+          <a:xfrm>
+            <a:off x="2705862" y="5075859"/>
+            <a:ext cx="6780275" cy="1477328"/>
+          </a:xfrm>
+          <a:prstGeom prst="rect">
+            <a:avLst/>
+          </a:prstGeom>
+        </p:spPr>
+        <p:style>
+          <a:lnRef idx="2">
+            <a:schemeClr val="dk1"/>
+          </a:lnRef>
+          <a:fillRef idx="1">
+            <a:schemeClr val="lt1"/>
+          </a:fillRef>
+          <a:effectRef idx="0">
+            <a:schemeClr val="dk1"/>
+          </a:effectRef>
+          <a:fontRef idx="minor">
+            <a:schemeClr val="dk1"/>
+          </a:fontRef>
+        </p:style>
+        <p:txBody>
+          <a:bodyPr wrap="square">
+            <a:spAutoFit/>
+          </a:bodyPr>
+          <a:lstStyle/>
+          <a:p>
+            <a:r>
+              <a:rPr lang="pt-BR" dirty="0" err="1"/>
+              <a:t>git</a:t>
+            </a:r>
+            <a:r>
+              <a:rPr lang="pt-BR" dirty="0"/>
+              <a:t> clone https://github.com/CarlosWGama/js-selenium.git site</a:t>
+            </a:r>
+          </a:p>
+          <a:p>
+            <a:r>
+              <a:rPr lang="pt-BR" dirty="0" err="1"/>
+              <a:t>cd</a:t>
+            </a:r>
+            <a:r>
+              <a:rPr lang="pt-BR" dirty="0"/>
+              <a:t> site</a:t>
+            </a:r>
+          </a:p>
+          <a:p>
+            <a:r>
+              <a:rPr lang="pt-BR" dirty="0" err="1"/>
+              <a:t>git</a:t>
+            </a:r>
+            <a:r>
+              <a:rPr lang="pt-BR" dirty="0"/>
+              <a:t> checkout inicio</a:t>
+            </a:r>
+          </a:p>
+          <a:p>
+            <a:r>
+              <a:rPr lang="pt-BR" dirty="0" err="1"/>
+              <a:t>npm</a:t>
+            </a:r>
+            <a:r>
+              <a:rPr lang="pt-BR" dirty="0"/>
+              <a:t> </a:t>
+            </a:r>
+            <a:r>
+              <a:rPr lang="pt-BR" dirty="0" err="1"/>
+              <a:t>install</a:t>
+            </a:r>
+            <a:endParaRPr lang="pt-BR" dirty="0"/>
+          </a:p>
+          <a:p>
+            <a:r>
+              <a:rPr lang="pt-BR" dirty="0" err="1"/>
+              <a:t>npm</a:t>
+            </a:r>
+            <a:r>
+              <a:rPr lang="pt-BR" dirty="0"/>
+              <a:t> start</a:t>
+            </a:r>
+          </a:p>
+        </p:txBody>
+      </p:sp>
+    </p:spTree>
+    <p:extLst>
+      <p:ext uri="{BB962C8B-B14F-4D97-AF65-F5344CB8AC3E}">
+        <p14:creationId xmlns:p14="http://schemas.microsoft.com/office/powerpoint/2010/main" val="3286958888"/>
+      </p:ext>
+    </p:extLst>
+  </p:cSld>
+  <p:clrMapOvr>
+    <a:masterClrMapping/>
+  </p:clrMapOvr>
+  <p:timing>
+    <p:tnLst>
+      <p:par>
+        <p:cTn id="1" dur="indefinite" restart="never" nodeType="tmRoot">
+          <p:childTnLst>
+            <p:seq concurrent="1" nextAc="seek">
+              <p:cTn id="2" dur="indefinite" nodeType="mainSeq">
+                <p:childTnLst>
+                  <p:par>
+                    <p:cTn id="3" fill="hold">
+                      <p:stCondLst>
+                        <p:cond delay="indefinite"/>
+                      </p:stCondLst>
+                      <p:childTnLst>
+                        <p:par>
+                          <p:cTn id="4" fill="hold">
+                            <p:stCondLst>
+                              <p:cond delay="0"/>
+                            </p:stCondLst>
+                            <p:childTnLst>
+                              <p:par>
+                                <p:cTn id="5" presetID="10" presetClass="entr" presetSubtype="0" fill="hold" nodeType="clickEffect">
+                                  <p:stCondLst>
+                                    <p:cond delay="0"/>
+                                  </p:stCondLst>
+                                  <p:childTnLst>
+                                    <p:set>
+                                      <p:cBhvr>
+                                        <p:cTn id="6" dur="1" fill="hold">
+                                          <p:stCondLst>
+                                            <p:cond delay="0"/>
+                                          </p:stCondLst>
+                                        </p:cTn>
+                                        <p:tgtEl>
+                                          <p:spTgt spid="12">
+                                            <p:txEl>
+                                              <p:pRg st="0" end="0"/>
+                                            </p:txEl>
+                                          </p:spTgt>
+                                        </p:tgtEl>
+                                        <p:attrNameLst>
+                                          <p:attrName>style.visibility</p:attrName>
+                                        </p:attrNameLst>
+                                      </p:cBhvr>
+                                      <p:to>
+                                        <p:strVal val="visible"/>
+                                      </p:to>
+                                    </p:set>
+                                    <p:animEffect transition="in" filter="fade">
+                                      <p:cBhvr>
+                                        <p:cTn id="7" dur="500"/>
+                                        <p:tgtEl>
+                                          <p:spTgt spid="12">
+                                            <p:txEl>
+                                              <p:pRg st="0" end="0"/>
+                                            </p:txEl>
+                                          </p:spTgt>
+                                        </p:tgtEl>
+                                      </p:cBhvr>
+                                    </p:animEffect>
+                                  </p:childTnLst>
+                                </p:cTn>
+                              </p:par>
+                            </p:childTnLst>
+                          </p:cTn>
+                        </p:par>
+                      </p:childTnLst>
+                    </p:cTn>
+                  </p:par>
+                  <p:par>
+                    <p:cTn id="8" fill="hold">
+                      <p:stCondLst>
+                        <p:cond delay="indefinite"/>
+                      </p:stCondLst>
+                      <p:childTnLst>
+                        <p:par>
+                          <p:cTn id="9" fill="hold">
+                            <p:stCondLst>
+                              <p:cond delay="0"/>
+                            </p:stCondLst>
+                            <p:childTnLst>
+                              <p:par>
+                                <p:cTn id="10" presetID="10" presetClass="entr" presetSubtype="0" fill="hold" nodeType="clickEffect">
+                                  <p:stCondLst>
+                                    <p:cond delay="0"/>
+                                  </p:stCondLst>
+                                  <p:childTnLst>
+                                    <p:set>
+                                      <p:cBhvr>
+                                        <p:cTn id="11" dur="1" fill="hold">
+                                          <p:stCondLst>
+                                            <p:cond delay="0"/>
+                                          </p:stCondLst>
+                                        </p:cTn>
+                                        <p:tgtEl>
+                                          <p:spTgt spid="12">
+                                            <p:txEl>
+                                              <p:pRg st="1" end="1"/>
+                                            </p:txEl>
+                                          </p:spTgt>
+                                        </p:tgtEl>
+                                        <p:attrNameLst>
+                                          <p:attrName>style.visibility</p:attrName>
+                                        </p:attrNameLst>
+                                      </p:cBhvr>
+                                      <p:to>
+                                        <p:strVal val="visible"/>
+                                      </p:to>
+                                    </p:set>
+                                    <p:animEffect transition="in" filter="fade">
+                                      <p:cBhvr>
+                                        <p:cTn id="12" dur="500"/>
+                                        <p:tgtEl>
+                                          <p:spTgt spid="12">
+                                            <p:txEl>
+                                              <p:pRg st="1" end="1"/>
+                                            </p:txEl>
+                                          </p:spTgt>
+                                        </p:tgtEl>
+                                      </p:cBhvr>
+                                    </p:animEffect>
+                                  </p:childTnLst>
+                                </p:cTn>
+                              </p:par>
+                            </p:childTnLst>
+                          </p:cTn>
+                        </p:par>
+                      </p:childTnLst>
+                    </p:cTn>
+                  </p:par>
+                  <p:par>
+                    <p:cTn id="13" fill="hold">
+                      <p:stCondLst>
+                        <p:cond delay="indefinite"/>
+                      </p:stCondLst>
+                      <p:childTnLst>
+                        <p:par>
+                          <p:cTn id="14" fill="hold">
+                            <p:stCondLst>
+                              <p:cond delay="0"/>
+                            </p:stCondLst>
+                            <p:childTnLst>
+                              <p:par>
+                                <p:cTn id="15" presetID="10" presetClass="entr" presetSubtype="0" fill="hold" nodeType="clickEffect">
+                                  <p:stCondLst>
+                                    <p:cond delay="0"/>
+                                  </p:stCondLst>
+                                  <p:childTnLst>
+                                    <p:set>
+                                      <p:cBhvr>
+                                        <p:cTn id="16" dur="1" fill="hold">
+                                          <p:stCondLst>
+                                            <p:cond delay="0"/>
+                                          </p:stCondLst>
+                                        </p:cTn>
+                                        <p:tgtEl>
+                                          <p:spTgt spid="12">
+                                            <p:txEl>
+                                              <p:pRg st="2" end="2"/>
+                                            </p:txEl>
+                                          </p:spTgt>
+                                        </p:tgtEl>
+                                        <p:attrNameLst>
+                                          <p:attrName>style.visibility</p:attrName>
+                                        </p:attrNameLst>
+                                      </p:cBhvr>
+                                      <p:to>
+                                        <p:strVal val="visible"/>
+                                      </p:to>
+                                    </p:set>
+                                    <p:animEffect transition="in" filter="fade">
+                                      <p:cBhvr>
+                                        <p:cTn id="17" dur="500"/>
+                                        <p:tgtEl>
+                                          <p:spTgt spid="12">
+                                            <p:txEl>
+                                              <p:pRg st="2" end="2"/>
+                                            </p:txEl>
+                                          </p:spTgt>
+                                        </p:tgtEl>
+                                      </p:cBhvr>
+                                    </p:animEffect>
+                                  </p:childTnLst>
+                                </p:cTn>
+                              </p:par>
+                              <p:par>
+                                <p:cTn id="18" presetID="10" presetClass="entr" presetSubtype="0" fill="hold" nodeType="withEffect">
+                                  <p:stCondLst>
+                                    <p:cond delay="0"/>
+                                  </p:stCondLst>
+                                  <p:childTnLst>
+                                    <p:set>
+                                      <p:cBhvr>
+                                        <p:cTn id="19" dur="1" fill="hold">
+                                          <p:stCondLst>
+                                            <p:cond delay="0"/>
+                                          </p:stCondLst>
+                                        </p:cTn>
+                                        <p:tgtEl>
+                                          <p:spTgt spid="12">
+                                            <p:txEl>
+                                              <p:pRg st="3" end="3"/>
+                                            </p:txEl>
+                                          </p:spTgt>
+                                        </p:tgtEl>
+                                        <p:attrNameLst>
+                                          <p:attrName>style.visibility</p:attrName>
+                                        </p:attrNameLst>
+                                      </p:cBhvr>
+                                      <p:to>
+                                        <p:strVal val="visible"/>
+                                      </p:to>
+                                    </p:set>
+                                    <p:animEffect transition="in" filter="fade">
+                                      <p:cBhvr>
+                                        <p:cTn id="20" dur="500"/>
+                                        <p:tgtEl>
+                                          <p:spTgt spid="12">
+                                            <p:txEl>
+                                              <p:pRg st="3" end="3"/>
+                                            </p:txEl>
+                                          </p:spTgt>
+                                        </p:tgtEl>
+                                      </p:cBhvr>
+                                    </p:animEffect>
+                                  </p:childTnLst>
+                                </p:cTn>
+                              </p:par>
+                            </p:childTnLst>
+                          </p:cTn>
+                        </p:par>
+                      </p:childTnLst>
+                    </p:cTn>
+                  </p:par>
+                  <p:par>
+                    <p:cTn id="21" fill="hold">
+                      <p:stCondLst>
+                        <p:cond delay="indefinite"/>
+                      </p:stCondLst>
+                      <p:childTnLst>
+                        <p:par>
+                          <p:cTn id="22" fill="hold">
+                            <p:stCondLst>
+                              <p:cond delay="0"/>
+                            </p:stCondLst>
+                            <p:childTnLst>
+                              <p:par>
+                                <p:cTn id="23" presetID="10" presetClass="entr" presetSubtype="0" fill="hold" nodeType="clickEffect">
+                                  <p:stCondLst>
+                                    <p:cond delay="0"/>
+                                  </p:stCondLst>
+                                  <p:childTnLst>
+                                    <p:set>
+                                      <p:cBhvr>
+                                        <p:cTn id="24" dur="1" fill="hold">
+                                          <p:stCondLst>
+                                            <p:cond delay="0"/>
+                                          </p:stCondLst>
+                                        </p:cTn>
+                                        <p:tgtEl>
+                                          <p:spTgt spid="12">
+                                            <p:txEl>
+                                              <p:pRg st="4" end="4"/>
+                                            </p:txEl>
+                                          </p:spTgt>
+                                        </p:tgtEl>
+                                        <p:attrNameLst>
+                                          <p:attrName>style.visibility</p:attrName>
+                                        </p:attrNameLst>
+                                      </p:cBhvr>
+                                      <p:to>
+                                        <p:strVal val="visible"/>
+                                      </p:to>
+                                    </p:set>
+                                    <p:animEffect transition="in" filter="fade">
+                                      <p:cBhvr>
+                                        <p:cTn id="25" dur="500"/>
+                                        <p:tgtEl>
+                                          <p:spTgt spid="12">
+                                            <p:txEl>
+                                              <p:pRg st="4" end="4"/>
+                                            </p:txEl>
+                                          </p:spTgt>
+                                        </p:tgtEl>
+                                      </p:cBhvr>
+                                    </p:animEffect>
+                                  </p:childTnLst>
+                                </p:cTn>
+                              </p:par>
+                            </p:childTnLst>
+                          </p:cTn>
+                        </p:par>
+                      </p:childTnLst>
+                    </p:cTn>
+                  </p:par>
+                  <p:par>
+                    <p:cTn id="26" fill="hold">
+                      <p:stCondLst>
+                        <p:cond delay="indefinite"/>
+                      </p:stCondLst>
+                      <p:childTnLst>
+                        <p:par>
+                          <p:cTn id="27" fill="hold">
+                            <p:stCondLst>
+                              <p:cond delay="0"/>
+                            </p:stCondLst>
+                            <p:childTnLst>
+                              <p:par>
+                                <p:cTn id="28" presetID="10" presetClass="entr" presetSubtype="0" fill="hold" nodeType="clickEffect">
+                                  <p:stCondLst>
+                                    <p:cond delay="0"/>
+                                  </p:stCondLst>
+                                  <p:childTnLst>
+                                    <p:set>
+                                      <p:cBhvr>
+                                        <p:cTn id="29" dur="1" fill="hold">
+                                          <p:stCondLst>
+                                            <p:cond delay="0"/>
+                                          </p:stCondLst>
+                                        </p:cTn>
+                                        <p:tgtEl>
+                                          <p:spTgt spid="12">
+                                            <p:txEl>
+                                              <p:pRg st="5" end="5"/>
+                                            </p:txEl>
+                                          </p:spTgt>
+                                        </p:tgtEl>
+                                        <p:attrNameLst>
+                                          <p:attrName>style.visibility</p:attrName>
+                                        </p:attrNameLst>
+                                      </p:cBhvr>
+                                      <p:to>
+                                        <p:strVal val="visible"/>
+                                      </p:to>
+                                    </p:set>
+                                    <p:animEffect transition="in" filter="fade">
+                                      <p:cBhvr>
+                                        <p:cTn id="30" dur="500"/>
+                                        <p:tgtEl>
+                                          <p:spTgt spid="12">
+                                            <p:txEl>
+                                              <p:pRg st="5" end="5"/>
+                                            </p:txEl>
+                                          </p:spTgt>
+                                        </p:tgtEl>
+                                      </p:cBhvr>
+                                    </p:animEffect>
+                                  </p:childTnLst>
+                                </p:cTn>
+                              </p:par>
+                            </p:childTnLst>
+                          </p:cTn>
+                        </p:par>
+                      </p:childTnLst>
+                    </p:cTn>
+                  </p:par>
+                  <p:par>
+                    <p:cTn id="31" fill="hold">
+                      <p:stCondLst>
+                        <p:cond delay="indefinite"/>
+                      </p:stCondLst>
+                      <p:childTnLst>
+                        <p:par>
+                          <p:cTn id="32" fill="hold">
+                            <p:stCondLst>
+                              <p:cond delay="0"/>
+                            </p:stCondLst>
+                            <p:childTnLst>
+                              <p:par>
+                                <p:cTn id="33" presetID="10" presetClass="entr" presetSubtype="0" fill="hold" nodeType="clickEffect">
+                                  <p:stCondLst>
+                                    <p:cond delay="0"/>
+                                  </p:stCondLst>
+                                  <p:childTnLst>
+                                    <p:set>
+                                      <p:cBhvr>
+                                        <p:cTn id="34" dur="1" fill="hold">
+                                          <p:stCondLst>
+                                            <p:cond delay="0"/>
+                                          </p:stCondLst>
+                                        </p:cTn>
+                                        <p:tgtEl>
+                                          <p:spTgt spid="12">
+                                            <p:txEl>
+                                              <p:pRg st="6" end="6"/>
+                                            </p:txEl>
+                                          </p:spTgt>
+                                        </p:tgtEl>
+                                        <p:attrNameLst>
+                                          <p:attrName>style.visibility</p:attrName>
+                                        </p:attrNameLst>
+                                      </p:cBhvr>
+                                      <p:to>
+                                        <p:strVal val="visible"/>
+                                      </p:to>
+                                    </p:set>
+                                    <p:animEffect transition="in" filter="fade">
+                                      <p:cBhvr>
+                                        <p:cTn id="35" dur="500"/>
+                                        <p:tgtEl>
+                                          <p:spTgt spid="12">
+                                            <p:txEl>
+                                              <p:pRg st="6" end="6"/>
+                                            </p:txEl>
+                                          </p:spTgt>
+                                        </p:tgtEl>
+                                      </p:cBhvr>
+                                    </p:animEffect>
+                                  </p:childTnLst>
+                                </p:cTn>
+                              </p:par>
+                            </p:childTnLst>
+                          </p:cTn>
+                        </p:par>
+                      </p:childTnLst>
+                    </p:cTn>
+                  </p:par>
+                  <p:par>
+                    <p:cTn id="36" fill="hold">
+                      <p:stCondLst>
+                        <p:cond delay="indefinite"/>
+                      </p:stCondLst>
+                      <p:childTnLst>
+                        <p:par>
+                          <p:cTn id="37" fill="hold">
+                            <p:stCondLst>
+                              <p:cond delay="0"/>
+                            </p:stCondLst>
+                            <p:childTnLst>
+                              <p:par>
+                                <p:cTn id="38" presetID="10" presetClass="entr" presetSubtype="0" fill="hold" nodeType="clickEffect">
+                                  <p:stCondLst>
+                                    <p:cond delay="0"/>
+                                  </p:stCondLst>
+                                  <p:childTnLst>
+                                    <p:set>
+                                      <p:cBhvr>
+                                        <p:cTn id="39" dur="1" fill="hold">
+                                          <p:stCondLst>
+                                            <p:cond delay="0"/>
+                                          </p:stCondLst>
+                                        </p:cTn>
+                                        <p:tgtEl>
+                                          <p:spTgt spid="12">
+                                            <p:txEl>
+                                              <p:pRg st="7" end="7"/>
+                                            </p:txEl>
+                                          </p:spTgt>
+                                        </p:tgtEl>
+                                        <p:attrNameLst>
+                                          <p:attrName>style.visibility</p:attrName>
+                                        </p:attrNameLst>
+                                      </p:cBhvr>
+                                      <p:to>
+                                        <p:strVal val="visible"/>
+                                      </p:to>
+                                    </p:set>
+                                    <p:animEffect transition="in" filter="fade">
+                                      <p:cBhvr>
+                                        <p:cTn id="40" dur="500"/>
+                                        <p:tgtEl>
+                                          <p:spTgt spid="12">
+                                            <p:txEl>
+                                              <p:pRg st="7" end="7"/>
+                                            </p:txEl>
+                                          </p:spTgt>
+                                        </p:tgtEl>
+                                      </p:cBhvr>
+                                    </p:animEffect>
+                                  </p:childTnLst>
+                                </p:cTn>
+                              </p:par>
+                            </p:childTnLst>
+                          </p:cTn>
+                        </p:par>
+                      </p:childTnLst>
+                    </p:cTn>
+                  </p:par>
+                  <p:par>
+                    <p:cTn id="41" fill="hold">
+                      <p:stCondLst>
+                        <p:cond delay="indefinite"/>
+                      </p:stCondLst>
+                      <p:childTnLst>
+                        <p:par>
+                          <p:cTn id="42" fill="hold">
+                            <p:stCondLst>
+                              <p:cond delay="0"/>
+                            </p:stCondLst>
+                            <p:childTnLst>
+                              <p:par>
+                                <p:cTn id="43" presetID="10" presetClass="entr" presetSubtype="0" fill="hold" nodeType="clickEffect">
+                                  <p:stCondLst>
+                                    <p:cond delay="0"/>
+                                  </p:stCondLst>
+                                  <p:childTnLst>
+                                    <p:set>
+                                      <p:cBhvr>
+                                        <p:cTn id="44" dur="1" fill="hold">
+                                          <p:stCondLst>
+                                            <p:cond delay="0"/>
+                                          </p:stCondLst>
+                                        </p:cTn>
+                                        <p:tgtEl>
+                                          <p:spTgt spid="12">
+                                            <p:txEl>
+                                              <p:pRg st="9" end="9"/>
+                                            </p:txEl>
+                                          </p:spTgt>
+                                        </p:tgtEl>
+                                        <p:attrNameLst>
+                                          <p:attrName>style.visibility</p:attrName>
+                                        </p:attrNameLst>
+                                      </p:cBhvr>
+                                      <p:to>
+                                        <p:strVal val="visible"/>
+                                      </p:to>
+                                    </p:set>
+                                    <p:animEffect transition="in" filter="fade">
+                                      <p:cBhvr>
+                                        <p:cTn id="45" dur="500"/>
+                                        <p:tgtEl>
+                                          <p:spTgt spid="12">
+                                            <p:txEl>
+                                              <p:pRg st="9" end="9"/>
+                                            </p:txEl>
+                                          </p:spTgt>
+                                        </p:tgtEl>
+                                      </p:cBhvr>
+                                    </p:animEffect>
+                                  </p:childTnLst>
+                                </p:cTn>
+                              </p:par>
+                            </p:childTnLst>
+                          </p:cTn>
+                        </p:par>
+                      </p:childTnLst>
+                    </p:cTn>
+                  </p:par>
+                  <p:par>
+                    <p:cTn id="46" fill="hold">
+                      <p:stCondLst>
+                        <p:cond delay="indefinite"/>
+                      </p:stCondLst>
+                      <p:childTnLst>
+                        <p:par>
+                          <p:cTn id="47" fill="hold">
+                            <p:stCondLst>
+                              <p:cond delay="0"/>
+                            </p:stCondLst>
+                            <p:childTnLst>
+                              <p:par>
+                                <p:cTn id="48" presetID="10" presetClass="entr" presetSubtype="0" fill="hold" grpId="0" nodeType="clickEffect">
+                                  <p:stCondLst>
+                                    <p:cond delay="0"/>
+                                  </p:stCondLst>
+                                  <p:childTnLst>
+                                    <p:set>
+                                      <p:cBhvr>
+                                        <p:cTn id="49" dur="1" fill="hold">
+                                          <p:stCondLst>
+                                            <p:cond delay="0"/>
+                                          </p:stCondLst>
+                                        </p:cTn>
+                                        <p:tgtEl>
+                                          <p:spTgt spid="9"/>
+                                        </p:tgtEl>
+                                        <p:attrNameLst>
+                                          <p:attrName>style.visibility</p:attrName>
+                                        </p:attrNameLst>
+                                      </p:cBhvr>
+                                      <p:to>
+                                        <p:strVal val="visible"/>
+                                      </p:to>
+                                    </p:set>
+                                    <p:animEffect transition="in" filter="fade">
+                                      <p:cBhvr>
+                                        <p:cTn id="50" dur="500"/>
+                                        <p:tgtEl>
+                                          <p:spTgt spid="9"/>
+                                        </p:tgtEl>
+                                      </p:cBhvr>
+                                    </p:animEffect>
+                                  </p:childTnLst>
+                                </p:cTn>
+                              </p:par>
+                            </p:childTnLst>
+                          </p:cTn>
+                        </p:par>
+                      </p:childTnLst>
+                    </p:cTn>
+                  </p:par>
+                </p:childTnLst>
+              </p:cTn>
+              <p:prevCondLst>
+                <p:cond evt="onPrev" delay="0">
+                  <p:tgtEl>
+                    <p:sldTgt/>
+                  </p:tgtEl>
+                </p:cond>
+              </p:prevCondLst>
+              <p:nextCondLst>
+                <p:cond evt="onNext" delay="0">
+                  <p:tgtEl>
+                    <p:sldTgt/>
+                  </p:tgtEl>
+                </p:cond>
+              </p:nextCondLst>
+            </p:seq>
+          </p:childTnLst>
+        </p:cTn>
+      </p:par>
+    </p:tnLst>
+    <p:bldLst>
+      <p:bldP spid="9" grpId="0" animBg="1"/>
+    </p:bldLst>
+  </p:timing>
+</p:sld>
+</file>
+
 <file path=ppt/slides/slide4.xml><?xml version="1.0" encoding="utf-8"?>
 <p:sld xmlns:a="http://schemas.openxmlformats.org/drawingml/2006/main" xmlns:r="http://schemas.openxmlformats.org/officeDocument/2006/relationships" xmlns:p="http://schemas.openxmlformats.org/presentationml/2006/main">
   <p:cSld>
